--- a/java/slides/ppt/08 - Java Multi-Threading.pptx
+++ b/java/slides/ppt/08 - Java Multi-Threading.pptx
@@ -3121,9 +3121,10 @@
           <a:lstStyle/>
           <a:p>
             <a:r>
-              <a:rPr lang="en-US" dirty="0"/>
-              <a:t>Java Threads</a:t>
-            </a:r>
+              <a:rPr lang="en-US"/>
+              <a:t>Java Multi-Threading</a:t>
+            </a:r>
+            <a:endParaRPr lang="en-US" dirty="0"/>
           </a:p>
         </p:txBody>
       </p:sp>

--- a/java/slides/ppt/08 - Java Multi-Threading.pptx
+++ b/java/slides/ppt/08 - Java Multi-Threading.pptx
@@ -1,9 +1,15 @@
 
 <file path=ppt/presentation.xml><?xml version="1.0" encoding="utf-8"?>
-<p:presentation xmlns:a="http://schemas.openxmlformats.org/drawingml/2006/main" xmlns:r="http://schemas.openxmlformats.org/officeDocument/2006/relationships" xmlns:p="http://schemas.openxmlformats.org/presentationml/2006/main" saveSubsetFonts="1" autoCompressPictures="0">
+<p:presentation xmlns:a="http://schemas.openxmlformats.org/drawingml/2006/main" xmlns:r="http://schemas.openxmlformats.org/officeDocument/2006/relationships" xmlns:p="http://schemas.openxmlformats.org/presentationml/2006/main" showSpecialPlsOnTitleSld="0" saveSubsetFonts="1">
   <p:sldMasterIdLst>
-    <p:sldMasterId id="2147483660" r:id="rId1"/>
+    <p:sldMasterId id="2147483672" r:id="rId1"/>
   </p:sldMasterIdLst>
+  <p:notesMasterIdLst>
+    <p:notesMasterId r:id="rId67"/>
+  </p:notesMasterIdLst>
+  <p:handoutMasterIdLst>
+    <p:handoutMasterId r:id="rId68"/>
+  </p:handoutMasterIdLst>
   <p:sldIdLst>
     <p:sldId id="256" r:id="rId2"/>
     <p:sldId id="298" r:id="rId3"/>
@@ -71,13 +77,13 @@
     <p:sldId id="295" r:id="rId65"/>
     <p:sldId id="324" r:id="rId66"/>
   </p:sldIdLst>
-  <p:sldSz cx="9144000" cy="6858000" type="screen4x3"/>
+  <p:sldSz cx="12192000" cy="6858000"/>
   <p:notesSz cx="6858000" cy="9144000"/>
   <p:defaultTextStyle>
     <a:defPPr>
-      <a:defRPr lang="en-US"/>
+      <a:defRPr lang="it-IT"/>
     </a:defPPr>
-    <a:lvl1pPr marL="0" algn="l" defTabSz="457200" rtl="0" eaLnBrk="1" latinLnBrk="0" hangingPunct="1">
+    <a:lvl1pPr marL="0" algn="l" defTabSz="914400" rtl="0" eaLnBrk="1" latinLnBrk="0" hangingPunct="1">
       <a:defRPr sz="1800" kern="1200">
         <a:solidFill>
           <a:schemeClr val="tx1"/>
@@ -87,7 +93,7 @@
         <a:cs typeface="+mn-cs"/>
       </a:defRPr>
     </a:lvl1pPr>
-    <a:lvl2pPr marL="457200" algn="l" defTabSz="457200" rtl="0" eaLnBrk="1" latinLnBrk="0" hangingPunct="1">
+    <a:lvl2pPr marL="457200" algn="l" defTabSz="914400" rtl="0" eaLnBrk="1" latinLnBrk="0" hangingPunct="1">
       <a:defRPr sz="1800" kern="1200">
         <a:solidFill>
           <a:schemeClr val="tx1"/>
@@ -97,7 +103,7 @@
         <a:cs typeface="+mn-cs"/>
       </a:defRPr>
     </a:lvl2pPr>
-    <a:lvl3pPr marL="914400" algn="l" defTabSz="457200" rtl="0" eaLnBrk="1" latinLnBrk="0" hangingPunct="1">
+    <a:lvl3pPr marL="914400" algn="l" defTabSz="914400" rtl="0" eaLnBrk="1" latinLnBrk="0" hangingPunct="1">
       <a:defRPr sz="1800" kern="1200">
         <a:solidFill>
           <a:schemeClr val="tx1"/>
@@ -107,7 +113,7 @@
         <a:cs typeface="+mn-cs"/>
       </a:defRPr>
     </a:lvl3pPr>
-    <a:lvl4pPr marL="1371600" algn="l" defTabSz="457200" rtl="0" eaLnBrk="1" latinLnBrk="0" hangingPunct="1">
+    <a:lvl4pPr marL="1371600" algn="l" defTabSz="914400" rtl="0" eaLnBrk="1" latinLnBrk="0" hangingPunct="1">
       <a:defRPr sz="1800" kern="1200">
         <a:solidFill>
           <a:schemeClr val="tx1"/>
@@ -117,7 +123,7 @@
         <a:cs typeface="+mn-cs"/>
       </a:defRPr>
     </a:lvl4pPr>
-    <a:lvl5pPr marL="1828800" algn="l" defTabSz="457200" rtl="0" eaLnBrk="1" latinLnBrk="0" hangingPunct="1">
+    <a:lvl5pPr marL="1828800" algn="l" defTabSz="914400" rtl="0" eaLnBrk="1" latinLnBrk="0" hangingPunct="1">
       <a:defRPr sz="1800" kern="1200">
         <a:solidFill>
           <a:schemeClr val="tx1"/>
@@ -127,7 +133,7 @@
         <a:cs typeface="+mn-cs"/>
       </a:defRPr>
     </a:lvl5pPr>
-    <a:lvl6pPr marL="2286000" algn="l" defTabSz="457200" rtl="0" eaLnBrk="1" latinLnBrk="0" hangingPunct="1">
+    <a:lvl6pPr marL="2286000" algn="l" defTabSz="914400" rtl="0" eaLnBrk="1" latinLnBrk="0" hangingPunct="1">
       <a:defRPr sz="1800" kern="1200">
         <a:solidFill>
           <a:schemeClr val="tx1"/>
@@ -137,7 +143,7 @@
         <a:cs typeface="+mn-cs"/>
       </a:defRPr>
     </a:lvl6pPr>
-    <a:lvl7pPr marL="2743200" algn="l" defTabSz="457200" rtl="0" eaLnBrk="1" latinLnBrk="0" hangingPunct="1">
+    <a:lvl7pPr marL="2743200" algn="l" defTabSz="914400" rtl="0" eaLnBrk="1" latinLnBrk="0" hangingPunct="1">
       <a:defRPr sz="1800" kern="1200">
         <a:solidFill>
           <a:schemeClr val="tx1"/>
@@ -147,7 +153,7 @@
         <a:cs typeface="+mn-cs"/>
       </a:defRPr>
     </a:lvl7pPr>
-    <a:lvl8pPr marL="3200400" algn="l" defTabSz="457200" rtl="0" eaLnBrk="1" latinLnBrk="0" hangingPunct="1">
+    <a:lvl8pPr marL="3200400" algn="l" defTabSz="914400" rtl="0" eaLnBrk="1" latinLnBrk="0" hangingPunct="1">
       <a:defRPr sz="1800" kern="1200">
         <a:solidFill>
           <a:schemeClr val="tx1"/>
@@ -157,7 +163,7 @@
         <a:cs typeface="+mn-cs"/>
       </a:defRPr>
     </a:lvl8pPr>
-    <a:lvl9pPr marL="3657600" algn="l" defTabSz="457200" rtl="0" eaLnBrk="1" latinLnBrk="0" hangingPunct="1">
+    <a:lvl9pPr marL="3657600" algn="l" defTabSz="914400" rtl="0" eaLnBrk="1" latinLnBrk="0" hangingPunct="1">
       <a:defRPr sz="1800" kern="1200">
         <a:solidFill>
           <a:schemeClr val="tx1"/>
@@ -171,12 +177,12 @@
   <p:extLst>
     <p:ext uri="{EFAFB233-063F-42B5-8137-9DF3F51BA10A}">
       <p15:sldGuideLst xmlns:p15="http://schemas.microsoft.com/office/powerpoint/2012/main">
-        <p15:guide id="1" orient="horz" pos="2160">
+        <p15:guide id="1" orient="horz" pos="2160" userDrawn="1">
           <p15:clr>
             <a:srgbClr val="A4A3A4"/>
           </p15:clr>
         </p15:guide>
-        <p15:guide id="2" pos="2880">
+        <p15:guide id="2" pos="3840" userDrawn="1">
           <p15:clr>
             <a:srgbClr val="A4A3A4"/>
           </p15:clr>
@@ -187,8 +193,552 @@
 </p:presentation>
 </file>
 
+<file path=ppt/handoutMasters/handoutMaster1.xml><?xml version="1.0" encoding="utf-8"?>
+<p:handoutMaster xmlns:a="http://schemas.openxmlformats.org/drawingml/2006/main" xmlns:r="http://schemas.openxmlformats.org/officeDocument/2006/relationships" xmlns:p="http://schemas.openxmlformats.org/presentationml/2006/main">
+  <p:cSld>
+    <p:bg>
+      <p:bgRef idx="1001">
+        <a:schemeClr val="bg1"/>
+      </p:bgRef>
+    </p:bg>
+    <p:spTree>
+      <p:nvGrpSpPr>
+        <p:cNvPr id="1" name=""/>
+        <p:cNvGrpSpPr/>
+        <p:nvPr/>
+      </p:nvGrpSpPr>
+      <p:grpSpPr>
+        <a:xfrm>
+          <a:off x="0" y="0"/>
+          <a:ext cx="0" cy="0"/>
+          <a:chOff x="0" y="0"/>
+          <a:chExt cx="0" cy="0"/>
+        </a:xfrm>
+      </p:grpSpPr>
+      <p:sp>
+        <p:nvSpPr>
+          <p:cNvPr id="2" name="Header Placeholder 1">
+            <a:extLst>
+              <a:ext uri="{FF2B5EF4-FFF2-40B4-BE49-F238E27FC236}">
+                <a16:creationId xmlns:a16="http://schemas.microsoft.com/office/drawing/2014/main" id="{F25CBCAF-8195-0B41-9F39-155992CBB6CE}"/>
+              </a:ext>
+            </a:extLst>
+          </p:cNvPr>
+          <p:cNvSpPr>
+            <a:spLocks noGrp="1"/>
+          </p:cNvSpPr>
+          <p:nvPr>
+            <p:ph type="hdr" sz="quarter"/>
+          </p:nvPr>
+        </p:nvSpPr>
+        <p:spPr>
+          <a:xfrm>
+            <a:off x="0" y="0"/>
+            <a:ext cx="2971800" cy="458788"/>
+          </a:xfrm>
+          <a:prstGeom prst="rect">
+            <a:avLst/>
+          </a:prstGeom>
+        </p:spPr>
+        <p:txBody>
+          <a:bodyPr vert="horz" lIns="91440" tIns="45720" rIns="91440" bIns="45720" rtlCol="0"/>
+          <a:lstStyle>
+            <a:lvl1pPr algn="l">
+              <a:defRPr sz="1200"/>
+            </a:lvl1pPr>
+          </a:lstStyle>
+          <a:p>
+            <a:endParaRPr lang="en-IT"/>
+          </a:p>
+        </p:txBody>
+      </p:sp>
+      <p:sp>
+        <p:nvSpPr>
+          <p:cNvPr id="3" name="Date Placeholder 2">
+            <a:extLst>
+              <a:ext uri="{FF2B5EF4-FFF2-40B4-BE49-F238E27FC236}">
+                <a16:creationId xmlns:a16="http://schemas.microsoft.com/office/drawing/2014/main" id="{4530F5F1-56F9-594B-8002-505C0B3A9533}"/>
+              </a:ext>
+            </a:extLst>
+          </p:cNvPr>
+          <p:cNvSpPr>
+            <a:spLocks noGrp="1"/>
+          </p:cNvSpPr>
+          <p:nvPr>
+            <p:ph type="dt" sz="quarter" idx="1"/>
+          </p:nvPr>
+        </p:nvSpPr>
+        <p:spPr>
+          <a:xfrm>
+            <a:off x="3884613" y="0"/>
+            <a:ext cx="2971800" cy="458788"/>
+          </a:xfrm>
+          <a:prstGeom prst="rect">
+            <a:avLst/>
+          </a:prstGeom>
+        </p:spPr>
+        <p:txBody>
+          <a:bodyPr vert="horz" lIns="91440" tIns="45720" rIns="91440" bIns="45720" rtlCol="0"/>
+          <a:lstStyle>
+            <a:lvl1pPr algn="r">
+              <a:defRPr sz="1200"/>
+            </a:lvl1pPr>
+          </a:lstStyle>
+          <a:p>
+            <a:fld id="{5591E39A-28E5-5D4D-B97C-ECEB96F19817}" type="datetimeFigureOut">
+              <a:rPr lang="en-IT" smtClean="0"/>
+              <a:t>30/09/21</a:t>
+            </a:fld>
+            <a:endParaRPr lang="en-IT"/>
+          </a:p>
+        </p:txBody>
+      </p:sp>
+      <p:sp>
+        <p:nvSpPr>
+          <p:cNvPr id="4" name="Footer Placeholder 3">
+            <a:extLst>
+              <a:ext uri="{FF2B5EF4-FFF2-40B4-BE49-F238E27FC236}">
+                <a16:creationId xmlns:a16="http://schemas.microsoft.com/office/drawing/2014/main" id="{0D01DB9C-5FE6-5646-A4CF-CACE1FBFD1F6}"/>
+              </a:ext>
+            </a:extLst>
+          </p:cNvPr>
+          <p:cNvSpPr>
+            <a:spLocks noGrp="1"/>
+          </p:cNvSpPr>
+          <p:nvPr>
+            <p:ph type="ftr" sz="quarter" idx="2"/>
+          </p:nvPr>
+        </p:nvSpPr>
+        <p:spPr>
+          <a:xfrm>
+            <a:off x="0" y="8685213"/>
+            <a:ext cx="2971800" cy="458787"/>
+          </a:xfrm>
+          <a:prstGeom prst="rect">
+            <a:avLst/>
+          </a:prstGeom>
+        </p:spPr>
+        <p:txBody>
+          <a:bodyPr vert="horz" lIns="91440" tIns="45720" rIns="91440" bIns="45720" rtlCol="0" anchor="b"/>
+          <a:lstStyle>
+            <a:lvl1pPr algn="l">
+              <a:defRPr sz="1200"/>
+            </a:lvl1pPr>
+          </a:lstStyle>
+          <a:p>
+            <a:endParaRPr lang="en-IT"/>
+          </a:p>
+        </p:txBody>
+      </p:sp>
+      <p:sp>
+        <p:nvSpPr>
+          <p:cNvPr id="5" name="Slide Number Placeholder 4">
+            <a:extLst>
+              <a:ext uri="{FF2B5EF4-FFF2-40B4-BE49-F238E27FC236}">
+                <a16:creationId xmlns:a16="http://schemas.microsoft.com/office/drawing/2014/main" id="{1807AD1E-ED4D-4F49-B2E9-34CF7F0E16D1}"/>
+              </a:ext>
+            </a:extLst>
+          </p:cNvPr>
+          <p:cNvSpPr>
+            <a:spLocks noGrp="1"/>
+          </p:cNvSpPr>
+          <p:nvPr>
+            <p:ph type="sldNum" sz="quarter" idx="3"/>
+          </p:nvPr>
+        </p:nvSpPr>
+        <p:spPr>
+          <a:xfrm>
+            <a:off x="3884613" y="8685213"/>
+            <a:ext cx="2971800" cy="458787"/>
+          </a:xfrm>
+          <a:prstGeom prst="rect">
+            <a:avLst/>
+          </a:prstGeom>
+        </p:spPr>
+        <p:txBody>
+          <a:bodyPr vert="horz" lIns="91440" tIns="45720" rIns="91440" bIns="45720" rtlCol="0" anchor="b"/>
+          <a:lstStyle>
+            <a:lvl1pPr algn="r">
+              <a:defRPr sz="1200"/>
+            </a:lvl1pPr>
+          </a:lstStyle>
+          <a:p>
+            <a:fld id="{D8E6113E-382B-5C49-947E-9975DE242C1F}" type="slidenum">
+              <a:rPr lang="en-IT" smtClean="0"/>
+              <a:t>‹#›</a:t>
+            </a:fld>
+            <a:endParaRPr lang="en-IT"/>
+          </a:p>
+        </p:txBody>
+      </p:sp>
+    </p:spTree>
+    <p:extLst>
+      <p:ext uri="{BB962C8B-B14F-4D97-AF65-F5344CB8AC3E}">
+        <p14:creationId xmlns:p14="http://schemas.microsoft.com/office/powerpoint/2010/main" val="711723140"/>
+      </p:ext>
+    </p:extLst>
+  </p:cSld>
+  <p:clrMap bg1="lt1" tx1="dk1" bg2="lt2" tx2="dk2" accent1="accent1" accent2="accent2" accent3="accent3" accent4="accent4" accent5="accent5" accent6="accent6" hlink="hlink" folHlink="folHlink"/>
+  <p:hf hdr="0" ftr="0" dt="0"/>
+</p:handoutMaster>
+</file>
+
+<file path=ppt/notesMasters/notesMaster1.xml><?xml version="1.0" encoding="utf-8"?>
+<p:notesMaster xmlns:a="http://schemas.openxmlformats.org/drawingml/2006/main" xmlns:r="http://schemas.openxmlformats.org/officeDocument/2006/relationships" xmlns:p="http://schemas.openxmlformats.org/presentationml/2006/main">
+  <p:cSld>
+    <p:bg>
+      <p:bgRef idx="1001">
+        <a:schemeClr val="bg1"/>
+      </p:bgRef>
+    </p:bg>
+    <p:spTree>
+      <p:nvGrpSpPr>
+        <p:cNvPr id="1" name=""/>
+        <p:cNvGrpSpPr/>
+        <p:nvPr/>
+      </p:nvGrpSpPr>
+      <p:grpSpPr>
+        <a:xfrm>
+          <a:off x="0" y="0"/>
+          <a:ext cx="0" cy="0"/>
+          <a:chOff x="0" y="0"/>
+          <a:chExt cx="0" cy="0"/>
+        </a:xfrm>
+      </p:grpSpPr>
+      <p:sp>
+        <p:nvSpPr>
+          <p:cNvPr id="2" name="Segnaposto intestazione 1"/>
+          <p:cNvSpPr>
+            <a:spLocks noGrp="1"/>
+          </p:cNvSpPr>
+          <p:nvPr>
+            <p:ph type="hdr" sz="quarter"/>
+          </p:nvPr>
+        </p:nvSpPr>
+        <p:spPr>
+          <a:xfrm>
+            <a:off x="0" y="0"/>
+            <a:ext cx="2971800" cy="457200"/>
+          </a:xfrm>
+          <a:prstGeom prst="rect">
+            <a:avLst/>
+          </a:prstGeom>
+        </p:spPr>
+        <p:txBody>
+          <a:bodyPr vert="horz" lIns="91440" tIns="45720" rIns="91440" bIns="45720" rtlCol="0"/>
+          <a:lstStyle>
+            <a:lvl1pPr algn="l">
+              <a:defRPr sz="1200"/>
+            </a:lvl1pPr>
+          </a:lstStyle>
+          <a:p>
+            <a:endParaRPr lang="it-IT"/>
+          </a:p>
+        </p:txBody>
+      </p:sp>
+      <p:sp>
+        <p:nvSpPr>
+          <p:cNvPr id="3" name="Segnaposto data 2"/>
+          <p:cNvSpPr>
+            <a:spLocks noGrp="1"/>
+          </p:cNvSpPr>
+          <p:nvPr>
+            <p:ph type="dt" idx="1"/>
+          </p:nvPr>
+        </p:nvSpPr>
+        <p:spPr>
+          <a:xfrm>
+            <a:off x="3884613" y="0"/>
+            <a:ext cx="2971800" cy="457200"/>
+          </a:xfrm>
+          <a:prstGeom prst="rect">
+            <a:avLst/>
+          </a:prstGeom>
+        </p:spPr>
+        <p:txBody>
+          <a:bodyPr vert="horz" lIns="91440" tIns="45720" rIns="91440" bIns="45720" rtlCol="0"/>
+          <a:lstStyle>
+            <a:lvl1pPr algn="r">
+              <a:defRPr sz="1200"/>
+            </a:lvl1pPr>
+          </a:lstStyle>
+          <a:p>
+            <a:fld id="{BAEB7694-8561-4BE2-948D-EDF7A201F8BB}" type="datetimeFigureOut">
+              <a:rPr lang="it-IT" smtClean="0"/>
+              <a:pPr/>
+              <a:t>30/09/21</a:t>
+            </a:fld>
+            <a:endParaRPr lang="it-IT"/>
+          </a:p>
+        </p:txBody>
+      </p:sp>
+      <p:sp>
+        <p:nvSpPr>
+          <p:cNvPr id="4" name="Segnaposto immagine diapositiva 3"/>
+          <p:cNvSpPr>
+            <a:spLocks noGrp="1" noRot="1" noChangeAspect="1"/>
+          </p:cNvSpPr>
+          <p:nvPr>
+            <p:ph type="sldImg" idx="2"/>
+          </p:nvPr>
+        </p:nvSpPr>
+        <p:spPr>
+          <a:xfrm>
+            <a:off x="381000" y="685800"/>
+            <a:ext cx="6096000" cy="3429000"/>
+          </a:xfrm>
+          <a:prstGeom prst="rect">
+            <a:avLst/>
+          </a:prstGeom>
+          <a:noFill/>
+          <a:ln w="12700">
+            <a:solidFill>
+              <a:prstClr val="black"/>
+            </a:solidFill>
+          </a:ln>
+        </p:spPr>
+        <p:txBody>
+          <a:bodyPr vert="horz" lIns="91440" tIns="45720" rIns="91440" bIns="45720" rtlCol="0" anchor="ctr"/>
+          <a:lstStyle/>
+          <a:p>
+            <a:endParaRPr lang="it-IT"/>
+          </a:p>
+        </p:txBody>
+      </p:sp>
+      <p:sp>
+        <p:nvSpPr>
+          <p:cNvPr id="5" name="Segnaposto note 4"/>
+          <p:cNvSpPr>
+            <a:spLocks noGrp="1"/>
+          </p:cNvSpPr>
+          <p:nvPr>
+            <p:ph type="body" sz="quarter" idx="3"/>
+          </p:nvPr>
+        </p:nvSpPr>
+        <p:spPr>
+          <a:xfrm>
+            <a:off x="685800" y="4343400"/>
+            <a:ext cx="5486400" cy="4114800"/>
+          </a:xfrm>
+          <a:prstGeom prst="rect">
+            <a:avLst/>
+          </a:prstGeom>
+        </p:spPr>
+        <p:txBody>
+          <a:bodyPr vert="horz" lIns="91440" tIns="45720" rIns="91440" bIns="45720" rtlCol="0">
+            <a:normAutofit/>
+          </a:bodyPr>
+          <a:lstStyle/>
+          <a:p>
+            <a:pPr lvl="0"/>
+            <a:r>
+              <a:rPr lang="it-IT"/>
+              <a:t>Fare clic per modificare stili del testo dello schema</a:t>
+            </a:r>
+          </a:p>
+          <a:p>
+            <a:pPr lvl="1"/>
+            <a:r>
+              <a:rPr lang="it-IT"/>
+              <a:t>Secondo livello</a:t>
+            </a:r>
+          </a:p>
+          <a:p>
+            <a:pPr lvl="2"/>
+            <a:r>
+              <a:rPr lang="it-IT"/>
+              <a:t>Terzo livello</a:t>
+            </a:r>
+          </a:p>
+          <a:p>
+            <a:pPr lvl="3"/>
+            <a:r>
+              <a:rPr lang="it-IT"/>
+              <a:t>Quarto livello</a:t>
+            </a:r>
+          </a:p>
+          <a:p>
+            <a:pPr lvl="4"/>
+            <a:r>
+              <a:rPr lang="it-IT"/>
+              <a:t>Quinto livello</a:t>
+            </a:r>
+          </a:p>
+        </p:txBody>
+      </p:sp>
+      <p:sp>
+        <p:nvSpPr>
+          <p:cNvPr id="6" name="Segnaposto piè di pagina 5"/>
+          <p:cNvSpPr>
+            <a:spLocks noGrp="1"/>
+          </p:cNvSpPr>
+          <p:nvPr>
+            <p:ph type="ftr" sz="quarter" idx="4"/>
+          </p:nvPr>
+        </p:nvSpPr>
+        <p:spPr>
+          <a:xfrm>
+            <a:off x="0" y="8685213"/>
+            <a:ext cx="2971800" cy="457200"/>
+          </a:xfrm>
+          <a:prstGeom prst="rect">
+            <a:avLst/>
+          </a:prstGeom>
+        </p:spPr>
+        <p:txBody>
+          <a:bodyPr vert="horz" lIns="91440" tIns="45720" rIns="91440" bIns="45720" rtlCol="0" anchor="b"/>
+          <a:lstStyle>
+            <a:lvl1pPr algn="l">
+              <a:defRPr sz="1200"/>
+            </a:lvl1pPr>
+          </a:lstStyle>
+          <a:p>
+            <a:endParaRPr lang="it-IT"/>
+          </a:p>
+        </p:txBody>
+      </p:sp>
+      <p:sp>
+        <p:nvSpPr>
+          <p:cNvPr id="7" name="Segnaposto numero diapositiva 6"/>
+          <p:cNvSpPr>
+            <a:spLocks noGrp="1"/>
+          </p:cNvSpPr>
+          <p:nvPr>
+            <p:ph type="sldNum" sz="quarter" idx="5"/>
+          </p:nvPr>
+        </p:nvSpPr>
+        <p:spPr>
+          <a:xfrm>
+            <a:off x="3884613" y="8685213"/>
+            <a:ext cx="2971800" cy="457200"/>
+          </a:xfrm>
+          <a:prstGeom prst="rect">
+            <a:avLst/>
+          </a:prstGeom>
+        </p:spPr>
+        <p:txBody>
+          <a:bodyPr vert="horz" lIns="91440" tIns="45720" rIns="91440" bIns="45720" rtlCol="0" anchor="b"/>
+          <a:lstStyle>
+            <a:lvl1pPr algn="r">
+              <a:defRPr sz="1200"/>
+            </a:lvl1pPr>
+          </a:lstStyle>
+          <a:p>
+            <a:fld id="{475F0E4F-C068-4558-BD2C-4354A8A0FB1B}" type="slidenum">
+              <a:rPr lang="it-IT" smtClean="0"/>
+              <a:pPr/>
+              <a:t>‹#›</a:t>
+            </a:fld>
+            <a:endParaRPr lang="it-IT"/>
+          </a:p>
+        </p:txBody>
+      </p:sp>
+    </p:spTree>
+    <p:extLst>
+      <p:ext uri="{BB962C8B-B14F-4D97-AF65-F5344CB8AC3E}">
+        <p14:creationId xmlns:p14="http://schemas.microsoft.com/office/powerpoint/2010/main" val="2935502336"/>
+      </p:ext>
+    </p:extLst>
+  </p:cSld>
+  <p:clrMap bg1="lt1" tx1="dk1" bg2="lt2" tx2="dk2" accent1="accent1" accent2="accent2" accent3="accent3" accent4="accent4" accent5="accent5" accent6="accent6" hlink="hlink" folHlink="folHlink"/>
+  <p:hf hdr="0" ftr="0" dt="0"/>
+  <p:notesStyle>
+    <a:lvl1pPr marL="0" algn="l" defTabSz="914400" rtl="0" eaLnBrk="1" latinLnBrk="0" hangingPunct="1">
+      <a:defRPr sz="1200" kern="1200">
+        <a:solidFill>
+          <a:schemeClr val="tx1"/>
+        </a:solidFill>
+        <a:latin typeface="+mn-lt"/>
+        <a:ea typeface="+mn-ea"/>
+        <a:cs typeface="+mn-cs"/>
+      </a:defRPr>
+    </a:lvl1pPr>
+    <a:lvl2pPr marL="457200" algn="l" defTabSz="914400" rtl="0" eaLnBrk="1" latinLnBrk="0" hangingPunct="1">
+      <a:defRPr sz="1200" kern="1200">
+        <a:solidFill>
+          <a:schemeClr val="tx1"/>
+        </a:solidFill>
+        <a:latin typeface="+mn-lt"/>
+        <a:ea typeface="+mn-ea"/>
+        <a:cs typeface="+mn-cs"/>
+      </a:defRPr>
+    </a:lvl2pPr>
+    <a:lvl3pPr marL="914400" algn="l" defTabSz="914400" rtl="0" eaLnBrk="1" latinLnBrk="0" hangingPunct="1">
+      <a:defRPr sz="1200" kern="1200">
+        <a:solidFill>
+          <a:schemeClr val="tx1"/>
+        </a:solidFill>
+        <a:latin typeface="+mn-lt"/>
+        <a:ea typeface="+mn-ea"/>
+        <a:cs typeface="+mn-cs"/>
+      </a:defRPr>
+    </a:lvl3pPr>
+    <a:lvl4pPr marL="1371600" algn="l" defTabSz="914400" rtl="0" eaLnBrk="1" latinLnBrk="0" hangingPunct="1">
+      <a:defRPr sz="1200" kern="1200">
+        <a:solidFill>
+          <a:schemeClr val="tx1"/>
+        </a:solidFill>
+        <a:latin typeface="+mn-lt"/>
+        <a:ea typeface="+mn-ea"/>
+        <a:cs typeface="+mn-cs"/>
+      </a:defRPr>
+    </a:lvl4pPr>
+    <a:lvl5pPr marL="1828800" algn="l" defTabSz="914400" rtl="0" eaLnBrk="1" latinLnBrk="0" hangingPunct="1">
+      <a:defRPr sz="1200" kern="1200">
+        <a:solidFill>
+          <a:schemeClr val="tx1"/>
+        </a:solidFill>
+        <a:latin typeface="+mn-lt"/>
+        <a:ea typeface="+mn-ea"/>
+        <a:cs typeface="+mn-cs"/>
+      </a:defRPr>
+    </a:lvl5pPr>
+    <a:lvl6pPr marL="2286000" algn="l" defTabSz="914400" rtl="0" eaLnBrk="1" latinLnBrk="0" hangingPunct="1">
+      <a:defRPr sz="1200" kern="1200">
+        <a:solidFill>
+          <a:schemeClr val="tx1"/>
+        </a:solidFill>
+        <a:latin typeface="+mn-lt"/>
+        <a:ea typeface="+mn-ea"/>
+        <a:cs typeface="+mn-cs"/>
+      </a:defRPr>
+    </a:lvl6pPr>
+    <a:lvl7pPr marL="2743200" algn="l" defTabSz="914400" rtl="0" eaLnBrk="1" latinLnBrk="0" hangingPunct="1">
+      <a:defRPr sz="1200" kern="1200">
+        <a:solidFill>
+          <a:schemeClr val="tx1"/>
+        </a:solidFill>
+        <a:latin typeface="+mn-lt"/>
+        <a:ea typeface="+mn-ea"/>
+        <a:cs typeface="+mn-cs"/>
+      </a:defRPr>
+    </a:lvl7pPr>
+    <a:lvl8pPr marL="3200400" algn="l" defTabSz="914400" rtl="0" eaLnBrk="1" latinLnBrk="0" hangingPunct="1">
+      <a:defRPr sz="1200" kern="1200">
+        <a:solidFill>
+          <a:schemeClr val="tx1"/>
+        </a:solidFill>
+        <a:latin typeface="+mn-lt"/>
+        <a:ea typeface="+mn-ea"/>
+        <a:cs typeface="+mn-cs"/>
+      </a:defRPr>
+    </a:lvl8pPr>
+    <a:lvl9pPr marL="3657600" algn="l" defTabSz="914400" rtl="0" eaLnBrk="1" latinLnBrk="0" hangingPunct="1">
+      <a:defRPr sz="1200" kern="1200">
+        <a:solidFill>
+          <a:schemeClr val="tx1"/>
+        </a:solidFill>
+        <a:latin typeface="+mn-lt"/>
+        <a:ea typeface="+mn-ea"/>
+        <a:cs typeface="+mn-cs"/>
+      </a:defRPr>
+    </a:lvl9pPr>
+  </p:notesStyle>
+</p:notesMaster>
+</file>
+
 <file path=ppt/slideLayouts/slideLayout1.xml><?xml version="1.0" encoding="utf-8"?>
-<p:sldLayout xmlns:a="http://schemas.openxmlformats.org/drawingml/2006/main" xmlns:r="http://schemas.openxmlformats.org/officeDocument/2006/relationships" xmlns:p="http://schemas.openxmlformats.org/presentationml/2006/main" type="title" preserve="1">
+<p:sldLayout xmlns:a="http://schemas.openxmlformats.org/drawingml/2006/main" xmlns:r="http://schemas.openxmlformats.org/officeDocument/2006/relationships" xmlns:p="http://schemas.openxmlformats.org/presentationml/2006/main" preserve="1" userDrawn="1">
   <p:cSld name="Title Slide">
     <p:spTree>
       <p:nvGrpSpPr>
@@ -216,8 +766,8 @@
         </p:nvSpPr>
         <p:spPr>
           <a:xfrm>
-            <a:off x="685800" y="2130425"/>
-            <a:ext cx="7772400" cy="1470025"/>
+            <a:off x="914400" y="2130426"/>
+            <a:ext cx="10363200" cy="1470025"/>
           </a:xfrm>
         </p:spPr>
         <p:txBody>
@@ -225,7 +775,7 @@
           <a:lstStyle/>
           <a:p>
             <a:r>
-              <a:rPr lang="it-IT"/>
+              <a:rPr lang="en-GB"/>
               <a:t>Click to edit Master title style</a:t>
             </a:r>
             <a:endParaRPr lang="en-US"/>
@@ -244,18 +794,16 @@
         </p:nvSpPr>
         <p:spPr>
           <a:xfrm>
-            <a:off x="1371600" y="3886200"/>
-            <a:ext cx="6400800" cy="1752600"/>
+            <a:off x="1828800" y="3886200"/>
+            <a:ext cx="8534400" cy="1752600"/>
           </a:xfrm>
         </p:spPr>
         <p:txBody>
-          <a:bodyPr>
-            <a:normAutofit/>
-          </a:bodyPr>
+          <a:bodyPr/>
           <a:lstStyle>
-            <a:lvl1pPr marL="0" indent="0" algn="r">
-              <a:buNone/>
-              <a:defRPr sz="1800">
+            <a:lvl1pPr marL="0" indent="0" algn="ctr">
+              <a:buNone/>
+              <a:defRPr>
                 <a:solidFill>
                   <a:schemeClr val="tx1">
                     <a:tint val="75000"/>
@@ -346,10 +894,10 @@
           </a:lstStyle>
           <a:p>
             <a:r>
-              <a:rPr lang="it-IT"/>
+              <a:rPr lang="en-GB"/>
               <a:t>Click to edit Master subtitle style</a:t>
             </a:r>
-            <a:endParaRPr lang="en-US" dirty="0"/>
+            <a:endParaRPr lang="en-US"/>
           </a:p>
         </p:txBody>
       </p:sp>
@@ -365,8 +913,8 @@
         </p:nvSpPr>
         <p:spPr>
           <a:xfrm>
-            <a:off x="3836609" y="6362700"/>
-            <a:ext cx="4850191" cy="365125"/>
+            <a:off x="5115480" y="6362701"/>
+            <a:ext cx="6466921" cy="365125"/>
           </a:xfrm>
           <a:prstGeom prst="rect">
             <a:avLst/>
@@ -376,11 +924,12 @@
           <a:bodyPr/>
           <a:lstStyle/>
           <a:p>
-            <a:fld id="{F41FBFAF-0E6A-674B-978E-98A8470700C7}" type="slidenum">
-              <a:rPr lang="en-US" smtClean="0"/>
+            <a:fld id="{D2040F39-7941-49A4-B48D-F201B18B6351}" type="slidenum">
+              <a:rPr lang="it-IT" smtClean="0"/>
+              <a:pPr/>
               <a:t>‹#›</a:t>
             </a:fld>
-            <a:endParaRPr lang="en-US"/>
+            <a:endParaRPr lang="it-IT" dirty="0"/>
           </a:p>
         </p:txBody>
       </p:sp>
@@ -392,8 +941,8 @@
         </p:nvCxnSpPr>
         <p:spPr>
           <a:xfrm flipV="1">
-            <a:off x="457200" y="3600450"/>
-            <a:ext cx="8686800" cy="2"/>
+            <a:off x="609600" y="3600450"/>
+            <a:ext cx="11582400" cy="2"/>
           </a:xfrm>
           <a:prstGeom prst="line">
             <a:avLst/>
@@ -474,7 +1023,7 @@
           <a:lstStyle/>
           <a:p>
             <a:r>
-              <a:rPr lang="it-IT"/>
+              <a:rPr lang="en-GB"/>
               <a:t>Click to edit Master title style</a:t>
             </a:r>
             <a:endParaRPr lang="en-US"/>
@@ -498,35 +1047,35 @@
           <a:p>
             <a:pPr lvl="0"/>
             <a:r>
-              <a:rPr lang="it-IT"/>
+              <a:rPr lang="en-GB"/>
               <a:t>Click to edit Master text styles</a:t>
             </a:r>
           </a:p>
           <a:p>
             <a:pPr lvl="1"/>
             <a:r>
-              <a:rPr lang="it-IT"/>
+              <a:rPr lang="en-GB"/>
               <a:t>Second level</a:t>
             </a:r>
           </a:p>
           <a:p>
             <a:pPr lvl="2"/>
             <a:r>
-              <a:rPr lang="it-IT"/>
+              <a:rPr lang="en-GB"/>
               <a:t>Third level</a:t>
             </a:r>
           </a:p>
           <a:p>
             <a:pPr lvl="3"/>
             <a:r>
-              <a:rPr lang="it-IT"/>
+              <a:rPr lang="en-GB"/>
               <a:t>Fourth level</a:t>
             </a:r>
           </a:p>
           <a:p>
             <a:pPr lvl="4"/>
             <a:r>
-              <a:rPr lang="it-IT"/>
+              <a:rPr lang="en-GB"/>
               <a:t>Fifth level</a:t>
             </a:r>
             <a:endParaRPr lang="en-US"/>
@@ -545,8 +1094,8 @@
         </p:nvSpPr>
         <p:spPr>
           <a:xfrm>
-            <a:off x="3836609" y="6362700"/>
-            <a:ext cx="4850191" cy="365125"/>
+            <a:off x="5115480" y="6362701"/>
+            <a:ext cx="6466921" cy="365125"/>
           </a:xfrm>
           <a:prstGeom prst="rect">
             <a:avLst/>
@@ -556,11 +1105,12 @@
           <a:bodyPr/>
           <a:lstStyle/>
           <a:p>
-            <a:fld id="{F41FBFAF-0E6A-674B-978E-98A8470700C7}" type="slidenum">
-              <a:rPr lang="en-US" smtClean="0"/>
+            <a:fld id="{D2040F39-7941-49A4-B48D-F201B18B6351}" type="slidenum">
+              <a:rPr lang="it-IT" smtClean="0"/>
+              <a:pPr/>
               <a:t>‹#›</a:t>
             </a:fld>
-            <a:endParaRPr lang="en-US"/>
+            <a:endParaRPr lang="it-IT" dirty="0"/>
           </a:p>
         </p:txBody>
       </p:sp>
@@ -572,8 +1122,8 @@
         </p:nvCxnSpPr>
         <p:spPr>
           <a:xfrm flipV="1">
-            <a:off x="457200" y="1388917"/>
-            <a:ext cx="8686800" cy="2"/>
+            <a:off x="609600" y="1388917"/>
+            <a:ext cx="11582400" cy="2"/>
           </a:xfrm>
           <a:prstGeom prst="line">
             <a:avLst/>
@@ -650,8 +1200,8 @@
         </p:nvSpPr>
         <p:spPr>
           <a:xfrm>
-            <a:off x="6629400" y="274638"/>
-            <a:ext cx="2057400" cy="5851525"/>
+            <a:off x="8839200" y="274639"/>
+            <a:ext cx="2743200" cy="5851525"/>
           </a:xfrm>
         </p:spPr>
         <p:txBody>
@@ -659,7 +1209,7 @@
           <a:lstStyle/>
           <a:p>
             <a:r>
-              <a:rPr lang="it-IT"/>
+              <a:rPr lang="en-GB"/>
               <a:t>Click to edit Master title style</a:t>
             </a:r>
             <a:endParaRPr lang="en-US"/>
@@ -678,8 +1228,8 @@
         </p:nvSpPr>
         <p:spPr>
           <a:xfrm>
-            <a:off x="457200" y="274638"/>
-            <a:ext cx="6019800" cy="5851525"/>
+            <a:off x="609600" y="274639"/>
+            <a:ext cx="8026400" cy="5851525"/>
           </a:xfrm>
         </p:spPr>
         <p:txBody>
@@ -688,35 +1238,35 @@
           <a:p>
             <a:pPr lvl="0"/>
             <a:r>
-              <a:rPr lang="it-IT"/>
+              <a:rPr lang="en-GB"/>
               <a:t>Click to edit Master text styles</a:t>
             </a:r>
           </a:p>
           <a:p>
             <a:pPr lvl="1"/>
             <a:r>
-              <a:rPr lang="it-IT"/>
+              <a:rPr lang="en-GB"/>
               <a:t>Second level</a:t>
             </a:r>
           </a:p>
           <a:p>
             <a:pPr lvl="2"/>
             <a:r>
-              <a:rPr lang="it-IT"/>
+              <a:rPr lang="en-GB"/>
               <a:t>Third level</a:t>
             </a:r>
           </a:p>
           <a:p>
             <a:pPr lvl="3"/>
             <a:r>
-              <a:rPr lang="it-IT"/>
+              <a:rPr lang="en-GB"/>
               <a:t>Fourth level</a:t>
             </a:r>
           </a:p>
           <a:p>
             <a:pPr lvl="4"/>
             <a:r>
-              <a:rPr lang="it-IT"/>
+              <a:rPr lang="en-GB"/>
               <a:t>Fifth level</a:t>
             </a:r>
             <a:endParaRPr lang="en-US"/>
@@ -735,8 +1285,8 @@
         </p:nvSpPr>
         <p:spPr>
           <a:xfrm>
-            <a:off x="3836609" y="6362700"/>
-            <a:ext cx="4850191" cy="365125"/>
+            <a:off x="5115480" y="6362701"/>
+            <a:ext cx="6466921" cy="365125"/>
           </a:xfrm>
           <a:prstGeom prst="rect">
             <a:avLst/>
@@ -746,11 +1296,12 @@
           <a:bodyPr/>
           <a:lstStyle/>
           <a:p>
-            <a:fld id="{F41FBFAF-0E6A-674B-978E-98A8470700C7}" type="slidenum">
-              <a:rPr lang="en-US" smtClean="0"/>
+            <a:fld id="{D2040F39-7941-49A4-B48D-F201B18B6351}" type="slidenum">
+              <a:rPr lang="it-IT" smtClean="0"/>
+              <a:pPr/>
               <a:t>‹#›</a:t>
             </a:fld>
-            <a:endParaRPr lang="en-US"/>
+            <a:endParaRPr lang="it-IT" dirty="0"/>
           </a:p>
         </p:txBody>
       </p:sp>
@@ -800,7 +1351,7 @@
           <a:lstStyle/>
           <a:p>
             <a:r>
-              <a:rPr lang="it-IT"/>
+              <a:rPr lang="en-GB"/>
               <a:t>Click to edit Master title style</a:t>
             </a:r>
             <a:endParaRPr lang="en-US"/>
@@ -824,35 +1375,35 @@
           <a:p>
             <a:pPr lvl="0"/>
             <a:r>
-              <a:rPr lang="it-IT"/>
+              <a:rPr lang="en-GB"/>
               <a:t>Click to edit Master text styles</a:t>
             </a:r>
           </a:p>
           <a:p>
             <a:pPr lvl="1"/>
             <a:r>
-              <a:rPr lang="it-IT"/>
+              <a:rPr lang="en-GB"/>
               <a:t>Second level</a:t>
             </a:r>
           </a:p>
           <a:p>
             <a:pPr lvl="2"/>
             <a:r>
-              <a:rPr lang="it-IT"/>
+              <a:rPr lang="en-GB"/>
               <a:t>Third level</a:t>
             </a:r>
           </a:p>
           <a:p>
             <a:pPr lvl="3"/>
             <a:r>
-              <a:rPr lang="it-IT"/>
+              <a:rPr lang="en-GB"/>
               <a:t>Fourth level</a:t>
             </a:r>
           </a:p>
           <a:p>
             <a:pPr lvl="4"/>
             <a:r>
-              <a:rPr lang="it-IT"/>
+              <a:rPr lang="en-GB"/>
               <a:t>Fifth level</a:t>
             </a:r>
             <a:endParaRPr lang="en-US"/>
@@ -871,8 +1422,8 @@
         </p:nvSpPr>
         <p:spPr>
           <a:xfrm>
-            <a:off x="3836609" y="6362700"/>
-            <a:ext cx="4850191" cy="365125"/>
+            <a:off x="5115480" y="6362701"/>
+            <a:ext cx="6466921" cy="365125"/>
           </a:xfrm>
           <a:prstGeom prst="rect">
             <a:avLst/>
@@ -882,11 +1433,12 @@
           <a:bodyPr/>
           <a:lstStyle/>
           <a:p>
-            <a:fld id="{F41FBFAF-0E6A-674B-978E-98A8470700C7}" type="slidenum">
-              <a:rPr lang="en-US" smtClean="0"/>
+            <a:fld id="{D2040F39-7941-49A4-B48D-F201B18B6351}" type="slidenum">
+              <a:rPr lang="it-IT" smtClean="0"/>
+              <a:pPr/>
               <a:t>‹#›</a:t>
             </a:fld>
-            <a:endParaRPr lang="en-US"/>
+            <a:endParaRPr lang="it-IT" dirty="0"/>
           </a:p>
         </p:txBody>
       </p:sp>
@@ -898,8 +1450,8 @@
         </p:nvCxnSpPr>
         <p:spPr>
           <a:xfrm flipV="1">
-            <a:off x="457200" y="1388917"/>
-            <a:ext cx="8686800" cy="2"/>
+            <a:off x="609600" y="1388917"/>
+            <a:ext cx="11582400" cy="2"/>
           </a:xfrm>
           <a:prstGeom prst="line">
             <a:avLst/>
@@ -976,8 +1528,8 @@
         </p:nvSpPr>
         <p:spPr>
           <a:xfrm>
-            <a:off x="722313" y="4406900"/>
-            <a:ext cx="7772400" cy="1362075"/>
+            <a:off x="963084" y="4406901"/>
+            <a:ext cx="10363200" cy="1362075"/>
           </a:xfrm>
         </p:spPr>
         <p:txBody>
@@ -989,7 +1541,7 @@
           </a:lstStyle>
           <a:p>
             <a:r>
-              <a:rPr lang="it-IT"/>
+              <a:rPr lang="en-GB"/>
               <a:t>Click to edit Master title style</a:t>
             </a:r>
             <a:endParaRPr lang="en-US"/>
@@ -1008,8 +1560,8 @@
         </p:nvSpPr>
         <p:spPr>
           <a:xfrm>
-            <a:off x="722313" y="2906713"/>
-            <a:ext cx="7772400" cy="1500187"/>
+            <a:off x="963084" y="2906713"/>
+            <a:ext cx="10363200" cy="1500187"/>
           </a:xfrm>
         </p:spPr>
         <p:txBody>
@@ -1109,7 +1661,7 @@
           <a:p>
             <a:pPr lvl="0"/>
             <a:r>
-              <a:rPr lang="it-IT"/>
+              <a:rPr lang="en-GB"/>
               <a:t>Click to edit Master text styles</a:t>
             </a:r>
           </a:p>
@@ -1127,8 +1679,8 @@
         </p:nvSpPr>
         <p:spPr>
           <a:xfrm>
-            <a:off x="3836609" y="6362700"/>
-            <a:ext cx="4850191" cy="365125"/>
+            <a:off x="5115480" y="6362701"/>
+            <a:ext cx="6466921" cy="365125"/>
           </a:xfrm>
           <a:prstGeom prst="rect">
             <a:avLst/>
@@ -1138,11 +1690,12 @@
           <a:bodyPr/>
           <a:lstStyle/>
           <a:p>
-            <a:fld id="{F41FBFAF-0E6A-674B-978E-98A8470700C7}" type="slidenum">
-              <a:rPr lang="en-US" smtClean="0"/>
+            <a:fld id="{D2040F39-7941-49A4-B48D-F201B18B6351}" type="slidenum">
+              <a:rPr lang="it-IT" smtClean="0"/>
+              <a:pPr/>
               <a:t>‹#›</a:t>
             </a:fld>
-            <a:endParaRPr lang="en-US"/>
+            <a:endParaRPr lang="it-IT" dirty="0"/>
           </a:p>
         </p:txBody>
       </p:sp>
@@ -1154,8 +1707,8 @@
         </p:nvCxnSpPr>
         <p:spPr>
           <a:xfrm flipV="1">
-            <a:off x="722313" y="4406900"/>
-            <a:ext cx="8421687" cy="2"/>
+            <a:off x="963085" y="4406900"/>
+            <a:ext cx="11228916" cy="2"/>
           </a:xfrm>
           <a:prstGeom prst="line">
             <a:avLst/>
@@ -1236,7 +1789,7 @@
           <a:lstStyle/>
           <a:p>
             <a:r>
-              <a:rPr lang="it-IT"/>
+              <a:rPr lang="en-GB"/>
               <a:t>Click to edit Master title style</a:t>
             </a:r>
             <a:endParaRPr lang="en-US"/>
@@ -1255,8 +1808,8 @@
         </p:nvSpPr>
         <p:spPr>
           <a:xfrm>
-            <a:off x="457200" y="1600200"/>
-            <a:ext cx="4038600" cy="4525963"/>
+            <a:off x="609600" y="1600201"/>
+            <a:ext cx="5384800" cy="4525963"/>
           </a:xfrm>
         </p:spPr>
         <p:txBody>
@@ -1293,35 +1846,35 @@
           <a:p>
             <a:pPr lvl="0"/>
             <a:r>
-              <a:rPr lang="it-IT"/>
+              <a:rPr lang="en-GB"/>
               <a:t>Click to edit Master text styles</a:t>
             </a:r>
           </a:p>
           <a:p>
             <a:pPr lvl="1"/>
             <a:r>
-              <a:rPr lang="it-IT"/>
+              <a:rPr lang="en-GB"/>
               <a:t>Second level</a:t>
             </a:r>
           </a:p>
           <a:p>
             <a:pPr lvl="2"/>
             <a:r>
-              <a:rPr lang="it-IT"/>
+              <a:rPr lang="en-GB"/>
               <a:t>Third level</a:t>
             </a:r>
           </a:p>
           <a:p>
             <a:pPr lvl="3"/>
             <a:r>
-              <a:rPr lang="it-IT"/>
+              <a:rPr lang="en-GB"/>
               <a:t>Fourth level</a:t>
             </a:r>
           </a:p>
           <a:p>
             <a:pPr lvl="4"/>
             <a:r>
-              <a:rPr lang="it-IT"/>
+              <a:rPr lang="en-GB"/>
               <a:t>Fifth level</a:t>
             </a:r>
             <a:endParaRPr lang="en-US"/>
@@ -1340,8 +1893,8 @@
         </p:nvSpPr>
         <p:spPr>
           <a:xfrm>
-            <a:off x="4648200" y="1600200"/>
-            <a:ext cx="4038600" cy="4525963"/>
+            <a:off x="6197600" y="1600201"/>
+            <a:ext cx="5384800" cy="4525963"/>
           </a:xfrm>
         </p:spPr>
         <p:txBody>
@@ -1378,35 +1931,35 @@
           <a:p>
             <a:pPr lvl="0"/>
             <a:r>
-              <a:rPr lang="it-IT"/>
+              <a:rPr lang="en-GB"/>
               <a:t>Click to edit Master text styles</a:t>
             </a:r>
           </a:p>
           <a:p>
             <a:pPr lvl="1"/>
             <a:r>
-              <a:rPr lang="it-IT"/>
+              <a:rPr lang="en-GB"/>
               <a:t>Second level</a:t>
             </a:r>
           </a:p>
           <a:p>
             <a:pPr lvl="2"/>
             <a:r>
-              <a:rPr lang="it-IT"/>
+              <a:rPr lang="en-GB"/>
               <a:t>Third level</a:t>
             </a:r>
           </a:p>
           <a:p>
             <a:pPr lvl="3"/>
             <a:r>
-              <a:rPr lang="it-IT"/>
+              <a:rPr lang="en-GB"/>
               <a:t>Fourth level</a:t>
             </a:r>
           </a:p>
           <a:p>
             <a:pPr lvl="4"/>
             <a:r>
-              <a:rPr lang="it-IT"/>
+              <a:rPr lang="en-GB"/>
               <a:t>Fifth level</a:t>
             </a:r>
             <a:endParaRPr lang="en-US"/>
@@ -1425,8 +1978,8 @@
         </p:nvSpPr>
         <p:spPr>
           <a:xfrm>
-            <a:off x="3836609" y="6362700"/>
-            <a:ext cx="4850191" cy="365125"/>
+            <a:off x="5115480" y="6362701"/>
+            <a:ext cx="6466921" cy="365125"/>
           </a:xfrm>
           <a:prstGeom prst="rect">
             <a:avLst/>
@@ -1436,11 +1989,12 @@
           <a:bodyPr/>
           <a:lstStyle/>
           <a:p>
-            <a:fld id="{F41FBFAF-0E6A-674B-978E-98A8470700C7}" type="slidenum">
-              <a:rPr lang="en-US" smtClean="0"/>
+            <a:fld id="{D2040F39-7941-49A4-B48D-F201B18B6351}" type="slidenum">
+              <a:rPr lang="it-IT" smtClean="0"/>
+              <a:pPr/>
               <a:t>‹#›</a:t>
             </a:fld>
-            <a:endParaRPr lang="en-US"/>
+            <a:endParaRPr lang="it-IT" dirty="0"/>
           </a:p>
         </p:txBody>
       </p:sp>
@@ -1452,8 +2006,8 @@
         </p:nvCxnSpPr>
         <p:spPr>
           <a:xfrm flipV="1">
-            <a:off x="457200" y="1388917"/>
-            <a:ext cx="8686800" cy="2"/>
+            <a:off x="609600" y="1388917"/>
+            <a:ext cx="11582400" cy="2"/>
           </a:xfrm>
           <a:prstGeom prst="line">
             <a:avLst/>
@@ -1538,7 +2092,7 @@
           </a:lstStyle>
           <a:p>
             <a:r>
-              <a:rPr lang="it-IT"/>
+              <a:rPr lang="en-GB"/>
               <a:t>Click to edit Master title style</a:t>
             </a:r>
             <a:endParaRPr lang="en-US"/>
@@ -1557,8 +2111,8 @@
         </p:nvSpPr>
         <p:spPr>
           <a:xfrm>
-            <a:off x="457200" y="1535113"/>
-            <a:ext cx="4040188" cy="639762"/>
+            <a:off x="609600" y="1535113"/>
+            <a:ext cx="5386917" cy="639762"/>
           </a:xfrm>
         </p:spPr>
         <p:txBody>
@@ -1604,7 +2158,7 @@
           <a:p>
             <a:pPr lvl="0"/>
             <a:r>
-              <a:rPr lang="it-IT"/>
+              <a:rPr lang="en-GB"/>
               <a:t>Click to edit Master text styles</a:t>
             </a:r>
           </a:p>
@@ -1622,8 +2176,8 @@
         </p:nvSpPr>
         <p:spPr>
           <a:xfrm>
-            <a:off x="457200" y="2174875"/>
-            <a:ext cx="4040188" cy="3951288"/>
+            <a:off x="609600" y="2174875"/>
+            <a:ext cx="5386917" cy="3951288"/>
           </a:xfrm>
         </p:spPr>
         <p:txBody>
@@ -1660,35 +2214,35 @@
           <a:p>
             <a:pPr lvl="0"/>
             <a:r>
-              <a:rPr lang="it-IT"/>
+              <a:rPr lang="en-GB"/>
               <a:t>Click to edit Master text styles</a:t>
             </a:r>
           </a:p>
           <a:p>
             <a:pPr lvl="1"/>
             <a:r>
-              <a:rPr lang="it-IT"/>
+              <a:rPr lang="en-GB"/>
               <a:t>Second level</a:t>
             </a:r>
           </a:p>
           <a:p>
             <a:pPr lvl="2"/>
             <a:r>
-              <a:rPr lang="it-IT"/>
+              <a:rPr lang="en-GB"/>
               <a:t>Third level</a:t>
             </a:r>
           </a:p>
           <a:p>
             <a:pPr lvl="3"/>
             <a:r>
-              <a:rPr lang="it-IT"/>
+              <a:rPr lang="en-GB"/>
               <a:t>Fourth level</a:t>
             </a:r>
           </a:p>
           <a:p>
             <a:pPr lvl="4"/>
             <a:r>
-              <a:rPr lang="it-IT"/>
+              <a:rPr lang="en-GB"/>
               <a:t>Fifth level</a:t>
             </a:r>
             <a:endParaRPr lang="en-US"/>
@@ -1707,8 +2261,8 @@
         </p:nvSpPr>
         <p:spPr>
           <a:xfrm>
-            <a:off x="4645025" y="1535113"/>
-            <a:ext cx="4041775" cy="639762"/>
+            <a:off x="6193368" y="1535113"/>
+            <a:ext cx="5389033" cy="639762"/>
           </a:xfrm>
         </p:spPr>
         <p:txBody>
@@ -1754,7 +2308,7 @@
           <a:p>
             <a:pPr lvl="0"/>
             <a:r>
-              <a:rPr lang="it-IT"/>
+              <a:rPr lang="en-GB"/>
               <a:t>Click to edit Master text styles</a:t>
             </a:r>
           </a:p>
@@ -1772,8 +2326,8 @@
         </p:nvSpPr>
         <p:spPr>
           <a:xfrm>
-            <a:off x="4645025" y="2174875"/>
-            <a:ext cx="4041775" cy="3951288"/>
+            <a:off x="6193368" y="2174875"/>
+            <a:ext cx="5389033" cy="3951288"/>
           </a:xfrm>
         </p:spPr>
         <p:txBody>
@@ -1810,35 +2364,35 @@
           <a:p>
             <a:pPr lvl="0"/>
             <a:r>
-              <a:rPr lang="it-IT"/>
+              <a:rPr lang="en-GB"/>
               <a:t>Click to edit Master text styles</a:t>
             </a:r>
           </a:p>
           <a:p>
             <a:pPr lvl="1"/>
             <a:r>
-              <a:rPr lang="it-IT"/>
+              <a:rPr lang="en-GB"/>
               <a:t>Second level</a:t>
             </a:r>
           </a:p>
           <a:p>
             <a:pPr lvl="2"/>
             <a:r>
-              <a:rPr lang="it-IT"/>
+              <a:rPr lang="en-GB"/>
               <a:t>Third level</a:t>
             </a:r>
           </a:p>
           <a:p>
             <a:pPr lvl="3"/>
             <a:r>
-              <a:rPr lang="it-IT"/>
+              <a:rPr lang="en-GB"/>
               <a:t>Fourth level</a:t>
             </a:r>
           </a:p>
           <a:p>
             <a:pPr lvl="4"/>
             <a:r>
-              <a:rPr lang="it-IT"/>
+              <a:rPr lang="en-GB"/>
               <a:t>Fifth level</a:t>
             </a:r>
             <a:endParaRPr lang="en-US"/>
@@ -1857,8 +2411,8 @@
         </p:nvSpPr>
         <p:spPr>
           <a:xfrm>
-            <a:off x="3836609" y="6362700"/>
-            <a:ext cx="4850191" cy="365125"/>
+            <a:off x="5115480" y="6362701"/>
+            <a:ext cx="6466921" cy="365125"/>
           </a:xfrm>
           <a:prstGeom prst="rect">
             <a:avLst/>
@@ -1868,11 +2422,12 @@
           <a:bodyPr/>
           <a:lstStyle/>
           <a:p>
-            <a:fld id="{F41FBFAF-0E6A-674B-978E-98A8470700C7}" type="slidenum">
-              <a:rPr lang="en-US" smtClean="0"/>
+            <a:fld id="{D2040F39-7941-49A4-B48D-F201B18B6351}" type="slidenum">
+              <a:rPr lang="it-IT" smtClean="0"/>
+              <a:pPr/>
               <a:t>‹#›</a:t>
             </a:fld>
-            <a:endParaRPr lang="en-US"/>
+            <a:endParaRPr lang="it-IT" dirty="0"/>
           </a:p>
         </p:txBody>
       </p:sp>
@@ -1884,8 +2439,8 @@
         </p:nvCxnSpPr>
         <p:spPr>
           <a:xfrm flipV="1">
-            <a:off x="457200" y="1388917"/>
-            <a:ext cx="8686800" cy="2"/>
+            <a:off x="609600" y="1388917"/>
+            <a:ext cx="11582400" cy="2"/>
           </a:xfrm>
           <a:prstGeom prst="line">
             <a:avLst/>
@@ -1966,7 +2521,7 @@
           <a:lstStyle/>
           <a:p>
             <a:r>
-              <a:rPr lang="it-IT"/>
+              <a:rPr lang="en-GB"/>
               <a:t>Click to edit Master title style</a:t>
             </a:r>
             <a:endParaRPr lang="en-US"/>
@@ -1985,8 +2540,8 @@
         </p:nvSpPr>
         <p:spPr>
           <a:xfrm>
-            <a:off x="3836609" y="6362700"/>
-            <a:ext cx="4850191" cy="365125"/>
+            <a:off x="5115480" y="6362701"/>
+            <a:ext cx="6466921" cy="365125"/>
           </a:xfrm>
           <a:prstGeom prst="rect">
             <a:avLst/>
@@ -1996,11 +2551,12 @@
           <a:bodyPr/>
           <a:lstStyle/>
           <a:p>
-            <a:fld id="{F41FBFAF-0E6A-674B-978E-98A8470700C7}" type="slidenum">
-              <a:rPr lang="en-US" smtClean="0"/>
+            <a:fld id="{D2040F39-7941-49A4-B48D-F201B18B6351}" type="slidenum">
+              <a:rPr lang="it-IT" smtClean="0"/>
+              <a:pPr/>
               <a:t>‹#›</a:t>
             </a:fld>
-            <a:endParaRPr lang="en-US"/>
+            <a:endParaRPr lang="it-IT" dirty="0"/>
           </a:p>
         </p:txBody>
       </p:sp>
@@ -2012,8 +2568,8 @@
         </p:nvCxnSpPr>
         <p:spPr>
           <a:xfrm flipV="1">
-            <a:off x="457200" y="1388917"/>
-            <a:ext cx="8686800" cy="2"/>
+            <a:off x="609600" y="1388917"/>
+            <a:ext cx="11582400" cy="2"/>
           </a:xfrm>
           <a:prstGeom prst="line">
             <a:avLst/>
@@ -2090,8 +2646,8 @@
         </p:nvSpPr>
         <p:spPr>
           <a:xfrm>
-            <a:off x="3836609" y="6362700"/>
-            <a:ext cx="4850191" cy="365125"/>
+            <a:off x="5115480" y="6362701"/>
+            <a:ext cx="6466921" cy="365125"/>
           </a:xfrm>
           <a:prstGeom prst="rect">
             <a:avLst/>
@@ -2101,11 +2657,12 @@
           <a:bodyPr/>
           <a:lstStyle/>
           <a:p>
-            <a:fld id="{F41FBFAF-0E6A-674B-978E-98A8470700C7}" type="slidenum">
-              <a:rPr lang="en-US" smtClean="0"/>
+            <a:fld id="{D2040F39-7941-49A4-B48D-F201B18B6351}" type="slidenum">
+              <a:rPr lang="it-IT" smtClean="0"/>
+              <a:pPr/>
               <a:t>‹#›</a:t>
             </a:fld>
-            <a:endParaRPr lang="en-US"/>
+            <a:endParaRPr lang="it-IT" dirty="0"/>
           </a:p>
         </p:txBody>
       </p:sp>
@@ -2151,8 +2708,8 @@
         </p:nvSpPr>
         <p:spPr>
           <a:xfrm>
-            <a:off x="457200" y="273050"/>
-            <a:ext cx="3008313" cy="1162050"/>
+            <a:off x="609601" y="273050"/>
+            <a:ext cx="4011084" cy="1162050"/>
           </a:xfrm>
         </p:spPr>
         <p:txBody>
@@ -2164,7 +2721,7 @@
           </a:lstStyle>
           <a:p>
             <a:r>
-              <a:rPr lang="it-IT"/>
+              <a:rPr lang="en-GB"/>
               <a:t>Click to edit Master title style</a:t>
             </a:r>
             <a:endParaRPr lang="en-US"/>
@@ -2183,8 +2740,8 @@
         </p:nvSpPr>
         <p:spPr>
           <a:xfrm>
-            <a:off x="3575050" y="273050"/>
-            <a:ext cx="5111750" cy="5853113"/>
+            <a:off x="4766733" y="273051"/>
+            <a:ext cx="6815667" cy="5853113"/>
           </a:xfrm>
         </p:spPr>
         <p:txBody>
@@ -2221,35 +2778,35 @@
           <a:p>
             <a:pPr lvl="0"/>
             <a:r>
-              <a:rPr lang="it-IT"/>
+              <a:rPr lang="en-GB"/>
               <a:t>Click to edit Master text styles</a:t>
             </a:r>
           </a:p>
           <a:p>
             <a:pPr lvl="1"/>
             <a:r>
-              <a:rPr lang="it-IT"/>
+              <a:rPr lang="en-GB"/>
               <a:t>Second level</a:t>
             </a:r>
           </a:p>
           <a:p>
             <a:pPr lvl="2"/>
             <a:r>
-              <a:rPr lang="it-IT"/>
+              <a:rPr lang="en-GB"/>
               <a:t>Third level</a:t>
             </a:r>
           </a:p>
           <a:p>
             <a:pPr lvl="3"/>
             <a:r>
-              <a:rPr lang="it-IT"/>
+              <a:rPr lang="en-GB"/>
               <a:t>Fourth level</a:t>
             </a:r>
           </a:p>
           <a:p>
             <a:pPr lvl="4"/>
             <a:r>
-              <a:rPr lang="it-IT"/>
+              <a:rPr lang="en-GB"/>
               <a:t>Fifth level</a:t>
             </a:r>
             <a:endParaRPr lang="en-US"/>
@@ -2268,8 +2825,8 @@
         </p:nvSpPr>
         <p:spPr>
           <a:xfrm>
-            <a:off x="457200" y="1435100"/>
-            <a:ext cx="3008313" cy="4691063"/>
+            <a:off x="609601" y="1435101"/>
+            <a:ext cx="4011084" cy="4691063"/>
           </a:xfrm>
         </p:spPr>
         <p:txBody>
@@ -2315,7 +2872,7 @@
           <a:p>
             <a:pPr lvl="0"/>
             <a:r>
-              <a:rPr lang="it-IT"/>
+              <a:rPr lang="en-GB"/>
               <a:t>Click to edit Master text styles</a:t>
             </a:r>
           </a:p>
@@ -2333,8 +2890,8 @@
         </p:nvSpPr>
         <p:spPr>
           <a:xfrm>
-            <a:off x="3836609" y="6362700"/>
-            <a:ext cx="4850191" cy="365125"/>
+            <a:off x="5115480" y="6362701"/>
+            <a:ext cx="6466921" cy="365125"/>
           </a:xfrm>
           <a:prstGeom prst="rect">
             <a:avLst/>
@@ -2344,11 +2901,12 @@
           <a:bodyPr/>
           <a:lstStyle/>
           <a:p>
-            <a:fld id="{F41FBFAF-0E6A-674B-978E-98A8470700C7}" type="slidenum">
-              <a:rPr lang="en-US" smtClean="0"/>
+            <a:fld id="{D2040F39-7941-49A4-B48D-F201B18B6351}" type="slidenum">
+              <a:rPr lang="it-IT" smtClean="0"/>
+              <a:pPr/>
               <a:t>‹#›</a:t>
             </a:fld>
-            <a:endParaRPr lang="en-US"/>
+            <a:endParaRPr lang="it-IT" dirty="0"/>
           </a:p>
         </p:txBody>
       </p:sp>
@@ -2394,8 +2952,8 @@
         </p:nvSpPr>
         <p:spPr>
           <a:xfrm>
-            <a:off x="1792288" y="4800600"/>
-            <a:ext cx="5486400" cy="566738"/>
+            <a:off x="2389717" y="4800600"/>
+            <a:ext cx="7315200" cy="566738"/>
           </a:xfrm>
         </p:spPr>
         <p:txBody>
@@ -2407,7 +2965,7 @@
           </a:lstStyle>
           <a:p>
             <a:r>
-              <a:rPr lang="it-IT"/>
+              <a:rPr lang="en-GB"/>
               <a:t>Click to edit Master title style</a:t>
             </a:r>
             <a:endParaRPr lang="en-US"/>
@@ -2426,8 +2984,8 @@
         </p:nvSpPr>
         <p:spPr>
           <a:xfrm>
-            <a:off x="1792288" y="612775"/>
-            <a:ext cx="5486400" cy="4114800"/>
+            <a:off x="2389717" y="612775"/>
+            <a:ext cx="7315200" cy="4114800"/>
           </a:xfrm>
         </p:spPr>
         <p:txBody>
@@ -2472,8 +3030,8 @@
           </a:lstStyle>
           <a:p>
             <a:r>
-              <a:rPr lang="it-IT"/>
-              <a:t>Drag picture to placeholder or click icon to add</a:t>
+              <a:rPr lang="en-GB"/>
+              <a:t>Click icon to add picture</a:t>
             </a:r>
             <a:endParaRPr lang="en-US"/>
           </a:p>
@@ -2491,8 +3049,8 @@
         </p:nvSpPr>
         <p:spPr>
           <a:xfrm>
-            <a:off x="1792288" y="5367338"/>
-            <a:ext cx="5486400" cy="804862"/>
+            <a:off x="2389717" y="5367338"/>
+            <a:ext cx="7315200" cy="804862"/>
           </a:xfrm>
         </p:spPr>
         <p:txBody>
@@ -2538,7 +3096,7 @@
           <a:p>
             <a:pPr lvl="0"/>
             <a:r>
-              <a:rPr lang="it-IT"/>
+              <a:rPr lang="en-GB"/>
               <a:t>Click to edit Master text styles</a:t>
             </a:r>
           </a:p>
@@ -2556,8 +3114,8 @@
         </p:nvSpPr>
         <p:spPr>
           <a:xfrm>
-            <a:off x="3836609" y="6362700"/>
-            <a:ext cx="4850191" cy="365125"/>
+            <a:off x="5115480" y="6362701"/>
+            <a:ext cx="6466921" cy="365125"/>
           </a:xfrm>
           <a:prstGeom prst="rect">
             <a:avLst/>
@@ -2567,11 +3125,12 @@
           <a:bodyPr/>
           <a:lstStyle/>
           <a:p>
-            <a:fld id="{F41FBFAF-0E6A-674B-978E-98A8470700C7}" type="slidenum">
-              <a:rPr lang="en-US" smtClean="0"/>
+            <a:fld id="{D2040F39-7941-49A4-B48D-F201B18B6351}" type="slidenum">
+              <a:rPr lang="it-IT" smtClean="0"/>
+              <a:pPr/>
               <a:t>‹#›</a:t>
             </a:fld>
-            <a:endParaRPr lang="en-US"/>
+            <a:endParaRPr lang="it-IT" dirty="0"/>
           </a:p>
         </p:txBody>
       </p:sp>
@@ -2583,8 +3142,8 @@
         </p:nvCxnSpPr>
         <p:spPr>
           <a:xfrm flipV="1">
-            <a:off x="457200" y="4752218"/>
-            <a:ext cx="8686800" cy="2"/>
+            <a:off x="609600" y="4752218"/>
+            <a:ext cx="11582400" cy="2"/>
           </a:xfrm>
           <a:prstGeom prst="line">
             <a:avLst/>
@@ -2666,8 +3225,8 @@
         </p:nvSpPr>
         <p:spPr>
           <a:xfrm>
-            <a:off x="457200" y="274638"/>
-            <a:ext cx="8229600" cy="1143000"/>
+            <a:off x="609600" y="274638"/>
+            <a:ext cx="10972800" cy="1143000"/>
           </a:xfrm>
           <a:prstGeom prst="rect">
             <a:avLst/>
@@ -2680,7 +3239,7 @@
           <a:lstStyle/>
           <a:p>
             <a:r>
-              <a:rPr lang="it-IT"/>
+              <a:rPr lang="en-GB"/>
               <a:t>Click to edit Master title style</a:t>
             </a:r>
             <a:endParaRPr lang="en-US" dirty="0"/>
@@ -2699,8 +3258,8 @@
         </p:nvSpPr>
         <p:spPr>
           <a:xfrm>
-            <a:off x="457200" y="1600200"/>
-            <a:ext cx="8229600" cy="4525963"/>
+            <a:off x="609600" y="1600201"/>
+            <a:ext cx="10972800" cy="4525963"/>
           </a:xfrm>
           <a:prstGeom prst="rect">
             <a:avLst/>
@@ -2714,79 +3273,44 @@
           <a:p>
             <a:pPr lvl="0"/>
             <a:r>
-              <a:rPr lang="it-IT"/>
+              <a:rPr lang="en-GB"/>
               <a:t>Click to edit Master text styles</a:t>
             </a:r>
           </a:p>
           <a:p>
             <a:pPr lvl="1"/>
             <a:r>
-              <a:rPr lang="it-IT"/>
+              <a:rPr lang="en-GB"/>
               <a:t>Second level</a:t>
             </a:r>
           </a:p>
           <a:p>
             <a:pPr lvl="2"/>
             <a:r>
-              <a:rPr lang="it-IT"/>
+              <a:rPr lang="en-GB"/>
               <a:t>Third level</a:t>
             </a:r>
           </a:p>
           <a:p>
             <a:pPr lvl="3"/>
             <a:r>
-              <a:rPr lang="it-IT"/>
+              <a:rPr lang="en-GB"/>
               <a:t>Fourth level</a:t>
             </a:r>
           </a:p>
           <a:p>
             <a:pPr lvl="4"/>
             <a:r>
-              <a:rPr lang="it-IT"/>
+              <a:rPr lang="en-GB"/>
               <a:t>Fifth level</a:t>
             </a:r>
             <a:endParaRPr lang="en-US" dirty="0"/>
-          </a:p>
-        </p:txBody>
-      </p:sp>
-      <p:sp>
-        <p:nvSpPr>
-          <p:cNvPr id="10" name="Slide Number Placeholder 5"/>
-          <p:cNvSpPr>
-            <a:spLocks noGrp="1"/>
-          </p:cNvSpPr>
-          <p:nvPr>
-            <p:ph type="sldNum" sz="quarter" idx="4"/>
-          </p:nvPr>
-        </p:nvSpPr>
-        <p:spPr>
-          <a:xfrm>
-            <a:off x="3836609" y="6362700"/>
-            <a:ext cx="4850191" cy="365125"/>
-          </a:xfrm>
-          <a:prstGeom prst="rect">
-            <a:avLst/>
-          </a:prstGeom>
-        </p:spPr>
-        <p:txBody>
-          <a:bodyPr/>
-          <a:lstStyle>
-            <a:lvl1pPr algn="r">
-              <a:defRPr/>
-            </a:lvl1pPr>
-          </a:lstStyle>
-          <a:p>
-            <a:fld id="{F41FBFAF-0E6A-674B-978E-98A8470700C7}" type="slidenum">
-              <a:rPr lang="en-US" smtClean="0"/>
-              <a:t>‹#›</a:t>
-            </a:fld>
-            <a:endParaRPr lang="en-US"/>
           </a:p>
         </p:txBody>
       </p:sp>
       <p:pic>
         <p:nvPicPr>
-          <p:cNvPr id="9" name="Picture 8" descr="ing-modena copy.png"/>
+          <p:cNvPr id="8" name="Picture 7" descr="ing-modena copy.png"/>
           <p:cNvPicPr>
             <a:picLocks noChangeAspect="1"/>
           </p:cNvPicPr>
@@ -2806,14 +3330,46 @@
         </p:blipFill>
         <p:spPr>
           <a:xfrm>
-            <a:off x="24190" y="5829300"/>
-            <a:ext cx="1689100" cy="1066800"/>
+            <a:off x="-45803" y="6021288"/>
+            <a:ext cx="1533291" cy="899495"/>
           </a:xfrm>
           <a:prstGeom prst="rect">
             <a:avLst/>
           </a:prstGeom>
         </p:spPr>
       </p:pic>
+      <p:sp>
+        <p:nvSpPr>
+          <p:cNvPr id="10" name="Slide Number Placeholder 5"/>
+          <p:cNvSpPr>
+            <a:spLocks noGrp="1"/>
+          </p:cNvSpPr>
+          <p:nvPr>
+            <p:ph type="sldNum" sz="quarter" idx="4"/>
+          </p:nvPr>
+        </p:nvSpPr>
+        <p:spPr>
+          <a:xfrm>
+            <a:off x="5115480" y="6362701"/>
+            <a:ext cx="6466921" cy="365125"/>
+          </a:xfrm>
+          <a:prstGeom prst="rect">
+            <a:avLst/>
+          </a:prstGeom>
+        </p:spPr>
+        <p:txBody>
+          <a:bodyPr/>
+          <a:lstStyle/>
+          <a:p>
+            <a:fld id="{D2040F39-7941-49A4-B48D-F201B18B6351}" type="slidenum">
+              <a:rPr lang="it-IT" smtClean="0"/>
+              <a:pPr/>
+              <a:t>‹#›</a:t>
+            </a:fld>
+            <a:endParaRPr lang="it-IT" dirty="0"/>
+          </a:p>
+        </p:txBody>
+      </p:sp>
     </p:spTree>
     <p:extLst>
       <p:ext uri="{BB962C8B-B14F-4D97-AF65-F5344CB8AC3E}">
@@ -2823,18 +3379,19 @@
   </p:cSld>
   <p:clrMap bg1="lt1" tx1="dk1" bg2="lt2" tx2="dk2" accent1="accent1" accent2="accent2" accent3="accent3" accent4="accent4" accent5="accent5" accent6="accent6" hlink="hlink" folHlink="folHlink"/>
   <p:sldLayoutIdLst>
-    <p:sldLayoutId id="2147483661" r:id="rId1"/>
-    <p:sldLayoutId id="2147483662" r:id="rId2"/>
-    <p:sldLayoutId id="2147483663" r:id="rId3"/>
-    <p:sldLayoutId id="2147483664" r:id="rId4"/>
-    <p:sldLayoutId id="2147483665" r:id="rId5"/>
-    <p:sldLayoutId id="2147483666" r:id="rId6"/>
-    <p:sldLayoutId id="2147483667" r:id="rId7"/>
-    <p:sldLayoutId id="2147483668" r:id="rId8"/>
-    <p:sldLayoutId id="2147483669" r:id="rId9"/>
-    <p:sldLayoutId id="2147483670" r:id="rId10"/>
-    <p:sldLayoutId id="2147483671" r:id="rId11"/>
+    <p:sldLayoutId id="2147483673" r:id="rId1"/>
+    <p:sldLayoutId id="2147483674" r:id="rId2"/>
+    <p:sldLayoutId id="2147483675" r:id="rId3"/>
+    <p:sldLayoutId id="2147483676" r:id="rId4"/>
+    <p:sldLayoutId id="2147483677" r:id="rId5"/>
+    <p:sldLayoutId id="2147483678" r:id="rId6"/>
+    <p:sldLayoutId id="2147483679" r:id="rId7"/>
+    <p:sldLayoutId id="2147483680" r:id="rId8"/>
+    <p:sldLayoutId id="2147483681" r:id="rId9"/>
+    <p:sldLayoutId id="2147483682" r:id="rId10"/>
+    <p:sldLayoutId id="2147483683" r:id="rId11"/>
   </p:sldLayoutIdLst>
+  <p:hf hdr="0" ftr="0" dt="0"/>
   <p:txStyles>
     <p:titleStyle>
       <a:lvl1pPr algn="ctr" defTabSz="457200" rtl="0" eaLnBrk="1" latinLnBrk="0" hangingPunct="1">
@@ -3140,7 +3697,7 @@
         </p:nvSpPr>
         <p:spPr>
           <a:xfrm>
-            <a:off x="1371600" y="3886200"/>
+            <a:off x="2895600" y="3886200"/>
             <a:ext cx="6400800" cy="1752600"/>
           </a:xfrm>
         </p:spPr>
@@ -3478,15 +4035,10 @@
             <p:ph idx="1"/>
           </p:nvPr>
         </p:nvSpPr>
-        <p:spPr>
-          <a:xfrm>
-            <a:off x="457200" y="4239846"/>
-            <a:ext cx="8229600" cy="1886317"/>
-          </a:xfrm>
-        </p:spPr>
+        <p:spPr/>
         <p:txBody>
           <a:bodyPr>
-            <a:normAutofit fontScale="92500" lnSpcReduction="20000"/>
+            <a:normAutofit/>
           </a:bodyPr>
           <a:lstStyle/>
           <a:p>
@@ -3546,7 +4098,7 @@
         </p:blipFill>
         <p:spPr>
           <a:xfrm>
-            <a:off x="698500" y="1663700"/>
+            <a:off x="3575720" y="3893481"/>
             <a:ext cx="7702946" cy="2451226"/>
           </a:xfrm>
           <a:prstGeom prst="rect">
@@ -3631,7 +4183,7 @@
         </p:blipFill>
         <p:spPr>
           <a:xfrm>
-            <a:off x="190499" y="1512558"/>
+            <a:off x="1714500" y="1512559"/>
             <a:ext cx="9537701" cy="5245369"/>
           </a:xfrm>
         </p:spPr>
@@ -4923,7 +5475,7 @@
         <p:spPr/>
         <p:txBody>
           <a:bodyPr>
-            <a:normAutofit fontScale="92500"/>
+            <a:normAutofit/>
           </a:bodyPr>
           <a:lstStyle/>
           <a:p>
@@ -5067,7 +5619,7 @@
         <p:spPr/>
         <p:txBody>
           <a:bodyPr>
-            <a:normAutofit fontScale="92500"/>
+            <a:normAutofit/>
           </a:bodyPr>
           <a:lstStyle/>
           <a:p>
@@ -5181,7 +5733,7 @@
         <p:spPr/>
         <p:txBody>
           <a:bodyPr>
-            <a:normAutofit fontScale="92500" lnSpcReduction="10000"/>
+            <a:normAutofit lnSpcReduction="10000"/>
           </a:bodyPr>
           <a:lstStyle/>
           <a:p>
@@ -5309,7 +5861,7 @@
         </p:nvSpPr>
         <p:spPr>
           <a:xfrm>
-            <a:off x="734159" y="1749792"/>
+            <a:off x="2258159" y="1749792"/>
             <a:ext cx="7628304" cy="4256698"/>
           </a:xfrm>
           <a:prstGeom prst="rect">
@@ -5729,7 +6281,7 @@
         <p:spPr/>
         <p:txBody>
           <a:bodyPr>
-            <a:normAutofit fontScale="85000" lnSpcReduction="20000"/>
+            <a:normAutofit fontScale="92500" lnSpcReduction="20000"/>
           </a:bodyPr>
           <a:lstStyle/>
           <a:p>
@@ -6077,7 +6629,7 @@
         <p:spPr/>
         <p:txBody>
           <a:bodyPr>
-            <a:normAutofit fontScale="92500" lnSpcReduction="10000"/>
+            <a:normAutofit/>
           </a:bodyPr>
           <a:lstStyle/>
           <a:p>
@@ -6486,7 +7038,7 @@
         </p:blipFill>
         <p:spPr>
           <a:xfrm>
-            <a:off x="952500" y="1432052"/>
+            <a:off x="2476500" y="1432052"/>
             <a:ext cx="7467600" cy="5077968"/>
           </a:xfrm>
           <a:prstGeom prst="rect">
@@ -6559,7 +7111,7 @@
         <p:spPr/>
         <p:txBody>
           <a:bodyPr>
-            <a:normAutofit fontScale="85000" lnSpcReduction="20000"/>
+            <a:normAutofit fontScale="92500" lnSpcReduction="10000"/>
           </a:bodyPr>
           <a:lstStyle/>
           <a:p>
@@ -6760,7 +7312,7 @@
         </p:blipFill>
         <p:spPr>
           <a:xfrm>
-            <a:off x="4492257" y="1600200"/>
+            <a:off x="6016257" y="1600200"/>
             <a:ext cx="4651744" cy="3163186"/>
           </a:xfrm>
           <a:prstGeom prst="rect">
@@ -6833,7 +7385,7 @@
         <p:spPr/>
         <p:txBody>
           <a:bodyPr>
-            <a:normAutofit fontScale="92500" lnSpcReduction="20000"/>
+            <a:normAutofit lnSpcReduction="10000"/>
           </a:bodyPr>
           <a:lstStyle/>
           <a:p>
@@ -6893,7 +7445,7 @@
         </p:blipFill>
         <p:spPr>
           <a:xfrm>
-            <a:off x="4492257" y="1600200"/>
+            <a:off x="6016257" y="1600200"/>
             <a:ext cx="4651744" cy="3163186"/>
           </a:xfrm>
           <a:prstGeom prst="rect">
@@ -6966,7 +7518,7 @@
         <p:spPr/>
         <p:txBody>
           <a:bodyPr>
-            <a:normAutofit lnSpcReduction="10000"/>
+            <a:normAutofit/>
           </a:bodyPr>
           <a:lstStyle/>
           <a:p>
@@ -7066,7 +7618,7 @@
         </p:blipFill>
         <p:spPr>
           <a:xfrm>
-            <a:off x="4492257" y="1600200"/>
+            <a:off x="6016257" y="1600200"/>
             <a:ext cx="4651744" cy="3163186"/>
           </a:xfrm>
           <a:prstGeom prst="rect">
@@ -7335,7 +7887,7 @@
         </p:blipFill>
         <p:spPr>
           <a:xfrm>
-            <a:off x="4492257" y="1600200"/>
+            <a:off x="6016257" y="1600200"/>
             <a:ext cx="4651744" cy="3163186"/>
           </a:xfrm>
           <a:prstGeom prst="rect">
@@ -7528,7 +8080,7 @@
         </p:blipFill>
         <p:spPr>
           <a:xfrm>
-            <a:off x="4492257" y="1600200"/>
+            <a:off x="6016257" y="1600200"/>
             <a:ext cx="4651744" cy="3163186"/>
           </a:xfrm>
           <a:prstGeom prst="rect">
@@ -7579,7 +8131,7 @@
         <p:spPr/>
         <p:txBody>
           <a:bodyPr>
-            <a:normAutofit fontScale="90000"/>
+            <a:normAutofit/>
           </a:bodyPr>
           <a:lstStyle/>
           <a:p>
@@ -7898,7 +8450,7 @@
         <p:spPr/>
         <p:txBody>
           <a:bodyPr>
-            <a:normAutofit lnSpcReduction="10000"/>
+            <a:normAutofit/>
           </a:bodyPr>
           <a:lstStyle/>
           <a:p>
@@ -8102,7 +8654,7 @@
         <p:spPr/>
         <p:txBody>
           <a:bodyPr>
-            <a:normAutofit fontScale="92500" lnSpcReduction="20000"/>
+            <a:normAutofit lnSpcReduction="10000"/>
           </a:bodyPr>
           <a:lstStyle/>
           <a:p>
@@ -8222,7 +8774,7 @@
         <p:spPr/>
         <p:txBody>
           <a:bodyPr>
-            <a:normAutofit fontScale="92500" lnSpcReduction="10000"/>
+            <a:normAutofit lnSpcReduction="10000"/>
           </a:bodyPr>
           <a:lstStyle/>
           <a:p>
@@ -8421,7 +8973,7 @@
         <p:spPr/>
         <p:txBody>
           <a:bodyPr>
-            <a:normAutofit fontScale="92500" lnSpcReduction="10000"/>
+            <a:normAutofit lnSpcReduction="10000"/>
           </a:bodyPr>
           <a:lstStyle/>
           <a:p>
@@ -8753,7 +9305,7 @@
         <p:spPr/>
         <p:txBody>
           <a:bodyPr>
-            <a:normAutofit fontScale="85000" lnSpcReduction="20000"/>
+            <a:normAutofit fontScale="85000" lnSpcReduction="10000"/>
           </a:bodyPr>
           <a:lstStyle/>
           <a:p>
@@ -9331,7 +9883,7 @@
         </p:nvSpPr>
         <p:spPr>
           <a:xfrm>
-            <a:off x="5042787" y="1687624"/>
+            <a:off x="6566787" y="1687624"/>
             <a:ext cx="3200400" cy="4152900"/>
           </a:xfrm>
           <a:prstGeom prst="rect">
@@ -9530,7 +10082,7 @@
         <p:spPr/>
         <p:txBody>
           <a:bodyPr>
-            <a:normAutofit fontScale="85000" lnSpcReduction="10000"/>
+            <a:normAutofit lnSpcReduction="10000"/>
           </a:bodyPr>
           <a:lstStyle/>
           <a:p>
@@ -9712,12 +10264,7 @@
             <p:ph idx="1"/>
           </p:nvPr>
         </p:nvSpPr>
-        <p:spPr>
-          <a:xfrm>
-            <a:off x="701749" y="1812851"/>
-            <a:ext cx="8229600" cy="4525963"/>
-          </a:xfrm>
-        </p:spPr>
+        <p:spPr/>
         <p:txBody>
           <a:bodyPr>
             <a:normAutofit/>
@@ -9990,7 +10537,7 @@
         <p:spPr/>
         <p:txBody>
           <a:bodyPr>
-            <a:normAutofit fontScale="92500" lnSpcReduction="20000"/>
+            <a:normAutofit/>
           </a:bodyPr>
           <a:lstStyle/>
           <a:p>
@@ -10129,7 +10676,7 @@
         <p:spPr/>
         <p:txBody>
           <a:bodyPr>
-            <a:normAutofit fontScale="92500" lnSpcReduction="20000"/>
+            <a:normAutofit/>
           </a:bodyPr>
           <a:lstStyle/>
           <a:p>
@@ -10250,7 +10797,7 @@
         <p:spPr/>
         <p:txBody>
           <a:bodyPr>
-            <a:normAutofit fontScale="92500"/>
+            <a:normAutofit/>
           </a:bodyPr>
           <a:lstStyle/>
           <a:p>
@@ -10508,7 +11055,7 @@
         </p:nvSpPr>
         <p:spPr>
           <a:xfrm>
-            <a:off x="1137685" y="2583711"/>
+            <a:off x="2661685" y="2583712"/>
             <a:ext cx="1669312" cy="552893"/>
           </a:xfrm>
           <a:prstGeom prst="roundRect">
@@ -10555,7 +11102,7 @@
         </p:nvSpPr>
         <p:spPr>
           <a:xfrm>
-            <a:off x="1137685" y="3363432"/>
+            <a:off x="2661685" y="3363433"/>
             <a:ext cx="1669312" cy="552893"/>
           </a:xfrm>
           <a:prstGeom prst="roundRect">
@@ -10602,7 +11149,7 @@
         </p:nvSpPr>
         <p:spPr>
           <a:xfrm>
-            <a:off x="1137685" y="4143153"/>
+            <a:off x="2661685" y="4143154"/>
             <a:ext cx="1669312" cy="552893"/>
           </a:xfrm>
           <a:prstGeom prst="roundRect">
@@ -10649,7 +11196,7 @@
         </p:nvSpPr>
         <p:spPr>
           <a:xfrm>
-            <a:off x="6223593" y="2583711"/>
+            <a:off x="7747593" y="2583712"/>
             <a:ext cx="1669312" cy="552893"/>
           </a:xfrm>
           <a:prstGeom prst="roundRect">
@@ -10696,7 +11243,7 @@
         </p:nvSpPr>
         <p:spPr>
           <a:xfrm>
-            <a:off x="6223593" y="3363432"/>
+            <a:off x="7747593" y="3363433"/>
             <a:ext cx="1669312" cy="552893"/>
           </a:xfrm>
           <a:prstGeom prst="roundRect">
@@ -10743,7 +11290,7 @@
         </p:nvSpPr>
         <p:spPr>
           <a:xfrm>
-            <a:off x="6223593" y="4143153"/>
+            <a:off x="7747593" y="4143154"/>
             <a:ext cx="1669312" cy="552893"/>
           </a:xfrm>
           <a:prstGeom prst="roundRect">
@@ -10790,7 +11337,7 @@
         </p:nvSpPr>
         <p:spPr>
           <a:xfrm>
-            <a:off x="3817088" y="2583711"/>
+            <a:off x="5341088" y="2583712"/>
             <a:ext cx="1286540" cy="276447"/>
           </a:xfrm>
           <a:prstGeom prst="frame">
@@ -10838,7 +11385,7 @@
         </p:nvSpPr>
         <p:spPr>
           <a:xfrm>
-            <a:off x="3817088" y="2860157"/>
+            <a:off x="5341088" y="2860158"/>
             <a:ext cx="1286540" cy="276447"/>
           </a:xfrm>
           <a:prstGeom prst="frame">
@@ -10886,7 +11433,7 @@
         </p:nvSpPr>
         <p:spPr>
           <a:xfrm>
-            <a:off x="3817088" y="3136604"/>
+            <a:off x="5341088" y="3136605"/>
             <a:ext cx="1286540" cy="276447"/>
           </a:xfrm>
           <a:prstGeom prst="frame">
@@ -10934,7 +11481,7 @@
         </p:nvSpPr>
         <p:spPr>
           <a:xfrm>
-            <a:off x="3817088" y="3413050"/>
+            <a:off x="5341088" y="3413051"/>
             <a:ext cx="1286540" cy="276447"/>
           </a:xfrm>
           <a:prstGeom prst="frame">
@@ -10982,7 +11529,7 @@
         </p:nvSpPr>
         <p:spPr>
           <a:xfrm>
-            <a:off x="3817088" y="3657599"/>
+            <a:off x="5341088" y="3657600"/>
             <a:ext cx="1286540" cy="276447"/>
           </a:xfrm>
           <a:prstGeom prst="frame">
@@ -11030,7 +11577,7 @@
         </p:nvSpPr>
         <p:spPr>
           <a:xfrm>
-            <a:off x="3717109" y="2178182"/>
+            <a:off x="5241110" y="2178182"/>
             <a:ext cx="1486497" cy="369332"/>
           </a:xfrm>
           <a:prstGeom prst="rect">
@@ -11074,7 +11621,7 @@
         </p:nvSpPr>
         <p:spPr>
           <a:xfrm>
-            <a:off x="3817088" y="4419599"/>
+            <a:off x="5341088" y="4419600"/>
             <a:ext cx="1286540" cy="276447"/>
           </a:xfrm>
           <a:prstGeom prst="rect">
@@ -11123,7 +11670,7 @@
         </p:nvSpPr>
         <p:spPr>
           <a:xfrm>
-            <a:off x="3817087" y="4143153"/>
+            <a:off x="5341087" y="4143154"/>
             <a:ext cx="1286540" cy="276447"/>
           </a:xfrm>
           <a:prstGeom prst="rect">
@@ -11172,7 +11719,7 @@
         </p:nvSpPr>
         <p:spPr>
           <a:xfrm>
-            <a:off x="3817087" y="3902147"/>
+            <a:off x="5341087" y="3902148"/>
             <a:ext cx="1286540" cy="276447"/>
           </a:xfrm>
           <a:prstGeom prst="rect">
@@ -11221,7 +11768,7 @@
         </p:nvCxnSpPr>
         <p:spPr>
           <a:xfrm>
-            <a:off x="2941672" y="4610984"/>
+            <a:off x="4465672" y="4610984"/>
             <a:ext cx="606056" cy="0"/>
           </a:xfrm>
           <a:prstGeom prst="straightConnector1">
@@ -11262,7 +11809,7 @@
         </p:nvCxnSpPr>
         <p:spPr>
           <a:xfrm>
-            <a:off x="2941672" y="3639878"/>
+            <a:off x="4465672" y="3639879"/>
             <a:ext cx="606056" cy="779721"/>
           </a:xfrm>
           <a:prstGeom prst="straightConnector1">
@@ -11303,7 +11850,7 @@
         </p:nvCxnSpPr>
         <p:spPr>
           <a:xfrm>
-            <a:off x="2941672" y="2860157"/>
+            <a:off x="4465673" y="2860157"/>
             <a:ext cx="775437" cy="1559442"/>
           </a:xfrm>
           <a:prstGeom prst="straightConnector1">
@@ -11344,7 +11891,7 @@
         </p:nvCxnSpPr>
         <p:spPr>
           <a:xfrm flipV="1">
-            <a:off x="5261712" y="2860157"/>
+            <a:off x="6785712" y="2860157"/>
             <a:ext cx="852006" cy="1151140"/>
           </a:xfrm>
           <a:prstGeom prst="straightConnector1">
@@ -11385,7 +11932,7 @@
         </p:nvCxnSpPr>
         <p:spPr>
           <a:xfrm flipV="1">
-            <a:off x="5261712" y="3657599"/>
+            <a:off x="6785712" y="3657599"/>
             <a:ext cx="852006" cy="439480"/>
           </a:xfrm>
           <a:prstGeom prst="straightConnector1">
@@ -11426,7 +11973,7 @@
         </p:nvCxnSpPr>
         <p:spPr>
           <a:xfrm>
-            <a:off x="5261712" y="4178594"/>
+            <a:off x="6785712" y="4178594"/>
             <a:ext cx="852006" cy="241004"/>
           </a:xfrm>
           <a:prstGeom prst="straightConnector1">
@@ -11528,7 +12075,7 @@
         </p:nvSpPr>
         <p:spPr>
           <a:xfrm>
-            <a:off x="3684179" y="2395862"/>
+            <a:off x="5208179" y="2395863"/>
             <a:ext cx="1669312" cy="552893"/>
           </a:xfrm>
           <a:prstGeom prst="roundRect">
@@ -11581,7 +12128,7 @@
         </p:nvSpPr>
         <p:spPr>
           <a:xfrm>
-            <a:off x="1084522" y="5213509"/>
+            <a:off x="2608522" y="5213510"/>
             <a:ext cx="1669312" cy="552893"/>
           </a:xfrm>
           <a:prstGeom prst="roundRect">
@@ -11638,7 +12185,7 @@
         </p:nvSpPr>
         <p:spPr>
           <a:xfrm>
-            <a:off x="2918638" y="5213509"/>
+            <a:off x="4442638" y="5213510"/>
             <a:ext cx="1669312" cy="552893"/>
           </a:xfrm>
           <a:prstGeom prst="roundRect">
@@ -11695,7 +12242,7 @@
         </p:nvSpPr>
         <p:spPr>
           <a:xfrm>
-            <a:off x="4752754" y="5213509"/>
+            <a:off x="6276754" y="5213510"/>
             <a:ext cx="1669312" cy="552893"/>
           </a:xfrm>
           <a:prstGeom prst="roundRect">
@@ -11752,7 +12299,7 @@
         </p:nvSpPr>
         <p:spPr>
           <a:xfrm>
-            <a:off x="6586870" y="5213509"/>
+            <a:off x="8110870" y="5213510"/>
             <a:ext cx="1669312" cy="552893"/>
           </a:xfrm>
           <a:prstGeom prst="roundRect">
@@ -11809,7 +12356,7 @@
         </p:nvSpPr>
         <p:spPr>
           <a:xfrm>
-            <a:off x="3928732" y="1648028"/>
+            <a:off x="5452732" y="1648028"/>
             <a:ext cx="260498" cy="276446"/>
           </a:xfrm>
           <a:prstGeom prst="rect">
@@ -11856,7 +12403,7 @@
         </p:nvSpPr>
         <p:spPr>
           <a:xfrm>
-            <a:off x="4251256" y="1648028"/>
+            <a:off x="5775256" y="1648028"/>
             <a:ext cx="260498" cy="276446"/>
           </a:xfrm>
           <a:prstGeom prst="rect">
@@ -11905,7 +12452,7 @@
         </p:nvSpPr>
         <p:spPr>
           <a:xfrm>
-            <a:off x="4556062" y="1648028"/>
+            <a:off x="6080062" y="1648028"/>
             <a:ext cx="260498" cy="276446"/>
           </a:xfrm>
           <a:prstGeom prst="rect">
@@ -11955,7 +12502,7 @@
         </p:nvSpPr>
         <p:spPr>
           <a:xfrm>
-            <a:off x="4878586" y="1648028"/>
+            <a:off x="6402586" y="1648028"/>
             <a:ext cx="260498" cy="276446"/>
           </a:xfrm>
           <a:prstGeom prst="rect">
@@ -12004,7 +12551,7 @@
         </p:nvSpPr>
         <p:spPr>
           <a:xfrm>
-            <a:off x="3928732" y="1968763"/>
+            <a:off x="5452732" y="1968763"/>
             <a:ext cx="260498" cy="276446"/>
           </a:xfrm>
           <a:prstGeom prst="rect">
@@ -12051,7 +12598,7 @@
         </p:nvSpPr>
         <p:spPr>
           <a:xfrm>
-            <a:off x="4251256" y="1968763"/>
+            <a:off x="5775256" y="1968763"/>
             <a:ext cx="260498" cy="276446"/>
           </a:xfrm>
           <a:prstGeom prst="rect">
@@ -12101,7 +12648,7 @@
         </p:nvSpPr>
         <p:spPr>
           <a:xfrm>
-            <a:off x="4556062" y="1968763"/>
+            <a:off x="6080062" y="1968763"/>
             <a:ext cx="260498" cy="276446"/>
           </a:xfrm>
           <a:prstGeom prst="rect">
@@ -12151,7 +12698,7 @@
         </p:nvSpPr>
         <p:spPr>
           <a:xfrm>
-            <a:off x="4878586" y="1968763"/>
+            <a:off x="6402586" y="1968763"/>
             <a:ext cx="260498" cy="276446"/>
           </a:xfrm>
           <a:prstGeom prst="rect">
@@ -12201,7 +12748,7 @@
         </p:nvSpPr>
         <p:spPr>
           <a:xfrm>
-            <a:off x="5353491" y="1796495"/>
+            <a:off x="6877491" y="1796495"/>
             <a:ext cx="686342" cy="369332"/>
           </a:xfrm>
           <a:prstGeom prst="rect">
@@ -12236,7 +12783,7 @@
         </p:nvSpPr>
         <p:spPr>
           <a:xfrm>
-            <a:off x="1788929" y="3301410"/>
+            <a:off x="3312929" y="3301411"/>
             <a:ext cx="1286540" cy="276447"/>
           </a:xfrm>
           <a:prstGeom prst="frame">
@@ -12284,7 +12831,7 @@
         </p:nvSpPr>
         <p:spPr>
           <a:xfrm>
-            <a:off x="1788929" y="3545959"/>
+            <a:off x="3312929" y="3545960"/>
             <a:ext cx="1286540" cy="276447"/>
           </a:xfrm>
           <a:prstGeom prst="frame">
@@ -12332,7 +12879,7 @@
         </p:nvSpPr>
         <p:spPr>
           <a:xfrm>
-            <a:off x="1788929" y="4307959"/>
+            <a:off x="3312929" y="4307960"/>
             <a:ext cx="1286540" cy="276447"/>
           </a:xfrm>
           <a:prstGeom prst="rect">
@@ -12381,7 +12928,7 @@
         </p:nvSpPr>
         <p:spPr>
           <a:xfrm>
-            <a:off x="1788928" y="4031513"/>
+            <a:off x="3312928" y="4031514"/>
             <a:ext cx="1286540" cy="276447"/>
           </a:xfrm>
           <a:prstGeom prst="rect">
@@ -12430,7 +12977,7 @@
         </p:nvSpPr>
         <p:spPr>
           <a:xfrm>
-            <a:off x="1788928" y="3790507"/>
+            <a:off x="3312928" y="3790508"/>
             <a:ext cx="1286540" cy="276447"/>
           </a:xfrm>
           <a:prstGeom prst="rect">
@@ -12480,7 +13027,7 @@
         </p:nvSpPr>
         <p:spPr>
           <a:xfrm>
-            <a:off x="6050191" y="3301410"/>
+            <a:off x="7574191" y="3301411"/>
             <a:ext cx="1286540" cy="276447"/>
           </a:xfrm>
           <a:prstGeom prst="frame">
@@ -12528,7 +13075,7 @@
         </p:nvSpPr>
         <p:spPr>
           <a:xfrm>
-            <a:off x="6050191" y="3545959"/>
+            <a:off x="7574191" y="3545960"/>
             <a:ext cx="1286540" cy="276447"/>
           </a:xfrm>
           <a:prstGeom prst="frame">
@@ -12576,7 +13123,7 @@
         </p:nvSpPr>
         <p:spPr>
           <a:xfrm>
-            <a:off x="6050191" y="4307959"/>
+            <a:off x="7574191" y="4307960"/>
             <a:ext cx="1286540" cy="276447"/>
           </a:xfrm>
           <a:prstGeom prst="rect">
@@ -12625,7 +13172,7 @@
         </p:nvSpPr>
         <p:spPr>
           <a:xfrm>
-            <a:off x="6050190" y="4031513"/>
+            <a:off x="7574190" y="4031514"/>
             <a:ext cx="1286540" cy="276447"/>
           </a:xfrm>
           <a:prstGeom prst="rect">
@@ -12674,7 +13221,7 @@
         </p:nvSpPr>
         <p:spPr>
           <a:xfrm>
-            <a:off x="6050190" y="3790507"/>
+            <a:off x="7574190" y="3790508"/>
             <a:ext cx="1286540" cy="276447"/>
           </a:xfrm>
           <a:prstGeom prst="rect">
@@ -12727,7 +13274,7 @@
         </p:nvCxnSpPr>
         <p:spPr>
           <a:xfrm rot="10800000" flipV="1">
-            <a:off x="2432199" y="2672308"/>
+            <a:off x="3956199" y="2672309"/>
             <a:ext cx="1251980" cy="629101"/>
           </a:xfrm>
           <a:prstGeom prst="bentConnector2">
@@ -12770,7 +13317,7 @@
         </p:nvCxnSpPr>
         <p:spPr>
           <a:xfrm rot="5400000">
-            <a:off x="1861138" y="4642447"/>
+            <a:off x="3385139" y="4642448"/>
             <a:ext cx="629103" cy="513021"/>
           </a:xfrm>
           <a:prstGeom prst="bentConnector3">
@@ -12815,7 +13362,7 @@
         </p:nvCxnSpPr>
         <p:spPr>
           <a:xfrm rot="16200000" flipH="1">
-            <a:off x="2778195" y="4238409"/>
+            <a:off x="4302196" y="4238410"/>
             <a:ext cx="629103" cy="1321095"/>
           </a:xfrm>
           <a:prstGeom prst="bentConnector3">
@@ -12860,7 +13407,7 @@
         </p:nvCxnSpPr>
         <p:spPr>
           <a:xfrm rot="16200000" flipH="1">
-            <a:off x="3695253" y="3321351"/>
+            <a:off x="5219254" y="3321352"/>
             <a:ext cx="629103" cy="3155211"/>
           </a:xfrm>
           <a:prstGeom prst="bentConnector3">
@@ -12905,7 +13452,7 @@
         </p:nvCxnSpPr>
         <p:spPr>
           <a:xfrm rot="16200000" flipH="1">
-            <a:off x="4612311" y="2404293"/>
+            <a:off x="6136312" y="2404294"/>
             <a:ext cx="629103" cy="4989327"/>
           </a:xfrm>
           <a:prstGeom prst="bentConnector3">
@@ -12950,7 +13497,7 @@
         </p:nvCxnSpPr>
         <p:spPr>
           <a:xfrm rot="5400000" flipH="1" flipV="1">
-            <a:off x="3967844" y="2397516"/>
+            <a:off x="5491845" y="2397517"/>
             <a:ext cx="1320219" cy="5417553"/>
           </a:xfrm>
           <a:prstGeom prst="bentConnector4">
@@ -12996,7 +13543,7 @@
         </p:nvCxnSpPr>
         <p:spPr>
           <a:xfrm rot="5400000" flipH="1" flipV="1">
-            <a:off x="4884902" y="3314574"/>
+            <a:off x="6408903" y="3314575"/>
             <a:ext cx="1320219" cy="3583437"/>
           </a:xfrm>
           <a:prstGeom prst="bentConnector4">
@@ -13042,7 +13589,7 @@
         </p:nvCxnSpPr>
         <p:spPr>
           <a:xfrm rot="5400000" flipH="1" flipV="1">
-            <a:off x="5801960" y="4231632"/>
+            <a:off x="7325961" y="4231633"/>
             <a:ext cx="1320219" cy="1749321"/>
           </a:xfrm>
           <a:prstGeom prst="bentConnector4">
@@ -13088,7 +13635,7 @@
         </p:nvCxnSpPr>
         <p:spPr>
           <a:xfrm rot="5400000" flipH="1">
-            <a:off x="6719019" y="5063896"/>
+            <a:off x="8243020" y="5063897"/>
             <a:ext cx="1320219" cy="84795"/>
           </a:xfrm>
           <a:prstGeom prst="bentConnector4">
@@ -13134,7 +13681,7 @@
         </p:nvCxnSpPr>
         <p:spPr>
           <a:xfrm rot="16200000" flipV="1">
-            <a:off x="5708926" y="2316875"/>
+            <a:off x="7232927" y="2316875"/>
             <a:ext cx="629101" cy="1339970"/>
           </a:xfrm>
           <a:prstGeom prst="bentConnector2">
@@ -13920,7 +14467,7 @@
         <p:spPr/>
         <p:txBody>
           <a:bodyPr>
-            <a:normAutofit lnSpcReduction="10000"/>
+            <a:normAutofit/>
           </a:bodyPr>
           <a:lstStyle/>
           <a:p>
@@ -14042,7 +14589,7 @@
         <p:spPr/>
         <p:txBody>
           <a:bodyPr>
-            <a:normAutofit fontScale="92500" lnSpcReduction="20000"/>
+            <a:normAutofit fontScale="92500" lnSpcReduction="10000"/>
           </a:bodyPr>
           <a:lstStyle/>
           <a:p>
@@ -14162,7 +14709,7 @@
         <p:spPr/>
         <p:txBody>
           <a:bodyPr>
-            <a:normAutofit fontScale="92500" lnSpcReduction="20000"/>
+            <a:normAutofit fontScale="92500" lnSpcReduction="10000"/>
           </a:bodyPr>
           <a:lstStyle/>
           <a:p>
@@ -14549,7 +15096,7 @@
         <p:spPr/>
         <p:txBody>
           <a:bodyPr>
-            <a:normAutofit lnSpcReduction="10000"/>
+            <a:normAutofit/>
           </a:bodyPr>
           <a:lstStyle/>
           <a:p>
@@ -14671,7 +15218,12 @@
             <a:fillRect/>
           </a:stretch>
         </p:blipFill>
-        <p:spPr/>
+        <p:spPr>
+          <a:xfrm>
+            <a:off x="2452700" y="1556792"/>
+            <a:ext cx="7286600" cy="4525963"/>
+          </a:xfrm>
+        </p:spPr>
       </p:pic>
     </p:spTree>
     <p:extLst>
@@ -14739,7 +15291,7 @@
         <p:spPr/>
         <p:txBody>
           <a:bodyPr>
-            <a:normAutofit lnSpcReduction="10000"/>
+            <a:normAutofit/>
           </a:bodyPr>
           <a:lstStyle/>
           <a:p>
@@ -14851,7 +15403,7 @@
         <p:spPr/>
         <p:txBody>
           <a:bodyPr>
-            <a:normAutofit fontScale="92500"/>
+            <a:normAutofit/>
           </a:bodyPr>
           <a:lstStyle/>
           <a:p>
@@ -14949,7 +15501,12 @@
             <a:fillRect/>
           </a:stretch>
         </p:blipFill>
-        <p:spPr/>
+        <p:spPr>
+          <a:xfrm>
+            <a:off x="2452700" y="1628800"/>
+            <a:ext cx="7286600" cy="4525963"/>
+          </a:xfrm>
+        </p:spPr>
       </p:pic>
     </p:spTree>
     <p:extLst>
@@ -15130,7 +15687,7 @@
         <p:spPr/>
         <p:txBody>
           <a:bodyPr>
-            <a:normAutofit fontScale="92500"/>
+            <a:normAutofit/>
           </a:bodyPr>
           <a:lstStyle/>
           <a:p>
@@ -15342,7 +15899,7 @@
         <p:spPr/>
         <p:txBody>
           <a:bodyPr>
-            <a:normAutofit lnSpcReduction="10000"/>
+            <a:normAutofit/>
           </a:bodyPr>
           <a:lstStyle/>
           <a:p>
@@ -15408,7 +15965,7 @@
 </file>
 
 <file path=ppt/theme/theme1.xml><?xml version="1.0" encoding="utf-8"?>
-<a:theme xmlns:a="http://schemas.openxmlformats.org/drawingml/2006/main" name="ING">
+<a:theme xmlns:a="http://schemas.openxmlformats.org/drawingml/2006/main" name="Nicola">
   <a:themeElements>
     <a:clrScheme name="Office">
       <a:dk1>
@@ -15724,5 +16281,588 @@
     </a:lnDef>
   </a:objectDefaults>
   <a:extraClrSchemeLst/>
+  <a:extLst>
+    <a:ext uri="{05A4C25C-085E-4340-85A3-A5531E510DB2}">
+      <thm15:themeFamily xmlns:thm15="http://schemas.microsoft.com/office/thememl/2012/main" name="00 - Java Introduction" id="{2D0C21C8-6F94-AC4C-8309-F1E5902B85F9}" vid="{1BB67297-C6B5-5C49-B905-92E04B265F5A}"/>
+    </a:ext>
+  </a:extLst>
+</a:theme>
+</file>
+
+<file path=ppt/theme/theme2.xml><?xml version="1.0" encoding="utf-8"?>
+<a:theme xmlns:a="http://schemas.openxmlformats.org/drawingml/2006/main" name="Tema di Office">
+  <a:themeElements>
+    <a:clrScheme name="Office">
+      <a:dk1>
+        <a:sysClr val="windowText" lastClr="000000"/>
+      </a:dk1>
+      <a:lt1>
+        <a:sysClr val="window" lastClr="FFFFFF"/>
+      </a:lt1>
+      <a:dk2>
+        <a:srgbClr val="1F497D"/>
+      </a:dk2>
+      <a:lt2>
+        <a:srgbClr val="EEECE1"/>
+      </a:lt2>
+      <a:accent1>
+        <a:srgbClr val="4F81BD"/>
+      </a:accent1>
+      <a:accent2>
+        <a:srgbClr val="C0504D"/>
+      </a:accent2>
+      <a:accent3>
+        <a:srgbClr val="9BBB59"/>
+      </a:accent3>
+      <a:accent4>
+        <a:srgbClr val="8064A2"/>
+      </a:accent4>
+      <a:accent5>
+        <a:srgbClr val="4BACC6"/>
+      </a:accent5>
+      <a:accent6>
+        <a:srgbClr val="F79646"/>
+      </a:accent6>
+      <a:hlink>
+        <a:srgbClr val="0000FF"/>
+      </a:hlink>
+      <a:folHlink>
+        <a:srgbClr val="800080"/>
+      </a:folHlink>
+    </a:clrScheme>
+    <a:fontScheme name="Office">
+      <a:majorFont>
+        <a:latin typeface="Calibri"/>
+        <a:ea typeface=""/>
+        <a:cs typeface=""/>
+        <a:font script="Jpan" typeface="ＭＳ Ｐゴシック"/>
+        <a:font script="Hang" typeface="맑은 고딕"/>
+        <a:font script="Hans" typeface="宋体"/>
+        <a:font script="Hant" typeface="新細明體"/>
+        <a:font script="Arab" typeface="Times New Roman"/>
+        <a:font script="Hebr" typeface="Times New Roman"/>
+        <a:font script="Thai" typeface="Angsana New"/>
+        <a:font script="Ethi" typeface="Nyala"/>
+        <a:font script="Beng" typeface="Vrinda"/>
+        <a:font script="Gujr" typeface="Shruti"/>
+        <a:font script="Khmr" typeface="MoolBoran"/>
+        <a:font script="Knda" typeface="Tunga"/>
+        <a:font script="Guru" typeface="Raavi"/>
+        <a:font script="Cans" typeface="Euphemia"/>
+        <a:font script="Cher" typeface="Plantagenet Cherokee"/>
+        <a:font script="Yiii" typeface="Microsoft Yi Baiti"/>
+        <a:font script="Tibt" typeface="Microsoft Himalaya"/>
+        <a:font script="Thaa" typeface="MV Boli"/>
+        <a:font script="Deva" typeface="Mangal"/>
+        <a:font script="Telu" typeface="Gautami"/>
+        <a:font script="Taml" typeface="Latha"/>
+        <a:font script="Syrc" typeface="Estrangelo Edessa"/>
+        <a:font script="Orya" typeface="Kalinga"/>
+        <a:font script="Mlym" typeface="Kartika"/>
+        <a:font script="Laoo" typeface="DokChampa"/>
+        <a:font script="Sinh" typeface="Iskoola Pota"/>
+        <a:font script="Mong" typeface="Mongolian Baiti"/>
+        <a:font script="Viet" typeface="Times New Roman"/>
+        <a:font script="Uigh" typeface="Microsoft Uighur"/>
+      </a:majorFont>
+      <a:minorFont>
+        <a:latin typeface="Calibri"/>
+        <a:ea typeface=""/>
+        <a:cs typeface=""/>
+        <a:font script="Jpan" typeface="ＭＳ Ｐゴシック"/>
+        <a:font script="Hang" typeface="맑은 고딕"/>
+        <a:font script="Hans" typeface="宋体"/>
+        <a:font script="Hant" typeface="新細明體"/>
+        <a:font script="Arab" typeface="Arial"/>
+        <a:font script="Hebr" typeface="Arial"/>
+        <a:font script="Thai" typeface="Cordia New"/>
+        <a:font script="Ethi" typeface="Nyala"/>
+        <a:font script="Beng" typeface="Vrinda"/>
+        <a:font script="Gujr" typeface="Shruti"/>
+        <a:font script="Khmr" typeface="DaunPenh"/>
+        <a:font script="Knda" typeface="Tunga"/>
+        <a:font script="Guru" typeface="Raavi"/>
+        <a:font script="Cans" typeface="Euphemia"/>
+        <a:font script="Cher" typeface="Plantagenet Cherokee"/>
+        <a:font script="Yiii" typeface="Microsoft Yi Baiti"/>
+        <a:font script="Tibt" typeface="Microsoft Himalaya"/>
+        <a:font script="Thaa" typeface="MV Boli"/>
+        <a:font script="Deva" typeface="Mangal"/>
+        <a:font script="Telu" typeface="Gautami"/>
+        <a:font script="Taml" typeface="Latha"/>
+        <a:font script="Syrc" typeface="Estrangelo Edessa"/>
+        <a:font script="Orya" typeface="Kalinga"/>
+        <a:font script="Mlym" typeface="Kartika"/>
+        <a:font script="Laoo" typeface="DokChampa"/>
+        <a:font script="Sinh" typeface="Iskoola Pota"/>
+        <a:font script="Mong" typeface="Mongolian Baiti"/>
+        <a:font script="Viet" typeface="Arial"/>
+        <a:font script="Uigh" typeface="Microsoft Uighur"/>
+      </a:minorFont>
+    </a:fontScheme>
+    <a:fmtScheme name="Office">
+      <a:fillStyleLst>
+        <a:solidFill>
+          <a:schemeClr val="phClr"/>
+        </a:solidFill>
+        <a:gradFill rotWithShape="1">
+          <a:gsLst>
+            <a:gs pos="0">
+              <a:schemeClr val="phClr">
+                <a:tint val="50000"/>
+                <a:satMod val="300000"/>
+              </a:schemeClr>
+            </a:gs>
+            <a:gs pos="35000">
+              <a:schemeClr val="phClr">
+                <a:tint val="37000"/>
+                <a:satMod val="300000"/>
+              </a:schemeClr>
+            </a:gs>
+            <a:gs pos="100000">
+              <a:schemeClr val="phClr">
+                <a:tint val="15000"/>
+                <a:satMod val="350000"/>
+              </a:schemeClr>
+            </a:gs>
+          </a:gsLst>
+          <a:lin ang="16200000" scaled="1"/>
+        </a:gradFill>
+        <a:gradFill rotWithShape="1">
+          <a:gsLst>
+            <a:gs pos="0">
+              <a:schemeClr val="phClr">
+                <a:shade val="51000"/>
+                <a:satMod val="130000"/>
+              </a:schemeClr>
+            </a:gs>
+            <a:gs pos="80000">
+              <a:schemeClr val="phClr">
+                <a:shade val="93000"/>
+                <a:satMod val="130000"/>
+              </a:schemeClr>
+            </a:gs>
+            <a:gs pos="100000">
+              <a:schemeClr val="phClr">
+                <a:shade val="94000"/>
+                <a:satMod val="135000"/>
+              </a:schemeClr>
+            </a:gs>
+          </a:gsLst>
+          <a:lin ang="16200000" scaled="0"/>
+        </a:gradFill>
+      </a:fillStyleLst>
+      <a:lnStyleLst>
+        <a:ln w="9525" cap="flat" cmpd="sng" algn="ctr">
+          <a:solidFill>
+            <a:schemeClr val="phClr">
+              <a:shade val="95000"/>
+              <a:satMod val="105000"/>
+            </a:schemeClr>
+          </a:solidFill>
+          <a:prstDash val="solid"/>
+        </a:ln>
+        <a:ln w="25400" cap="flat" cmpd="sng" algn="ctr">
+          <a:solidFill>
+            <a:schemeClr val="phClr"/>
+          </a:solidFill>
+          <a:prstDash val="solid"/>
+        </a:ln>
+        <a:ln w="38100" cap="flat" cmpd="sng" algn="ctr">
+          <a:solidFill>
+            <a:schemeClr val="phClr"/>
+          </a:solidFill>
+          <a:prstDash val="solid"/>
+        </a:ln>
+      </a:lnStyleLst>
+      <a:effectStyleLst>
+        <a:effectStyle>
+          <a:effectLst>
+            <a:outerShdw blurRad="40000" dist="20000" dir="5400000" rotWithShape="0">
+              <a:srgbClr val="000000">
+                <a:alpha val="38000"/>
+              </a:srgbClr>
+            </a:outerShdw>
+          </a:effectLst>
+        </a:effectStyle>
+        <a:effectStyle>
+          <a:effectLst>
+            <a:outerShdw blurRad="40000" dist="23000" dir="5400000" rotWithShape="0">
+              <a:srgbClr val="000000">
+                <a:alpha val="35000"/>
+              </a:srgbClr>
+            </a:outerShdw>
+          </a:effectLst>
+        </a:effectStyle>
+        <a:effectStyle>
+          <a:effectLst>
+            <a:outerShdw blurRad="40000" dist="23000" dir="5400000" rotWithShape="0">
+              <a:srgbClr val="000000">
+                <a:alpha val="35000"/>
+              </a:srgbClr>
+            </a:outerShdw>
+          </a:effectLst>
+          <a:scene3d>
+            <a:camera prst="orthographicFront">
+              <a:rot lat="0" lon="0" rev="0"/>
+            </a:camera>
+            <a:lightRig rig="threePt" dir="t">
+              <a:rot lat="0" lon="0" rev="1200000"/>
+            </a:lightRig>
+          </a:scene3d>
+          <a:sp3d>
+            <a:bevelT w="63500" h="25400"/>
+          </a:sp3d>
+        </a:effectStyle>
+      </a:effectStyleLst>
+      <a:bgFillStyleLst>
+        <a:solidFill>
+          <a:schemeClr val="phClr"/>
+        </a:solidFill>
+        <a:gradFill rotWithShape="1">
+          <a:gsLst>
+            <a:gs pos="0">
+              <a:schemeClr val="phClr">
+                <a:tint val="40000"/>
+                <a:satMod val="350000"/>
+              </a:schemeClr>
+            </a:gs>
+            <a:gs pos="40000">
+              <a:schemeClr val="phClr">
+                <a:tint val="45000"/>
+                <a:shade val="99000"/>
+                <a:satMod val="350000"/>
+              </a:schemeClr>
+            </a:gs>
+            <a:gs pos="100000">
+              <a:schemeClr val="phClr">
+                <a:shade val="20000"/>
+                <a:satMod val="255000"/>
+              </a:schemeClr>
+            </a:gs>
+          </a:gsLst>
+          <a:path path="circle">
+            <a:fillToRect l="50000" t="-80000" r="50000" b="180000"/>
+          </a:path>
+        </a:gradFill>
+        <a:gradFill rotWithShape="1">
+          <a:gsLst>
+            <a:gs pos="0">
+              <a:schemeClr val="phClr">
+                <a:tint val="80000"/>
+                <a:satMod val="300000"/>
+              </a:schemeClr>
+            </a:gs>
+            <a:gs pos="100000">
+              <a:schemeClr val="phClr">
+                <a:shade val="30000"/>
+                <a:satMod val="200000"/>
+              </a:schemeClr>
+            </a:gs>
+          </a:gsLst>
+          <a:path path="circle">
+            <a:fillToRect l="50000" t="50000" r="50000" b="50000"/>
+          </a:path>
+        </a:gradFill>
+      </a:bgFillStyleLst>
+    </a:fmtScheme>
+  </a:themeElements>
+  <a:objectDefaults/>
+  <a:extraClrSchemeLst/>
+</a:theme>
+</file>
+
+<file path=ppt/theme/theme3.xml><?xml version="1.0" encoding="utf-8"?>
+<a:theme xmlns:a="http://schemas.openxmlformats.org/drawingml/2006/main" name="Office Theme">
+  <a:themeElements>
+    <a:clrScheme name="Office">
+      <a:dk1>
+        <a:sysClr val="windowText" lastClr="000000"/>
+      </a:dk1>
+      <a:lt1>
+        <a:sysClr val="window" lastClr="FFFFFF"/>
+      </a:lt1>
+      <a:dk2>
+        <a:srgbClr val="44546A"/>
+      </a:dk2>
+      <a:lt2>
+        <a:srgbClr val="E7E6E6"/>
+      </a:lt2>
+      <a:accent1>
+        <a:srgbClr val="4472C4"/>
+      </a:accent1>
+      <a:accent2>
+        <a:srgbClr val="ED7D31"/>
+      </a:accent2>
+      <a:accent3>
+        <a:srgbClr val="A5A5A5"/>
+      </a:accent3>
+      <a:accent4>
+        <a:srgbClr val="FFC000"/>
+      </a:accent4>
+      <a:accent5>
+        <a:srgbClr val="5B9BD5"/>
+      </a:accent5>
+      <a:accent6>
+        <a:srgbClr val="70AD47"/>
+      </a:accent6>
+      <a:hlink>
+        <a:srgbClr val="0563C1"/>
+      </a:hlink>
+      <a:folHlink>
+        <a:srgbClr val="954F72"/>
+      </a:folHlink>
+    </a:clrScheme>
+    <a:fontScheme name="Office">
+      <a:majorFont>
+        <a:latin typeface="Calibri Light" panose="020F0302020204030204"/>
+        <a:ea typeface=""/>
+        <a:cs typeface=""/>
+        <a:font script="Jpan" typeface="游ゴシック Light"/>
+        <a:font script="Hang" typeface="맑은 고딕"/>
+        <a:font script="Hans" typeface="等线 Light"/>
+        <a:font script="Hant" typeface="新細明體"/>
+        <a:font script="Arab" typeface="Times New Roman"/>
+        <a:font script="Hebr" typeface="Times New Roman"/>
+        <a:font script="Thai" typeface="Angsana New"/>
+        <a:font script="Ethi" typeface="Nyala"/>
+        <a:font script="Beng" typeface="Vrinda"/>
+        <a:font script="Gujr" typeface="Shruti"/>
+        <a:font script="Khmr" typeface="MoolBoran"/>
+        <a:font script="Knda" typeface="Tunga"/>
+        <a:font script="Guru" typeface="Raavi"/>
+        <a:font script="Cans" typeface="Euphemia"/>
+        <a:font script="Cher" typeface="Plantagenet Cherokee"/>
+        <a:font script="Yiii" typeface="Microsoft Yi Baiti"/>
+        <a:font script="Tibt" typeface="Microsoft Himalaya"/>
+        <a:font script="Thaa" typeface="MV Boli"/>
+        <a:font script="Deva" typeface="Mangal"/>
+        <a:font script="Telu" typeface="Gautami"/>
+        <a:font script="Taml" typeface="Latha"/>
+        <a:font script="Syrc" typeface="Estrangelo Edessa"/>
+        <a:font script="Orya" typeface="Kalinga"/>
+        <a:font script="Mlym" typeface="Kartika"/>
+        <a:font script="Laoo" typeface="DokChampa"/>
+        <a:font script="Sinh" typeface="Iskoola Pota"/>
+        <a:font script="Mong" typeface="Mongolian Baiti"/>
+        <a:font script="Viet" typeface="Times New Roman"/>
+        <a:font script="Uigh" typeface="Microsoft Uighur"/>
+        <a:font script="Geor" typeface="Sylfaen"/>
+        <a:font script="Armn" typeface="Arial"/>
+        <a:font script="Bugi" typeface="Leelawadee UI"/>
+        <a:font script="Bopo" typeface="Microsoft JhengHei"/>
+        <a:font script="Java" typeface="Javanese Text"/>
+        <a:font script="Lisu" typeface="Segoe UI"/>
+        <a:font script="Mymr" typeface="Myanmar Text"/>
+        <a:font script="Nkoo" typeface="Ebrima"/>
+        <a:font script="Olck" typeface="Nirmala UI"/>
+        <a:font script="Osma" typeface="Ebrima"/>
+        <a:font script="Phag" typeface="Phagspa"/>
+        <a:font script="Syrn" typeface="Estrangelo Edessa"/>
+        <a:font script="Syrj" typeface="Estrangelo Edessa"/>
+        <a:font script="Syre" typeface="Estrangelo Edessa"/>
+        <a:font script="Sora" typeface="Nirmala UI"/>
+        <a:font script="Tale" typeface="Microsoft Tai Le"/>
+        <a:font script="Talu" typeface="Microsoft New Tai Lue"/>
+        <a:font script="Tfng" typeface="Ebrima"/>
+      </a:majorFont>
+      <a:minorFont>
+        <a:latin typeface="Calibri" panose="020F0502020204030204"/>
+        <a:ea typeface=""/>
+        <a:cs typeface=""/>
+        <a:font script="Jpan" typeface="游ゴシック"/>
+        <a:font script="Hang" typeface="맑은 고딕"/>
+        <a:font script="Hans" typeface="等线"/>
+        <a:font script="Hant" typeface="新細明體"/>
+        <a:font script="Arab" typeface="Arial"/>
+        <a:font script="Hebr" typeface="Arial"/>
+        <a:font script="Thai" typeface="Cordia New"/>
+        <a:font script="Ethi" typeface="Nyala"/>
+        <a:font script="Beng" typeface="Vrinda"/>
+        <a:font script="Gujr" typeface="Shruti"/>
+        <a:font script="Khmr" typeface="DaunPenh"/>
+        <a:font script="Knda" typeface="Tunga"/>
+        <a:font script="Guru" typeface="Raavi"/>
+        <a:font script="Cans" typeface="Euphemia"/>
+        <a:font script="Cher" typeface="Plantagenet Cherokee"/>
+        <a:font script="Yiii" typeface="Microsoft Yi Baiti"/>
+        <a:font script="Tibt" typeface="Microsoft Himalaya"/>
+        <a:font script="Thaa" typeface="MV Boli"/>
+        <a:font script="Deva" typeface="Mangal"/>
+        <a:font script="Telu" typeface="Gautami"/>
+        <a:font script="Taml" typeface="Latha"/>
+        <a:font script="Syrc" typeface="Estrangelo Edessa"/>
+        <a:font script="Orya" typeface="Kalinga"/>
+        <a:font script="Mlym" typeface="Kartika"/>
+        <a:font script="Laoo" typeface="DokChampa"/>
+        <a:font script="Sinh" typeface="Iskoola Pota"/>
+        <a:font script="Mong" typeface="Mongolian Baiti"/>
+        <a:font script="Viet" typeface="Arial"/>
+        <a:font script="Uigh" typeface="Microsoft Uighur"/>
+        <a:font script="Geor" typeface="Sylfaen"/>
+        <a:font script="Armn" typeface="Arial"/>
+        <a:font script="Bugi" typeface="Leelawadee UI"/>
+        <a:font script="Bopo" typeface="Microsoft JhengHei"/>
+        <a:font script="Java" typeface="Javanese Text"/>
+        <a:font script="Lisu" typeface="Segoe UI"/>
+        <a:font script="Mymr" typeface="Myanmar Text"/>
+        <a:font script="Nkoo" typeface="Ebrima"/>
+        <a:font script="Olck" typeface="Nirmala UI"/>
+        <a:font script="Osma" typeface="Ebrima"/>
+        <a:font script="Phag" typeface="Phagspa"/>
+        <a:font script="Syrn" typeface="Estrangelo Edessa"/>
+        <a:font script="Syrj" typeface="Estrangelo Edessa"/>
+        <a:font script="Syre" typeface="Estrangelo Edessa"/>
+        <a:font script="Sora" typeface="Nirmala UI"/>
+        <a:font script="Tale" typeface="Microsoft Tai Le"/>
+        <a:font script="Talu" typeface="Microsoft New Tai Lue"/>
+        <a:font script="Tfng" typeface="Ebrima"/>
+      </a:minorFont>
+    </a:fontScheme>
+    <a:fmtScheme name="Office">
+      <a:fillStyleLst>
+        <a:solidFill>
+          <a:schemeClr val="phClr"/>
+        </a:solidFill>
+        <a:gradFill rotWithShape="1">
+          <a:gsLst>
+            <a:gs pos="0">
+              <a:schemeClr val="phClr">
+                <a:lumMod val="110000"/>
+                <a:satMod val="105000"/>
+                <a:tint val="67000"/>
+              </a:schemeClr>
+            </a:gs>
+            <a:gs pos="50000">
+              <a:schemeClr val="phClr">
+                <a:lumMod val="105000"/>
+                <a:satMod val="103000"/>
+                <a:tint val="73000"/>
+              </a:schemeClr>
+            </a:gs>
+            <a:gs pos="100000">
+              <a:schemeClr val="phClr">
+                <a:lumMod val="105000"/>
+                <a:satMod val="109000"/>
+                <a:tint val="81000"/>
+              </a:schemeClr>
+            </a:gs>
+          </a:gsLst>
+          <a:lin ang="5400000" scaled="0"/>
+        </a:gradFill>
+        <a:gradFill rotWithShape="1">
+          <a:gsLst>
+            <a:gs pos="0">
+              <a:schemeClr val="phClr">
+                <a:satMod val="103000"/>
+                <a:lumMod val="102000"/>
+                <a:tint val="94000"/>
+              </a:schemeClr>
+            </a:gs>
+            <a:gs pos="50000">
+              <a:schemeClr val="phClr">
+                <a:satMod val="110000"/>
+                <a:lumMod val="100000"/>
+                <a:shade val="100000"/>
+              </a:schemeClr>
+            </a:gs>
+            <a:gs pos="100000">
+              <a:schemeClr val="phClr">
+                <a:lumMod val="99000"/>
+                <a:satMod val="120000"/>
+                <a:shade val="78000"/>
+              </a:schemeClr>
+            </a:gs>
+          </a:gsLst>
+          <a:lin ang="5400000" scaled="0"/>
+        </a:gradFill>
+      </a:fillStyleLst>
+      <a:lnStyleLst>
+        <a:ln w="6350" cap="flat" cmpd="sng" algn="ctr">
+          <a:solidFill>
+            <a:schemeClr val="phClr"/>
+          </a:solidFill>
+          <a:prstDash val="solid"/>
+          <a:miter lim="800000"/>
+        </a:ln>
+        <a:ln w="12700" cap="flat" cmpd="sng" algn="ctr">
+          <a:solidFill>
+            <a:schemeClr val="phClr"/>
+          </a:solidFill>
+          <a:prstDash val="solid"/>
+          <a:miter lim="800000"/>
+        </a:ln>
+        <a:ln w="19050" cap="flat" cmpd="sng" algn="ctr">
+          <a:solidFill>
+            <a:schemeClr val="phClr"/>
+          </a:solidFill>
+          <a:prstDash val="solid"/>
+          <a:miter lim="800000"/>
+        </a:ln>
+      </a:lnStyleLst>
+      <a:effectStyleLst>
+        <a:effectStyle>
+          <a:effectLst/>
+        </a:effectStyle>
+        <a:effectStyle>
+          <a:effectLst/>
+        </a:effectStyle>
+        <a:effectStyle>
+          <a:effectLst>
+            <a:outerShdw blurRad="57150" dist="19050" dir="5400000" algn="ctr" rotWithShape="0">
+              <a:srgbClr val="000000">
+                <a:alpha val="63000"/>
+              </a:srgbClr>
+            </a:outerShdw>
+          </a:effectLst>
+        </a:effectStyle>
+      </a:effectStyleLst>
+      <a:bgFillStyleLst>
+        <a:solidFill>
+          <a:schemeClr val="phClr"/>
+        </a:solidFill>
+        <a:solidFill>
+          <a:schemeClr val="phClr">
+            <a:tint val="95000"/>
+            <a:satMod val="170000"/>
+          </a:schemeClr>
+        </a:solidFill>
+        <a:gradFill rotWithShape="1">
+          <a:gsLst>
+            <a:gs pos="0">
+              <a:schemeClr val="phClr">
+                <a:tint val="93000"/>
+                <a:satMod val="150000"/>
+                <a:shade val="98000"/>
+                <a:lumMod val="102000"/>
+              </a:schemeClr>
+            </a:gs>
+            <a:gs pos="50000">
+              <a:schemeClr val="phClr">
+                <a:tint val="98000"/>
+                <a:satMod val="130000"/>
+                <a:shade val="90000"/>
+                <a:lumMod val="103000"/>
+              </a:schemeClr>
+            </a:gs>
+            <a:gs pos="100000">
+              <a:schemeClr val="phClr">
+                <a:shade val="63000"/>
+                <a:satMod val="120000"/>
+              </a:schemeClr>
+            </a:gs>
+          </a:gsLst>
+          <a:lin ang="5400000" scaled="0"/>
+        </a:gradFill>
+      </a:bgFillStyleLst>
+    </a:fmtScheme>
+  </a:themeElements>
+  <a:objectDefaults/>
+  <a:extraClrSchemeLst/>
+  <a:extLst>
+    <a:ext uri="{05A4C25C-085E-4340-85A3-A5531E510DB2}">
+      <thm15:themeFamily xmlns:thm15="http://schemas.microsoft.com/office/thememl/2012/main" name="Office Theme" id="{62F939B6-93AF-4DB8-9C6B-D6C7DFDC589F}" vid="{4A3C46E8-61CC-4603-A589-7422A47A8E4A}"/>
+    </a:ext>
+  </a:extLst>
 </a:theme>
 </file>
--- a/java/slides/ppt/08 - Java Multi-Threading.pptx
+++ b/java/slides/ppt/08 - Java Multi-Threading.pptx
@@ -5,77 +5,76 @@
     <p:sldMasterId id="2147483672" r:id="rId1"/>
   </p:sldMasterIdLst>
   <p:notesMasterIdLst>
-    <p:notesMasterId r:id="rId67"/>
+    <p:notesMasterId r:id="rId66"/>
   </p:notesMasterIdLst>
   <p:handoutMasterIdLst>
-    <p:handoutMasterId r:id="rId68"/>
+    <p:handoutMasterId r:id="rId67"/>
   </p:handoutMasterIdLst>
   <p:sldIdLst>
     <p:sldId id="256" r:id="rId2"/>
     <p:sldId id="298" r:id="rId3"/>
     <p:sldId id="261" r:id="rId4"/>
-    <p:sldId id="299" r:id="rId5"/>
-    <p:sldId id="263" r:id="rId6"/>
-    <p:sldId id="268" r:id="rId7"/>
-    <p:sldId id="300" r:id="rId8"/>
-    <p:sldId id="258" r:id="rId9"/>
-    <p:sldId id="259" r:id="rId10"/>
-    <p:sldId id="260" r:id="rId11"/>
-    <p:sldId id="265" r:id="rId12"/>
-    <p:sldId id="262" r:id="rId13"/>
-    <p:sldId id="301" r:id="rId14"/>
-    <p:sldId id="271" r:id="rId15"/>
-    <p:sldId id="302" r:id="rId16"/>
-    <p:sldId id="272" r:id="rId17"/>
-    <p:sldId id="278" r:id="rId18"/>
-    <p:sldId id="275" r:id="rId19"/>
-    <p:sldId id="279" r:id="rId20"/>
-    <p:sldId id="305" r:id="rId21"/>
-    <p:sldId id="289" r:id="rId22"/>
-    <p:sldId id="288" r:id="rId23"/>
-    <p:sldId id="303" r:id="rId24"/>
-    <p:sldId id="304" r:id="rId25"/>
-    <p:sldId id="307" r:id="rId26"/>
-    <p:sldId id="280" r:id="rId27"/>
-    <p:sldId id="281" r:id="rId28"/>
-    <p:sldId id="283" r:id="rId29"/>
-    <p:sldId id="286" r:id="rId30"/>
-    <p:sldId id="282" r:id="rId31"/>
-    <p:sldId id="285" r:id="rId32"/>
-    <p:sldId id="292" r:id="rId33"/>
-    <p:sldId id="294" r:id="rId34"/>
-    <p:sldId id="290" r:id="rId35"/>
-    <p:sldId id="293" r:id="rId36"/>
-    <p:sldId id="287" r:id="rId37"/>
-    <p:sldId id="306" r:id="rId38"/>
-    <p:sldId id="296" r:id="rId39"/>
-    <p:sldId id="325" r:id="rId40"/>
-    <p:sldId id="257" r:id="rId41"/>
-    <p:sldId id="308" r:id="rId42"/>
-    <p:sldId id="309" r:id="rId43"/>
-    <p:sldId id="310" r:id="rId44"/>
-    <p:sldId id="264" r:id="rId45"/>
-    <p:sldId id="266" r:id="rId46"/>
-    <p:sldId id="269" r:id="rId47"/>
-    <p:sldId id="267" r:id="rId48"/>
-    <p:sldId id="311" r:id="rId49"/>
-    <p:sldId id="312" r:id="rId50"/>
-    <p:sldId id="313" r:id="rId51"/>
-    <p:sldId id="314" r:id="rId52"/>
-    <p:sldId id="315" r:id="rId53"/>
-    <p:sldId id="316" r:id="rId54"/>
-    <p:sldId id="317" r:id="rId55"/>
-    <p:sldId id="318" r:id="rId56"/>
-    <p:sldId id="319" r:id="rId57"/>
-    <p:sldId id="277" r:id="rId58"/>
-    <p:sldId id="320" r:id="rId59"/>
-    <p:sldId id="321" r:id="rId60"/>
-    <p:sldId id="274" r:id="rId61"/>
-    <p:sldId id="297" r:id="rId62"/>
-    <p:sldId id="322" r:id="rId63"/>
-    <p:sldId id="323" r:id="rId64"/>
-    <p:sldId id="295" r:id="rId65"/>
-    <p:sldId id="324" r:id="rId66"/>
+    <p:sldId id="268" r:id="rId5"/>
+    <p:sldId id="299" r:id="rId6"/>
+    <p:sldId id="300" r:id="rId7"/>
+    <p:sldId id="258" r:id="rId8"/>
+    <p:sldId id="259" r:id="rId9"/>
+    <p:sldId id="260" r:id="rId10"/>
+    <p:sldId id="265" r:id="rId11"/>
+    <p:sldId id="262" r:id="rId12"/>
+    <p:sldId id="301" r:id="rId13"/>
+    <p:sldId id="271" r:id="rId14"/>
+    <p:sldId id="302" r:id="rId15"/>
+    <p:sldId id="272" r:id="rId16"/>
+    <p:sldId id="278" r:id="rId17"/>
+    <p:sldId id="275" r:id="rId18"/>
+    <p:sldId id="279" r:id="rId19"/>
+    <p:sldId id="305" r:id="rId20"/>
+    <p:sldId id="289" r:id="rId21"/>
+    <p:sldId id="288" r:id="rId22"/>
+    <p:sldId id="303" r:id="rId23"/>
+    <p:sldId id="304" r:id="rId24"/>
+    <p:sldId id="307" r:id="rId25"/>
+    <p:sldId id="280" r:id="rId26"/>
+    <p:sldId id="281" r:id="rId27"/>
+    <p:sldId id="283" r:id="rId28"/>
+    <p:sldId id="286" r:id="rId29"/>
+    <p:sldId id="282" r:id="rId30"/>
+    <p:sldId id="285" r:id="rId31"/>
+    <p:sldId id="292" r:id="rId32"/>
+    <p:sldId id="294" r:id="rId33"/>
+    <p:sldId id="290" r:id="rId34"/>
+    <p:sldId id="293" r:id="rId35"/>
+    <p:sldId id="287" r:id="rId36"/>
+    <p:sldId id="306" r:id="rId37"/>
+    <p:sldId id="296" r:id="rId38"/>
+    <p:sldId id="325" r:id="rId39"/>
+    <p:sldId id="257" r:id="rId40"/>
+    <p:sldId id="308" r:id="rId41"/>
+    <p:sldId id="309" r:id="rId42"/>
+    <p:sldId id="310" r:id="rId43"/>
+    <p:sldId id="264" r:id="rId44"/>
+    <p:sldId id="266" r:id="rId45"/>
+    <p:sldId id="269" r:id="rId46"/>
+    <p:sldId id="267" r:id="rId47"/>
+    <p:sldId id="311" r:id="rId48"/>
+    <p:sldId id="312" r:id="rId49"/>
+    <p:sldId id="313" r:id="rId50"/>
+    <p:sldId id="314" r:id="rId51"/>
+    <p:sldId id="315" r:id="rId52"/>
+    <p:sldId id="316" r:id="rId53"/>
+    <p:sldId id="317" r:id="rId54"/>
+    <p:sldId id="318" r:id="rId55"/>
+    <p:sldId id="319" r:id="rId56"/>
+    <p:sldId id="277" r:id="rId57"/>
+    <p:sldId id="320" r:id="rId58"/>
+    <p:sldId id="321" r:id="rId59"/>
+    <p:sldId id="274" r:id="rId60"/>
+    <p:sldId id="297" r:id="rId61"/>
+    <p:sldId id="322" r:id="rId62"/>
+    <p:sldId id="323" r:id="rId63"/>
+    <p:sldId id="295" r:id="rId64"/>
+    <p:sldId id="324" r:id="rId65"/>
   </p:sldIdLst>
   <p:sldSz cx="12192000" cy="6858000"/>
   <p:notesSz cx="6858000" cy="9144000"/>
@@ -287,7 +286,7 @@
           <a:p>
             <a:fld id="{5591E39A-28E5-5D4D-B97C-ECEB96F19817}" type="datetimeFigureOut">
               <a:rPr lang="en-IT" smtClean="0"/>
-              <a:t>30/09/21</a:t>
+              <a:t>02/04/22</a:t>
             </a:fld>
             <a:endParaRPr lang="en-IT"/>
           </a:p>
@@ -466,7 +465,7 @@
             <a:fld id="{BAEB7694-8561-4BE2-948D-EDF7A201F8BB}" type="datetimeFigureOut">
               <a:rPr lang="it-IT" smtClean="0"/>
               <a:pPr/>
-              <a:t>30/09/21</a:t>
+              <a:t>02/04/22</a:t>
             </a:fld>
             <a:endParaRPr lang="it-IT"/>
           </a:p>
@@ -3784,133 +3783,6 @@
         </p:nvSpPr>
         <p:spPr/>
         <p:txBody>
-          <a:bodyPr>
-            <a:normAutofit/>
-          </a:bodyPr>
-          <a:lstStyle/>
-          <a:p>
-            <a:r>
-              <a:rPr lang="en-US" dirty="0"/>
-              <a:t>Multi-threaded	scenario</a:t>
-            </a:r>
-          </a:p>
-        </p:txBody>
-      </p:sp>
-      <p:sp>
-        <p:nvSpPr>
-          <p:cNvPr id="3" name="Content Placeholder 2"/>
-          <p:cNvSpPr>
-            <a:spLocks noGrp="1"/>
-          </p:cNvSpPr>
-          <p:nvPr>
-            <p:ph idx="1"/>
-          </p:nvPr>
-        </p:nvSpPr>
-        <p:spPr/>
-        <p:txBody>
-          <a:bodyPr>
-            <a:normAutofit/>
-          </a:bodyPr>
-          <a:lstStyle/>
-          <a:p>
-            <a:r>
-              <a:rPr lang="en-US" dirty="0"/>
-              <a:t>In a multi-threated scenario</a:t>
-            </a:r>
-          </a:p>
-          <a:p>
-            <a:pPr lvl="1"/>
-            <a:r>
-              <a:rPr lang="en-US" dirty="0"/>
-              <a:t>the </a:t>
-            </a:r>
-            <a:r>
-              <a:rPr lang="en-US" dirty="0">
-                <a:solidFill>
-                  <a:srgbClr val="E46C0A"/>
-                </a:solidFill>
-              </a:rPr>
-              <a:t>download can execute in background </a:t>
-            </a:r>
-            <a:r>
-              <a:rPr lang="en-US" dirty="0"/>
-              <a:t>(i.e. in another thread)</a:t>
-            </a:r>
-          </a:p>
-          <a:p>
-            <a:pPr lvl="1"/>
-            <a:r>
-              <a:rPr lang="en-US" dirty="0"/>
-              <a:t>the </a:t>
-            </a:r>
-            <a:r>
-              <a:rPr lang="en-US" dirty="0">
-                <a:solidFill>
-                  <a:srgbClr val="E46C0A"/>
-                </a:solidFill>
-              </a:rPr>
-              <a:t>analysis, too, can execute in background</a:t>
-            </a:r>
-            <a:r>
-              <a:rPr lang="en-US" dirty="0"/>
-              <a:t> (i.e. in another thread) and eventually use multiple CPU cores for saving time</a:t>
-            </a:r>
-          </a:p>
-          <a:p>
-            <a:pPr lvl="1"/>
-            <a:r>
-              <a:rPr lang="en-US" dirty="0"/>
-              <a:t>the user can enjoy a responsive GUI while awaiting for eventual notifications (buy/sell signals)</a:t>
-            </a:r>
-          </a:p>
-          <a:p>
-            <a:pPr lvl="1"/>
-            <a:endParaRPr lang="en-US" dirty="0"/>
-          </a:p>
-        </p:txBody>
-      </p:sp>
-    </p:spTree>
-    <p:extLst>
-      <p:ext uri="{BB962C8B-B14F-4D97-AF65-F5344CB8AC3E}">
-        <p14:creationId xmlns:p14="http://schemas.microsoft.com/office/powerpoint/2010/main" val="2044025521"/>
-      </p:ext>
-    </p:extLst>
-  </p:cSld>
-  <p:clrMapOvr>
-    <a:masterClrMapping/>
-  </p:clrMapOvr>
-</p:sld>
-</file>
-
-<file path=ppt/slides/slide11.xml><?xml version="1.0" encoding="utf-8"?>
-<p:sld xmlns:a="http://schemas.openxmlformats.org/drawingml/2006/main" xmlns:r="http://schemas.openxmlformats.org/officeDocument/2006/relationships" xmlns:p="http://schemas.openxmlformats.org/presentationml/2006/main">
-  <p:cSld>
-    <p:spTree>
-      <p:nvGrpSpPr>
-        <p:cNvPr id="1" name=""/>
-        <p:cNvGrpSpPr/>
-        <p:nvPr/>
-      </p:nvGrpSpPr>
-      <p:grpSpPr>
-        <a:xfrm>
-          <a:off x="0" y="0"/>
-          <a:ext cx="0" cy="0"/>
-          <a:chOff x="0" y="0"/>
-          <a:chExt cx="0" cy="0"/>
-        </a:xfrm>
-      </p:grpSpPr>
-      <p:sp>
-        <p:nvSpPr>
-          <p:cNvPr id="2" name="Title 1"/>
-          <p:cNvSpPr>
-            <a:spLocks noGrp="1"/>
-          </p:cNvSpPr>
-          <p:nvPr>
-            <p:ph type="title"/>
-          </p:nvPr>
-        </p:nvSpPr>
-        <p:spPr/>
-        <p:txBody>
           <a:bodyPr/>
           <a:lstStyle/>
           <a:p>
@@ -3984,7 +3856,7 @@
 </p:sld>
 </file>
 
-<file path=ppt/slides/slide12.xml><?xml version="1.0" encoding="utf-8"?>
+<file path=ppt/slides/slide11.xml><?xml version="1.0" encoding="utf-8"?>
 <p:sld xmlns:a="http://schemas.openxmlformats.org/drawingml/2006/main" xmlns:r="http://schemas.openxmlformats.org/officeDocument/2006/relationships" xmlns:p="http://schemas.openxmlformats.org/presentationml/2006/main">
   <p:cSld>
     <p:spTree>
@@ -4119,7 +3991,7 @@
 </p:sld>
 </file>
 
-<file path=ppt/slides/slide13.xml><?xml version="1.0" encoding="utf-8"?>
+<file path=ppt/slides/slide12.xml><?xml version="1.0" encoding="utf-8"?>
 <p:sld xmlns:a="http://schemas.openxmlformats.org/drawingml/2006/main" xmlns:r="http://schemas.openxmlformats.org/officeDocument/2006/relationships" xmlns:p="http://schemas.openxmlformats.org/presentationml/2006/main">
   <p:cSld>
     <p:spTree>
@@ -4201,6 +4073,417 @@
 </p:sld>
 </file>
 
+<file path=ppt/slides/slide13.xml><?xml version="1.0" encoding="utf-8"?>
+<p:sld xmlns:a="http://schemas.openxmlformats.org/drawingml/2006/main" xmlns:r="http://schemas.openxmlformats.org/officeDocument/2006/relationships" xmlns:p="http://schemas.openxmlformats.org/presentationml/2006/main">
+  <p:cSld>
+    <p:spTree>
+      <p:nvGrpSpPr>
+        <p:cNvPr id="1" name=""/>
+        <p:cNvGrpSpPr/>
+        <p:nvPr/>
+      </p:nvGrpSpPr>
+      <p:grpSpPr>
+        <a:xfrm>
+          <a:off x="0" y="0"/>
+          <a:ext cx="0" cy="0"/>
+          <a:chOff x="0" y="0"/>
+          <a:chExt cx="0" cy="0"/>
+        </a:xfrm>
+      </p:grpSpPr>
+      <p:sp>
+        <p:nvSpPr>
+          <p:cNvPr id="2" name="Title 1"/>
+          <p:cNvSpPr>
+            <a:spLocks noGrp="1"/>
+          </p:cNvSpPr>
+          <p:nvPr>
+            <p:ph type="title"/>
+          </p:nvPr>
+        </p:nvSpPr>
+        <p:spPr/>
+        <p:txBody>
+          <a:bodyPr>
+            <a:normAutofit/>
+          </a:bodyPr>
+          <a:lstStyle/>
+          <a:p>
+            <a:r>
+              <a:rPr lang="en-US" dirty="0"/>
+              <a:t>Creating a Process</a:t>
+            </a:r>
+          </a:p>
+        </p:txBody>
+      </p:sp>
+      <p:sp>
+        <p:nvSpPr>
+          <p:cNvPr id="3" name="Content Placeholder 2"/>
+          <p:cNvSpPr>
+            <a:spLocks noGrp="1"/>
+          </p:cNvSpPr>
+          <p:nvPr>
+            <p:ph idx="1"/>
+          </p:nvPr>
+        </p:nvSpPr>
+        <p:spPr/>
+        <p:txBody>
+          <a:bodyPr>
+            <a:normAutofit fontScale="92500" lnSpcReduction="10000"/>
+          </a:bodyPr>
+          <a:lstStyle/>
+          <a:p>
+            <a:r>
+              <a:rPr lang="en-US" sz="2400" dirty="0">
+                <a:solidFill>
+                  <a:schemeClr val="accent6">
+                    <a:lumMod val="75000"/>
+                  </a:schemeClr>
+                </a:solidFill>
+                <a:latin typeface="Calibri" panose="020F0502020204030204" pitchFamily="34" charset="0"/>
+                <a:cs typeface="Calibri" panose="020F0502020204030204" pitchFamily="34" charset="0"/>
+              </a:rPr>
+              <a:t>In Java it is not possible to explicitly call the </a:t>
+            </a:r>
+            <a:r>
+              <a:rPr lang="en-US" sz="2400" dirty="0" err="1">
+                <a:solidFill>
+                  <a:schemeClr val="accent6">
+                    <a:lumMod val="75000"/>
+                  </a:schemeClr>
+                </a:solidFill>
+                <a:latin typeface="Calibri" panose="020F0502020204030204" pitchFamily="34" charset="0"/>
+                <a:cs typeface="Calibri" panose="020F0502020204030204" pitchFamily="34" charset="0"/>
+              </a:rPr>
+              <a:t>syscall</a:t>
+            </a:r>
+            <a:r>
+              <a:rPr lang="en-US" sz="2400" dirty="0">
+                <a:solidFill>
+                  <a:schemeClr val="accent6">
+                    <a:lumMod val="75000"/>
+                  </a:schemeClr>
+                </a:solidFill>
+                <a:latin typeface="Calibri" panose="020F0502020204030204" pitchFamily="34" charset="0"/>
+                <a:cs typeface="Calibri" panose="020F0502020204030204" pitchFamily="34" charset="0"/>
+              </a:rPr>
+              <a:t> fork() as in C. </a:t>
+            </a:r>
+            <a:r>
+              <a:rPr lang="en-US" sz="2400" dirty="0" err="1">
+                <a:latin typeface="Calibri" panose="020F0502020204030204" pitchFamily="34" charset="0"/>
+                <a:cs typeface="Calibri" panose="020F0502020204030204" pitchFamily="34" charset="0"/>
+              </a:rPr>
+              <a:t>Syscalls</a:t>
+            </a:r>
+            <a:r>
+              <a:rPr lang="en-US" sz="2400" dirty="0">
+                <a:latin typeface="Calibri" panose="020F0502020204030204" pitchFamily="34" charset="0"/>
+                <a:cs typeface="Calibri" panose="020F0502020204030204" pitchFamily="34" charset="0"/>
+              </a:rPr>
+              <a:t> fork() and exec() can be jointly called via the </a:t>
+            </a:r>
+            <a:r>
+              <a:rPr lang="en-US" sz="2400" dirty="0">
+                <a:solidFill>
+                  <a:schemeClr val="accent6">
+                    <a:lumMod val="75000"/>
+                  </a:schemeClr>
+                </a:solidFill>
+                <a:latin typeface="Calibri" panose="020F0502020204030204" pitchFamily="34" charset="0"/>
+                <a:cs typeface="Calibri" panose="020F0502020204030204" pitchFamily="34" charset="0"/>
+              </a:rPr>
+              <a:t>Process</a:t>
+            </a:r>
+            <a:r>
+              <a:rPr lang="en-US" sz="2400" dirty="0">
+                <a:latin typeface="Calibri" panose="020F0502020204030204" pitchFamily="34" charset="0"/>
+                <a:cs typeface="Calibri" panose="020F0502020204030204" pitchFamily="34" charset="0"/>
+              </a:rPr>
+              <a:t> class</a:t>
+            </a:r>
+          </a:p>
+          <a:p>
+            <a:r>
+              <a:rPr lang="en-US" sz="2400" dirty="0">
+                <a:latin typeface="Calibri" panose="020F0502020204030204" pitchFamily="34" charset="0"/>
+                <a:cs typeface="Calibri" panose="020F0502020204030204" pitchFamily="34" charset="0"/>
+              </a:rPr>
+              <a:t>Methods of Process class also allow developers to acquire standard input, output, error, and exit value</a:t>
+            </a:r>
+          </a:p>
+          <a:p>
+            <a:pPr marL="0" indent="0">
+              <a:buNone/>
+            </a:pPr>
+            <a:endParaRPr lang="en-US" sz="1800" dirty="0">
+              <a:latin typeface="Consolas" panose="020B0609020204030204" pitchFamily="49" charset="0"/>
+              <a:cs typeface="Consolas" panose="020B0609020204030204" pitchFamily="49" charset="0"/>
+            </a:endParaRPr>
+          </a:p>
+          <a:p>
+            <a:pPr marL="0" indent="0">
+              <a:buNone/>
+            </a:pPr>
+            <a:r>
+              <a:rPr lang="en-US" sz="1800" dirty="0">
+                <a:latin typeface="Consolas" panose="020B0609020204030204" pitchFamily="49" charset="0"/>
+                <a:cs typeface="Consolas" panose="020B0609020204030204" pitchFamily="49" charset="0"/>
+              </a:rPr>
+              <a:t>/* Process p = </a:t>
+            </a:r>
+            <a:r>
+              <a:rPr lang="en-US" sz="1800" dirty="0" err="1">
+                <a:latin typeface="Consolas" panose="020B0609020204030204" pitchFamily="49" charset="0"/>
+                <a:cs typeface="Consolas" panose="020B0609020204030204" pitchFamily="49" charset="0"/>
+              </a:rPr>
+              <a:t>Runtime.getRuntime</a:t>
+            </a:r>
+            <a:r>
+              <a:rPr lang="en-US" sz="1800" dirty="0">
+                <a:latin typeface="Consolas" panose="020B0609020204030204" pitchFamily="49" charset="0"/>
+                <a:cs typeface="Consolas" panose="020B0609020204030204" pitchFamily="49" charset="0"/>
+              </a:rPr>
+              <a:t>().exec("/bin/ls -al /"); */</a:t>
+            </a:r>
+          </a:p>
+          <a:p>
+            <a:pPr marL="0" indent="0">
+              <a:buNone/>
+            </a:pPr>
+            <a:r>
+              <a:rPr lang="en-US" sz="1800" dirty="0">
+                <a:latin typeface="Consolas" panose="020B0609020204030204" pitchFamily="49" charset="0"/>
+                <a:cs typeface="Consolas" panose="020B0609020204030204" pitchFamily="49" charset="0"/>
+              </a:rPr>
+              <a:t>Process p = (new </a:t>
+            </a:r>
+            <a:r>
+              <a:rPr lang="en-US" sz="1800" dirty="0" err="1">
+                <a:latin typeface="Consolas" panose="020B0609020204030204" pitchFamily="49" charset="0"/>
+                <a:cs typeface="Consolas" panose="020B0609020204030204" pitchFamily="49" charset="0"/>
+              </a:rPr>
+              <a:t>ProcessBuilder</a:t>
+            </a:r>
+            <a:r>
+              <a:rPr lang="en-US" sz="1800" dirty="0">
+                <a:latin typeface="Consolas" panose="020B0609020204030204" pitchFamily="49" charset="0"/>
+                <a:cs typeface="Consolas" panose="020B0609020204030204" pitchFamily="49" charset="0"/>
+              </a:rPr>
+              <a:t>("/bin/ls", "-al", "/")).start();</a:t>
+            </a:r>
+          </a:p>
+          <a:p>
+            <a:pPr marL="0" indent="0">
+              <a:buNone/>
+            </a:pPr>
+            <a:endParaRPr lang="en-US" sz="1800" dirty="0">
+              <a:latin typeface="Consolas" panose="020B0609020204030204" pitchFamily="49" charset="0"/>
+              <a:cs typeface="Consolas" panose="020B0609020204030204" pitchFamily="49" charset="0"/>
+            </a:endParaRPr>
+          </a:p>
+          <a:p>
+            <a:pPr marL="0" indent="0">
+              <a:buNone/>
+            </a:pPr>
+            <a:r>
+              <a:rPr lang="en-US" sz="1800" dirty="0" err="1">
+                <a:latin typeface="Consolas" panose="020B0609020204030204" pitchFamily="49" charset="0"/>
+                <a:cs typeface="Consolas" panose="020B0609020204030204" pitchFamily="49" charset="0"/>
+              </a:rPr>
+              <a:t>BufferedReader</a:t>
+            </a:r>
+            <a:r>
+              <a:rPr lang="en-US" sz="1800" dirty="0">
+                <a:latin typeface="Consolas" panose="020B0609020204030204" pitchFamily="49" charset="0"/>
+                <a:cs typeface="Consolas" panose="020B0609020204030204" pitchFamily="49" charset="0"/>
+              </a:rPr>
+              <a:t> in = new </a:t>
+            </a:r>
+            <a:r>
+              <a:rPr lang="en-US" sz="1800" dirty="0" err="1">
+                <a:latin typeface="Consolas" panose="020B0609020204030204" pitchFamily="49" charset="0"/>
+                <a:cs typeface="Consolas" panose="020B0609020204030204" pitchFamily="49" charset="0"/>
+              </a:rPr>
+              <a:t>BufferedReader</a:t>
+            </a:r>
+            <a:r>
+              <a:rPr lang="en-US" sz="1800" dirty="0">
+                <a:latin typeface="Consolas" panose="020B0609020204030204" pitchFamily="49" charset="0"/>
+                <a:cs typeface="Consolas" panose="020B0609020204030204" pitchFamily="49" charset="0"/>
+              </a:rPr>
+              <a:t>(new</a:t>
+            </a:r>
+          </a:p>
+          <a:p>
+            <a:pPr marL="0" indent="0">
+              <a:buNone/>
+            </a:pPr>
+            <a:r>
+              <a:rPr lang="en-US" sz="1800" dirty="0">
+                <a:latin typeface="Consolas" panose="020B0609020204030204" pitchFamily="49" charset="0"/>
+                <a:cs typeface="Consolas" panose="020B0609020204030204" pitchFamily="49" charset="0"/>
+              </a:rPr>
+              <a:t>	</a:t>
+            </a:r>
+            <a:r>
+              <a:rPr lang="en-US" sz="1800" dirty="0" err="1">
+                <a:latin typeface="Consolas" panose="020B0609020204030204" pitchFamily="49" charset="0"/>
+                <a:cs typeface="Consolas" panose="020B0609020204030204" pitchFamily="49" charset="0"/>
+              </a:rPr>
+              <a:t>InputStreamReader</a:t>
+            </a:r>
+            <a:r>
+              <a:rPr lang="en-US" sz="1800" dirty="0">
+                <a:latin typeface="Consolas" panose="020B0609020204030204" pitchFamily="49" charset="0"/>
+                <a:cs typeface="Consolas" panose="020B0609020204030204" pitchFamily="49" charset="0"/>
+              </a:rPr>
+              <a:t>(</a:t>
+            </a:r>
+            <a:r>
+              <a:rPr lang="en-US" sz="1800" dirty="0" err="1">
+                <a:latin typeface="Consolas" panose="020B0609020204030204" pitchFamily="49" charset="0"/>
+                <a:cs typeface="Consolas" panose="020B0609020204030204" pitchFamily="49" charset="0"/>
+              </a:rPr>
+              <a:t>p.getInputStream</a:t>
+            </a:r>
+            <a:r>
+              <a:rPr lang="en-US" sz="1800" dirty="0">
+                <a:latin typeface="Consolas" panose="020B0609020204030204" pitchFamily="49" charset="0"/>
+                <a:cs typeface="Consolas" panose="020B0609020204030204" pitchFamily="49" charset="0"/>
+              </a:rPr>
+              <a:t>()));</a:t>
+            </a:r>
+          </a:p>
+          <a:p>
+            <a:pPr marL="0" indent="0">
+              <a:buNone/>
+            </a:pPr>
+            <a:r>
+              <a:rPr lang="en-US" sz="1800" dirty="0">
+                <a:latin typeface="Consolas" panose="020B0609020204030204" pitchFamily="49" charset="0"/>
+                <a:cs typeface="Consolas" panose="020B0609020204030204" pitchFamily="49" charset="0"/>
+              </a:rPr>
+              <a:t>while ((line = </a:t>
+            </a:r>
+            <a:r>
+              <a:rPr lang="en-US" sz="1800" dirty="0" err="1">
+                <a:latin typeface="Consolas" panose="020B0609020204030204" pitchFamily="49" charset="0"/>
+                <a:cs typeface="Consolas" panose="020B0609020204030204" pitchFamily="49" charset="0"/>
+              </a:rPr>
+              <a:t>in.readLine</a:t>
+            </a:r>
+            <a:r>
+              <a:rPr lang="en-US" sz="1800" dirty="0">
+                <a:latin typeface="Consolas" panose="020B0609020204030204" pitchFamily="49" charset="0"/>
+                <a:cs typeface="Consolas" panose="020B0609020204030204" pitchFamily="49" charset="0"/>
+              </a:rPr>
+              <a:t>()) != null) {</a:t>
+            </a:r>
+          </a:p>
+          <a:p>
+            <a:pPr marL="0" indent="0">
+              <a:buNone/>
+            </a:pPr>
+            <a:r>
+              <a:rPr lang="en-US" sz="1800" dirty="0">
+                <a:latin typeface="Consolas" panose="020B0609020204030204" pitchFamily="49" charset="0"/>
+                <a:cs typeface="Consolas" panose="020B0609020204030204" pitchFamily="49" charset="0"/>
+              </a:rPr>
+              <a:t>	</a:t>
+            </a:r>
+            <a:r>
+              <a:rPr lang="en-US" sz="1800" dirty="0" err="1">
+                <a:latin typeface="Consolas" panose="020B0609020204030204" pitchFamily="49" charset="0"/>
+                <a:cs typeface="Consolas" panose="020B0609020204030204" pitchFamily="49" charset="0"/>
+              </a:rPr>
+              <a:t>System.out.println</a:t>
+            </a:r>
+            <a:r>
+              <a:rPr lang="en-US" sz="1800" dirty="0">
+                <a:latin typeface="Consolas" panose="020B0609020204030204" pitchFamily="49" charset="0"/>
+                <a:cs typeface="Consolas" panose="020B0609020204030204" pitchFamily="49" charset="0"/>
+              </a:rPr>
+              <a:t>(line);</a:t>
+            </a:r>
+          </a:p>
+          <a:p>
+            <a:pPr marL="0" indent="0">
+              <a:buNone/>
+            </a:pPr>
+            <a:r>
+              <a:rPr lang="en-US" sz="1800" dirty="0">
+                <a:latin typeface="Consolas" panose="020B0609020204030204" pitchFamily="49" charset="0"/>
+                <a:cs typeface="Consolas" panose="020B0609020204030204" pitchFamily="49" charset="0"/>
+              </a:rPr>
+              <a:t>}</a:t>
+            </a:r>
+          </a:p>
+          <a:p>
+            <a:pPr marL="0" indent="0">
+              <a:buNone/>
+            </a:pPr>
+            <a:r>
+              <a:rPr lang="en-US" sz="1800" dirty="0" err="1">
+                <a:latin typeface="Consolas" panose="020B0609020204030204" pitchFamily="49" charset="0"/>
+                <a:cs typeface="Consolas" panose="020B0609020204030204" pitchFamily="49" charset="0"/>
+              </a:rPr>
+              <a:t>in.close</a:t>
+            </a:r>
+            <a:r>
+              <a:rPr lang="en-US" sz="1800" dirty="0">
+                <a:latin typeface="Consolas" panose="020B0609020204030204" pitchFamily="49" charset="0"/>
+                <a:cs typeface="Consolas" panose="020B0609020204030204" pitchFamily="49" charset="0"/>
+              </a:rPr>
+              <a:t>();</a:t>
+            </a:r>
+          </a:p>
+          <a:p>
+            <a:pPr marL="0" indent="0">
+              <a:buNone/>
+            </a:pPr>
+            <a:r>
+              <a:rPr lang="en-US" sz="1800" dirty="0" err="1">
+                <a:latin typeface="Consolas" panose="020B0609020204030204" pitchFamily="49" charset="0"/>
+                <a:cs typeface="Consolas" panose="020B0609020204030204" pitchFamily="49" charset="0"/>
+              </a:rPr>
+              <a:t>System.out.println</a:t>
+            </a:r>
+            <a:r>
+              <a:rPr lang="en-US" sz="1800" dirty="0">
+                <a:latin typeface="Consolas" panose="020B0609020204030204" pitchFamily="49" charset="0"/>
+                <a:cs typeface="Consolas" panose="020B0609020204030204" pitchFamily="49" charset="0"/>
+              </a:rPr>
+              <a:t>(</a:t>
+            </a:r>
+            <a:r>
+              <a:rPr lang="en-US" sz="1800" dirty="0" err="1">
+                <a:latin typeface="Consolas" panose="020B0609020204030204" pitchFamily="49" charset="0"/>
+                <a:cs typeface="Consolas" panose="020B0609020204030204" pitchFamily="49" charset="0"/>
+              </a:rPr>
+              <a:t>p.exitValue</a:t>
+            </a:r>
+            <a:r>
+              <a:rPr lang="en-US" sz="1800" dirty="0">
+                <a:latin typeface="Consolas" panose="020B0609020204030204" pitchFamily="49" charset="0"/>
+                <a:cs typeface="Consolas" panose="020B0609020204030204" pitchFamily="49" charset="0"/>
+              </a:rPr>
+              <a:t>());</a:t>
+            </a:r>
+          </a:p>
+        </p:txBody>
+      </p:sp>
+    </p:spTree>
+    <p:extLst>
+      <p:ext uri="{BB962C8B-B14F-4D97-AF65-F5344CB8AC3E}">
+        <p14:creationId xmlns:p14="http://schemas.microsoft.com/office/powerpoint/2010/main" val="1179310164"/>
+      </p:ext>
+    </p:extLst>
+  </p:cSld>
+  <p:clrMapOvr>
+    <a:masterClrMapping/>
+  </p:clrMapOvr>
+</p:sld>
+</file>
+
 <file path=ppt/slides/slide14.xml><?xml version="1.0" encoding="utf-8"?>
 <p:sld xmlns:a="http://schemas.openxmlformats.org/drawingml/2006/main" xmlns:r="http://schemas.openxmlformats.org/officeDocument/2006/relationships" xmlns:p="http://schemas.openxmlformats.org/presentationml/2006/main">
   <p:cSld>
@@ -4237,7 +4520,7 @@
           <a:p>
             <a:r>
               <a:rPr lang="en-US" dirty="0"/>
-              <a:t>Creating a Process</a:t>
+              <a:t>Creating a Thread</a:t>
             </a:r>
           </a:p>
         </p:txBody>
@@ -4254,355 +4537,97 @@
         </p:nvSpPr>
         <p:spPr/>
         <p:txBody>
-          <a:bodyPr>
-            <a:normAutofit fontScale="92500" lnSpcReduction="10000"/>
-          </a:bodyPr>
-          <a:lstStyle/>
-          <a:p>
-            <a:r>
-              <a:rPr lang="en-US" sz="2400" dirty="0">
+          <a:bodyPr/>
+          <a:lstStyle/>
+          <a:p>
+            <a:r>
+              <a:rPr lang="en-US" dirty="0"/>
+              <a:t>Threads can be created by </a:t>
+            </a:r>
+          </a:p>
+          <a:p>
+            <a:pPr lvl="1"/>
+            <a:r>
+              <a:rPr lang="en-US" dirty="0">
+                <a:solidFill>
+                  <a:srgbClr val="E46C0A"/>
+                </a:solidFill>
+              </a:rPr>
+              <a:t>extending the Thread class </a:t>
+            </a:r>
+            <a:r>
+              <a:rPr lang="en-US" dirty="0"/>
+              <a:t>and </a:t>
+            </a:r>
+            <a:r>
+              <a:rPr lang="en-US" dirty="0">
                 <a:solidFill>
                   <a:schemeClr val="accent6">
                     <a:lumMod val="75000"/>
                   </a:schemeClr>
                 </a:solidFill>
-                <a:latin typeface="Calibri" panose="020F0502020204030204" pitchFamily="34" charset="0"/>
-                <a:cs typeface="Calibri" panose="020F0502020204030204" pitchFamily="34" charset="0"/>
-              </a:rPr>
-              <a:t>In Java it is not possible to explicitly call the </a:t>
-            </a:r>
-            <a:r>
-              <a:rPr lang="en-US" sz="2400" dirty="0" err="1">
+              </a:rPr>
+              <a:t>overriding its run() method</a:t>
+            </a:r>
+            <a:endParaRPr lang="en-US" dirty="0"/>
+          </a:p>
+          <a:p>
+            <a:pPr lvl="1"/>
+            <a:r>
+              <a:rPr lang="en-US" dirty="0"/>
+              <a:t>passing to the </a:t>
+            </a:r>
+            <a:r>
+              <a:rPr lang="en-US" dirty="0">
                 <a:solidFill>
                   <a:schemeClr val="accent6">
                     <a:lumMod val="75000"/>
                   </a:schemeClr>
                 </a:solidFill>
-                <a:latin typeface="Calibri" panose="020F0502020204030204" pitchFamily="34" charset="0"/>
-                <a:cs typeface="Calibri" panose="020F0502020204030204" pitchFamily="34" charset="0"/>
-              </a:rPr>
-              <a:t>syscall</a:t>
-            </a:r>
-            <a:r>
-              <a:rPr lang="en-US" sz="2400" dirty="0">
+              </a:rPr>
+              <a:t>Thread class constructor </a:t>
+            </a:r>
+            <a:r>
+              <a:rPr lang="en-US" dirty="0"/>
+              <a:t>an object implementing the </a:t>
+            </a:r>
+            <a:r>
+              <a:rPr lang="en-US" dirty="0" err="1">
                 <a:solidFill>
                   <a:schemeClr val="accent6">
                     <a:lumMod val="75000"/>
                   </a:schemeClr>
                 </a:solidFill>
-                <a:latin typeface="Calibri" panose="020F0502020204030204" pitchFamily="34" charset="0"/>
-                <a:cs typeface="Calibri" panose="020F0502020204030204" pitchFamily="34" charset="0"/>
-              </a:rPr>
-              <a:t> fork() as in C. </a:t>
-            </a:r>
-            <a:r>
-              <a:rPr lang="en-US" sz="2400" dirty="0" err="1">
-                <a:latin typeface="Calibri" panose="020F0502020204030204" pitchFamily="34" charset="0"/>
-                <a:cs typeface="Calibri" panose="020F0502020204030204" pitchFamily="34" charset="0"/>
-              </a:rPr>
-              <a:t>Syscalls</a:t>
-            </a:r>
-            <a:r>
-              <a:rPr lang="en-US" sz="2400" dirty="0">
-                <a:latin typeface="Calibri" panose="020F0502020204030204" pitchFamily="34" charset="0"/>
-                <a:cs typeface="Calibri" panose="020F0502020204030204" pitchFamily="34" charset="0"/>
-              </a:rPr>
-              <a:t> fork() and exec() can be jointly called via the </a:t>
-            </a:r>
-            <a:r>
-              <a:rPr lang="en-US" sz="2400" dirty="0">
+              </a:rPr>
+              <a:t>java.lang.Runnable</a:t>
+            </a:r>
+            <a:r>
+              <a:rPr lang="en-US" dirty="0">
                 <a:solidFill>
                   <a:schemeClr val="accent6">
                     <a:lumMod val="75000"/>
                   </a:schemeClr>
                 </a:solidFill>
-                <a:latin typeface="Calibri" panose="020F0502020204030204" pitchFamily="34" charset="0"/>
-                <a:cs typeface="Calibri" panose="020F0502020204030204" pitchFamily="34" charset="0"/>
-              </a:rPr>
-              <a:t>Process</a:t>
-            </a:r>
-            <a:r>
-              <a:rPr lang="en-US" sz="2400" dirty="0">
-                <a:latin typeface="Calibri" panose="020F0502020204030204" pitchFamily="34" charset="0"/>
-                <a:cs typeface="Calibri" panose="020F0502020204030204" pitchFamily="34" charset="0"/>
-              </a:rPr>
-              <a:t> class</a:t>
-            </a:r>
-          </a:p>
-          <a:p>
-            <a:r>
-              <a:rPr lang="en-US" sz="2400" dirty="0">
-                <a:latin typeface="Calibri" panose="020F0502020204030204" pitchFamily="34" charset="0"/>
-                <a:cs typeface="Calibri" panose="020F0502020204030204" pitchFamily="34" charset="0"/>
-              </a:rPr>
-              <a:t>Methods of Process class also allow developers to acquire standard input, output, error, and exit value</a:t>
-            </a:r>
-          </a:p>
-          <a:p>
-            <a:pPr marL="0" indent="0">
-              <a:buNone/>
-            </a:pPr>
-            <a:endParaRPr lang="en-US" sz="1800" dirty="0">
-              <a:latin typeface="Consolas" panose="020B0609020204030204" pitchFamily="49" charset="0"/>
-              <a:cs typeface="Consolas" panose="020B0609020204030204" pitchFamily="49" charset="0"/>
-            </a:endParaRPr>
-          </a:p>
-          <a:p>
-            <a:pPr marL="0" indent="0">
-              <a:buNone/>
-            </a:pPr>
-            <a:r>
-              <a:rPr lang="en-US" sz="1800" dirty="0">
-                <a:latin typeface="Consolas" panose="020B0609020204030204" pitchFamily="49" charset="0"/>
-                <a:cs typeface="Consolas" panose="020B0609020204030204" pitchFamily="49" charset="0"/>
-              </a:rPr>
-              <a:t>/* Process p = </a:t>
-            </a:r>
-            <a:r>
-              <a:rPr lang="en-US" sz="1800" dirty="0" err="1">
-                <a:latin typeface="Consolas" panose="020B0609020204030204" pitchFamily="49" charset="0"/>
-                <a:cs typeface="Consolas" panose="020B0609020204030204" pitchFamily="49" charset="0"/>
-              </a:rPr>
-              <a:t>Runtime.getRuntime</a:t>
-            </a:r>
-            <a:r>
-              <a:rPr lang="en-US" sz="1800" dirty="0">
-                <a:latin typeface="Consolas" panose="020B0609020204030204" pitchFamily="49" charset="0"/>
-                <a:cs typeface="Consolas" panose="020B0609020204030204" pitchFamily="49" charset="0"/>
-              </a:rPr>
-              <a:t>().exec("/bin/ls -al /"); */</a:t>
-            </a:r>
-          </a:p>
-          <a:p>
-            <a:pPr marL="0" indent="0">
-              <a:buNone/>
-            </a:pPr>
-            <a:r>
-              <a:rPr lang="en-US" sz="1800" dirty="0">
-                <a:latin typeface="Consolas" panose="020B0609020204030204" pitchFamily="49" charset="0"/>
-                <a:cs typeface="Consolas" panose="020B0609020204030204" pitchFamily="49" charset="0"/>
-              </a:rPr>
-              <a:t>Process p = (new </a:t>
-            </a:r>
-            <a:r>
-              <a:rPr lang="en-US" sz="1800" dirty="0" err="1">
-                <a:latin typeface="Consolas" panose="020B0609020204030204" pitchFamily="49" charset="0"/>
-                <a:cs typeface="Consolas" panose="020B0609020204030204" pitchFamily="49" charset="0"/>
-              </a:rPr>
-              <a:t>ProcessBuilder</a:t>
-            </a:r>
-            <a:r>
-              <a:rPr lang="en-US" sz="1800" dirty="0">
-                <a:latin typeface="Consolas" panose="020B0609020204030204" pitchFamily="49" charset="0"/>
-                <a:cs typeface="Consolas" panose="020B0609020204030204" pitchFamily="49" charset="0"/>
-              </a:rPr>
-              <a:t>("/bin/ls", "-al", "/")).start();</a:t>
-            </a:r>
-          </a:p>
-          <a:p>
-            <a:pPr marL="0" indent="0">
-              <a:buNone/>
-            </a:pPr>
-            <a:endParaRPr lang="en-US" sz="1800" dirty="0">
-              <a:latin typeface="Consolas" panose="020B0609020204030204" pitchFamily="49" charset="0"/>
-              <a:cs typeface="Consolas" panose="020B0609020204030204" pitchFamily="49" charset="0"/>
-            </a:endParaRPr>
-          </a:p>
-          <a:p>
-            <a:pPr marL="0" indent="0">
-              <a:buNone/>
-            </a:pPr>
-            <a:r>
-              <a:rPr lang="en-US" sz="1800" dirty="0" err="1">
-                <a:latin typeface="Consolas" panose="020B0609020204030204" pitchFamily="49" charset="0"/>
-                <a:cs typeface="Consolas" panose="020B0609020204030204" pitchFamily="49" charset="0"/>
-              </a:rPr>
-              <a:t>BufferedReader</a:t>
-            </a:r>
-            <a:r>
-              <a:rPr lang="en-US" sz="1800" dirty="0">
-                <a:latin typeface="Consolas" panose="020B0609020204030204" pitchFamily="49" charset="0"/>
-                <a:cs typeface="Consolas" panose="020B0609020204030204" pitchFamily="49" charset="0"/>
-              </a:rPr>
-              <a:t> in = new </a:t>
-            </a:r>
-            <a:r>
-              <a:rPr lang="en-US" sz="1800" dirty="0" err="1">
-                <a:latin typeface="Consolas" panose="020B0609020204030204" pitchFamily="49" charset="0"/>
-                <a:cs typeface="Consolas" panose="020B0609020204030204" pitchFamily="49" charset="0"/>
-              </a:rPr>
-              <a:t>BufferedReader</a:t>
-            </a:r>
-            <a:r>
-              <a:rPr lang="en-US" sz="1800" dirty="0">
-                <a:latin typeface="Consolas" panose="020B0609020204030204" pitchFamily="49" charset="0"/>
-                <a:cs typeface="Consolas" panose="020B0609020204030204" pitchFamily="49" charset="0"/>
-              </a:rPr>
-              <a:t>(new</a:t>
-            </a:r>
-          </a:p>
-          <a:p>
-            <a:pPr marL="0" indent="0">
-              <a:buNone/>
-            </a:pPr>
-            <a:r>
-              <a:rPr lang="en-US" sz="1800" dirty="0">
-                <a:latin typeface="Consolas" panose="020B0609020204030204" pitchFamily="49" charset="0"/>
-                <a:cs typeface="Consolas" panose="020B0609020204030204" pitchFamily="49" charset="0"/>
-              </a:rPr>
-              <a:t>	</a:t>
-            </a:r>
-            <a:r>
-              <a:rPr lang="en-US" sz="1800" dirty="0" err="1">
-                <a:latin typeface="Consolas" panose="020B0609020204030204" pitchFamily="49" charset="0"/>
-                <a:cs typeface="Consolas" panose="020B0609020204030204" pitchFamily="49" charset="0"/>
-              </a:rPr>
-              <a:t>InputStreamReader</a:t>
-            </a:r>
-            <a:r>
-              <a:rPr lang="en-US" sz="1800" dirty="0">
-                <a:latin typeface="Consolas" panose="020B0609020204030204" pitchFamily="49" charset="0"/>
-                <a:cs typeface="Consolas" panose="020B0609020204030204" pitchFamily="49" charset="0"/>
-              </a:rPr>
-              <a:t>(</a:t>
-            </a:r>
-            <a:r>
-              <a:rPr lang="en-US" sz="1800" dirty="0" err="1">
-                <a:latin typeface="Consolas" panose="020B0609020204030204" pitchFamily="49" charset="0"/>
-                <a:cs typeface="Consolas" panose="020B0609020204030204" pitchFamily="49" charset="0"/>
-              </a:rPr>
-              <a:t>p.getInputStream</a:t>
-            </a:r>
-            <a:r>
-              <a:rPr lang="en-US" sz="1800" dirty="0">
-                <a:latin typeface="Consolas" panose="020B0609020204030204" pitchFamily="49" charset="0"/>
-                <a:cs typeface="Consolas" panose="020B0609020204030204" pitchFamily="49" charset="0"/>
-              </a:rPr>
-              <a:t>()));</a:t>
-            </a:r>
-          </a:p>
-          <a:p>
-            <a:pPr marL="0" indent="0">
-              <a:buNone/>
-            </a:pPr>
-            <a:r>
-              <a:rPr lang="en-US" sz="1800" dirty="0">
-                <a:latin typeface="Consolas" panose="020B0609020204030204" pitchFamily="49" charset="0"/>
-                <a:cs typeface="Consolas" panose="020B0609020204030204" pitchFamily="49" charset="0"/>
-              </a:rPr>
-              <a:t>while ((line = </a:t>
-            </a:r>
-            <a:r>
-              <a:rPr lang="en-US" sz="1800" dirty="0" err="1">
-                <a:latin typeface="Consolas" panose="020B0609020204030204" pitchFamily="49" charset="0"/>
-                <a:cs typeface="Consolas" panose="020B0609020204030204" pitchFamily="49" charset="0"/>
-              </a:rPr>
-              <a:t>in.readLine</a:t>
-            </a:r>
-            <a:r>
-              <a:rPr lang="en-US" sz="1800" dirty="0">
-                <a:latin typeface="Consolas" panose="020B0609020204030204" pitchFamily="49" charset="0"/>
-                <a:cs typeface="Consolas" panose="020B0609020204030204" pitchFamily="49" charset="0"/>
-              </a:rPr>
-              <a:t>()) != null) {</a:t>
-            </a:r>
-          </a:p>
-          <a:p>
-            <a:pPr marL="0" indent="0">
-              <a:buNone/>
-            </a:pPr>
-            <a:r>
-              <a:rPr lang="en-US" sz="1800" dirty="0">
-                <a:latin typeface="Consolas" panose="020B0609020204030204" pitchFamily="49" charset="0"/>
-                <a:cs typeface="Consolas" panose="020B0609020204030204" pitchFamily="49" charset="0"/>
-              </a:rPr>
-              <a:t>	</a:t>
-            </a:r>
-            <a:r>
-              <a:rPr lang="en-US" sz="1800" dirty="0" err="1">
-                <a:latin typeface="Consolas" panose="020B0609020204030204" pitchFamily="49" charset="0"/>
-                <a:cs typeface="Consolas" panose="020B0609020204030204" pitchFamily="49" charset="0"/>
-              </a:rPr>
-              <a:t>System.out.println</a:t>
-            </a:r>
-            <a:r>
-              <a:rPr lang="en-US" sz="1800" dirty="0">
-                <a:latin typeface="Consolas" panose="020B0609020204030204" pitchFamily="49" charset="0"/>
-                <a:cs typeface="Consolas" panose="020B0609020204030204" pitchFamily="49" charset="0"/>
-              </a:rPr>
-              <a:t>(line);</a:t>
-            </a:r>
-          </a:p>
-          <a:p>
-            <a:pPr marL="0" indent="0">
-              <a:buNone/>
-            </a:pPr>
-            <a:r>
-              <a:rPr lang="en-US" sz="1800" dirty="0">
-                <a:latin typeface="Consolas" panose="020B0609020204030204" pitchFamily="49" charset="0"/>
-                <a:cs typeface="Consolas" panose="020B0609020204030204" pitchFamily="49" charset="0"/>
-              </a:rPr>
-              <a:t>}</a:t>
-            </a:r>
-          </a:p>
-          <a:p>
-            <a:pPr marL="0" indent="0">
-              <a:buNone/>
-            </a:pPr>
-            <a:r>
-              <a:rPr lang="en-US" sz="1800" dirty="0" err="1">
-                <a:latin typeface="Consolas" panose="020B0609020204030204" pitchFamily="49" charset="0"/>
-                <a:cs typeface="Consolas" panose="020B0609020204030204" pitchFamily="49" charset="0"/>
-              </a:rPr>
-              <a:t>in.close</a:t>
-            </a:r>
-            <a:r>
-              <a:rPr lang="en-US" sz="1800" dirty="0">
-                <a:latin typeface="Consolas" panose="020B0609020204030204" pitchFamily="49" charset="0"/>
-                <a:cs typeface="Consolas" panose="020B0609020204030204" pitchFamily="49" charset="0"/>
-              </a:rPr>
-              <a:t>();</a:t>
-            </a:r>
-          </a:p>
-          <a:p>
-            <a:pPr marL="0" indent="0">
-              <a:buNone/>
-            </a:pPr>
-            <a:r>
-              <a:rPr lang="en-US" sz="1800" dirty="0" err="1">
-                <a:latin typeface="Consolas" panose="020B0609020204030204" pitchFamily="49" charset="0"/>
-                <a:cs typeface="Consolas" panose="020B0609020204030204" pitchFamily="49" charset="0"/>
-              </a:rPr>
-              <a:t>System.out.println</a:t>
-            </a:r>
-            <a:r>
-              <a:rPr lang="en-US" sz="1800" dirty="0">
-                <a:latin typeface="Consolas" panose="020B0609020204030204" pitchFamily="49" charset="0"/>
-                <a:cs typeface="Consolas" panose="020B0609020204030204" pitchFamily="49" charset="0"/>
-              </a:rPr>
-              <a:t>(</a:t>
-            </a:r>
-            <a:r>
-              <a:rPr lang="en-US" sz="1800" dirty="0" err="1">
-                <a:latin typeface="Consolas" panose="020B0609020204030204" pitchFamily="49" charset="0"/>
-                <a:cs typeface="Consolas" panose="020B0609020204030204" pitchFamily="49" charset="0"/>
-              </a:rPr>
-              <a:t>p.exitValue</a:t>
-            </a:r>
-            <a:r>
-              <a:rPr lang="en-US" sz="1800" dirty="0">
-                <a:latin typeface="Consolas" panose="020B0609020204030204" pitchFamily="49" charset="0"/>
-                <a:cs typeface="Consolas" panose="020B0609020204030204" pitchFamily="49" charset="0"/>
-              </a:rPr>
-              <a:t>());</a:t>
-            </a:r>
+              </a:rPr>
+              <a:t> Interface</a:t>
+            </a:r>
+            <a:endParaRPr lang="en-US" dirty="0"/>
+          </a:p>
+          <a:p>
+            <a:r>
+              <a:rPr lang="en-US" dirty="0"/>
+              <a:t>It is legal to create many threads using the same Runnable object as the target</a:t>
+            </a:r>
+          </a:p>
+          <a:p>
+            <a:endParaRPr lang="en-US" dirty="0"/>
           </a:p>
         </p:txBody>
       </p:sp>
     </p:spTree>
     <p:extLst>
       <p:ext uri="{BB962C8B-B14F-4D97-AF65-F5344CB8AC3E}">
-        <p14:creationId xmlns:p14="http://schemas.microsoft.com/office/powerpoint/2010/main" val="1179310164"/>
+        <p14:creationId xmlns:p14="http://schemas.microsoft.com/office/powerpoint/2010/main" val="2927035597"/>
       </p:ext>
     </p:extLst>
   </p:cSld>
@@ -4665,28 +4690,124 @@
         </p:nvSpPr>
         <p:spPr/>
         <p:txBody>
-          <a:bodyPr/>
-          <a:lstStyle/>
-          <a:p>
-            <a:r>
-              <a:rPr lang="en-US" dirty="0"/>
-              <a:t>Threads can be created by </a:t>
-            </a:r>
-          </a:p>
-          <a:p>
-            <a:pPr lvl="1"/>
+          <a:bodyPr>
+            <a:normAutofit fontScale="70000" lnSpcReduction="20000"/>
+          </a:bodyPr>
+          <a:lstStyle/>
+          <a:p>
+            <a:pPr marL="0" indent="0">
+              <a:buNone/>
+            </a:pPr>
             <a:r>
               <a:rPr lang="en-US" dirty="0">
                 <a:solidFill>
                   <a:srgbClr val="E46C0A"/>
                 </a:solidFill>
               </a:rPr>
-              <a:t>extending the Thread class </a:t>
-            </a:r>
-            <a:r>
-              <a:rPr lang="en-US" dirty="0"/>
-              <a:t>and </a:t>
-            </a:r>
+              <a:t>Extending Thread</a:t>
+            </a:r>
+          </a:p>
+          <a:p>
+            <a:pPr marL="0" indent="0">
+              <a:buNone/>
+            </a:pPr>
+            <a:r>
+              <a:rPr lang="en-US" sz="2300" dirty="0">
+                <a:latin typeface="Consolas"/>
+                <a:cs typeface="Consolas"/>
+              </a:rPr>
+              <a:t>Class T extends Thread {</a:t>
+            </a:r>
+          </a:p>
+          <a:p>
+            <a:pPr marL="400050" lvl="1" indent="0">
+              <a:buNone/>
+            </a:pPr>
+            <a:r>
+              <a:rPr lang="en-US" sz="2300" dirty="0">
+                <a:latin typeface="Consolas"/>
+                <a:cs typeface="Consolas"/>
+              </a:rPr>
+              <a:t>public void run() {</a:t>
+            </a:r>
+          </a:p>
+          <a:p>
+            <a:pPr marL="400050" lvl="1" indent="0">
+              <a:buNone/>
+            </a:pPr>
+            <a:r>
+              <a:rPr lang="en-US" sz="2300" dirty="0">
+                <a:latin typeface="Consolas"/>
+                <a:cs typeface="Consolas"/>
+              </a:rPr>
+              <a:t>		//code here   </a:t>
+            </a:r>
+          </a:p>
+          <a:p>
+            <a:pPr marL="400050" lvl="1" indent="0">
+              <a:buNone/>
+            </a:pPr>
+            <a:r>
+              <a:rPr lang="en-US" sz="2300" dirty="0">
+                <a:latin typeface="Consolas"/>
+                <a:cs typeface="Consolas"/>
+              </a:rPr>
+              <a:t>	}</a:t>
+            </a:r>
+          </a:p>
+          <a:p>
+            <a:pPr marL="0" indent="0">
+              <a:buNone/>
+            </a:pPr>
+            <a:r>
+              <a:rPr lang="en-US" sz="2300" dirty="0">
+                <a:latin typeface="Consolas"/>
+                <a:cs typeface="Consolas"/>
+              </a:rPr>
+              <a:t>}</a:t>
+            </a:r>
+          </a:p>
+          <a:p>
+            <a:pPr marL="0" indent="0">
+              <a:buNone/>
+            </a:pPr>
+            <a:r>
+              <a:rPr lang="en-US" sz="2300" dirty="0">
+                <a:latin typeface="Consolas"/>
+                <a:cs typeface="Consolas"/>
+              </a:rPr>
+              <a:t>T t = new T(); </a:t>
+            </a:r>
+          </a:p>
+          <a:p>
+            <a:pPr marL="0" indent="0">
+              <a:buNone/>
+            </a:pPr>
+            <a:r>
+              <a:rPr lang="en-US" sz="2300" dirty="0" err="1">
+                <a:latin typeface="Consolas"/>
+                <a:cs typeface="Consolas"/>
+              </a:rPr>
+              <a:t>t.start</a:t>
+            </a:r>
+            <a:r>
+              <a:rPr lang="en-US" sz="2300" dirty="0">
+                <a:latin typeface="Consolas"/>
+                <a:cs typeface="Consolas"/>
+              </a:rPr>
+              <a:t>(); </a:t>
+            </a:r>
+          </a:p>
+          <a:p>
+            <a:pPr marL="0" indent="0">
+              <a:buNone/>
+            </a:pPr>
+            <a:endParaRPr lang="en-US" dirty="0"/>
+          </a:p>
+          <a:p>
+            <a:pPr marL="0" indent="0">
+              <a:buNone/>
+            </a:pPr>
             <a:r>
               <a:rPr lang="en-US" dirty="0">
                 <a:solidFill>
@@ -4695,56 +4816,98 @@
                   </a:schemeClr>
                 </a:solidFill>
               </a:rPr>
-              <a:t>overriding its run() method</a:t>
-            </a:r>
-            <a:endParaRPr lang="en-US" dirty="0"/>
-          </a:p>
-          <a:p>
-            <a:pPr lvl="1"/>
-            <a:r>
-              <a:rPr lang="en-US" dirty="0"/>
-              <a:t>passing to the </a:t>
-            </a:r>
-            <a:r>
-              <a:rPr lang="en-US" dirty="0">
-                <a:solidFill>
-                  <a:schemeClr val="accent6">
-                    <a:lumMod val="75000"/>
-                  </a:schemeClr>
-                </a:solidFill>
-              </a:rPr>
-              <a:t>Thread class constructor </a:t>
-            </a:r>
-            <a:r>
-              <a:rPr lang="en-US" dirty="0"/>
-              <a:t>an object implementing the </a:t>
-            </a:r>
-            <a:r>
-              <a:rPr lang="en-US" dirty="0" err="1">
-                <a:solidFill>
-                  <a:schemeClr val="accent6">
-                    <a:lumMod val="75000"/>
-                  </a:schemeClr>
-                </a:solidFill>
-              </a:rPr>
-              <a:t>java.lang.Runnable</a:t>
-            </a:r>
-            <a:r>
-              <a:rPr lang="en-US" dirty="0">
-                <a:solidFill>
-                  <a:schemeClr val="accent6">
-                    <a:lumMod val="75000"/>
-                  </a:schemeClr>
-                </a:solidFill>
-              </a:rPr>
-              <a:t> Interface</a:t>
-            </a:r>
-            <a:endParaRPr lang="en-US" dirty="0"/>
-          </a:p>
-          <a:p>
-            <a:r>
-              <a:rPr lang="en-US" dirty="0"/>
-              <a:t>It is legal to create many threads using the same Runnable object as the target</a:t>
+              <a:t>Implementing Runnable interface</a:t>
+            </a:r>
+          </a:p>
+          <a:p>
+            <a:pPr marL="0" indent="0">
+              <a:buNone/>
+            </a:pPr>
+            <a:r>
+              <a:rPr lang="en-US" sz="2200" dirty="0">
+                <a:latin typeface="Consolas"/>
+                <a:cs typeface="Consolas"/>
+              </a:rPr>
+              <a:t>Class R implements Runnable {</a:t>
+            </a:r>
+          </a:p>
+          <a:p>
+            <a:pPr marL="0" indent="0">
+              <a:buNone/>
+            </a:pPr>
+            <a:r>
+              <a:rPr lang="en-US" sz="2200" dirty="0">
+                <a:latin typeface="Consolas"/>
+                <a:cs typeface="Consolas"/>
+              </a:rPr>
+              <a:t>	public void run() {</a:t>
+            </a:r>
+          </a:p>
+          <a:p>
+            <a:pPr marL="0" indent="0">
+              <a:buNone/>
+            </a:pPr>
+            <a:r>
+              <a:rPr lang="en-US" sz="2200" dirty="0">
+                <a:latin typeface="Consolas"/>
+                <a:cs typeface="Consolas"/>
+              </a:rPr>
+              <a:t>		//code here   </a:t>
+            </a:r>
+          </a:p>
+          <a:p>
+            <a:pPr marL="0" indent="0">
+              <a:buNone/>
+            </a:pPr>
+            <a:r>
+              <a:rPr lang="en-US" sz="2200" dirty="0">
+                <a:latin typeface="Consolas"/>
+                <a:cs typeface="Consolas"/>
+              </a:rPr>
+              <a:t>	}</a:t>
+            </a:r>
+          </a:p>
+          <a:p>
+            <a:pPr marL="0" indent="0">
+              <a:buNone/>
+            </a:pPr>
+            <a:r>
+              <a:rPr lang="en-US" sz="2200" dirty="0">
+                <a:latin typeface="Consolas"/>
+                <a:cs typeface="Consolas"/>
+              </a:rPr>
+              <a:t>}</a:t>
+            </a:r>
+          </a:p>
+          <a:p>
+            <a:pPr marL="0" indent="0">
+              <a:buNone/>
+            </a:pPr>
+            <a:r>
+              <a:rPr lang="en-US" sz="2200" dirty="0">
+                <a:latin typeface="Consolas"/>
+                <a:cs typeface="Consolas"/>
+              </a:rPr>
+              <a:t>Thread t = new Thread(new R());</a:t>
+            </a:r>
+          </a:p>
+          <a:p>
+            <a:pPr marL="0" indent="0">
+              <a:buNone/>
+            </a:pPr>
+            <a:r>
+              <a:rPr lang="en-US" sz="2200" dirty="0" err="1">
+                <a:latin typeface="Consolas"/>
+                <a:cs typeface="Consolas"/>
+              </a:rPr>
+              <a:t>t.start</a:t>
+            </a:r>
+            <a:r>
+              <a:rPr lang="en-US" sz="2200" dirty="0">
+                <a:latin typeface="Consolas"/>
+                <a:cs typeface="Consolas"/>
+              </a:rPr>
+              <a:t>(); </a:t>
             </a:r>
           </a:p>
           <a:p>
@@ -4755,7 +4918,7 @@
     </p:spTree>
     <p:extLst>
       <p:ext uri="{BB962C8B-B14F-4D97-AF65-F5344CB8AC3E}">
-        <p14:creationId xmlns:p14="http://schemas.microsoft.com/office/powerpoint/2010/main" val="2927035597"/>
+        <p14:creationId xmlns:p14="http://schemas.microsoft.com/office/powerpoint/2010/main" val="3113316482"/>
       </p:ext>
     </p:extLst>
   </p:cSld>
@@ -4794,169 +4957,286 @@
         </p:nvSpPr>
         <p:spPr/>
         <p:txBody>
+          <a:bodyPr/>
+          <a:lstStyle/>
+          <a:p>
+            <a:r>
+              <a:rPr lang="en-US" dirty="0"/>
+              <a:t>Creating a Thread</a:t>
+            </a:r>
+          </a:p>
+        </p:txBody>
+      </p:sp>
+      <p:sp>
+        <p:nvSpPr>
+          <p:cNvPr id="3" name="Content Placeholder 2"/>
+          <p:cNvSpPr>
+            <a:spLocks noGrp="1"/>
+          </p:cNvSpPr>
+          <p:nvPr>
+            <p:ph idx="1"/>
+          </p:nvPr>
+        </p:nvSpPr>
+        <p:spPr/>
+        <p:txBody>
           <a:bodyPr>
             <a:normAutofit/>
           </a:bodyPr>
           <a:lstStyle/>
           <a:p>
-            <a:r>
-              <a:rPr lang="en-US" dirty="0"/>
-              <a:t>Creating a Thread</a:t>
-            </a:r>
-          </a:p>
-        </p:txBody>
-      </p:sp>
-      <p:sp>
-        <p:nvSpPr>
-          <p:cNvPr id="3" name="Content Placeholder 2"/>
-          <p:cNvSpPr>
-            <a:spLocks noGrp="1"/>
-          </p:cNvSpPr>
-          <p:nvPr>
-            <p:ph idx="1"/>
-          </p:nvPr>
-        </p:nvSpPr>
-        <p:spPr/>
-        <p:txBody>
-          <a:bodyPr>
-            <a:normAutofit fontScale="70000" lnSpcReduction="20000"/>
-          </a:bodyPr>
-          <a:lstStyle/>
-          <a:p>
             <a:pPr marL="0" indent="0">
               <a:buNone/>
             </a:pPr>
             <a:r>
-              <a:rPr lang="en-US" dirty="0">
-                <a:solidFill>
-                  <a:srgbClr val="E46C0A"/>
-                </a:solidFill>
-              </a:rPr>
-              <a:t>Extending Thread</a:t>
-            </a:r>
-          </a:p>
-          <a:p>
-            <a:pPr marL="0" indent="0">
-              <a:buNone/>
-            </a:pPr>
-            <a:r>
-              <a:rPr lang="en-US" sz="2300" dirty="0">
+              <a:rPr lang="en-US" sz="1600" dirty="0">
                 <a:latin typeface="Consolas"/>
                 <a:cs typeface="Consolas"/>
               </a:rPr>
-              <a:t>Class T extends Thread {</a:t>
-            </a:r>
-          </a:p>
-          <a:p>
-            <a:pPr marL="400050" lvl="1" indent="0">
+              <a:t>class  Counter  implements  Runnable  { </a:t>
+            </a:r>
+          </a:p>
+          <a:p>
+            <a:pPr marL="0" indent="0">
               <a:buNone/>
             </a:pPr>
             <a:r>
-              <a:rPr lang="en-US" sz="2300" dirty="0">
+              <a:rPr lang="fi-FI" sz="1600" dirty="0">
                 <a:latin typeface="Consolas"/>
                 <a:cs typeface="Consolas"/>
               </a:rPr>
-              <a:t>public void run() {</a:t>
-            </a:r>
-          </a:p>
-          <a:p>
-            <a:pPr marL="400050" lvl="1" indent="0">
-              <a:buNone/>
-            </a:pPr>
-            <a:r>
-              <a:rPr lang="en-US" sz="2300" dirty="0">
+              <a:t>	</a:t>
+            </a:r>
+            <a:r>
+              <a:rPr lang="fi-FI" sz="1600" dirty="0" err="1">
                 <a:latin typeface="Consolas"/>
                 <a:cs typeface="Consolas"/>
               </a:rPr>
-              <a:t>		//code here   </a:t>
-            </a:r>
-          </a:p>
-          <a:p>
-            <a:pPr marL="400050" lvl="1" indent="0">
-              <a:buNone/>
-            </a:pPr>
-            <a:r>
-              <a:rPr lang="en-US" sz="2300" dirty="0">
+              <a:t>public</a:t>
+            </a:r>
+            <a:r>
+              <a:rPr lang="fi-FI" sz="1600" dirty="0">
                 <a:latin typeface="Consolas"/>
                 <a:cs typeface="Consolas"/>
               </a:rPr>
-              <a:t>	}</a:t>
-            </a:r>
-          </a:p>
-          <a:p>
-            <a:pPr marL="0" indent="0">
-              <a:buNone/>
-            </a:pPr>
-            <a:r>
-              <a:rPr lang="en-US" sz="2300" dirty="0">
+              <a:t>  </a:t>
+            </a:r>
+            <a:r>
+              <a:rPr lang="fi-FI" sz="1600" dirty="0" err="1">
                 <a:latin typeface="Consolas"/>
                 <a:cs typeface="Consolas"/>
               </a:rPr>
-              <a:t>}</a:t>
-            </a:r>
-          </a:p>
-          <a:p>
-            <a:pPr marL="0" indent="0">
-              <a:buNone/>
-            </a:pPr>
-            <a:r>
-              <a:rPr lang="en-US" sz="2300" dirty="0">
+              <a:t>void</a:t>
+            </a:r>
+            <a:r>
+              <a:rPr lang="fi-FI" sz="1600" dirty="0">
                 <a:latin typeface="Consolas"/>
                 <a:cs typeface="Consolas"/>
               </a:rPr>
-              <a:t>T t = new T(); </a:t>
-            </a:r>
-          </a:p>
-          <a:p>
-            <a:pPr marL="0" indent="0">
-              <a:buNone/>
-            </a:pPr>
-            <a:r>
-              <a:rPr lang="en-US" sz="2300" dirty="0" err="1">
+              <a:t>  </a:t>
+            </a:r>
+            <a:r>
+              <a:rPr lang="fi-FI" sz="1600" dirty="0" err="1">
                 <a:latin typeface="Consolas"/>
                 <a:cs typeface="Consolas"/>
               </a:rPr>
-              <a:t>t.start</a:t>
-            </a:r>
-            <a:r>
-              <a:rPr lang="en-US" sz="2300" dirty="0">
+              <a:t>run</a:t>
+            </a:r>
+            <a:r>
+              <a:rPr lang="fi-FI" sz="1600" dirty="0">
                 <a:latin typeface="Consolas"/>
                 <a:cs typeface="Consolas"/>
               </a:rPr>
-              <a:t>(); </a:t>
+              <a:t>() {</a:t>
             </a:r>
           </a:p>
           <a:p>
             <a:pPr marL="0" indent="0">
               <a:buNone/>
             </a:pPr>
-            <a:endParaRPr lang="en-US" dirty="0"/>
+            <a:r>
+              <a:rPr lang="fi-FI" sz="1600" dirty="0">
+                <a:latin typeface="Consolas"/>
+                <a:cs typeface="Consolas"/>
+              </a:rPr>
+              <a:t>		</a:t>
+            </a:r>
+            <a:r>
+              <a:rPr lang="fi-FI" sz="1600" dirty="0" err="1">
+                <a:latin typeface="Consolas"/>
+                <a:cs typeface="Consolas"/>
+              </a:rPr>
+              <a:t>for(int</a:t>
+            </a:r>
+            <a:r>
+              <a:rPr lang="fi-FI" sz="1600" dirty="0">
+                <a:latin typeface="Consolas"/>
+                <a:cs typeface="Consolas"/>
+              </a:rPr>
+              <a:t>  i=0;  i&lt;10;  i++)</a:t>
+            </a:r>
+            <a:r>
+              <a:rPr lang="ro-RO" sz="1600" dirty="0">
+                <a:latin typeface="Consolas"/>
+                <a:cs typeface="Consolas"/>
+              </a:rPr>
+              <a:t> </a:t>
+            </a:r>
           </a:p>
           <a:p>
             <a:pPr marL="0" indent="0">
               <a:buNone/>
             </a:pPr>
             <a:r>
-              <a:rPr lang="en-US" dirty="0">
+              <a:rPr lang="ro-RO" sz="1600" dirty="0">
+                <a:latin typeface="Consolas"/>
+                <a:cs typeface="Consolas"/>
+              </a:rPr>
+              <a:t>			System.out.println(Thread.currentThread().</a:t>
+            </a:r>
+            <a:r>
+              <a:rPr lang="ro-RO" sz="1600" dirty="0" err="1">
+                <a:latin typeface="Consolas"/>
+                <a:cs typeface="Consolas"/>
+              </a:rPr>
+              <a:t>getName</a:t>
+            </a:r>
+            <a:r>
+              <a:rPr lang="ro-RO" sz="1600" dirty="0">
+                <a:latin typeface="Consolas"/>
+                <a:cs typeface="Consolas"/>
+              </a:rPr>
+              <a:t>() + i);</a:t>
+            </a:r>
+          </a:p>
+          <a:p>
+            <a:pPr marL="0" indent="0">
+              <a:buNone/>
+            </a:pPr>
+            <a:r>
+              <a:rPr lang="ro-RO" sz="1600" dirty="0">
+                <a:latin typeface="Consolas"/>
+                <a:cs typeface="Consolas"/>
+              </a:rPr>
+              <a:t>	}</a:t>
+            </a:r>
+          </a:p>
+          <a:p>
+            <a:pPr marL="0" indent="0">
+              <a:buNone/>
+            </a:pPr>
+            <a:r>
+              <a:rPr lang="en-US" sz="1600" dirty="0">
+                <a:latin typeface="Consolas"/>
+                <a:cs typeface="Consolas"/>
+              </a:rPr>
+              <a:t>}</a:t>
+            </a:r>
+          </a:p>
+          <a:p>
+            <a:pPr marL="0" indent="0">
+              <a:buNone/>
+            </a:pPr>
+            <a:endParaRPr lang="en-US" sz="1600" dirty="0">
+              <a:latin typeface="Consolas"/>
+              <a:cs typeface="Consolas"/>
+            </a:endParaRPr>
+          </a:p>
+          <a:p>
+            <a:pPr marL="0" indent="0">
+              <a:buNone/>
+            </a:pPr>
+            <a:r>
+              <a:rPr lang="en-US" sz="1600" dirty="0">
+                <a:latin typeface="Consolas"/>
+                <a:cs typeface="Consolas"/>
+              </a:rPr>
+              <a:t>public class Runner{</a:t>
+            </a:r>
+          </a:p>
+          <a:p>
+            <a:pPr marL="0" indent="0">
+              <a:buNone/>
+            </a:pPr>
+            <a:r>
+              <a:rPr lang="en-US" sz="1600" dirty="0">
+                <a:latin typeface="Consolas"/>
+                <a:cs typeface="Consolas"/>
+              </a:rPr>
+              <a:t>	public static void main(String[] </a:t>
+            </a:r>
+            <a:r>
+              <a:rPr lang="en-US" sz="1600" dirty="0" err="1">
+                <a:latin typeface="Consolas"/>
+                <a:cs typeface="Consolas"/>
+              </a:rPr>
+              <a:t>args</a:t>
+            </a:r>
+            <a:r>
+              <a:rPr lang="en-US" sz="1600" dirty="0">
+                <a:latin typeface="Consolas"/>
+                <a:cs typeface="Consolas"/>
+              </a:rPr>
+              <a:t>) {</a:t>
+            </a:r>
+          </a:p>
+          <a:p>
+            <a:pPr marL="0" indent="0">
+              <a:buNone/>
+            </a:pPr>
+            <a:r>
+              <a:rPr lang="en-US" sz="1600" dirty="0">
+                <a:latin typeface="Consolas"/>
+                <a:cs typeface="Consolas"/>
+              </a:rPr>
+              <a:t>		Thread t1 = new Thread(new Counter(), “T_A”);</a:t>
+            </a:r>
+          </a:p>
+          <a:p>
+            <a:pPr marL="0" indent="0">
+              <a:buNone/>
+            </a:pPr>
+            <a:r>
+              <a:rPr lang="en-US" sz="1600" dirty="0">
+                <a:latin typeface="Consolas"/>
+                <a:cs typeface="Consolas"/>
+              </a:rPr>
+              <a:t>		Thread t2 = new Thread(new Counter(), “T_B”);</a:t>
+            </a:r>
+          </a:p>
+          <a:p>
+            <a:pPr marL="0" indent="0">
+              <a:buNone/>
+            </a:pPr>
+            <a:r>
+              <a:rPr lang="en-US" sz="1600" dirty="0">
+                <a:latin typeface="Consolas"/>
+                <a:cs typeface="Consolas"/>
+              </a:rPr>
+              <a:t>		Thread t3 = new Thread(new Counter(), “T_C”);</a:t>
+            </a:r>
+          </a:p>
+          <a:p>
+            <a:pPr marL="0" indent="0">
+              <a:buNone/>
+            </a:pPr>
+            <a:r>
+              <a:rPr lang="en-US" sz="1600" dirty="0">
+                <a:latin typeface="Consolas"/>
+                <a:cs typeface="Consolas"/>
+              </a:rPr>
+              <a:t>		</a:t>
+            </a:r>
+            <a:r>
+              <a:rPr lang="en-US" sz="1600" dirty="0">
                 <a:solidFill>
                   <a:schemeClr val="accent6">
                     <a:lumMod val="75000"/>
                   </a:schemeClr>
                 </a:solidFill>
-              </a:rPr>
-              <a:t>Implementing Runnable interface</a:t>
-            </a:r>
-          </a:p>
-          <a:p>
-            <a:pPr marL="0" indent="0">
-              <a:buNone/>
-            </a:pPr>
-            <a:r>
-              <a:rPr lang="en-US" sz="2200" dirty="0">
                 <a:latin typeface="Consolas"/>
                 <a:cs typeface="Consolas"/>
               </a:rPr>
-              <a:t>Class R implements Runnable {</a:t>
+              <a:t>t1.start(); t2.start(); t3.start();</a:t>
             </a:r>
           </a:p>
           <a:p>
@@ -4964,11 +5244,11 @@
               <a:buNone/>
             </a:pPr>
             <a:r>
-              <a:rPr lang="en-US" sz="2200" dirty="0">
+              <a:rPr lang="en-US" sz="1600" dirty="0">
                 <a:latin typeface="Consolas"/>
                 <a:cs typeface="Consolas"/>
               </a:rPr>
-              <a:t>	public void run() {</a:t>
+              <a:t>	}</a:t>
             </a:r>
           </a:p>
           <a:p>
@@ -4976,77 +5256,34 @@
               <a:buNone/>
             </a:pPr>
             <a:r>
-              <a:rPr lang="en-US" sz="2200" dirty="0">
+              <a:rPr lang="en-US" sz="1600" dirty="0">
                 <a:latin typeface="Consolas"/>
                 <a:cs typeface="Consolas"/>
               </a:rPr>
-              <a:t>		//code here   </a:t>
+              <a:t>}</a:t>
             </a:r>
           </a:p>
           <a:p>
             <a:pPr marL="0" indent="0">
               <a:buNone/>
             </a:pPr>
-            <a:r>
-              <a:rPr lang="en-US" sz="2200" dirty="0">
-                <a:latin typeface="Consolas"/>
-                <a:cs typeface="Consolas"/>
-              </a:rPr>
-              <a:t>	}</a:t>
-            </a:r>
-          </a:p>
-          <a:p>
-            <a:pPr marL="0" indent="0">
-              <a:buNone/>
-            </a:pPr>
-            <a:r>
-              <a:rPr lang="en-US" sz="2200" dirty="0">
-                <a:latin typeface="Consolas"/>
-                <a:cs typeface="Consolas"/>
-              </a:rPr>
-              <a:t>}</a:t>
-            </a:r>
-          </a:p>
-          <a:p>
-            <a:pPr marL="0" indent="0">
-              <a:buNone/>
-            </a:pPr>
-            <a:r>
-              <a:rPr lang="en-US" sz="2200" dirty="0">
-                <a:latin typeface="Consolas"/>
-                <a:cs typeface="Consolas"/>
-              </a:rPr>
-              <a:t>Thread t = new Thread(new R());</a:t>
-            </a:r>
-          </a:p>
-          <a:p>
-            <a:pPr marL="0" indent="0">
-              <a:buNone/>
-            </a:pPr>
-            <a:r>
-              <a:rPr lang="en-US" sz="2200" dirty="0" err="1">
-                <a:latin typeface="Consolas"/>
-                <a:cs typeface="Consolas"/>
-              </a:rPr>
-              <a:t>t.start</a:t>
-            </a:r>
-            <a:r>
-              <a:rPr lang="en-US" sz="2200" dirty="0">
-                <a:latin typeface="Consolas"/>
-                <a:cs typeface="Consolas"/>
-              </a:rPr>
-              <a:t>(); </a:t>
-            </a:r>
-          </a:p>
-          <a:p>
-            <a:endParaRPr lang="en-US" dirty="0"/>
+            <a:endParaRPr lang="en-US" sz="1600" dirty="0">
+              <a:latin typeface="Consolas"/>
+              <a:cs typeface="Consolas"/>
+            </a:endParaRPr>
+          </a:p>
+          <a:p>
+            <a:endParaRPr lang="en-US" sz="1600" dirty="0">
+              <a:latin typeface="Consolas"/>
+              <a:cs typeface="Consolas"/>
+            </a:endParaRPr>
           </a:p>
         </p:txBody>
       </p:sp>
     </p:spTree>
     <p:extLst>
       <p:ext uri="{BB962C8B-B14F-4D97-AF65-F5344CB8AC3E}">
-        <p14:creationId xmlns:p14="http://schemas.microsoft.com/office/powerpoint/2010/main" val="3113316482"/>
+        <p14:creationId xmlns:p14="http://schemas.microsoft.com/office/powerpoint/2010/main" val="655405662"/>
       </p:ext>
     </p:extLst>
   </p:cSld>
@@ -5085,333 +5322,112 @@
         </p:nvSpPr>
         <p:spPr/>
         <p:txBody>
-          <a:bodyPr/>
-          <a:lstStyle/>
-          <a:p>
-            <a:r>
-              <a:rPr lang="en-US" dirty="0"/>
-              <a:t>Creating a Thread</a:t>
-            </a:r>
-          </a:p>
-        </p:txBody>
-      </p:sp>
-      <p:sp>
-        <p:nvSpPr>
-          <p:cNvPr id="3" name="Content Placeholder 2"/>
-          <p:cNvSpPr>
-            <a:spLocks noGrp="1"/>
-          </p:cNvSpPr>
-          <p:nvPr>
-            <p:ph idx="1"/>
-          </p:nvPr>
-        </p:nvSpPr>
-        <p:spPr/>
-        <p:txBody>
           <a:bodyPr>
             <a:normAutofit/>
           </a:bodyPr>
           <a:lstStyle/>
           <a:p>
-            <a:pPr marL="0" indent="0">
-              <a:buNone/>
-            </a:pPr>
-            <a:r>
-              <a:rPr lang="en-US" sz="1600" dirty="0">
-                <a:latin typeface="Consolas"/>
-                <a:cs typeface="Consolas"/>
-              </a:rPr>
-              <a:t>class  Counter  implements  Runnable  { </a:t>
-            </a:r>
-          </a:p>
-          <a:p>
-            <a:pPr marL="0" indent="0">
-              <a:buNone/>
-            </a:pPr>
-            <a:r>
-              <a:rPr lang="fi-FI" sz="1600" dirty="0">
-                <a:latin typeface="Consolas"/>
-                <a:cs typeface="Consolas"/>
-              </a:rPr>
-              <a:t>	</a:t>
-            </a:r>
-            <a:r>
-              <a:rPr lang="fi-FI" sz="1600" dirty="0" err="1">
-                <a:latin typeface="Consolas"/>
-                <a:cs typeface="Consolas"/>
-              </a:rPr>
-              <a:t>public</a:t>
-            </a:r>
-            <a:r>
-              <a:rPr lang="fi-FI" sz="1600" dirty="0">
-                <a:latin typeface="Consolas"/>
-                <a:cs typeface="Consolas"/>
-              </a:rPr>
-              <a:t>  </a:t>
-            </a:r>
-            <a:r>
-              <a:rPr lang="fi-FI" sz="1600" dirty="0" err="1">
-                <a:latin typeface="Consolas"/>
-                <a:cs typeface="Consolas"/>
-              </a:rPr>
-              <a:t>void</a:t>
-            </a:r>
-            <a:r>
-              <a:rPr lang="fi-FI" sz="1600" dirty="0">
-                <a:latin typeface="Consolas"/>
-                <a:cs typeface="Consolas"/>
-              </a:rPr>
-              <a:t>  </a:t>
-            </a:r>
-            <a:r>
-              <a:rPr lang="fi-FI" sz="1600" dirty="0" err="1">
-                <a:latin typeface="Consolas"/>
-                <a:cs typeface="Consolas"/>
-              </a:rPr>
-              <a:t>run</a:t>
-            </a:r>
-            <a:r>
-              <a:rPr lang="fi-FI" sz="1600" dirty="0">
-                <a:latin typeface="Consolas"/>
-                <a:cs typeface="Consolas"/>
-              </a:rPr>
-              <a:t>() {</a:t>
-            </a:r>
-          </a:p>
-          <a:p>
-            <a:pPr marL="0" indent="0">
-              <a:buNone/>
-            </a:pPr>
-            <a:r>
-              <a:rPr lang="fi-FI" sz="1600" dirty="0">
-                <a:latin typeface="Consolas"/>
-                <a:cs typeface="Consolas"/>
-              </a:rPr>
-              <a:t>		</a:t>
-            </a:r>
-            <a:r>
-              <a:rPr lang="fi-FI" sz="1600" dirty="0" err="1">
-                <a:latin typeface="Consolas"/>
-                <a:cs typeface="Consolas"/>
-              </a:rPr>
-              <a:t>for(int</a:t>
-            </a:r>
-            <a:r>
-              <a:rPr lang="fi-FI" sz="1600" dirty="0">
-                <a:latin typeface="Consolas"/>
-                <a:cs typeface="Consolas"/>
-              </a:rPr>
-              <a:t>  i=0;  i&lt;10;  i++)</a:t>
-            </a:r>
-            <a:r>
-              <a:rPr lang="ro-RO" sz="1600" dirty="0">
-                <a:latin typeface="Consolas"/>
-                <a:cs typeface="Consolas"/>
-              </a:rPr>
-              <a:t> </a:t>
-            </a:r>
-          </a:p>
-          <a:p>
-            <a:pPr marL="0" indent="0">
-              <a:buNone/>
-            </a:pPr>
-            <a:r>
-              <a:rPr lang="ro-RO" sz="1600" dirty="0">
-                <a:latin typeface="Consolas"/>
-                <a:cs typeface="Consolas"/>
-              </a:rPr>
-              <a:t>			System.out.println(Thread.currentThread().</a:t>
-            </a:r>
-            <a:r>
-              <a:rPr lang="ro-RO" sz="1600" dirty="0" err="1">
-                <a:latin typeface="Consolas"/>
-                <a:cs typeface="Consolas"/>
-              </a:rPr>
-              <a:t>getName</a:t>
-            </a:r>
-            <a:r>
-              <a:rPr lang="ro-RO" sz="1600" dirty="0">
-                <a:latin typeface="Consolas"/>
-                <a:cs typeface="Consolas"/>
-              </a:rPr>
-              <a:t>() + i);</a:t>
-            </a:r>
-          </a:p>
-          <a:p>
-            <a:pPr marL="0" indent="0">
-              <a:buNone/>
-            </a:pPr>
-            <a:r>
-              <a:rPr lang="ro-RO" sz="1600" dirty="0">
-                <a:latin typeface="Consolas"/>
-                <a:cs typeface="Consolas"/>
-              </a:rPr>
-              <a:t>	}</a:t>
-            </a:r>
-          </a:p>
-          <a:p>
-            <a:pPr marL="0" indent="0">
-              <a:buNone/>
-            </a:pPr>
-            <a:r>
-              <a:rPr lang="en-US" sz="1600" dirty="0">
-                <a:latin typeface="Consolas"/>
-                <a:cs typeface="Consolas"/>
-              </a:rPr>
-              <a:t>}</a:t>
-            </a:r>
-          </a:p>
-          <a:p>
-            <a:pPr marL="0" indent="0">
-              <a:buNone/>
-            </a:pPr>
-            <a:endParaRPr lang="en-US" sz="1600" dirty="0">
-              <a:latin typeface="Consolas"/>
-              <a:cs typeface="Consolas"/>
-            </a:endParaRPr>
-          </a:p>
-          <a:p>
-            <a:pPr marL="0" indent="0">
-              <a:buNone/>
-            </a:pPr>
-            <a:r>
-              <a:rPr lang="en-US" sz="1600" dirty="0">
-                <a:latin typeface="Consolas"/>
-                <a:cs typeface="Consolas"/>
-              </a:rPr>
-              <a:t>public class Runner{</a:t>
-            </a:r>
-          </a:p>
-          <a:p>
-            <a:pPr marL="0" indent="0">
-              <a:buNone/>
-            </a:pPr>
-            <a:r>
-              <a:rPr lang="en-US" sz="1600" dirty="0">
-                <a:latin typeface="Consolas"/>
-                <a:cs typeface="Consolas"/>
-              </a:rPr>
-              <a:t>	public static void main(String[] </a:t>
-            </a:r>
-            <a:r>
-              <a:rPr lang="en-US" sz="1600" dirty="0" err="1">
-                <a:latin typeface="Consolas"/>
-                <a:cs typeface="Consolas"/>
-              </a:rPr>
-              <a:t>args</a:t>
-            </a:r>
-            <a:r>
-              <a:rPr lang="en-US" sz="1600" dirty="0">
-                <a:latin typeface="Consolas"/>
-                <a:cs typeface="Consolas"/>
-              </a:rPr>
-              <a:t>) {</a:t>
-            </a:r>
-          </a:p>
-          <a:p>
-            <a:pPr marL="0" indent="0">
-              <a:buNone/>
-            </a:pPr>
-            <a:r>
-              <a:rPr lang="en-US" sz="1600" dirty="0">
-                <a:latin typeface="Consolas"/>
-                <a:cs typeface="Consolas"/>
-              </a:rPr>
-              <a:t>		Thread t1 = new Thread(new Counter(), “T_A”);</a:t>
-            </a:r>
-          </a:p>
-          <a:p>
-            <a:pPr marL="0" indent="0">
-              <a:buNone/>
-            </a:pPr>
-            <a:r>
-              <a:rPr lang="en-US" sz="1600" dirty="0">
-                <a:latin typeface="Consolas"/>
-                <a:cs typeface="Consolas"/>
-              </a:rPr>
-              <a:t>		Thread t2 = new Thread(new Counter(), “T_B”);</a:t>
-            </a:r>
-          </a:p>
-          <a:p>
-            <a:pPr marL="0" indent="0">
-              <a:buNone/>
-            </a:pPr>
-            <a:r>
-              <a:rPr lang="en-US" sz="1600" dirty="0">
-                <a:latin typeface="Consolas"/>
-                <a:cs typeface="Consolas"/>
-              </a:rPr>
-              <a:t>		Thread t3 = new Thread(new Counter(), “T_C”);</a:t>
-            </a:r>
-          </a:p>
-          <a:p>
-            <a:pPr marL="0" indent="0">
-              <a:buNone/>
-            </a:pPr>
-            <a:r>
-              <a:rPr lang="en-US" sz="1600" dirty="0">
-                <a:latin typeface="Consolas"/>
-                <a:cs typeface="Consolas"/>
-              </a:rPr>
-              <a:t>		</a:t>
-            </a:r>
-            <a:r>
-              <a:rPr lang="en-US" sz="1600" dirty="0">
+            <a:r>
+              <a:rPr lang="en-US" dirty="0"/>
+              <a:t>Starting a Thread</a:t>
+            </a:r>
+          </a:p>
+        </p:txBody>
+      </p:sp>
+      <p:sp>
+        <p:nvSpPr>
+          <p:cNvPr id="3" name="Content Placeholder 2"/>
+          <p:cNvSpPr>
+            <a:spLocks noGrp="1"/>
+          </p:cNvSpPr>
+          <p:nvPr>
+            <p:ph idx="1"/>
+          </p:nvPr>
+        </p:nvSpPr>
+        <p:spPr/>
+        <p:txBody>
+          <a:bodyPr>
+            <a:normAutofit/>
+          </a:bodyPr>
+          <a:lstStyle/>
+          <a:p>
+            <a:r>
+              <a:rPr lang="en-US" dirty="0"/>
+              <a:t>When a Thread object is created, </a:t>
+            </a:r>
+            <a:r>
+              <a:rPr lang="en-US" dirty="0">
                 <a:solidFill>
                   <a:schemeClr val="accent6">
                     <a:lumMod val="75000"/>
                   </a:schemeClr>
                 </a:solidFill>
-                <a:latin typeface="Consolas"/>
-                <a:cs typeface="Consolas"/>
-              </a:rPr>
-              <a:t>t1.start(); t2.start(); t3.start();</a:t>
-            </a:r>
-          </a:p>
-          <a:p>
-            <a:pPr marL="0" indent="0">
-              <a:buNone/>
-            </a:pPr>
-            <a:r>
-              <a:rPr lang="en-US" sz="1600" dirty="0">
-                <a:latin typeface="Consolas"/>
-                <a:cs typeface="Consolas"/>
-              </a:rPr>
-              <a:t>	}</a:t>
-            </a:r>
-          </a:p>
-          <a:p>
-            <a:pPr marL="0" indent="0">
-              <a:buNone/>
-            </a:pPr>
-            <a:r>
-              <a:rPr lang="en-US" sz="1600" dirty="0">
-                <a:latin typeface="Consolas"/>
-                <a:cs typeface="Consolas"/>
-              </a:rPr>
-              <a:t>}</a:t>
-            </a:r>
-          </a:p>
-          <a:p>
-            <a:pPr marL="0" indent="0">
-              <a:buNone/>
-            </a:pPr>
-            <a:endParaRPr lang="en-US" sz="1600" dirty="0">
-              <a:latin typeface="Consolas"/>
-              <a:cs typeface="Consolas"/>
+              </a:rPr>
+              <a:t>it does not start executing until its start() method is invoked</a:t>
+            </a:r>
+            <a:r>
+              <a:rPr lang="en-US" dirty="0"/>
+              <a:t>.</a:t>
+            </a:r>
+          </a:p>
+          <a:p>
+            <a:r>
+              <a:rPr lang="en-US" dirty="0"/>
+              <a:t>When a Thread object exists but hasn't been started, </a:t>
+            </a:r>
+            <a:r>
+              <a:rPr lang="en-US" dirty="0">
+                <a:solidFill>
+                  <a:srgbClr val="E46C0A"/>
+                </a:solidFill>
+              </a:rPr>
+              <a:t>it is in the </a:t>
+            </a:r>
+            <a:r>
+              <a:rPr lang="en-US" i="1" dirty="0">
+                <a:solidFill>
+                  <a:srgbClr val="E46C0A"/>
+                </a:solidFill>
+              </a:rPr>
+              <a:t>new</a:t>
+            </a:r>
+            <a:r>
+              <a:rPr lang="en-US" dirty="0">
+                <a:solidFill>
+                  <a:srgbClr val="E46C0A"/>
+                </a:solidFill>
+              </a:rPr>
+              <a:t> state and is not considered alive.</a:t>
+            </a:r>
+          </a:p>
+          <a:p>
+            <a:r>
+              <a:rPr lang="en-US" dirty="0"/>
+              <a:t>Method start() can be called on a Thread object only once. If start() is called more than once on same object, it will throw a </a:t>
+            </a:r>
+            <a:r>
+              <a:rPr lang="en-US" dirty="0" err="1">
+                <a:solidFill>
+                  <a:srgbClr val="E46C0A"/>
+                </a:solidFill>
+              </a:rPr>
+              <a:t>RuntimeException</a:t>
+            </a:r>
+            <a:endParaRPr lang="en-US" dirty="0">
+              <a:solidFill>
+                <a:srgbClr val="E46C0A"/>
+              </a:solidFill>
             </a:endParaRPr>
           </a:p>
           <a:p>
-            <a:endParaRPr lang="en-US" sz="1600" dirty="0">
-              <a:latin typeface="Consolas"/>
-              <a:cs typeface="Consolas"/>
-            </a:endParaRPr>
+            <a:endParaRPr lang="en-US" dirty="0"/>
           </a:p>
         </p:txBody>
       </p:sp>
     </p:spTree>
     <p:extLst>
       <p:ext uri="{BB962C8B-B14F-4D97-AF65-F5344CB8AC3E}">
-        <p14:creationId xmlns:p14="http://schemas.microsoft.com/office/powerpoint/2010/main" val="655405662"/>
+        <p14:creationId xmlns:p14="http://schemas.microsoft.com/office/powerpoint/2010/main" val="1800188421"/>
       </p:ext>
     </p:extLst>
   </p:cSld>
@@ -5481,71 +5497,43 @@
           <a:p>
             <a:r>
               <a:rPr lang="en-US" dirty="0"/>
-              <a:t>When a Thread object is created, </a:t>
-            </a:r>
-            <a:r>
-              <a:rPr lang="en-US" dirty="0">
-                <a:solidFill>
-                  <a:schemeClr val="accent6">
-                    <a:lumMod val="75000"/>
-                  </a:schemeClr>
-                </a:solidFill>
-              </a:rPr>
-              <a:t>it does not start executing until its start() method is invoked</a:t>
-            </a:r>
-            <a:r>
-              <a:rPr lang="en-US" dirty="0"/>
-              <a:t>.</a:t>
-            </a:r>
-          </a:p>
-          <a:p>
-            <a:r>
-              <a:rPr lang="en-US" dirty="0"/>
-              <a:t>When a Thread object exists but hasn't been started, </a:t>
-            </a:r>
+              <a:t>It is not guaranteed that threads will start running in the same order in which their start() methods have been called.</a:t>
+            </a:r>
+          </a:p>
+          <a:p>
+            <a:r>
+              <a:rPr lang="en-US" dirty="0"/>
+              <a:t>It is not guaranteed that a thread keeps executing until it's done (</a:t>
+            </a:r>
+            <a:r>
+              <a:rPr lang="en-US" i="1" dirty="0"/>
+              <a:t>it is not guaranteed that its loop completes before another thread begins</a:t>
+            </a:r>
+            <a:r>
+              <a:rPr lang="en-US" dirty="0"/>
+              <a:t>)</a:t>
+            </a:r>
+          </a:p>
+          <a:p>
             <a:r>
               <a:rPr lang="en-US" dirty="0">
                 <a:solidFill>
                   <a:srgbClr val="E46C0A"/>
                 </a:solidFill>
               </a:rPr>
-              <a:t>it is in the </a:t>
-            </a:r>
-            <a:r>
-              <a:rPr lang="en-US" i="1" dirty="0">
-                <a:solidFill>
-                  <a:srgbClr val="E46C0A"/>
-                </a:solidFill>
-              </a:rPr>
-              <a:t>new</a:t>
-            </a:r>
+              <a:t>Nothing is guaranteed except:</a:t>
+            </a:r>
+          </a:p>
+          <a:p>
+            <a:pPr lvl="1"/>
             <a:r>
               <a:rPr lang="en-US" dirty="0">
                 <a:solidFill>
                   <a:srgbClr val="E46C0A"/>
                 </a:solidFill>
               </a:rPr>
-              <a:t> state and is not considered alive.</a:t>
-            </a:r>
-          </a:p>
-          <a:p>
-            <a:r>
-              <a:rPr lang="en-US" dirty="0"/>
-              <a:t>Method start() can be called on a Thread object only once. If start() is called more than once on same object, it will throw a </a:t>
-            </a:r>
-            <a:r>
-              <a:rPr lang="en-US" dirty="0" err="1">
-                <a:solidFill>
-                  <a:srgbClr val="E46C0A"/>
-                </a:solidFill>
-              </a:rPr>
-              <a:t>RuntimeException</a:t>
-            </a:r>
-            <a:endParaRPr lang="en-US" dirty="0">
-              <a:solidFill>
-                <a:srgbClr val="E46C0A"/>
-              </a:solidFill>
-            </a:endParaRPr>
+              <a:t>Each thread will start and will run to completion after acquiring the CPU a finite number of times</a:t>
+            </a:r>
           </a:p>
           <a:p>
             <a:endParaRPr lang="en-US" dirty="0"/>
@@ -5555,7 +5543,7 @@
     </p:spTree>
     <p:extLst>
       <p:ext uri="{BB962C8B-B14F-4D97-AF65-F5344CB8AC3E}">
-        <p14:creationId xmlns:p14="http://schemas.microsoft.com/office/powerpoint/2010/main" val="1800188421"/>
+        <p14:creationId xmlns:p14="http://schemas.microsoft.com/office/powerpoint/2010/main" val="1383405259"/>
       </p:ext>
     </p:extLst>
   </p:cSld>
@@ -5594,9 +5582,7 @@
         </p:nvSpPr>
         <p:spPr/>
         <p:txBody>
-          <a:bodyPr>
-            <a:normAutofit/>
-          </a:bodyPr>
+          <a:bodyPr/>
           <a:lstStyle/>
           <a:p>
             <a:r>
@@ -5608,70 +5594,37 @@
       </p:sp>
       <p:sp>
         <p:nvSpPr>
-          <p:cNvPr id="3" name="Content Placeholder 2"/>
-          <p:cNvSpPr>
-            <a:spLocks noGrp="1"/>
-          </p:cNvSpPr>
-          <p:nvPr>
-            <p:ph idx="1"/>
-          </p:nvPr>
-        </p:nvSpPr>
-        <p:spPr/>
-        <p:txBody>
-          <a:bodyPr>
-            <a:normAutofit/>
-          </a:bodyPr>
-          <a:lstStyle/>
-          <a:p>
-            <a:r>
-              <a:rPr lang="en-US" dirty="0"/>
-              <a:t>It is not guaranteed that threads will start running in the same order in which their start() methods have been called.</a:t>
-            </a:r>
-          </a:p>
-          <a:p>
-            <a:r>
-              <a:rPr lang="en-US" dirty="0"/>
-              <a:t>It is not guaranteed that a thread keeps executing until it's done (</a:t>
-            </a:r>
-            <a:r>
-              <a:rPr lang="en-US" i="1" dirty="0"/>
-              <a:t>it is not guaranteed that its loop completes before another thread begins</a:t>
-            </a:r>
-            <a:r>
-              <a:rPr lang="en-US" dirty="0"/>
-              <a:t>)</a:t>
-            </a:r>
-          </a:p>
-          <a:p>
-            <a:r>
-              <a:rPr lang="en-US" dirty="0">
-                <a:solidFill>
-                  <a:srgbClr val="E46C0A"/>
-                </a:solidFill>
-              </a:rPr>
-              <a:t>Nothing is guaranteed except:</a:t>
-            </a:r>
-          </a:p>
-          <a:p>
-            <a:pPr lvl="1"/>
-            <a:r>
-              <a:rPr lang="en-US" dirty="0">
-                <a:solidFill>
-                  <a:srgbClr val="E46C0A"/>
-                </a:solidFill>
-              </a:rPr>
-              <a:t>Each thread will start and will run to completion after acquiring the CPU a finite number of times</a:t>
-            </a:r>
-          </a:p>
-          <a:p>
-            <a:endParaRPr lang="en-US" dirty="0"/>
+          <p:cNvPr id="5" name="object 7"/>
+          <p:cNvSpPr/>
+          <p:nvPr/>
+        </p:nvSpPr>
+        <p:spPr>
+          <a:xfrm>
+            <a:off x="2258159" y="1749792"/>
+            <a:ext cx="7628304" cy="4256698"/>
+          </a:xfrm>
+          <a:prstGeom prst="rect">
+            <a:avLst/>
+          </a:prstGeom>
+          <a:blipFill>
+            <a:blip r:embed="rId2" cstate="print"/>
+            <a:stretch>
+              <a:fillRect/>
+            </a:stretch>
+          </a:blipFill>
+        </p:spPr>
+        <p:txBody>
+          <a:bodyPr wrap="square" lIns="0" tIns="0" rIns="0" bIns="0" rtlCol="0"/>
+          <a:lstStyle/>
+          <a:p>
+            <a:endParaRPr/>
           </a:p>
         </p:txBody>
       </p:sp>
     </p:spTree>
     <p:extLst>
       <p:ext uri="{BB962C8B-B14F-4D97-AF65-F5344CB8AC3E}">
-        <p14:creationId xmlns:p14="http://schemas.microsoft.com/office/powerpoint/2010/main" val="1383405259"/>
+        <p14:creationId xmlns:p14="http://schemas.microsoft.com/office/powerpoint/2010/main" val="3860050415"/>
       </p:ext>
     </p:extLst>
   </p:cSld>
@@ -5848,44 +5801,183 @@
           <a:p>
             <a:r>
               <a:rPr lang="en-US" dirty="0"/>
-              <a:t>Starting a Thread</a:t>
-            </a:r>
-          </a:p>
-        </p:txBody>
-      </p:sp>
-      <p:sp>
-        <p:nvSpPr>
-          <p:cNvPr id="5" name="object 7"/>
-          <p:cNvSpPr/>
-          <p:nvPr/>
-        </p:nvSpPr>
-        <p:spPr>
-          <a:xfrm>
-            <a:off x="2258159" y="1749792"/>
-            <a:ext cx="7628304" cy="4256698"/>
-          </a:xfrm>
-          <a:prstGeom prst="rect">
-            <a:avLst/>
-          </a:prstGeom>
-          <a:blipFill>
-            <a:blip r:embed="rId2" cstate="print"/>
-            <a:stretch>
-              <a:fillRect/>
-            </a:stretch>
-          </a:blipFill>
-        </p:spPr>
-        <p:txBody>
-          <a:bodyPr wrap="square" lIns="0" tIns="0" rIns="0" bIns="0" rtlCol="0"/>
-          <a:lstStyle/>
-          <a:p>
-            <a:endParaRPr/>
+              <a:t>Thread priority</a:t>
+            </a:r>
+          </a:p>
+        </p:txBody>
+      </p:sp>
+      <p:sp>
+        <p:nvSpPr>
+          <p:cNvPr id="3" name="Content Placeholder 2"/>
+          <p:cNvSpPr>
+            <a:spLocks noGrp="1"/>
+          </p:cNvSpPr>
+          <p:nvPr>
+            <p:ph idx="1"/>
+          </p:nvPr>
+        </p:nvSpPr>
+        <p:spPr/>
+        <p:txBody>
+          <a:bodyPr>
+            <a:normAutofit/>
+          </a:bodyPr>
+          <a:lstStyle/>
+          <a:p>
+            <a:r>
+              <a:rPr lang="en-US" sz="2800" dirty="0">
+                <a:solidFill>
+                  <a:srgbClr val="E46C0A"/>
+                </a:solidFill>
+              </a:rPr>
+              <a:t>By default, a thread gets the priority of the thread creating it.</a:t>
+            </a:r>
+          </a:p>
+          <a:p>
+            <a:r>
+              <a:rPr lang="en-US" sz="2800" dirty="0"/>
+              <a:t>Priority values are defined between 1 and 10</a:t>
+            </a:r>
+          </a:p>
+          <a:p>
+            <a:pPr marL="0" indent="0">
+              <a:buNone/>
+            </a:pPr>
+            <a:r>
+              <a:rPr lang="en-US" sz="2000" dirty="0" err="1">
+                <a:latin typeface="Consolas"/>
+                <a:cs typeface="Consolas"/>
+              </a:rPr>
+              <a:t>Thread.MIN_PRIORITY</a:t>
+            </a:r>
+            <a:r>
+              <a:rPr lang="en-US" sz="2000" dirty="0">
+                <a:latin typeface="Consolas"/>
+                <a:cs typeface="Consolas"/>
+              </a:rPr>
+              <a:t>	 (== 1)</a:t>
+            </a:r>
+          </a:p>
+          <a:p>
+            <a:pPr marL="0" indent="0">
+              <a:buNone/>
+            </a:pPr>
+            <a:r>
+              <a:rPr lang="en-US" sz="2000" dirty="0" err="1">
+                <a:latin typeface="Consolas"/>
+                <a:cs typeface="Consolas"/>
+              </a:rPr>
+              <a:t>Thread.NORM_PRIORITY</a:t>
+            </a:r>
+            <a:r>
+              <a:rPr lang="en-US" sz="2000" dirty="0">
+                <a:latin typeface="Consolas"/>
+                <a:cs typeface="Consolas"/>
+              </a:rPr>
+              <a:t>  (== 5)</a:t>
+            </a:r>
+          </a:p>
+          <a:p>
+            <a:pPr marL="0" indent="0">
+              <a:buNone/>
+            </a:pPr>
+            <a:r>
+              <a:rPr lang="en-US" sz="2000" dirty="0" err="1">
+                <a:latin typeface="Consolas"/>
+                <a:cs typeface="Consolas"/>
+              </a:rPr>
+              <a:t>Thread.MAX_PRIORITY</a:t>
+            </a:r>
+            <a:r>
+              <a:rPr lang="en-US" sz="2000" dirty="0">
+                <a:latin typeface="Consolas"/>
+                <a:cs typeface="Consolas"/>
+              </a:rPr>
+              <a:t>	 (== 10)</a:t>
+            </a:r>
+          </a:p>
+          <a:p>
+            <a:r>
+              <a:rPr lang="en-US" sz="2800" dirty="0"/>
+              <a:t>Priority can be set</a:t>
+            </a:r>
+            <a:endParaRPr lang="en-US" sz="2000" dirty="0">
+              <a:latin typeface="Consolas"/>
+              <a:cs typeface="Consolas"/>
+            </a:endParaRPr>
+          </a:p>
+          <a:p>
+            <a:pPr marL="0" indent="0">
+              <a:buNone/>
+            </a:pPr>
+            <a:r>
+              <a:rPr lang="en-US" sz="2000" dirty="0">
+                <a:latin typeface="Consolas"/>
+                <a:cs typeface="Consolas"/>
+              </a:rPr>
+              <a:t>Thread t = new Thread(new Runnable()); </a:t>
+            </a:r>
+          </a:p>
+          <a:p>
+            <a:pPr marL="0" indent="0">
+              <a:buNone/>
+            </a:pPr>
+            <a:r>
+              <a:rPr lang="en-US" sz="2000" dirty="0" err="1">
+                <a:latin typeface="Consolas"/>
+                <a:cs typeface="Consolas"/>
+              </a:rPr>
+              <a:t>t.setPriority</a:t>
+            </a:r>
+            <a:r>
+              <a:rPr lang="en-US" sz="2000" dirty="0">
+                <a:latin typeface="Consolas"/>
+                <a:cs typeface="Consolas"/>
+              </a:rPr>
+              <a:t>(</a:t>
+            </a:r>
+            <a:r>
+              <a:rPr lang="en-US" sz="2000" dirty="0" err="1">
+                <a:latin typeface="Consolas"/>
+                <a:cs typeface="Consolas"/>
+              </a:rPr>
+              <a:t>Thread.MAX_PRIORITY</a:t>
+            </a:r>
+            <a:r>
+              <a:rPr lang="en-US" sz="2000" dirty="0">
+                <a:latin typeface="Consolas"/>
+                <a:cs typeface="Consolas"/>
+              </a:rPr>
+              <a:t>);	</a:t>
+            </a:r>
+          </a:p>
+          <a:p>
+            <a:pPr marL="0" indent="0">
+              <a:buNone/>
+            </a:pPr>
+            <a:r>
+              <a:rPr lang="en-US" sz="2000" dirty="0" err="1">
+                <a:latin typeface="Consolas"/>
+                <a:cs typeface="Consolas"/>
+              </a:rPr>
+              <a:t>t.start</a:t>
+            </a:r>
+            <a:r>
+              <a:rPr lang="en-US" sz="2000" dirty="0">
+                <a:latin typeface="Consolas"/>
+                <a:cs typeface="Consolas"/>
+              </a:rPr>
+              <a:t>();</a:t>
+            </a:r>
+          </a:p>
+          <a:p>
+            <a:endParaRPr lang="en-US" sz="2800" dirty="0"/>
           </a:p>
         </p:txBody>
       </p:sp>
     </p:spTree>
     <p:extLst>
       <p:ext uri="{BB962C8B-B14F-4D97-AF65-F5344CB8AC3E}">
-        <p14:creationId xmlns:p14="http://schemas.microsoft.com/office/powerpoint/2010/main" val="3860050415"/>
+        <p14:creationId xmlns:p14="http://schemas.microsoft.com/office/powerpoint/2010/main" val="2236805615"/>
       </p:ext>
     </p:extLst>
   </p:cSld>
@@ -5929,7 +6021,7 @@
           <a:p>
             <a:r>
               <a:rPr lang="en-US" dirty="0"/>
-              <a:t>Thread priority</a:t>
+              <a:t>JVM scheduling policy</a:t>
             </a:r>
           </a:p>
         </p:txBody>
@@ -5951,150 +6043,44 @@
           </a:bodyPr>
           <a:lstStyle/>
           <a:p>
+            <a:r>
+              <a:rPr lang="en-US" sz="2800" dirty="0"/>
+              <a:t>A thread always runs with a priority number</a:t>
+            </a:r>
+          </a:p>
+          <a:p>
+            <a:r>
+              <a:rPr lang="en-US" sz="2800" dirty="0"/>
+              <a:t>The scheduler in most JVMs uses </a:t>
+            </a:r>
             <a:r>
               <a:rPr lang="en-US" sz="2800" dirty="0">
                 <a:solidFill>
                   <a:srgbClr val="E46C0A"/>
                 </a:solidFill>
               </a:rPr>
-              <a:t>By default, a thread gets the priority of the thread creating it.</a:t>
-            </a:r>
-          </a:p>
-          <a:p>
+              <a:t>time-sliced, preemptive, priority-based</a:t>
+            </a:r>
             <a:r>
               <a:rPr lang="en-US" sz="2800" dirty="0"/>
-              <a:t>Priority values are defined between 1 and 10</a:t>
-            </a:r>
-          </a:p>
-          <a:p>
-            <a:pPr marL="0" indent="0">
-              <a:buNone/>
-            </a:pPr>
-            <a:r>
-              <a:rPr lang="en-US" sz="2000" dirty="0" err="1">
-                <a:latin typeface="Consolas"/>
-                <a:cs typeface="Consolas"/>
-              </a:rPr>
-              <a:t>Thread.MIN_PRIORITY</a:t>
-            </a:r>
-            <a:r>
-              <a:rPr lang="en-US" sz="2000" dirty="0">
-                <a:latin typeface="Consolas"/>
-                <a:cs typeface="Consolas"/>
-              </a:rPr>
-              <a:t>	 (== 1)</a:t>
-            </a:r>
-          </a:p>
-          <a:p>
-            <a:pPr marL="0" indent="0">
-              <a:buNone/>
-            </a:pPr>
-            <a:r>
-              <a:rPr lang="en-US" sz="2000" dirty="0" err="1">
-                <a:latin typeface="Consolas"/>
-                <a:cs typeface="Consolas"/>
-              </a:rPr>
-              <a:t>Thread.NORM_PRIORITY</a:t>
-            </a:r>
-            <a:r>
-              <a:rPr lang="en-US" sz="2000" dirty="0">
-                <a:latin typeface="Consolas"/>
-                <a:cs typeface="Consolas"/>
-              </a:rPr>
-              <a:t>  (== 5)</a:t>
-            </a:r>
-          </a:p>
-          <a:p>
-            <a:pPr marL="0" indent="0">
-              <a:buNone/>
-            </a:pPr>
-            <a:r>
-              <a:rPr lang="en-US" sz="2000" dirty="0" err="1">
-                <a:latin typeface="Consolas"/>
-                <a:cs typeface="Consolas"/>
-              </a:rPr>
-              <a:t>Thread.MAX_PRIORITY</a:t>
-            </a:r>
-            <a:r>
-              <a:rPr lang="en-US" sz="2000" dirty="0">
-                <a:latin typeface="Consolas"/>
-                <a:cs typeface="Consolas"/>
-              </a:rPr>
-              <a:t>	 (== 10)</a:t>
-            </a:r>
-          </a:p>
-          <a:p>
-            <a:r>
-              <a:rPr lang="en-US" sz="2800" dirty="0"/>
-              <a:t>Priority can be set</a:t>
-            </a:r>
-            <a:endParaRPr lang="en-US" sz="2000" dirty="0">
-              <a:latin typeface="Consolas"/>
-              <a:cs typeface="Consolas"/>
-            </a:endParaRPr>
-          </a:p>
-          <a:p>
-            <a:pPr marL="0" indent="0">
-              <a:buNone/>
-            </a:pPr>
-            <a:r>
-              <a:rPr lang="en-US" sz="2000" dirty="0">
-                <a:latin typeface="Consolas"/>
-                <a:cs typeface="Consolas"/>
-              </a:rPr>
-              <a:t>Thread t = new Thread(new Runnable()); </a:t>
-            </a:r>
-          </a:p>
-          <a:p>
-            <a:pPr marL="0" indent="0">
-              <a:buNone/>
-            </a:pPr>
-            <a:r>
-              <a:rPr lang="en-US" sz="2000" dirty="0" err="1">
-                <a:latin typeface="Consolas"/>
-                <a:cs typeface="Consolas"/>
-              </a:rPr>
-              <a:t>t.setPriority</a:t>
-            </a:r>
-            <a:r>
-              <a:rPr lang="en-US" sz="2000" dirty="0">
-                <a:latin typeface="Consolas"/>
-                <a:cs typeface="Consolas"/>
-              </a:rPr>
-              <a:t>(</a:t>
-            </a:r>
-            <a:r>
-              <a:rPr lang="en-US" sz="2000" dirty="0" err="1">
-                <a:latin typeface="Consolas"/>
-                <a:cs typeface="Consolas"/>
-              </a:rPr>
-              <a:t>Thread.MAX_PRIORITY</a:t>
-            </a:r>
-            <a:r>
-              <a:rPr lang="en-US" sz="2000" dirty="0">
-                <a:latin typeface="Consolas"/>
-                <a:cs typeface="Consolas"/>
-              </a:rPr>
-              <a:t>);	</a:t>
-            </a:r>
-          </a:p>
-          <a:p>
-            <a:pPr marL="0" indent="0">
-              <a:buNone/>
-            </a:pPr>
-            <a:r>
-              <a:rPr lang="en-US" sz="2000" dirty="0" err="1">
-                <a:latin typeface="Consolas"/>
-                <a:cs typeface="Consolas"/>
-              </a:rPr>
-              <a:t>t.start</a:t>
-            </a:r>
-            <a:r>
-              <a:rPr lang="en-US" sz="2000" dirty="0">
-                <a:latin typeface="Consolas"/>
-                <a:cs typeface="Consolas"/>
-              </a:rPr>
-              <a:t>();</a:t>
+              <a:t> scheduling</a:t>
+            </a:r>
+          </a:p>
+          <a:p>
+            <a:r>
+              <a:rPr lang="en-US" sz="2800" dirty="0">
+                <a:solidFill>
+                  <a:srgbClr val="E46C0A"/>
+                </a:solidFill>
+              </a:rPr>
+              <a:t>JVM specification does not require a VM to implement a time-slicing scheduler !</a:t>
+            </a:r>
+          </a:p>
+          <a:p>
+            <a:pPr lvl="1"/>
+            <a:r>
+              <a:rPr lang="en-US" sz="2400" dirty="0"/>
+              <a:t>some JVM may use a scheduler that lets one thread stay running until it completes its run() method</a:t>
             </a:r>
           </a:p>
           <a:p>
@@ -6105,7 +6091,7 @@
     </p:spTree>
     <p:extLst>
       <p:ext uri="{BB962C8B-B14F-4D97-AF65-F5344CB8AC3E}">
-        <p14:creationId xmlns:p14="http://schemas.microsoft.com/office/powerpoint/2010/main" val="2236805615"/>
+        <p14:creationId xmlns:p14="http://schemas.microsoft.com/office/powerpoint/2010/main" val="3841656175"/>
       </p:ext>
     </p:extLst>
   </p:cSld>
@@ -6149,7 +6135,7 @@
           <a:p>
             <a:r>
               <a:rPr lang="en-US" dirty="0"/>
-              <a:t>JVM scheduling policy</a:t>
+              <a:t>Checking JVM scheduler</a:t>
             </a:r>
           </a:p>
         </p:txBody>
@@ -6167,59 +6153,293 @@
         <p:spPr/>
         <p:txBody>
           <a:bodyPr>
-            <a:normAutofit/>
+            <a:normAutofit fontScale="92500" lnSpcReduction="20000"/>
           </a:bodyPr>
           <a:lstStyle/>
           <a:p>
-            <a:r>
-              <a:rPr lang="en-US" sz="2800" dirty="0"/>
-              <a:t>A thread always runs with a priority number</a:t>
-            </a:r>
-          </a:p>
-          <a:p>
-            <a:r>
-              <a:rPr lang="en-US" sz="2800" dirty="0"/>
-              <a:t>The scheduler in most JVMs uses </a:t>
-            </a:r>
-            <a:r>
-              <a:rPr lang="en-US" sz="2800" dirty="0">
-                <a:solidFill>
-                  <a:srgbClr val="E46C0A"/>
-                </a:solidFill>
-              </a:rPr>
-              <a:t>time-sliced, preemptive, priority-based</a:t>
-            </a:r>
-            <a:r>
-              <a:rPr lang="en-US" sz="2800" dirty="0"/>
-              <a:t> scheduling</a:t>
-            </a:r>
-          </a:p>
-          <a:p>
-            <a:r>
-              <a:rPr lang="en-US" sz="2800" dirty="0">
-                <a:solidFill>
-                  <a:srgbClr val="E46C0A"/>
-                </a:solidFill>
-              </a:rPr>
-              <a:t>JVM specification does not require a VM to implement a time-slicing scheduler !</a:t>
-            </a:r>
-          </a:p>
-          <a:p>
-            <a:pPr lvl="1"/>
-            <a:r>
-              <a:rPr lang="en-US" sz="2400" dirty="0"/>
-              <a:t>some JVM may use a scheduler that lets one thread stay running until it completes its run() method</a:t>
-            </a:r>
-          </a:p>
-          <a:p>
-            <a:endParaRPr lang="en-US" sz="2800" dirty="0"/>
+            <a:pPr marL="0" indent="0">
+              <a:buNone/>
+            </a:pPr>
+            <a:r>
+              <a:rPr lang="en-US" sz="1500" b="1" dirty="0">
+                <a:latin typeface="Consolas"/>
+                <a:cs typeface="Consolas"/>
+              </a:rPr>
+              <a:t>public class </a:t>
+            </a:r>
+            <a:r>
+              <a:rPr lang="en-US" sz="1500" b="1" dirty="0" err="1">
+                <a:latin typeface="Consolas"/>
+                <a:cs typeface="Consolas"/>
+              </a:rPr>
+              <a:t>CheckPreemption</a:t>
+            </a:r>
+            <a:r>
+              <a:rPr lang="en-US" sz="1500" b="1" dirty="0">
+                <a:latin typeface="Consolas"/>
+                <a:cs typeface="Consolas"/>
+              </a:rPr>
+              <a:t> implements Runnable {</a:t>
+            </a:r>
+          </a:p>
+          <a:p>
+            <a:pPr marL="0" indent="0">
+              <a:buNone/>
+            </a:pPr>
+            <a:r>
+              <a:rPr lang="en-US" sz="1500" b="1" dirty="0">
+                <a:latin typeface="Consolas"/>
+                <a:cs typeface="Consolas"/>
+              </a:rPr>
+              <a:t>	@Override</a:t>
+            </a:r>
+          </a:p>
+          <a:p>
+            <a:pPr marL="0" indent="0">
+              <a:buNone/>
+            </a:pPr>
+            <a:r>
+              <a:rPr lang="en-US" sz="1500" b="1" dirty="0">
+                <a:latin typeface="Consolas"/>
+                <a:cs typeface="Consolas"/>
+              </a:rPr>
+              <a:t>	public void run() {</a:t>
+            </a:r>
+          </a:p>
+          <a:p>
+            <a:pPr marL="0" indent="0">
+              <a:buNone/>
+            </a:pPr>
+            <a:r>
+              <a:rPr lang="en-US" sz="1500" b="1" dirty="0">
+                <a:latin typeface="Consolas"/>
+                <a:cs typeface="Consolas"/>
+              </a:rPr>
+              <a:t>		while (true) {</a:t>
+            </a:r>
+          </a:p>
+          <a:p>
+            <a:pPr marL="0" indent="0">
+              <a:buNone/>
+            </a:pPr>
+            <a:r>
+              <a:rPr lang="en-US" sz="1500" b="1" dirty="0">
+                <a:latin typeface="Consolas"/>
+                <a:cs typeface="Consolas"/>
+              </a:rPr>
+              <a:t>			</a:t>
+            </a:r>
+            <a:r>
+              <a:rPr lang="en-US" sz="1500" b="1" dirty="0" err="1">
+                <a:latin typeface="Consolas"/>
+                <a:cs typeface="Consolas"/>
+              </a:rPr>
+              <a:t>System.out.println</a:t>
+            </a:r>
+            <a:r>
+              <a:rPr lang="en-US" sz="1500" b="1" dirty="0">
+                <a:latin typeface="Consolas"/>
+                <a:cs typeface="Consolas"/>
+              </a:rPr>
+              <a:t>(</a:t>
+            </a:r>
+            <a:r>
+              <a:rPr lang="en-US" sz="1500" b="1" dirty="0" err="1">
+                <a:latin typeface="Consolas"/>
+                <a:cs typeface="Consolas"/>
+              </a:rPr>
+              <a:t>Thread.currentThread</a:t>
+            </a:r>
+            <a:r>
+              <a:rPr lang="en-US" sz="1500" b="1" dirty="0">
+                <a:latin typeface="Consolas"/>
+                <a:cs typeface="Consolas"/>
+              </a:rPr>
+              <a:t>().</a:t>
+            </a:r>
+            <a:r>
+              <a:rPr lang="en-US" sz="1500" b="1" dirty="0" err="1">
+                <a:latin typeface="Consolas"/>
+                <a:cs typeface="Consolas"/>
+              </a:rPr>
+              <a:t>getName</a:t>
+            </a:r>
+            <a:r>
+              <a:rPr lang="en-US" sz="1500" b="1" dirty="0">
+                <a:latin typeface="Consolas"/>
+                <a:cs typeface="Consolas"/>
+              </a:rPr>
+              <a:t>());</a:t>
+            </a:r>
+          </a:p>
+          <a:p>
+            <a:pPr marL="0" indent="0">
+              <a:buNone/>
+            </a:pPr>
+            <a:r>
+              <a:rPr lang="en-US" sz="1500" b="1" dirty="0">
+                <a:latin typeface="Consolas"/>
+                <a:cs typeface="Consolas"/>
+              </a:rPr>
+              <a:t>		}</a:t>
+            </a:r>
+          </a:p>
+          <a:p>
+            <a:pPr marL="0" indent="0">
+              <a:buNone/>
+            </a:pPr>
+            <a:r>
+              <a:rPr lang="en-US" sz="1500" b="1" dirty="0">
+                <a:latin typeface="Consolas"/>
+                <a:cs typeface="Consolas"/>
+              </a:rPr>
+              <a:t>	}</a:t>
+            </a:r>
+          </a:p>
+          <a:p>
+            <a:pPr marL="0" indent="0">
+              <a:buNone/>
+            </a:pPr>
+            <a:endParaRPr lang="en-US" sz="1500" b="1" dirty="0">
+              <a:latin typeface="Consolas"/>
+              <a:cs typeface="Consolas"/>
+            </a:endParaRPr>
+          </a:p>
+          <a:p>
+            <a:pPr marL="0" indent="0">
+              <a:buNone/>
+            </a:pPr>
+            <a:r>
+              <a:rPr lang="en-US" sz="1500" b="1" dirty="0">
+                <a:latin typeface="Consolas"/>
+                <a:cs typeface="Consolas"/>
+              </a:rPr>
+              <a:t>	public static void main(String </a:t>
+            </a:r>
+            <a:r>
+              <a:rPr lang="en-US" sz="1500" b="1" dirty="0" err="1">
+                <a:latin typeface="Consolas"/>
+                <a:cs typeface="Consolas"/>
+              </a:rPr>
+              <a:t>argv</a:t>
+            </a:r>
+            <a:r>
+              <a:rPr lang="en-US" sz="1500" b="1" dirty="0">
+                <a:latin typeface="Consolas"/>
+                <a:cs typeface="Consolas"/>
+              </a:rPr>
+              <a:t>[]) {</a:t>
+            </a:r>
+          </a:p>
+          <a:p>
+            <a:pPr marL="0" indent="0">
+              <a:buNone/>
+            </a:pPr>
+            <a:r>
+              <a:rPr lang="en-US" sz="1500" b="1" dirty="0">
+                <a:latin typeface="Consolas"/>
+                <a:cs typeface="Consolas"/>
+              </a:rPr>
+              <a:t>		</a:t>
+            </a:r>
+            <a:r>
+              <a:rPr lang="en-US" sz="1500" b="1" dirty="0" err="1">
+                <a:latin typeface="Consolas"/>
+                <a:cs typeface="Consolas"/>
+              </a:rPr>
+              <a:t>CheckPreemption</a:t>
+            </a:r>
+            <a:r>
+              <a:rPr lang="en-US" sz="1500" b="1" dirty="0">
+                <a:latin typeface="Consolas"/>
+                <a:cs typeface="Consolas"/>
+              </a:rPr>
+              <a:t> c = new </a:t>
+            </a:r>
+            <a:r>
+              <a:rPr lang="en-US" sz="1500" b="1" dirty="0" err="1">
+                <a:latin typeface="Consolas"/>
+                <a:cs typeface="Consolas"/>
+              </a:rPr>
+              <a:t>CheckPreemption</a:t>
+            </a:r>
+            <a:r>
+              <a:rPr lang="en-US" sz="1500" b="1" dirty="0">
+                <a:latin typeface="Consolas"/>
+                <a:cs typeface="Consolas"/>
+              </a:rPr>
+              <a:t>();</a:t>
+            </a:r>
+          </a:p>
+          <a:p>
+            <a:pPr marL="0" indent="0">
+              <a:buNone/>
+            </a:pPr>
+            <a:r>
+              <a:rPr lang="en-US" sz="1500" b="1" dirty="0">
+                <a:latin typeface="Consolas"/>
+                <a:cs typeface="Consolas"/>
+              </a:rPr>
+              <a:t>		new Thread(c, "To be").start();</a:t>
+            </a:r>
+          </a:p>
+          <a:p>
+            <a:pPr marL="0" indent="0">
+              <a:buNone/>
+            </a:pPr>
+            <a:r>
+              <a:rPr lang="en-US" sz="1500" b="1" dirty="0">
+                <a:latin typeface="Consolas"/>
+                <a:cs typeface="Consolas"/>
+              </a:rPr>
+              <a:t>		new Thread(c, "Not to be").start();</a:t>
+            </a:r>
+          </a:p>
+          <a:p>
+            <a:pPr marL="0" indent="0">
+              <a:buNone/>
+            </a:pPr>
+            <a:r>
+              <a:rPr lang="en-US" sz="1500" b="1" dirty="0">
+                <a:latin typeface="Consolas"/>
+                <a:cs typeface="Consolas"/>
+              </a:rPr>
+              <a:t>	}</a:t>
+            </a:r>
+          </a:p>
+          <a:p>
+            <a:pPr marL="0" indent="0">
+              <a:buNone/>
+            </a:pPr>
+            <a:r>
+              <a:rPr lang="en-US" sz="1500" b="1" dirty="0">
+                <a:latin typeface="Consolas"/>
+                <a:cs typeface="Consolas"/>
+              </a:rPr>
+              <a:t>}</a:t>
+            </a:r>
+          </a:p>
+          <a:p>
+            <a:r>
+              <a:rPr lang="en-US" dirty="0"/>
+              <a:t>If the scheduler is non-preemptive the first thread chosen runs forever</a:t>
+            </a:r>
+          </a:p>
+          <a:p>
+            <a:r>
+              <a:rPr lang="en-US" dirty="0"/>
+              <a:t>If the scheduler is preemptive both threads randomly alternate</a:t>
+            </a:r>
+          </a:p>
+          <a:p>
+            <a:endParaRPr lang="en-US" dirty="0"/>
           </a:p>
         </p:txBody>
       </p:sp>
     </p:spTree>
     <p:extLst>
       <p:ext uri="{BB962C8B-B14F-4D97-AF65-F5344CB8AC3E}">
-        <p14:creationId xmlns:p14="http://schemas.microsoft.com/office/powerpoint/2010/main" val="3841656175"/>
+        <p14:creationId xmlns:p14="http://schemas.microsoft.com/office/powerpoint/2010/main" val="3277401054"/>
       </p:ext>
     </p:extLst>
   </p:cSld>
@@ -6263,7 +6483,7 @@
           <a:p>
             <a:r>
               <a:rPr lang="en-US" dirty="0"/>
-              <a:t>Checking JVM scheduler</a:t>
+              <a:t>Terminating a Thread</a:t>
             </a:r>
           </a:p>
         </p:txBody>
@@ -6281,293 +6501,61 @@
         <p:spPr/>
         <p:txBody>
           <a:bodyPr>
-            <a:normAutofit fontScale="92500" lnSpcReduction="20000"/>
+            <a:normAutofit/>
           </a:bodyPr>
           <a:lstStyle/>
           <a:p>
-            <a:pPr marL="0" indent="0">
-              <a:buNone/>
-            </a:pPr>
-            <a:r>
-              <a:rPr lang="en-US" sz="1500" b="1" dirty="0">
-                <a:latin typeface="Consolas"/>
-                <a:cs typeface="Consolas"/>
-              </a:rPr>
-              <a:t>public class </a:t>
-            </a:r>
-            <a:r>
-              <a:rPr lang="en-US" sz="1500" b="1" dirty="0" err="1">
-                <a:latin typeface="Consolas"/>
-                <a:cs typeface="Consolas"/>
-              </a:rPr>
-              <a:t>CheckPreemption</a:t>
-            </a:r>
-            <a:r>
-              <a:rPr lang="en-US" sz="1500" b="1" dirty="0">
-                <a:latin typeface="Consolas"/>
-                <a:cs typeface="Consolas"/>
-              </a:rPr>
-              <a:t> implements Runnable {</a:t>
-            </a:r>
-          </a:p>
-          <a:p>
-            <a:pPr marL="0" indent="0">
-              <a:buNone/>
-            </a:pPr>
-            <a:r>
-              <a:rPr lang="en-US" sz="1500" b="1" dirty="0">
-                <a:latin typeface="Consolas"/>
-                <a:cs typeface="Consolas"/>
-              </a:rPr>
-              <a:t>	@Override</a:t>
-            </a:r>
-          </a:p>
-          <a:p>
-            <a:pPr marL="0" indent="0">
-              <a:buNone/>
-            </a:pPr>
-            <a:r>
-              <a:rPr lang="en-US" sz="1500" b="1" dirty="0">
-                <a:latin typeface="Consolas"/>
-                <a:cs typeface="Consolas"/>
-              </a:rPr>
-              <a:t>	public void run() {</a:t>
-            </a:r>
-          </a:p>
-          <a:p>
-            <a:pPr marL="0" indent="0">
-              <a:buNone/>
-            </a:pPr>
-            <a:r>
-              <a:rPr lang="en-US" sz="1500" b="1" dirty="0">
-                <a:latin typeface="Consolas"/>
-                <a:cs typeface="Consolas"/>
-              </a:rPr>
-              <a:t>		while (true) {</a:t>
-            </a:r>
-          </a:p>
-          <a:p>
-            <a:pPr marL="0" indent="0">
-              <a:buNone/>
-            </a:pPr>
-            <a:r>
-              <a:rPr lang="en-US" sz="1500" b="1" dirty="0">
-                <a:latin typeface="Consolas"/>
-                <a:cs typeface="Consolas"/>
-              </a:rPr>
-              <a:t>			</a:t>
-            </a:r>
-            <a:r>
-              <a:rPr lang="en-US" sz="1500" b="1" dirty="0" err="1">
-                <a:latin typeface="Consolas"/>
-                <a:cs typeface="Consolas"/>
-              </a:rPr>
-              <a:t>System.out.println</a:t>
-            </a:r>
-            <a:r>
-              <a:rPr lang="en-US" sz="1500" b="1" dirty="0">
-                <a:latin typeface="Consolas"/>
-                <a:cs typeface="Consolas"/>
-              </a:rPr>
-              <a:t>(</a:t>
-            </a:r>
-            <a:r>
-              <a:rPr lang="en-US" sz="1500" b="1" dirty="0" err="1">
-                <a:latin typeface="Consolas"/>
-                <a:cs typeface="Consolas"/>
-              </a:rPr>
-              <a:t>Thread.currentThread</a:t>
-            </a:r>
-            <a:r>
-              <a:rPr lang="en-US" sz="1500" b="1" dirty="0">
-                <a:latin typeface="Consolas"/>
-                <a:cs typeface="Consolas"/>
-              </a:rPr>
-              <a:t>().</a:t>
-            </a:r>
-            <a:r>
-              <a:rPr lang="en-US" sz="1500" b="1" dirty="0" err="1">
-                <a:latin typeface="Consolas"/>
-                <a:cs typeface="Consolas"/>
-              </a:rPr>
-              <a:t>getName</a:t>
-            </a:r>
-            <a:r>
-              <a:rPr lang="en-US" sz="1500" b="1" dirty="0">
-                <a:latin typeface="Consolas"/>
-                <a:cs typeface="Consolas"/>
-              </a:rPr>
-              <a:t>());</a:t>
-            </a:r>
-          </a:p>
-          <a:p>
-            <a:pPr marL="0" indent="0">
-              <a:buNone/>
-            </a:pPr>
-            <a:r>
-              <a:rPr lang="en-US" sz="1500" b="1" dirty="0">
-                <a:latin typeface="Consolas"/>
-                <a:cs typeface="Consolas"/>
-              </a:rPr>
-              <a:t>		}</a:t>
-            </a:r>
-          </a:p>
-          <a:p>
-            <a:pPr marL="0" indent="0">
-              <a:buNone/>
-            </a:pPr>
-            <a:r>
-              <a:rPr lang="en-US" sz="1500" b="1" dirty="0">
-                <a:latin typeface="Consolas"/>
-                <a:cs typeface="Consolas"/>
-              </a:rPr>
-              <a:t>	}</a:t>
-            </a:r>
-          </a:p>
-          <a:p>
-            <a:pPr marL="0" indent="0">
-              <a:buNone/>
-            </a:pPr>
-            <a:endParaRPr lang="en-US" sz="1500" b="1" dirty="0">
-              <a:latin typeface="Consolas"/>
-              <a:cs typeface="Consolas"/>
-            </a:endParaRPr>
-          </a:p>
-          <a:p>
-            <a:pPr marL="0" indent="0">
-              <a:buNone/>
-            </a:pPr>
-            <a:r>
-              <a:rPr lang="en-US" sz="1500" b="1" dirty="0">
-                <a:latin typeface="Consolas"/>
-                <a:cs typeface="Consolas"/>
-              </a:rPr>
-              <a:t>	public static void main(String </a:t>
-            </a:r>
-            <a:r>
-              <a:rPr lang="en-US" sz="1500" b="1" dirty="0" err="1">
-                <a:latin typeface="Consolas"/>
-                <a:cs typeface="Consolas"/>
-              </a:rPr>
-              <a:t>argv</a:t>
-            </a:r>
-            <a:r>
-              <a:rPr lang="en-US" sz="1500" b="1" dirty="0">
-                <a:latin typeface="Consolas"/>
-                <a:cs typeface="Consolas"/>
-              </a:rPr>
-              <a:t>[]) {</a:t>
-            </a:r>
-          </a:p>
-          <a:p>
-            <a:pPr marL="0" indent="0">
-              <a:buNone/>
-            </a:pPr>
-            <a:r>
-              <a:rPr lang="en-US" sz="1500" b="1" dirty="0">
-                <a:latin typeface="Consolas"/>
-                <a:cs typeface="Consolas"/>
-              </a:rPr>
-              <a:t>		</a:t>
-            </a:r>
-            <a:r>
-              <a:rPr lang="en-US" sz="1500" b="1" dirty="0" err="1">
-                <a:latin typeface="Consolas"/>
-                <a:cs typeface="Consolas"/>
-              </a:rPr>
-              <a:t>CheckPreemption</a:t>
-            </a:r>
-            <a:r>
-              <a:rPr lang="en-US" sz="1500" b="1" dirty="0">
-                <a:latin typeface="Consolas"/>
-                <a:cs typeface="Consolas"/>
-              </a:rPr>
-              <a:t> c = new </a:t>
-            </a:r>
-            <a:r>
-              <a:rPr lang="en-US" sz="1500" b="1" dirty="0" err="1">
-                <a:latin typeface="Consolas"/>
-                <a:cs typeface="Consolas"/>
-              </a:rPr>
-              <a:t>CheckPreemption</a:t>
-            </a:r>
-            <a:r>
-              <a:rPr lang="en-US" sz="1500" b="1" dirty="0">
-                <a:latin typeface="Consolas"/>
-                <a:cs typeface="Consolas"/>
-              </a:rPr>
-              <a:t>();</a:t>
-            </a:r>
-          </a:p>
-          <a:p>
-            <a:pPr marL="0" indent="0">
-              <a:buNone/>
-            </a:pPr>
-            <a:r>
-              <a:rPr lang="en-US" sz="1500" b="1" dirty="0">
-                <a:latin typeface="Consolas"/>
-                <a:cs typeface="Consolas"/>
-              </a:rPr>
-              <a:t>		new Thread(c, "To be").start();</a:t>
-            </a:r>
-          </a:p>
-          <a:p>
-            <a:pPr marL="0" indent="0">
-              <a:buNone/>
-            </a:pPr>
-            <a:r>
-              <a:rPr lang="en-US" sz="1500" b="1" dirty="0">
-                <a:latin typeface="Consolas"/>
-                <a:cs typeface="Consolas"/>
-              </a:rPr>
-              <a:t>		new Thread(c, "Not to be").start();</a:t>
-            </a:r>
-          </a:p>
-          <a:p>
-            <a:pPr marL="0" indent="0">
-              <a:buNone/>
-            </a:pPr>
-            <a:r>
-              <a:rPr lang="en-US" sz="1500" b="1" dirty="0">
-                <a:latin typeface="Consolas"/>
-                <a:cs typeface="Consolas"/>
-              </a:rPr>
-              <a:t>	}</a:t>
-            </a:r>
-          </a:p>
-          <a:p>
-            <a:pPr marL="0" indent="0">
-              <a:buNone/>
-            </a:pPr>
-            <a:r>
-              <a:rPr lang="en-US" sz="1500" b="1" dirty="0">
-                <a:latin typeface="Consolas"/>
-                <a:cs typeface="Consolas"/>
-              </a:rPr>
-              <a:t>}</a:t>
-            </a:r>
-          </a:p>
-          <a:p>
-            <a:r>
-              <a:rPr lang="en-US" dirty="0"/>
-              <a:t>If the scheduler is non-preemptive the first thread chosen runs forever</a:t>
-            </a:r>
-          </a:p>
-          <a:p>
-            <a:r>
-              <a:rPr lang="en-US" dirty="0"/>
-              <a:t>If the scheduler is preemptive both threads randomly alternate</a:t>
-            </a:r>
-          </a:p>
-          <a:p>
-            <a:endParaRPr lang="en-US" dirty="0"/>
+            <a:r>
+              <a:rPr lang="en-US" dirty="0">
+                <a:solidFill>
+                  <a:srgbClr val="E46C0A"/>
+                </a:solidFill>
+              </a:rPr>
+              <a:t>If the parent thread terminates, all of its child threads terminate as well. </a:t>
+            </a:r>
+          </a:p>
+          <a:p>
+            <a:r>
+              <a:rPr lang="en-US" dirty="0">
+                <a:solidFill>
+                  <a:schemeClr val="accent6">
+                    <a:lumMod val="75000"/>
+                  </a:schemeClr>
+                </a:solidFill>
+              </a:rPr>
+              <a:t>Child threads share resources with the parent thread, including variables</a:t>
+            </a:r>
+            <a:r>
+              <a:rPr lang="en-US" dirty="0"/>
+              <a:t>. When the parent thread terminates, the child threads will not be able to access to those resources that the parent thread owns. </a:t>
+            </a:r>
+          </a:p>
+          <a:p>
+            <a:r>
+              <a:rPr lang="en-US" dirty="0"/>
+              <a:t>Thus, if the parent thread terminates earlier than its own child threads, </a:t>
+            </a:r>
+            <a:r>
+              <a:rPr lang="en-US" dirty="0">
+                <a:solidFill>
+                  <a:schemeClr val="accent6">
+                    <a:lumMod val="75000"/>
+                  </a:schemeClr>
+                </a:solidFill>
+              </a:rPr>
+              <a:t>synchronization mechanisms</a:t>
+            </a:r>
+            <a:r>
+              <a:rPr lang="en-US" dirty="0"/>
+              <a:t> are required.</a:t>
+            </a:r>
           </a:p>
         </p:txBody>
       </p:sp>
     </p:spTree>
     <p:extLst>
       <p:ext uri="{BB962C8B-B14F-4D97-AF65-F5344CB8AC3E}">
-        <p14:creationId xmlns:p14="http://schemas.microsoft.com/office/powerpoint/2010/main" val="3277401054"/>
+        <p14:creationId xmlns:p14="http://schemas.microsoft.com/office/powerpoint/2010/main" val="3965462380"/>
       </p:ext>
     </p:extLst>
   </p:cSld>
@@ -6618,122 +6606,6 @@
       </p:sp>
       <p:sp>
         <p:nvSpPr>
-          <p:cNvPr id="3" name="Content Placeholder 2"/>
-          <p:cNvSpPr>
-            <a:spLocks noGrp="1"/>
-          </p:cNvSpPr>
-          <p:nvPr>
-            <p:ph idx="1"/>
-          </p:nvPr>
-        </p:nvSpPr>
-        <p:spPr/>
-        <p:txBody>
-          <a:bodyPr>
-            <a:normAutofit/>
-          </a:bodyPr>
-          <a:lstStyle/>
-          <a:p>
-            <a:r>
-              <a:rPr lang="en-US" dirty="0">
-                <a:solidFill>
-                  <a:srgbClr val="E46C0A"/>
-                </a:solidFill>
-              </a:rPr>
-              <a:t>If the parent thread terminates, all of its child threads terminate as well. </a:t>
-            </a:r>
-          </a:p>
-          <a:p>
-            <a:r>
-              <a:rPr lang="en-US" dirty="0">
-                <a:solidFill>
-                  <a:schemeClr val="accent6">
-                    <a:lumMod val="75000"/>
-                  </a:schemeClr>
-                </a:solidFill>
-              </a:rPr>
-              <a:t>Child threads share resources with the parent thread, including variables</a:t>
-            </a:r>
-            <a:r>
-              <a:rPr lang="en-US" dirty="0"/>
-              <a:t>. When the parent thread terminates, the child threads will not be able to access to those resources that the parent thread owns. </a:t>
-            </a:r>
-          </a:p>
-          <a:p>
-            <a:r>
-              <a:rPr lang="en-US" dirty="0"/>
-              <a:t>Thus, if the parent thread terminates earlier than its own child threads, </a:t>
-            </a:r>
-            <a:r>
-              <a:rPr lang="en-US" dirty="0">
-                <a:solidFill>
-                  <a:schemeClr val="accent6">
-                    <a:lumMod val="75000"/>
-                  </a:schemeClr>
-                </a:solidFill>
-              </a:rPr>
-              <a:t>synchronization mechanisms</a:t>
-            </a:r>
-            <a:r>
-              <a:rPr lang="en-US" dirty="0"/>
-              <a:t> are required.</a:t>
-            </a:r>
-          </a:p>
-        </p:txBody>
-      </p:sp>
-    </p:spTree>
-    <p:extLst>
-      <p:ext uri="{BB962C8B-B14F-4D97-AF65-F5344CB8AC3E}">
-        <p14:creationId xmlns:p14="http://schemas.microsoft.com/office/powerpoint/2010/main" val="3965462380"/>
-      </p:ext>
-    </p:extLst>
-  </p:cSld>
-  <p:clrMapOvr>
-    <a:masterClrMapping/>
-  </p:clrMapOvr>
-</p:sld>
-</file>
-
-<file path=ppt/slides/slide25.xml><?xml version="1.0" encoding="utf-8"?>
-<p:sld xmlns:a="http://schemas.openxmlformats.org/drawingml/2006/main" xmlns:r="http://schemas.openxmlformats.org/officeDocument/2006/relationships" xmlns:p="http://schemas.openxmlformats.org/presentationml/2006/main">
-  <p:cSld>
-    <p:spTree>
-      <p:nvGrpSpPr>
-        <p:cNvPr id="1" name=""/>
-        <p:cNvGrpSpPr/>
-        <p:nvPr/>
-      </p:nvGrpSpPr>
-      <p:grpSpPr>
-        <a:xfrm>
-          <a:off x="0" y="0"/>
-          <a:ext cx="0" cy="0"/>
-          <a:chOff x="0" y="0"/>
-          <a:chExt cx="0" cy="0"/>
-        </a:xfrm>
-      </p:grpSpPr>
-      <p:sp>
-        <p:nvSpPr>
-          <p:cNvPr id="2" name="Title 1"/>
-          <p:cNvSpPr>
-            <a:spLocks noGrp="1"/>
-          </p:cNvSpPr>
-          <p:nvPr>
-            <p:ph type="title"/>
-          </p:nvPr>
-        </p:nvSpPr>
-        <p:spPr/>
-        <p:txBody>
-          <a:bodyPr/>
-          <a:lstStyle/>
-          <a:p>
-            <a:r>
-              <a:rPr lang="en-US" dirty="0"/>
-              <a:t>Terminating a Thread</a:t>
-            </a:r>
-          </a:p>
-        </p:txBody>
-      </p:sp>
-      <p:sp>
-        <p:nvSpPr>
           <p:cNvPr id="5" name="Content Placeholder 4">
             <a:extLst>
               <a:ext uri="{FF2B5EF4-FFF2-40B4-BE49-F238E27FC236}">
@@ -6977,7 +6849,7 @@
 </p:sld>
 </file>
 
-<file path=ppt/slides/slide26.xml><?xml version="1.0" encoding="utf-8"?>
+<file path=ppt/slides/slide25.xml><?xml version="1.0" encoding="utf-8"?>
 <p:sld xmlns:a="http://schemas.openxmlformats.org/drawingml/2006/main" xmlns:r="http://schemas.openxmlformats.org/officeDocument/2006/relationships" xmlns:p="http://schemas.openxmlformats.org/presentationml/2006/main">
   <p:cSld>
     <p:spTree>
@@ -7059,7 +6931,7 @@
 </p:sld>
 </file>
 
-<file path=ppt/slides/slide27.xml><?xml version="1.0" encoding="utf-8"?>
+<file path=ppt/slides/slide26.xml><?xml version="1.0" encoding="utf-8"?>
 <p:sld xmlns:a="http://schemas.openxmlformats.org/drawingml/2006/main" xmlns:r="http://schemas.openxmlformats.org/officeDocument/2006/relationships" xmlns:p="http://schemas.openxmlformats.org/presentationml/2006/main">
   <p:cSld>
     <p:spTree>
@@ -7333,7 +7205,7 @@
 </p:sld>
 </file>
 
-<file path=ppt/slides/slide28.xml><?xml version="1.0" encoding="utf-8"?>
+<file path=ppt/slides/slide27.xml><?xml version="1.0" encoding="utf-8"?>
 <p:sld xmlns:a="http://schemas.openxmlformats.org/drawingml/2006/main" xmlns:r="http://schemas.openxmlformats.org/officeDocument/2006/relationships" xmlns:p="http://schemas.openxmlformats.org/presentationml/2006/main">
   <p:cSld>
     <p:spTree>
@@ -7466,7 +7338,7 @@
 </p:sld>
 </file>
 
-<file path=ppt/slides/slide29.xml><?xml version="1.0" encoding="utf-8"?>
+<file path=ppt/slides/slide28.xml><?xml version="1.0" encoding="utf-8"?>
 <p:sld xmlns:a="http://schemas.openxmlformats.org/drawingml/2006/main" xmlns:r="http://schemas.openxmlformats.org/officeDocument/2006/relationships" xmlns:p="http://schemas.openxmlformats.org/presentationml/2006/main">
   <p:cSld>
     <p:spTree>
@@ -7639,151 +7511,7 @@
 </p:sld>
 </file>
 
-<file path=ppt/slides/slide3.xml><?xml version="1.0" encoding="utf-8"?>
-<p:sld xmlns:a="http://schemas.openxmlformats.org/drawingml/2006/main" xmlns:r="http://schemas.openxmlformats.org/officeDocument/2006/relationships" xmlns:p="http://schemas.openxmlformats.org/presentationml/2006/main">
-  <p:cSld>
-    <p:spTree>
-      <p:nvGrpSpPr>
-        <p:cNvPr id="1" name=""/>
-        <p:cNvGrpSpPr/>
-        <p:nvPr/>
-      </p:nvGrpSpPr>
-      <p:grpSpPr>
-        <a:xfrm>
-          <a:off x="0" y="0"/>
-          <a:ext cx="0" cy="0"/>
-          <a:chOff x="0" y="0"/>
-          <a:chExt cx="0" cy="0"/>
-        </a:xfrm>
-      </p:grpSpPr>
-      <p:sp>
-        <p:nvSpPr>
-          <p:cNvPr id="2" name="Title 1"/>
-          <p:cNvSpPr>
-            <a:spLocks noGrp="1"/>
-          </p:cNvSpPr>
-          <p:nvPr>
-            <p:ph type="title"/>
-          </p:nvPr>
-        </p:nvSpPr>
-        <p:spPr/>
-        <p:txBody>
-          <a:bodyPr/>
-          <a:lstStyle/>
-          <a:p>
-            <a:r>
-              <a:rPr lang="en-US" dirty="0"/>
-              <a:t>Threads</a:t>
-            </a:r>
-          </a:p>
-        </p:txBody>
-      </p:sp>
-      <p:sp>
-        <p:nvSpPr>
-          <p:cNvPr id="3" name="Content Placeholder 2"/>
-          <p:cNvSpPr>
-            <a:spLocks noGrp="1"/>
-          </p:cNvSpPr>
-          <p:nvPr>
-            <p:ph idx="1"/>
-          </p:nvPr>
-        </p:nvSpPr>
-        <p:spPr/>
-        <p:txBody>
-          <a:bodyPr>
-            <a:noAutofit/>
-          </a:bodyPr>
-          <a:lstStyle/>
-          <a:p>
-            <a:r>
-              <a:rPr lang="en-US" sz="2500" dirty="0"/>
-              <a:t>Threads are sometimes called </a:t>
-            </a:r>
-            <a:r>
-              <a:rPr lang="en-US" sz="2500" dirty="0">
-                <a:solidFill>
-                  <a:schemeClr val="accent6">
-                    <a:lumMod val="75000"/>
-                  </a:schemeClr>
-                </a:solidFill>
-              </a:rPr>
-              <a:t>lightweight processes. </a:t>
-            </a:r>
-            <a:r>
-              <a:rPr lang="en-US" sz="2500" dirty="0"/>
-              <a:t>Like processes, </a:t>
-            </a:r>
-            <a:r>
-              <a:rPr lang="en-US" sz="2500" dirty="0">
-                <a:solidFill>
-                  <a:schemeClr val="accent6">
-                    <a:lumMod val="75000"/>
-                  </a:schemeClr>
-                </a:solidFill>
-              </a:rPr>
-              <a:t>each thread has its own stack, program counter, and local variables </a:t>
-            </a:r>
-          </a:p>
-          <a:p>
-            <a:r>
-              <a:rPr lang="en-US" sz="2500" dirty="0"/>
-              <a:t>However, </a:t>
-            </a:r>
-            <a:r>
-              <a:rPr lang="en-US" sz="2500" dirty="0">
-                <a:solidFill>
-                  <a:srgbClr val="E46C0A"/>
-                </a:solidFill>
-              </a:rPr>
-              <a:t>threads within the same process are less insulated from each other </a:t>
-            </a:r>
-            <a:r>
-              <a:rPr lang="en-US" sz="2500" dirty="0"/>
-              <a:t>than processes. They share the same address space and, consequently, can share variables and objects</a:t>
-            </a:r>
-          </a:p>
-          <a:p>
-            <a:r>
-              <a:rPr lang="en-US" sz="2500" dirty="0">
-                <a:solidFill>
-                  <a:schemeClr val="accent6">
-                    <a:lumMod val="75000"/>
-                  </a:schemeClr>
-                </a:solidFill>
-              </a:rPr>
-              <a:t>Sharing variables is a simple and fast way threads use for communicating but frequently causes bugs unseen in single-thread programs</a:t>
-            </a:r>
-          </a:p>
-          <a:p>
-            <a:r>
-              <a:rPr lang="en-US" sz="2500" dirty="0"/>
-              <a:t>OOP principle of </a:t>
-            </a:r>
-            <a:r>
-              <a:rPr lang="en-US" sz="2500" i="1" dirty="0"/>
-              <a:t>separation of concerns</a:t>
-            </a:r>
-            <a:r>
-              <a:rPr lang="en-US" sz="2500" dirty="0"/>
-              <a:t> can be broken!</a:t>
-            </a:r>
-          </a:p>
-        </p:txBody>
-      </p:sp>
-    </p:spTree>
-    <p:extLst>
-      <p:ext uri="{BB962C8B-B14F-4D97-AF65-F5344CB8AC3E}">
-        <p14:creationId xmlns:p14="http://schemas.microsoft.com/office/powerpoint/2010/main" val="1144271564"/>
-      </p:ext>
-    </p:extLst>
-  </p:cSld>
-  <p:clrMapOvr>
-    <a:masterClrMapping/>
-  </p:clrMapOvr>
-</p:sld>
-</file>
-
-<file path=ppt/slides/slide30.xml><?xml version="1.0" encoding="utf-8"?>
+<file path=ppt/slides/slide29.xml><?xml version="1.0" encoding="utf-8"?>
 <p:sld xmlns:a="http://schemas.openxmlformats.org/drawingml/2006/main" xmlns:r="http://schemas.openxmlformats.org/officeDocument/2006/relationships" xmlns:p="http://schemas.openxmlformats.org/presentationml/2006/main">
   <p:cSld>
     <p:spTree>
@@ -7908,7 +7636,167 @@
 </p:sld>
 </file>
 
-<file path=ppt/slides/slide31.xml><?xml version="1.0" encoding="utf-8"?>
+<file path=ppt/slides/slide3.xml><?xml version="1.0" encoding="utf-8"?>
+<p:sld xmlns:a="http://schemas.openxmlformats.org/drawingml/2006/main" xmlns:r="http://schemas.openxmlformats.org/officeDocument/2006/relationships" xmlns:p="http://schemas.openxmlformats.org/presentationml/2006/main">
+  <p:cSld>
+    <p:spTree>
+      <p:nvGrpSpPr>
+        <p:cNvPr id="1" name=""/>
+        <p:cNvGrpSpPr/>
+        <p:nvPr/>
+      </p:nvGrpSpPr>
+      <p:grpSpPr>
+        <a:xfrm>
+          <a:off x="0" y="0"/>
+          <a:ext cx="0" cy="0"/>
+          <a:chOff x="0" y="0"/>
+          <a:chExt cx="0" cy="0"/>
+        </a:xfrm>
+      </p:grpSpPr>
+      <p:sp>
+        <p:nvSpPr>
+          <p:cNvPr id="2" name="Title 1"/>
+          <p:cNvSpPr>
+            <a:spLocks noGrp="1"/>
+          </p:cNvSpPr>
+          <p:nvPr>
+            <p:ph type="title"/>
+          </p:nvPr>
+        </p:nvSpPr>
+        <p:spPr/>
+        <p:txBody>
+          <a:bodyPr/>
+          <a:lstStyle/>
+          <a:p>
+            <a:r>
+              <a:rPr lang="en-US" dirty="0"/>
+              <a:t>Threads</a:t>
+            </a:r>
+          </a:p>
+        </p:txBody>
+      </p:sp>
+      <p:sp>
+        <p:nvSpPr>
+          <p:cNvPr id="3" name="Content Placeholder 2"/>
+          <p:cNvSpPr>
+            <a:spLocks noGrp="1"/>
+          </p:cNvSpPr>
+          <p:nvPr>
+            <p:ph idx="1"/>
+          </p:nvPr>
+        </p:nvSpPr>
+        <p:spPr/>
+        <p:txBody>
+          <a:bodyPr>
+            <a:noAutofit/>
+          </a:bodyPr>
+          <a:lstStyle/>
+          <a:p>
+            <a:r>
+              <a:rPr lang="en-US" sz="2800" dirty="0"/>
+              <a:t>Threads are sometimes called </a:t>
+            </a:r>
+            <a:r>
+              <a:rPr lang="en-US" sz="2800" dirty="0">
+                <a:solidFill>
+                  <a:schemeClr val="accent6">
+                    <a:lumMod val="75000"/>
+                  </a:schemeClr>
+                </a:solidFill>
+              </a:rPr>
+              <a:t>lightweight processes. </a:t>
+            </a:r>
+            <a:r>
+              <a:rPr lang="en-US" sz="2800" dirty="0"/>
+              <a:t>Like processes, </a:t>
+            </a:r>
+            <a:r>
+              <a:rPr lang="en-US" sz="2800" dirty="0">
+                <a:solidFill>
+                  <a:schemeClr val="accent6">
+                    <a:lumMod val="75000"/>
+                  </a:schemeClr>
+                </a:solidFill>
+              </a:rPr>
+              <a:t>each thread has its own stack, program counter, and local variables </a:t>
+            </a:r>
+          </a:p>
+          <a:p>
+            <a:r>
+              <a:rPr lang="en-US" sz="2800" dirty="0"/>
+              <a:t>However, </a:t>
+            </a:r>
+            <a:r>
+              <a:rPr lang="en-US" sz="2800" dirty="0">
+                <a:solidFill>
+                  <a:schemeClr val="accent6">
+                    <a:lumMod val="75000"/>
+                  </a:schemeClr>
+                </a:solidFill>
+              </a:rPr>
+              <a:t>threads within the same process share the same address space </a:t>
+            </a:r>
+            <a:r>
+              <a:rPr lang="en-US" sz="2800" dirty="0"/>
+              <a:t>and, consequently, can share variables and objects</a:t>
+            </a:r>
+          </a:p>
+          <a:p>
+            <a:r>
+              <a:rPr lang="en-US" sz="2800" dirty="0">
+                <a:solidFill>
+                  <a:schemeClr val="accent6">
+                    <a:lumMod val="75000"/>
+                  </a:schemeClr>
+                </a:solidFill>
+              </a:rPr>
+              <a:t>Sharing variables </a:t>
+            </a:r>
+            <a:r>
+              <a:rPr lang="en-US" sz="2800" dirty="0"/>
+              <a:t>is a simple and fast way threads use for communicating but frequently </a:t>
+            </a:r>
+            <a:r>
+              <a:rPr lang="en-US" sz="2800" dirty="0">
+                <a:solidFill>
+                  <a:schemeClr val="accent6">
+                    <a:lumMod val="75000"/>
+                  </a:schemeClr>
+                </a:solidFill>
+              </a:rPr>
+              <a:t>causes bugs unseen in single-thread programs</a:t>
+            </a:r>
+          </a:p>
+          <a:p>
+            <a:r>
+              <a:rPr lang="en-US" sz="2800" dirty="0"/>
+              <a:t>OOP principle of </a:t>
+            </a:r>
+            <a:r>
+              <a:rPr lang="en-US" sz="2800" i="1" dirty="0"/>
+              <a:t>separation of concerns</a:t>
+            </a:r>
+            <a:r>
+              <a:rPr lang="en-US" sz="2800" dirty="0"/>
+              <a:t> can be broken!</a:t>
+            </a:r>
+          </a:p>
+        </p:txBody>
+      </p:sp>
+    </p:spTree>
+    <p:extLst>
+      <p:ext uri="{BB962C8B-B14F-4D97-AF65-F5344CB8AC3E}">
+        <p14:creationId xmlns:p14="http://schemas.microsoft.com/office/powerpoint/2010/main" val="1144271564"/>
+      </p:ext>
+    </p:extLst>
+  </p:cSld>
+  <p:clrMapOvr>
+    <a:masterClrMapping/>
+  </p:clrMapOvr>
+</p:sld>
+</file>
+
+<file path=ppt/slides/slide30.xml><?xml version="1.0" encoding="utf-8"?>
 <p:sld xmlns:a="http://schemas.openxmlformats.org/drawingml/2006/main" xmlns:r="http://schemas.openxmlformats.org/officeDocument/2006/relationships" xmlns:p="http://schemas.openxmlformats.org/presentationml/2006/main">
   <p:cSld>
     <p:spTree>
@@ -8101,6 +7989,132 @@
 </p:sld>
 </file>
 
+<file path=ppt/slides/slide31.xml><?xml version="1.0" encoding="utf-8"?>
+<p:sld xmlns:a="http://schemas.openxmlformats.org/drawingml/2006/main" xmlns:r="http://schemas.openxmlformats.org/officeDocument/2006/relationships" xmlns:p="http://schemas.openxmlformats.org/presentationml/2006/main">
+  <p:cSld>
+    <p:spTree>
+      <p:nvGrpSpPr>
+        <p:cNvPr id="1" name=""/>
+        <p:cNvGrpSpPr/>
+        <p:nvPr/>
+      </p:nvGrpSpPr>
+      <p:grpSpPr>
+        <a:xfrm>
+          <a:off x="0" y="0"/>
+          <a:ext cx="0" cy="0"/>
+          <a:chOff x="0" y="0"/>
+          <a:chExt cx="0" cy="0"/>
+        </a:xfrm>
+      </p:grpSpPr>
+      <p:sp>
+        <p:nvSpPr>
+          <p:cNvPr id="2" name="Title 1"/>
+          <p:cNvSpPr>
+            <a:spLocks noGrp="1"/>
+          </p:cNvSpPr>
+          <p:nvPr>
+            <p:ph type="title"/>
+          </p:nvPr>
+        </p:nvSpPr>
+        <p:spPr/>
+        <p:txBody>
+          <a:bodyPr>
+            <a:normAutofit/>
+          </a:bodyPr>
+          <a:lstStyle/>
+          <a:p>
+            <a:r>
+              <a:rPr lang="en-US" dirty="0"/>
+              <a:t>Leaving the running state (explicitly)</a:t>
+            </a:r>
+          </a:p>
+        </p:txBody>
+      </p:sp>
+      <p:sp>
+        <p:nvSpPr>
+          <p:cNvPr id="3" name="Content Placeholder 2"/>
+          <p:cNvSpPr>
+            <a:spLocks noGrp="1"/>
+          </p:cNvSpPr>
+          <p:nvPr>
+            <p:ph idx="1"/>
+          </p:nvPr>
+        </p:nvSpPr>
+        <p:spPr/>
+        <p:txBody>
+          <a:bodyPr>
+            <a:normAutofit/>
+          </a:bodyPr>
+          <a:lstStyle/>
+          <a:p>
+            <a:r>
+              <a:rPr lang="en-US" dirty="0"/>
+              <a:t>There are 3 ways for a thread to do it:</a:t>
+            </a:r>
+          </a:p>
+          <a:p>
+            <a:pPr lvl="1"/>
+            <a:r>
+              <a:rPr lang="en-US" dirty="0">
+                <a:solidFill>
+                  <a:srgbClr val="E46C0A"/>
+                </a:solidFill>
+              </a:rPr>
+              <a:t>sleep()</a:t>
+            </a:r>
+            <a:r>
+              <a:rPr lang="en-US" dirty="0"/>
+              <a:t>:  the currently running thread stops executing for at least the specified sleep duration</a:t>
+            </a:r>
+          </a:p>
+          <a:p>
+            <a:pPr lvl="1"/>
+            <a:r>
+              <a:rPr lang="en-US" dirty="0">
+                <a:solidFill>
+                  <a:srgbClr val="E46C0A"/>
+                </a:solidFill>
+              </a:rPr>
+              <a:t>yield()</a:t>
+            </a:r>
+            <a:r>
+              <a:rPr lang="en-US" dirty="0"/>
+              <a:t>: the currently running thread moves back to runnable to give room to other threads</a:t>
+            </a:r>
+          </a:p>
+          <a:p>
+            <a:pPr lvl="1"/>
+            <a:r>
+              <a:rPr lang="en-US" dirty="0">
+                <a:solidFill>
+                  <a:srgbClr val="E46C0A"/>
+                </a:solidFill>
+              </a:rPr>
+              <a:t>join()</a:t>
+            </a:r>
+            <a:r>
+              <a:rPr lang="en-US" dirty="0"/>
+              <a:t>:  the currently running thread stop executing until the thread it joins completes</a:t>
+            </a:r>
+          </a:p>
+          <a:p>
+            <a:endParaRPr lang="en-US" dirty="0"/>
+          </a:p>
+        </p:txBody>
+      </p:sp>
+    </p:spTree>
+    <p:extLst>
+      <p:ext uri="{BB962C8B-B14F-4D97-AF65-F5344CB8AC3E}">
+        <p14:creationId xmlns:p14="http://schemas.microsoft.com/office/powerpoint/2010/main" val="3316365583"/>
+      </p:ext>
+    </p:extLst>
+  </p:cSld>
+  <p:clrMapOvr>
+    <a:masterClrMapping/>
+  </p:clrMapOvr>
+</p:sld>
+</file>
+
 <file path=ppt/slides/slide32.xml><?xml version="1.0" encoding="utf-8"?>
 <p:sld xmlns:a="http://schemas.openxmlformats.org/drawingml/2006/main" xmlns:r="http://schemas.openxmlformats.org/officeDocument/2006/relationships" xmlns:p="http://schemas.openxmlformats.org/presentationml/2006/main">
   <p:cSld>
@@ -8130,132 +8144,6 @@
         </p:nvSpPr>
         <p:spPr/>
         <p:txBody>
-          <a:bodyPr>
-            <a:normAutofit/>
-          </a:bodyPr>
-          <a:lstStyle/>
-          <a:p>
-            <a:r>
-              <a:rPr lang="en-US" dirty="0"/>
-              <a:t>Leaving the running state (explicitly)</a:t>
-            </a:r>
-          </a:p>
-        </p:txBody>
-      </p:sp>
-      <p:sp>
-        <p:nvSpPr>
-          <p:cNvPr id="3" name="Content Placeholder 2"/>
-          <p:cNvSpPr>
-            <a:spLocks noGrp="1"/>
-          </p:cNvSpPr>
-          <p:nvPr>
-            <p:ph idx="1"/>
-          </p:nvPr>
-        </p:nvSpPr>
-        <p:spPr/>
-        <p:txBody>
-          <a:bodyPr>
-            <a:normAutofit/>
-          </a:bodyPr>
-          <a:lstStyle/>
-          <a:p>
-            <a:r>
-              <a:rPr lang="en-US" dirty="0"/>
-              <a:t>There are 3 ways for a thread to do it:</a:t>
-            </a:r>
-          </a:p>
-          <a:p>
-            <a:pPr lvl="1"/>
-            <a:r>
-              <a:rPr lang="en-US" dirty="0">
-                <a:solidFill>
-                  <a:srgbClr val="E46C0A"/>
-                </a:solidFill>
-              </a:rPr>
-              <a:t>sleep()</a:t>
-            </a:r>
-            <a:r>
-              <a:rPr lang="en-US" dirty="0"/>
-              <a:t>:  the currently running thread stops executing for at least the specified sleep duration</a:t>
-            </a:r>
-          </a:p>
-          <a:p>
-            <a:pPr lvl="1"/>
-            <a:r>
-              <a:rPr lang="en-US" dirty="0">
-                <a:solidFill>
-                  <a:srgbClr val="E46C0A"/>
-                </a:solidFill>
-              </a:rPr>
-              <a:t>yield()</a:t>
-            </a:r>
-            <a:r>
-              <a:rPr lang="en-US" dirty="0"/>
-              <a:t>: the currently running thread moves back to runnable to give room to other threads</a:t>
-            </a:r>
-          </a:p>
-          <a:p>
-            <a:pPr lvl="1"/>
-            <a:r>
-              <a:rPr lang="en-US" dirty="0">
-                <a:solidFill>
-                  <a:srgbClr val="E46C0A"/>
-                </a:solidFill>
-              </a:rPr>
-              <a:t>join()</a:t>
-            </a:r>
-            <a:r>
-              <a:rPr lang="en-US" dirty="0"/>
-              <a:t>:  the currently running thread stop executing until the thread it joins completes</a:t>
-            </a:r>
-          </a:p>
-          <a:p>
-            <a:endParaRPr lang="en-US" dirty="0"/>
-          </a:p>
-        </p:txBody>
-      </p:sp>
-    </p:spTree>
-    <p:extLst>
-      <p:ext uri="{BB962C8B-B14F-4D97-AF65-F5344CB8AC3E}">
-        <p14:creationId xmlns:p14="http://schemas.microsoft.com/office/powerpoint/2010/main" val="3316365583"/>
-      </p:ext>
-    </p:extLst>
-  </p:cSld>
-  <p:clrMapOvr>
-    <a:masterClrMapping/>
-  </p:clrMapOvr>
-</p:sld>
-</file>
-
-<file path=ppt/slides/slide33.xml><?xml version="1.0" encoding="utf-8"?>
-<p:sld xmlns:a="http://schemas.openxmlformats.org/drawingml/2006/main" xmlns:r="http://schemas.openxmlformats.org/officeDocument/2006/relationships" xmlns:p="http://schemas.openxmlformats.org/presentationml/2006/main">
-  <p:cSld>
-    <p:spTree>
-      <p:nvGrpSpPr>
-        <p:cNvPr id="1" name=""/>
-        <p:cNvGrpSpPr/>
-        <p:nvPr/>
-      </p:nvGrpSpPr>
-      <p:grpSpPr>
-        <a:xfrm>
-          <a:off x="0" y="0"/>
-          <a:ext cx="0" cy="0"/>
-          <a:chOff x="0" y="0"/>
-          <a:chExt cx="0" cy="0"/>
-        </a:xfrm>
-      </p:grpSpPr>
-      <p:sp>
-        <p:nvSpPr>
-          <p:cNvPr id="2" name="Title 1"/>
-          <p:cNvSpPr>
-            <a:spLocks noGrp="1"/>
-          </p:cNvSpPr>
-          <p:nvPr>
-            <p:ph type="title"/>
-          </p:nvPr>
-        </p:nvSpPr>
-        <p:spPr/>
-        <p:txBody>
           <a:bodyPr/>
           <a:lstStyle/>
           <a:p>
@@ -8398,7 +8286,7 @@
 </p:sld>
 </file>
 
-<file path=ppt/slides/slide34.xml><?xml version="1.0" encoding="utf-8"?>
+<file path=ppt/slides/slide33.xml><?xml version="1.0" encoding="utf-8"?>
 <p:sld xmlns:a="http://schemas.openxmlformats.org/drawingml/2006/main" xmlns:r="http://schemas.openxmlformats.org/officeDocument/2006/relationships" xmlns:p="http://schemas.openxmlformats.org/presentationml/2006/main">
   <p:cSld>
     <p:spTree>
@@ -8520,6 +8408,88 @@
 </p:sld>
 </file>
 
+<file path=ppt/slides/slide34.xml><?xml version="1.0" encoding="utf-8"?>
+<p:sld xmlns:a="http://schemas.openxmlformats.org/drawingml/2006/main" xmlns:r="http://schemas.openxmlformats.org/officeDocument/2006/relationships" xmlns:p="http://schemas.openxmlformats.org/presentationml/2006/main">
+  <p:cSld>
+    <p:spTree>
+      <p:nvGrpSpPr>
+        <p:cNvPr id="1" name=""/>
+        <p:cNvGrpSpPr/>
+        <p:nvPr/>
+      </p:nvGrpSpPr>
+      <p:grpSpPr>
+        <a:xfrm>
+          <a:off x="0" y="0"/>
+          <a:ext cx="0" cy="0"/>
+          <a:chOff x="0" y="0"/>
+          <a:chExt cx="0" cy="0"/>
+        </a:xfrm>
+      </p:grpSpPr>
+      <p:sp>
+        <p:nvSpPr>
+          <p:cNvPr id="2" name="Title 1"/>
+          <p:cNvSpPr>
+            <a:spLocks noGrp="1"/>
+          </p:cNvSpPr>
+          <p:nvPr>
+            <p:ph type="title"/>
+          </p:nvPr>
+        </p:nvSpPr>
+        <p:spPr/>
+        <p:txBody>
+          <a:bodyPr/>
+          <a:lstStyle/>
+          <a:p>
+            <a:r>
+              <a:rPr lang="en-US" dirty="0"/>
+              <a:t>yield()</a:t>
+            </a:r>
+          </a:p>
+        </p:txBody>
+      </p:sp>
+      <p:sp>
+        <p:nvSpPr>
+          <p:cNvPr id="3" name="Content Placeholder 2"/>
+          <p:cNvSpPr>
+            <a:spLocks noGrp="1"/>
+          </p:cNvSpPr>
+          <p:nvPr>
+            <p:ph idx="1"/>
+          </p:nvPr>
+        </p:nvSpPr>
+        <p:spPr/>
+        <p:txBody>
+          <a:bodyPr>
+            <a:normAutofit/>
+          </a:bodyPr>
+          <a:lstStyle/>
+          <a:p>
+            <a:r>
+              <a:rPr lang="en-US" dirty="0"/>
+              <a:t>Code is less dependent from the scheduler type, because threads release CPU when needed. </a:t>
+            </a:r>
+          </a:p>
+          <a:p>
+            <a:r>
+              <a:rPr lang="en-US" dirty="0"/>
+              <a:t>Frequently used when computation is not possible (no work to do) in a specific time slice. </a:t>
+            </a:r>
+          </a:p>
+        </p:txBody>
+      </p:sp>
+    </p:spTree>
+    <p:extLst>
+      <p:ext uri="{BB962C8B-B14F-4D97-AF65-F5344CB8AC3E}">
+        <p14:creationId xmlns:p14="http://schemas.microsoft.com/office/powerpoint/2010/main" val="3122054685"/>
+      </p:ext>
+    </p:extLst>
+  </p:cSld>
+  <p:clrMapOvr>
+    <a:masterClrMapping/>
+  </p:clrMapOvr>
+</p:sld>
+</file>
+
 <file path=ppt/slides/slide35.xml><?xml version="1.0" encoding="utf-8"?>
 <p:sld xmlns:a="http://schemas.openxmlformats.org/drawingml/2006/main" xmlns:r="http://schemas.openxmlformats.org/officeDocument/2006/relationships" xmlns:p="http://schemas.openxmlformats.org/presentationml/2006/main">
   <p:cSld>
@@ -8554,7 +8524,7 @@
           <a:p>
             <a:r>
               <a:rPr lang="en-US" dirty="0"/>
-              <a:t>yield()</a:t>
+              <a:t>join()</a:t>
             </a:r>
           </a:p>
         </p:txBody>
@@ -8572,19 +8542,57 @@
         <p:spPr/>
         <p:txBody>
           <a:bodyPr>
-            <a:normAutofit/>
+            <a:normAutofit lnSpcReduction="10000"/>
           </a:bodyPr>
           <a:lstStyle/>
           <a:p>
             <a:r>
               <a:rPr lang="en-US" dirty="0"/>
-              <a:t>Code is less dependent from the scheduler type, because threads release CPU when needed. </a:t>
-            </a:r>
-          </a:p>
-          <a:p>
-            <a:r>
-              <a:rPr lang="en-US" dirty="0"/>
-              <a:t>Frequently used when computation is not possible (no work to do) in a specific time slice. </a:t>
+              <a:t>A thread can execute a thread join to wait until the other thread terminates. </a:t>
+            </a:r>
+            <a:r>
+              <a:rPr lang="en-US" dirty="0">
+                <a:solidFill>
+                  <a:schemeClr val="accent6">
+                    <a:lumMod val="75000"/>
+                  </a:schemeClr>
+                </a:solidFill>
+              </a:rPr>
+              <a:t>In general, thread join is for a parent to join with one of its child threads. </a:t>
+            </a:r>
+            <a:r>
+              <a:rPr lang="en-US" dirty="0"/>
+              <a:t>Thread join has the following activities, assuming that a parent thread P wants to join with one of its child threads C</a:t>
+            </a:r>
+          </a:p>
+          <a:p>
+            <a:pPr lvl="1"/>
+            <a:r>
+              <a:rPr lang="en-US" dirty="0"/>
+              <a:t>When P executes </a:t>
+            </a:r>
+            <a:r>
+              <a:rPr lang="en-US" dirty="0" err="1"/>
+              <a:t>Thread.join</a:t>
+            </a:r>
+            <a:r>
+              <a:rPr lang="en-US" dirty="0"/>
+              <a:t>() in order to join with C, which is still running, P is suspended until C terminates. Once C terminates, P resumes</a:t>
+            </a:r>
+          </a:p>
+          <a:p>
+            <a:pPr lvl="1"/>
+            <a:r>
+              <a:rPr lang="en-US" dirty="0"/>
+              <a:t>When P executes </a:t>
+            </a:r>
+            <a:r>
+              <a:rPr lang="en-US" dirty="0" err="1"/>
+              <a:t>Thread.join</a:t>
+            </a:r>
+            <a:r>
+              <a:rPr lang="en-US" dirty="0"/>
+              <a:t>() and C has already terminated, P continues as if no such thread join has ever executed</a:t>
             </a:r>
           </a:p>
         </p:txBody>
@@ -8592,7 +8600,7 @@
     </p:spTree>
     <p:extLst>
       <p:ext uri="{BB962C8B-B14F-4D97-AF65-F5344CB8AC3E}">
-        <p14:creationId xmlns:p14="http://schemas.microsoft.com/office/powerpoint/2010/main" val="3122054685"/>
+        <p14:creationId xmlns:p14="http://schemas.microsoft.com/office/powerpoint/2010/main" val="1141336401"/>
       </p:ext>
     </p:extLst>
   </p:cSld>
@@ -8658,61 +8666,138 @@
           </a:bodyPr>
           <a:lstStyle/>
           <a:p>
-            <a:r>
-              <a:rPr lang="en-US" dirty="0"/>
-              <a:t>A thread can execute a thread join to wait until the other thread terminates. </a:t>
-            </a:r>
-            <a:r>
-              <a:rPr lang="en-US" dirty="0">
-                <a:solidFill>
-                  <a:schemeClr val="accent6">
-                    <a:lumMod val="75000"/>
-                  </a:schemeClr>
-                </a:solidFill>
-              </a:rPr>
-              <a:t>In general, thread join is for a parent to join with one of its child threads. </a:t>
-            </a:r>
-            <a:r>
-              <a:rPr lang="en-US" dirty="0"/>
-              <a:t>Thread join has the following activities, assuming that a parent thread P wants to join with one of its child threads C</a:t>
-            </a:r>
-          </a:p>
-          <a:p>
-            <a:pPr lvl="1"/>
-            <a:r>
-              <a:rPr lang="en-US" dirty="0"/>
-              <a:t>When P executes </a:t>
-            </a:r>
-            <a:r>
-              <a:rPr lang="en-US" dirty="0" err="1"/>
-              <a:t>Thread.join</a:t>
-            </a:r>
-            <a:r>
-              <a:rPr lang="en-US" dirty="0"/>
-              <a:t>() in order to join with C, which is still running, P is suspended until C terminates. Once C terminates, P resumes</a:t>
-            </a:r>
-          </a:p>
-          <a:p>
-            <a:pPr lvl="1"/>
-            <a:r>
-              <a:rPr lang="en-US" dirty="0"/>
-              <a:t>When P executes </a:t>
-            </a:r>
-            <a:r>
-              <a:rPr lang="en-US" dirty="0" err="1"/>
-              <a:t>Thread.join</a:t>
-            </a:r>
-            <a:r>
-              <a:rPr lang="en-US" dirty="0"/>
-              <a:t>() and C has already terminated, P continues as if no such thread join has ever executed</a:t>
-            </a:r>
+            <a:pPr marL="0" indent="0">
+              <a:buNone/>
+            </a:pPr>
+            <a:r>
+              <a:rPr lang="en-US" dirty="0"/>
+              <a:t>The join() method lets one thread "join onto the end” of another thread.</a:t>
+            </a:r>
+          </a:p>
+          <a:p>
+            <a:pPr marL="0" indent="0">
+              <a:buNone/>
+            </a:pPr>
+            <a:r>
+              <a:rPr lang="en-US" sz="2000" dirty="0">
+                <a:latin typeface="Consolas"/>
+                <a:cs typeface="Consolas"/>
+              </a:rPr>
+              <a:t>Thread t = new Thread(); </a:t>
+            </a:r>
+          </a:p>
+          <a:p>
+            <a:pPr marL="0" indent="0">
+              <a:buNone/>
+            </a:pPr>
+            <a:r>
+              <a:rPr lang="en-US" sz="2000" dirty="0" err="1">
+                <a:latin typeface="Consolas"/>
+                <a:cs typeface="Consolas"/>
+              </a:rPr>
+              <a:t>t.start</a:t>
+            </a:r>
+            <a:r>
+              <a:rPr lang="en-US" sz="2000" dirty="0">
+                <a:latin typeface="Consolas"/>
+                <a:cs typeface="Consolas"/>
+              </a:rPr>
+              <a:t>(); </a:t>
+            </a:r>
+          </a:p>
+          <a:p>
+            <a:pPr marL="0" indent="0">
+              <a:buNone/>
+            </a:pPr>
+            <a:r>
+              <a:rPr lang="en-US" sz="2000" dirty="0" err="1">
+                <a:latin typeface="Consolas"/>
+                <a:cs typeface="Consolas"/>
+              </a:rPr>
+              <a:t>t.join</a:t>
+            </a:r>
+            <a:r>
+              <a:rPr lang="en-US" sz="2000" dirty="0">
+                <a:latin typeface="Consolas"/>
+                <a:cs typeface="Consolas"/>
+              </a:rPr>
+              <a:t>();</a:t>
+            </a:r>
+          </a:p>
+          <a:p>
+            <a:pPr marL="0" indent="0">
+              <a:buNone/>
+            </a:pPr>
+            <a:endParaRPr lang="en-US" sz="2000" b="1" dirty="0">
+              <a:latin typeface="Courier New"/>
+              <a:cs typeface="Courier New"/>
+            </a:endParaRPr>
+          </a:p>
+          <a:p>
+            <a:pPr marL="0" indent="0">
+              <a:buNone/>
+            </a:pPr>
+            <a:r>
+              <a:rPr lang="en-US" dirty="0"/>
+              <a:t>Caller move to Waiting state and it will be Runnable when thread t is dead. A timeout can be set to wait for a thread’s end</a:t>
+            </a:r>
+            <a:endParaRPr lang="en-US" sz="1800" b="1" dirty="0">
+              <a:latin typeface="Courier New"/>
+              <a:cs typeface="Courier New"/>
+            </a:endParaRPr>
+          </a:p>
+          <a:p>
+            <a:pPr marL="0" indent="0">
+              <a:buNone/>
+            </a:pPr>
+            <a:r>
+              <a:rPr lang="en-US" sz="1800" dirty="0" err="1">
+                <a:latin typeface="Consolas"/>
+                <a:cs typeface="Consolas"/>
+              </a:rPr>
+              <a:t>t.join</a:t>
+            </a:r>
+            <a:r>
+              <a:rPr lang="en-US" sz="1800" dirty="0">
+                <a:latin typeface="Consolas"/>
+                <a:cs typeface="Consolas"/>
+              </a:rPr>
+              <a:t>(5000); </a:t>
+            </a:r>
+          </a:p>
+          <a:p>
+            <a:pPr marL="0" indent="0">
+              <a:buNone/>
+            </a:pPr>
+            <a:r>
+              <a:rPr lang="en-US" sz="1800" dirty="0">
+                <a:latin typeface="Consolas"/>
+                <a:cs typeface="Consolas"/>
+              </a:rPr>
+              <a:t>// wait t for 5 seconds: if t is not finished</a:t>
+            </a:r>
+          </a:p>
+          <a:p>
+            <a:pPr marL="0" indent="0">
+              <a:buNone/>
+            </a:pPr>
+            <a:r>
+              <a:rPr lang="en-US" sz="1800" dirty="0">
+                <a:latin typeface="Consolas"/>
+                <a:cs typeface="Consolas"/>
+              </a:rPr>
+              <a:t>// then current thread is Runnable again</a:t>
+            </a:r>
+          </a:p>
+          <a:p>
+            <a:endParaRPr lang="en-US" dirty="0"/>
           </a:p>
         </p:txBody>
       </p:sp>
     </p:spTree>
     <p:extLst>
       <p:ext uri="{BB962C8B-B14F-4D97-AF65-F5344CB8AC3E}">
-        <p14:creationId xmlns:p14="http://schemas.microsoft.com/office/powerpoint/2010/main" val="1141336401"/>
+        <p14:creationId xmlns:p14="http://schemas.microsoft.com/office/powerpoint/2010/main" val="3614269381"/>
       </p:ext>
     </p:extLst>
   </p:cSld>
@@ -8751,12 +8836,14 @@
         </p:nvSpPr>
         <p:spPr/>
         <p:txBody>
-          <a:bodyPr/>
-          <a:lstStyle/>
-          <a:p>
-            <a:r>
-              <a:rPr lang="en-US" dirty="0"/>
-              <a:t>join()</a:t>
+          <a:bodyPr>
+            <a:normAutofit/>
+          </a:bodyPr>
+          <a:lstStyle/>
+          <a:p>
+            <a:r>
+              <a:rPr lang="en-US" dirty="0"/>
+              <a:t>A word of advice</a:t>
             </a:r>
           </a:p>
         </p:txBody>
@@ -8778,127 +8865,107 @@
           </a:bodyPr>
           <a:lstStyle/>
           <a:p>
-            <a:pPr marL="0" indent="0">
-              <a:buNone/>
-            </a:pPr>
-            <a:r>
-              <a:rPr lang="en-US" dirty="0"/>
-              <a:t>The join() method lets one thread "join onto the end” of another thread.</a:t>
-            </a:r>
-          </a:p>
-          <a:p>
-            <a:pPr marL="0" indent="0">
-              <a:buNone/>
-            </a:pPr>
-            <a:r>
-              <a:rPr lang="en-US" sz="2000" dirty="0">
-                <a:latin typeface="Consolas"/>
-                <a:cs typeface="Consolas"/>
-              </a:rPr>
-              <a:t>Thread t = new Thread(); </a:t>
-            </a:r>
-          </a:p>
-          <a:p>
-            <a:pPr marL="0" indent="0">
-              <a:buNone/>
-            </a:pPr>
-            <a:r>
-              <a:rPr lang="en-US" sz="2000" dirty="0" err="1">
-                <a:latin typeface="Consolas"/>
-                <a:cs typeface="Consolas"/>
-              </a:rPr>
-              <a:t>t.start</a:t>
-            </a:r>
-            <a:r>
-              <a:rPr lang="en-US" sz="2000" dirty="0">
-                <a:latin typeface="Consolas"/>
-                <a:cs typeface="Consolas"/>
-              </a:rPr>
-              <a:t>(); </a:t>
-            </a:r>
-          </a:p>
-          <a:p>
-            <a:pPr marL="0" indent="0">
-              <a:buNone/>
-            </a:pPr>
-            <a:r>
-              <a:rPr lang="en-US" sz="2000" dirty="0" err="1">
-                <a:latin typeface="Consolas"/>
-                <a:cs typeface="Consolas"/>
-              </a:rPr>
-              <a:t>t.join</a:t>
-            </a:r>
-            <a:r>
-              <a:rPr lang="en-US" sz="2000" dirty="0">
-                <a:latin typeface="Consolas"/>
-                <a:cs typeface="Consolas"/>
-              </a:rPr>
-              <a:t>();</a:t>
-            </a:r>
-          </a:p>
-          <a:p>
-            <a:pPr marL="0" indent="0">
-              <a:buNone/>
-            </a:pPr>
-            <a:endParaRPr lang="en-US" sz="2000" b="1" dirty="0">
-              <a:latin typeface="Courier New"/>
-              <a:cs typeface="Courier New"/>
-            </a:endParaRPr>
-          </a:p>
-          <a:p>
-            <a:pPr marL="0" indent="0">
-              <a:buNone/>
-            </a:pPr>
-            <a:r>
-              <a:rPr lang="en-US" dirty="0"/>
-              <a:t>Caller move to Waiting state and it will be Runnable when thread t is dead. A timeout can be set to wait for a thread’s end</a:t>
-            </a:r>
-            <a:endParaRPr lang="en-US" sz="1800" b="1" dirty="0">
-              <a:latin typeface="Courier New"/>
-              <a:cs typeface="Courier New"/>
-            </a:endParaRPr>
-          </a:p>
-          <a:p>
-            <a:pPr marL="0" indent="0">
-              <a:buNone/>
-            </a:pPr>
-            <a:r>
-              <a:rPr lang="en-US" sz="1800" dirty="0" err="1">
-                <a:latin typeface="Consolas"/>
-                <a:cs typeface="Consolas"/>
-              </a:rPr>
-              <a:t>t.join</a:t>
-            </a:r>
-            <a:r>
-              <a:rPr lang="en-US" sz="1800" dirty="0">
-                <a:latin typeface="Consolas"/>
-                <a:cs typeface="Consolas"/>
-              </a:rPr>
-              <a:t>(5000); </a:t>
-            </a:r>
-          </a:p>
-          <a:p>
-            <a:pPr marL="0" indent="0">
-              <a:buNone/>
-            </a:pPr>
-            <a:r>
-              <a:rPr lang="en-US" sz="1800" dirty="0">
-                <a:latin typeface="Consolas"/>
-                <a:cs typeface="Consolas"/>
-              </a:rPr>
-              <a:t>// wait t for 5 seconds: if t is not finished</a:t>
-            </a:r>
-          </a:p>
-          <a:p>
-            <a:pPr marL="0" indent="0">
-              <a:buNone/>
-            </a:pPr>
-            <a:r>
-              <a:rPr lang="en-US" sz="1800" dirty="0">
-                <a:latin typeface="Consolas"/>
-                <a:cs typeface="Consolas"/>
-              </a:rPr>
-              <a:t>// then current thread is Runnable again</a:t>
+            <a:r>
+              <a:rPr lang="en-US" dirty="0"/>
+              <a:t>Some methods may look like they tell another thread to block, but they don't.</a:t>
+            </a:r>
+          </a:p>
+          <a:p>
+            <a:r>
+              <a:rPr lang="en-US" dirty="0">
+                <a:solidFill>
+                  <a:srgbClr val="000000"/>
+                </a:solidFill>
+              </a:rPr>
+              <a:t>If t	is a thread object reference, you can write something like: </a:t>
+            </a:r>
+            <a:r>
+              <a:rPr lang="en-US" dirty="0" err="1">
+                <a:solidFill>
+                  <a:srgbClr val="E46C0A"/>
+                </a:solidFill>
+              </a:rPr>
+              <a:t>t.sleep</a:t>
+            </a:r>
+            <a:r>
+              <a:rPr lang="en-US" dirty="0">
+                <a:solidFill>
+                  <a:srgbClr val="E46C0A"/>
+                </a:solidFill>
+              </a:rPr>
+              <a:t>()</a:t>
+            </a:r>
+            <a:r>
+              <a:rPr lang="en-US" dirty="0">
+                <a:solidFill>
+                  <a:srgbClr val="000000"/>
+                </a:solidFill>
+              </a:rPr>
+              <a:t> or	</a:t>
+            </a:r>
+            <a:r>
+              <a:rPr lang="en-US" dirty="0" err="1">
+                <a:solidFill>
+                  <a:srgbClr val="E46C0A"/>
+                </a:solidFill>
+              </a:rPr>
+              <a:t>t.yield</a:t>
+            </a:r>
+            <a:r>
+              <a:rPr lang="en-US" dirty="0">
+                <a:solidFill>
+                  <a:srgbClr val="E46C0A"/>
+                </a:solidFill>
+              </a:rPr>
+              <a:t>()</a:t>
+            </a:r>
+          </a:p>
+          <a:p>
+            <a:r>
+              <a:rPr lang="en-US" dirty="0"/>
+              <a:t>However, </a:t>
+            </a:r>
+            <a:r>
+              <a:rPr lang="en-US" dirty="0">
+                <a:solidFill>
+                  <a:schemeClr val="accent6">
+                    <a:lumMod val="75000"/>
+                  </a:schemeClr>
+                </a:solidFill>
+              </a:rPr>
+              <a:t>they are static methods of Thread</a:t>
+            </a:r>
+            <a:r>
+              <a:rPr lang="en-US" dirty="0"/>
+              <a:t>:</a:t>
+            </a:r>
+          </a:p>
+          <a:p>
+            <a:pPr lvl="1"/>
+            <a:r>
+              <a:rPr lang="en-US" dirty="0"/>
+              <a:t>they don't affect the instance t !!!</a:t>
+            </a:r>
+          </a:p>
+          <a:p>
+            <a:pPr lvl="1"/>
+            <a:r>
+              <a:rPr lang="en-US" dirty="0">
+                <a:solidFill>
+                  <a:srgbClr val="E46C0A"/>
+                </a:solidFill>
+              </a:rPr>
+              <a:t>instead they affect the thread which is currently in execution</a:t>
+            </a:r>
+          </a:p>
+          <a:p>
+            <a:r>
+              <a:rPr lang="en-US" dirty="0">
+                <a:solidFill>
+                  <a:srgbClr val="E46C0A"/>
+                </a:solidFill>
+              </a:rPr>
+              <a:t>Using an instance variable to access a static method is error-prone!</a:t>
             </a:r>
           </a:p>
           <a:p>
@@ -8909,7 +8976,7 @@
     </p:spTree>
     <p:extLst>
       <p:ext uri="{BB962C8B-B14F-4D97-AF65-F5344CB8AC3E}">
-        <p14:creationId xmlns:p14="http://schemas.microsoft.com/office/powerpoint/2010/main" val="3614269381"/>
+        <p14:creationId xmlns:p14="http://schemas.microsoft.com/office/powerpoint/2010/main" val="2845030144"/>
       </p:ext>
     </p:extLst>
   </p:cSld>
@@ -8938,12 +9005,12 @@
       </p:grpSpPr>
       <p:sp>
         <p:nvSpPr>
-          <p:cNvPr id="2" name="Title 1"/>
+          <p:cNvPr id="2" name="Titolo 1"/>
           <p:cNvSpPr>
             <a:spLocks noGrp="1"/>
           </p:cNvSpPr>
           <p:nvPr>
-            <p:ph type="title"/>
+            <p:ph type="ctrTitle"/>
           </p:nvPr>
         </p:nvSpPr>
         <p:spPr/>
@@ -8954,141 +9021,25 @@
           <a:lstStyle/>
           <a:p>
             <a:r>
-              <a:rPr lang="en-US" dirty="0"/>
-              <a:t>A word of advice</a:t>
-            </a:r>
-          </a:p>
-        </p:txBody>
-      </p:sp>
-      <p:sp>
-        <p:nvSpPr>
-          <p:cNvPr id="3" name="Content Placeholder 2"/>
-          <p:cNvSpPr>
-            <a:spLocks noGrp="1"/>
-          </p:cNvSpPr>
-          <p:nvPr>
-            <p:ph idx="1"/>
-          </p:nvPr>
-        </p:nvSpPr>
-        <p:spPr/>
-        <p:txBody>
-          <a:bodyPr>
-            <a:normAutofit lnSpcReduction="10000"/>
-          </a:bodyPr>
-          <a:lstStyle/>
-          <a:p>
-            <a:r>
-              <a:rPr lang="en-US" dirty="0"/>
-              <a:t>Some methods may look like they tell another thread to block, but they don't.</a:t>
-            </a:r>
-          </a:p>
-          <a:p>
-            <a:r>
-              <a:rPr lang="en-US" dirty="0">
-                <a:solidFill>
-                  <a:srgbClr val="000000"/>
-                </a:solidFill>
-              </a:rPr>
-              <a:t>If t	is a thread object reference, you can write something like: </a:t>
-            </a:r>
-            <a:r>
-              <a:rPr lang="en-US" dirty="0" err="1">
-                <a:solidFill>
-                  <a:srgbClr val="E46C0A"/>
-                </a:solidFill>
-              </a:rPr>
-              <a:t>t.sleep</a:t>
-            </a:r>
-            <a:r>
-              <a:rPr lang="en-US" dirty="0">
-                <a:solidFill>
-                  <a:srgbClr val="E46C0A"/>
-                </a:solidFill>
-              </a:rPr>
-              <a:t>()</a:t>
-            </a:r>
-            <a:r>
-              <a:rPr lang="en-US" dirty="0">
-                <a:solidFill>
-                  <a:srgbClr val="000000"/>
-                </a:solidFill>
-              </a:rPr>
-              <a:t> or	</a:t>
-            </a:r>
-            <a:r>
-              <a:rPr lang="en-US" dirty="0" err="1">
-                <a:solidFill>
-                  <a:srgbClr val="E46C0A"/>
-                </a:solidFill>
-              </a:rPr>
-              <a:t>t.yield</a:t>
-            </a:r>
-            <a:r>
-              <a:rPr lang="en-US" dirty="0">
-                <a:solidFill>
-                  <a:srgbClr val="E46C0A"/>
-                </a:solidFill>
-              </a:rPr>
-              <a:t>()</a:t>
-            </a:r>
-          </a:p>
-          <a:p>
-            <a:r>
-              <a:rPr lang="en-US" dirty="0"/>
-              <a:t>However, </a:t>
-            </a:r>
-            <a:r>
-              <a:rPr lang="en-US" dirty="0">
-                <a:solidFill>
-                  <a:schemeClr val="accent6">
-                    <a:lumMod val="75000"/>
-                  </a:schemeClr>
-                </a:solidFill>
-              </a:rPr>
-              <a:t>they are static methods of Thread</a:t>
-            </a:r>
-            <a:r>
-              <a:rPr lang="en-US" dirty="0"/>
-              <a:t>:</a:t>
-            </a:r>
-          </a:p>
-          <a:p>
-            <a:pPr lvl="1"/>
-            <a:r>
-              <a:rPr lang="en-US" dirty="0"/>
-              <a:t>they don't affect the instance t !!!</a:t>
-            </a:r>
-          </a:p>
-          <a:p>
-            <a:pPr lvl="1"/>
-            <a:r>
-              <a:rPr lang="en-US" dirty="0">
-                <a:solidFill>
-                  <a:srgbClr val="E46C0A"/>
-                </a:solidFill>
-              </a:rPr>
-              <a:t>instead they affect the thread which is currently in execution</a:t>
-            </a:r>
-          </a:p>
-          <a:p>
-            <a:r>
-              <a:rPr lang="en-US" dirty="0">
-                <a:solidFill>
-                  <a:srgbClr val="E46C0A"/>
-                </a:solidFill>
-              </a:rPr>
-              <a:t>Using an instance variable to access a static method is error-prone!</a:t>
-            </a:r>
-          </a:p>
-          <a:p>
-            <a:endParaRPr lang="en-US" dirty="0"/>
+              <a:rPr lang="it-IT" dirty="0" err="1"/>
+              <a:t>Thread</a:t>
+            </a:r>
+            <a:r>
+              <a:rPr lang="it-IT" dirty="0"/>
+              <a:t> </a:t>
+            </a:r>
+            <a:r>
+              <a:rPr lang="en-US" dirty="0"/>
+              <a:t>Synchronization</a:t>
+            </a:r>
+            <a:endParaRPr lang="it-IT" dirty="0"/>
           </a:p>
         </p:txBody>
       </p:sp>
     </p:spTree>
     <p:extLst>
       <p:ext uri="{BB962C8B-B14F-4D97-AF65-F5344CB8AC3E}">
-        <p14:creationId xmlns:p14="http://schemas.microsoft.com/office/powerpoint/2010/main" val="2845030144"/>
+        <p14:creationId xmlns:p14="http://schemas.microsoft.com/office/powerpoint/2010/main" val="2252403450"/>
       </p:ext>
     </p:extLst>
   </p:cSld>
@@ -9117,12 +9068,12 @@
       </p:grpSpPr>
       <p:sp>
         <p:nvSpPr>
-          <p:cNvPr id="2" name="Titolo 1"/>
+          <p:cNvPr id="2" name="Title 1"/>
           <p:cNvSpPr>
             <a:spLocks noGrp="1"/>
           </p:cNvSpPr>
           <p:nvPr>
-            <p:ph type="ctrTitle"/>
+            <p:ph type="title"/>
           </p:nvPr>
         </p:nvSpPr>
         <p:spPr/>
@@ -9133,25 +9084,226 @@
           <a:lstStyle/>
           <a:p>
             <a:r>
-              <a:rPr lang="it-IT" dirty="0" err="1"/>
-              <a:t>Thread</a:t>
-            </a:r>
-            <a:r>
-              <a:rPr lang="it-IT" dirty="0"/>
+              <a:rPr lang="en-US" dirty="0"/>
+              <a:t>Synchronization</a:t>
+            </a:r>
+          </a:p>
+        </p:txBody>
+      </p:sp>
+      <p:sp>
+        <p:nvSpPr>
+          <p:cNvPr id="3" name="Content Placeholder 2"/>
+          <p:cNvSpPr>
+            <a:spLocks noGrp="1"/>
+          </p:cNvSpPr>
+          <p:nvPr>
+            <p:ph idx="1"/>
+          </p:nvPr>
+        </p:nvSpPr>
+        <p:spPr/>
+        <p:txBody>
+          <a:bodyPr>
+            <a:normAutofit fontScale="85000" lnSpcReduction="10000"/>
+          </a:bodyPr>
+          <a:lstStyle/>
+          <a:p>
+            <a:r>
+              <a:rPr lang="en-US" dirty="0">
+                <a:solidFill>
+                  <a:srgbClr val="E46C0A"/>
+                </a:solidFill>
+              </a:rPr>
+              <a:t>What happens when two different threads are accessing the same data ?</a:t>
+            </a:r>
+          </a:p>
+          <a:p>
+            <a:r>
+              <a:rPr lang="en-US" dirty="0"/>
+              <a:t>Imagine two people (represented by two threads) each one having an ATM card linked to the same account</a:t>
+            </a:r>
+          </a:p>
+          <a:p>
+            <a:pPr marL="0" indent="0">
+              <a:buNone/>
+            </a:pPr>
+            <a:endParaRPr lang="en-US" sz="2200" b="1" dirty="0">
+              <a:latin typeface="Consolas"/>
+              <a:cs typeface="Consolas"/>
+            </a:endParaRPr>
+          </a:p>
+          <a:p>
+            <a:pPr marL="0" indent="0">
+              <a:buNone/>
+            </a:pPr>
+            <a:r>
+              <a:rPr lang="en-US" sz="2200" dirty="0">
+                <a:latin typeface="Consolas"/>
+                <a:cs typeface="Consolas"/>
+              </a:rPr>
+              <a:t>class Account {</a:t>
+            </a:r>
+          </a:p>
+          <a:p>
+            <a:pPr marL="457200" lvl="1" indent="0">
+              <a:buNone/>
+            </a:pPr>
+            <a:r>
+              <a:rPr lang="en-US" sz="2200" dirty="0">
+                <a:latin typeface="Consolas"/>
+                <a:cs typeface="Consolas"/>
+              </a:rPr>
+              <a:t>private </a:t>
+            </a:r>
+            <a:r>
+              <a:rPr lang="en-US" sz="2200" dirty="0" err="1">
+                <a:latin typeface="Consolas"/>
+                <a:cs typeface="Consolas"/>
+              </a:rPr>
+              <a:t>int</a:t>
+            </a:r>
+            <a:r>
+              <a:rPr lang="en-US" sz="2200" dirty="0">
+                <a:latin typeface="Consolas"/>
+                <a:cs typeface="Consolas"/>
+              </a:rPr>
+              <a:t> balance; </a:t>
+            </a:r>
+          </a:p>
+          <a:p>
+            <a:pPr marL="457200" lvl="1" indent="0">
+              <a:buNone/>
+            </a:pPr>
+            <a:r>
+              <a:rPr lang="en-US" sz="2200" dirty="0">
+                <a:latin typeface="Consolas"/>
+                <a:cs typeface="Consolas"/>
+              </a:rPr>
+              <a:t>public </a:t>
+            </a:r>
+            <a:r>
+              <a:rPr lang="en-US" sz="2200" dirty="0" err="1">
+                <a:latin typeface="Consolas"/>
+                <a:cs typeface="Consolas"/>
+              </a:rPr>
+              <a:t>int</a:t>
+            </a:r>
+            <a:r>
+              <a:rPr lang="en-US" sz="2200" dirty="0">
+                <a:latin typeface="Consolas"/>
+                <a:cs typeface="Consolas"/>
+              </a:rPr>
               <a:t> </a:t>
             </a:r>
             <a:r>
-              <a:rPr lang="en-US" dirty="0"/>
-              <a:t>Synchronization</a:t>
-            </a:r>
-            <a:endParaRPr lang="it-IT" dirty="0"/>
+              <a:rPr lang="en-US" sz="2200" dirty="0" err="1">
+                <a:latin typeface="Consolas"/>
+                <a:cs typeface="Consolas"/>
+              </a:rPr>
+              <a:t>getBalance</a:t>
+            </a:r>
+            <a:r>
+              <a:rPr lang="en-US" sz="2200" dirty="0">
+                <a:latin typeface="Consolas"/>
+                <a:cs typeface="Consolas"/>
+              </a:rPr>
+              <a:t>() {</a:t>
+            </a:r>
+          </a:p>
+          <a:p>
+            <a:pPr marL="457200" lvl="1" indent="0">
+              <a:buNone/>
+            </a:pPr>
+            <a:r>
+              <a:rPr lang="en-US" sz="2200" dirty="0">
+                <a:latin typeface="Consolas"/>
+                <a:cs typeface="Consolas"/>
+              </a:rPr>
+              <a:t>	return balance;</a:t>
+            </a:r>
+          </a:p>
+          <a:p>
+            <a:pPr marL="457200" lvl="1" indent="0">
+              <a:buNone/>
+            </a:pPr>
+            <a:r>
+              <a:rPr lang="en-US" sz="2200" dirty="0">
+                <a:latin typeface="Consolas"/>
+                <a:cs typeface="Consolas"/>
+              </a:rPr>
+              <a:t>}</a:t>
+            </a:r>
+          </a:p>
+          <a:p>
+            <a:pPr marL="0" indent="0">
+              <a:buNone/>
+            </a:pPr>
+            <a:r>
+              <a:rPr lang="en-US" sz="2200" dirty="0">
+                <a:latin typeface="Consolas"/>
+                <a:cs typeface="Consolas"/>
+              </a:rPr>
+              <a:t>	public void withdraw(</a:t>
+            </a:r>
+            <a:r>
+              <a:rPr lang="en-US" sz="2200" dirty="0" err="1">
+                <a:latin typeface="Consolas"/>
+                <a:cs typeface="Consolas"/>
+              </a:rPr>
+              <a:t>int</a:t>
+            </a:r>
+            <a:r>
+              <a:rPr lang="en-US" sz="2200" dirty="0">
+                <a:latin typeface="Consolas"/>
+                <a:cs typeface="Consolas"/>
+              </a:rPr>
+              <a:t> amount) {</a:t>
+            </a:r>
+          </a:p>
+          <a:p>
+            <a:pPr marL="0" indent="0">
+              <a:buNone/>
+            </a:pPr>
+            <a:r>
+              <a:rPr lang="en-US" sz="2200" dirty="0">
+                <a:latin typeface="Consolas"/>
+                <a:cs typeface="Consolas"/>
+              </a:rPr>
+              <a:t>			balance -= amount;</a:t>
+            </a:r>
+          </a:p>
+          <a:p>
+            <a:pPr marL="0" indent="0">
+              <a:buNone/>
+            </a:pPr>
+            <a:r>
+              <a:rPr lang="en-US" sz="2200" dirty="0">
+                <a:latin typeface="Consolas"/>
+                <a:cs typeface="Consolas"/>
+              </a:rPr>
+              <a:t>	}</a:t>
+            </a:r>
+          </a:p>
+          <a:p>
+            <a:pPr marL="0" indent="0">
+              <a:buNone/>
+            </a:pPr>
+            <a:r>
+              <a:rPr lang="en-US" sz="2200" dirty="0">
+                <a:latin typeface="Consolas"/>
+                <a:cs typeface="Consolas"/>
+              </a:rPr>
+              <a:t>}</a:t>
+            </a:r>
+          </a:p>
+          <a:p>
+            <a:endParaRPr lang="en-US" dirty="0"/>
           </a:p>
         </p:txBody>
       </p:sp>
     </p:spTree>
     <p:extLst>
       <p:ext uri="{BB962C8B-B14F-4D97-AF65-F5344CB8AC3E}">
-        <p14:creationId xmlns:p14="http://schemas.microsoft.com/office/powerpoint/2010/main" val="2252403450"/>
+        <p14:creationId xmlns:p14="http://schemas.microsoft.com/office/powerpoint/2010/main" val="4126392573"/>
       </p:ext>
     </p:extLst>
   </p:cSld>
@@ -9195,7 +9347,7 @@
           <a:p>
             <a:r>
               <a:rPr lang="en-US" dirty="0"/>
-              <a:t>Threads</a:t>
+              <a:t>JVM and Operating System</a:t>
             </a:r>
           </a:p>
         </p:txBody>
@@ -9213,35 +9365,112 @@
         <p:spPr/>
         <p:txBody>
           <a:bodyPr>
-            <a:normAutofit/>
+            <a:noAutofit/>
           </a:bodyPr>
           <a:lstStyle/>
           <a:p>
             <a:r>
-              <a:rPr lang="en-US" dirty="0">
+              <a:rPr lang="en-US" sz="2400" dirty="0"/>
+              <a:t>A </a:t>
+            </a:r>
+            <a:r>
+              <a:rPr lang="en-US" sz="2400" dirty="0">
+                <a:solidFill>
+                  <a:schemeClr val="accent6">
+                    <a:lumMod val="75000"/>
+                  </a:schemeClr>
+                </a:solidFill>
+              </a:rPr>
+              <a:t>multitasking	operating	system	assigns	CPU time (slices) to processes/threads</a:t>
+            </a:r>
+            <a:r>
+              <a:rPr lang="en-US" sz="2400" dirty="0"/>
+              <a:t> via a kernel component called </a:t>
+            </a:r>
+            <a:r>
+              <a:rPr lang="en-US" sz="2400" i="1" dirty="0"/>
+              <a:t>scheduler. </a:t>
+            </a:r>
+            <a:r>
+              <a:rPr lang="en-US" sz="2400" dirty="0"/>
+              <a:t>Small time-slices (5-20ms) provide the </a:t>
+            </a:r>
+            <a:r>
+              <a:rPr lang="en-US" sz="2400" dirty="0">
                 <a:solidFill>
                   <a:srgbClr val="E46C0A"/>
                 </a:solidFill>
               </a:rPr>
-              <a:t>Every Java program must have at least one thread, the main() thread</a:t>
-            </a:r>
-            <a:r>
-              <a:rPr lang="en-US" dirty="0"/>
-              <a:t>. When a program starts running, the JVM creates a new thread and calls the main() method </a:t>
-            </a:r>
-          </a:p>
-          <a:p>
-            <a:r>
-              <a:rPr lang="en-US" dirty="0"/>
-              <a:t>There are other threads created by the JVM that users usually don’t interact with explicitly (e.g., garbage collector)</a:t>
-            </a:r>
+              <a:t>illusion of parallelism of different processes/threads </a:t>
+            </a:r>
+            <a:r>
+              <a:rPr lang="en-US" sz="2400" dirty="0"/>
+              <a:t>(on multi-core machines it is a partial illusion)</a:t>
+            </a:r>
+          </a:p>
+          <a:p>
+            <a:r>
+              <a:rPr lang="en-US" sz="2400" dirty="0"/>
+              <a:t>The JVM is a process and gets the CPU as assigned by the OS’s scheduler</a:t>
+            </a:r>
+          </a:p>
+          <a:p>
+            <a:r>
+              <a:rPr lang="en-US" sz="2400" dirty="0">
+                <a:solidFill>
+                  <a:schemeClr val="accent6">
+                    <a:lumMod val="75000"/>
+                  </a:schemeClr>
+                </a:solidFill>
+              </a:rPr>
+              <a:t>Java is a specification with many different implementations*</a:t>
+            </a:r>
+          </a:p>
+          <a:p>
+            <a:pPr lvl="1"/>
+            <a:r>
+              <a:rPr lang="en-US" sz="2400" dirty="0"/>
+              <a:t>Some JVMs operate like a mini-OS and schedule their own threads</a:t>
+            </a:r>
+          </a:p>
+          <a:p>
+            <a:pPr lvl="1"/>
+            <a:r>
+              <a:rPr lang="en-US" sz="2400" dirty="0">
+                <a:solidFill>
+                  <a:srgbClr val="E46C0A"/>
+                </a:solidFill>
+              </a:rPr>
+              <a:t>Most JVMs use the OS scheduler (a Java thread is actually mapped to a system thread)</a:t>
+            </a:r>
+            <a:endParaRPr lang="en-US" sz="2400" dirty="0"/>
+          </a:p>
+          <a:p>
+            <a:pPr marL="0" lvl="1" indent="0">
+              <a:buNone/>
+            </a:pPr>
+            <a:r>
+              <a:rPr lang="en-US" sz="2000" dirty="0"/>
+              <a:t>*</a:t>
+            </a:r>
+            <a:r>
+              <a:rPr lang="en-US" sz="2000" dirty="0">
+                <a:hlinkClick r:id="rId2"/>
+              </a:rPr>
+              <a:t>https://en.wikipedia.org/wiki/List_of_Java_virtual_machines</a:t>
+            </a:r>
+            <a:endParaRPr lang="en-US" sz="2000" dirty="0">
+              <a:solidFill>
+                <a:srgbClr val="E46C0A"/>
+              </a:solidFill>
+            </a:endParaRPr>
           </a:p>
         </p:txBody>
       </p:sp>
     </p:spTree>
     <p:extLst>
       <p:ext uri="{BB962C8B-B14F-4D97-AF65-F5344CB8AC3E}">
-        <p14:creationId xmlns:p14="http://schemas.microsoft.com/office/powerpoint/2010/main" val="3690956885"/>
+        <p14:creationId xmlns:p14="http://schemas.microsoft.com/office/powerpoint/2010/main" val="2954736820"/>
       </p:ext>
     </p:extLst>
   </p:cSld>
@@ -9305,196 +9534,49 @@
         <p:spPr/>
         <p:txBody>
           <a:bodyPr>
-            <a:normAutofit fontScale="85000" lnSpcReduction="10000"/>
+            <a:normAutofit/>
           </a:bodyPr>
           <a:lstStyle/>
           <a:p>
             <a:r>
-              <a:rPr lang="en-US" dirty="0">
-                <a:solidFill>
-                  <a:srgbClr val="E46C0A"/>
-                </a:solidFill>
-              </a:rPr>
-              <a:t>What happens when two different threads are accessing the same data ?</a:t>
-            </a:r>
-          </a:p>
-          <a:p>
-            <a:r>
-              <a:rPr lang="en-US" dirty="0"/>
-              <a:t>Imagine two people (represented by two threads) each one having an ATM card linked to the same account</a:t>
-            </a:r>
-          </a:p>
-          <a:p>
-            <a:pPr marL="0" indent="0">
-              <a:buNone/>
+              <a:rPr lang="en-US" dirty="0"/>
+              <a:t>Each person (i.e., thread) does these steps</a:t>
+            </a:r>
+          </a:p>
+          <a:p>
+            <a:pPr marL="971550" lvl="1" indent="-514350">
+              <a:buFont typeface="+mj-lt"/>
+              <a:buAutoNum type="arabicPeriod"/>
             </a:pPr>
-            <a:endParaRPr lang="en-US" sz="2200" b="1" dirty="0">
-              <a:latin typeface="Consolas"/>
-              <a:cs typeface="Consolas"/>
-            </a:endParaRPr>
-          </a:p>
-          <a:p>
-            <a:pPr marL="0" indent="0">
-              <a:buNone/>
+            <a:r>
+              <a:rPr lang="en-US" dirty="0"/>
+              <a:t>Decide an amount to withdrawal</a:t>
+            </a:r>
+          </a:p>
+          <a:p>
+            <a:pPr marL="971550" lvl="1" indent="-514350">
+              <a:buFont typeface="+mj-lt"/>
+              <a:buAutoNum type="arabicPeriod"/>
             </a:pPr>
             <a:r>
-              <a:rPr lang="en-US" sz="2200" dirty="0">
-                <a:latin typeface="Consolas"/>
-                <a:cs typeface="Consolas"/>
-              </a:rPr>
-              <a:t>class Account {</a:t>
-            </a:r>
-          </a:p>
-          <a:p>
-            <a:pPr marL="457200" lvl="1" indent="0">
-              <a:buNone/>
+              <a:rPr lang="en-US" dirty="0"/>
+              <a:t>Check the balance of the account</a:t>
+            </a:r>
+          </a:p>
+          <a:p>
+            <a:pPr marL="971550" lvl="1" indent="-514350">
+              <a:buFont typeface="+mj-lt"/>
+              <a:buAutoNum type="arabicPeriod"/>
             </a:pPr>
             <a:r>
-              <a:rPr lang="en-US" sz="2200" dirty="0">
-                <a:latin typeface="Consolas"/>
-                <a:cs typeface="Consolas"/>
-              </a:rPr>
-              <a:t>private </a:t>
-            </a:r>
-            <a:r>
-              <a:rPr lang="en-US" sz="2200" dirty="0" err="1">
-                <a:latin typeface="Consolas"/>
-                <a:cs typeface="Consolas"/>
-              </a:rPr>
-              <a:t>int</a:t>
-            </a:r>
-            <a:r>
-              <a:rPr lang="en-US" sz="2200" dirty="0">
-                <a:latin typeface="Consolas"/>
-                <a:cs typeface="Consolas"/>
-              </a:rPr>
-              <a:t> balance; </a:t>
-            </a:r>
-          </a:p>
-          <a:p>
-            <a:pPr marL="457200" lvl="1" indent="0">
-              <a:buNone/>
-            </a:pPr>
-            <a:r>
-              <a:rPr lang="en-US" sz="2200" dirty="0">
-                <a:latin typeface="Consolas"/>
-                <a:cs typeface="Consolas"/>
-              </a:rPr>
-              <a:t>public </a:t>
-            </a:r>
-            <a:r>
-              <a:rPr lang="en-US" sz="2200" dirty="0" err="1">
-                <a:latin typeface="Consolas"/>
-                <a:cs typeface="Consolas"/>
-              </a:rPr>
-              <a:t>int</a:t>
-            </a:r>
-            <a:r>
-              <a:rPr lang="en-US" sz="2200" dirty="0">
-                <a:latin typeface="Consolas"/>
-                <a:cs typeface="Consolas"/>
-              </a:rPr>
-              <a:t> </a:t>
-            </a:r>
-            <a:r>
-              <a:rPr lang="en-US" sz="2200" dirty="0" err="1">
-                <a:latin typeface="Consolas"/>
-                <a:cs typeface="Consolas"/>
-              </a:rPr>
-              <a:t>getBalance</a:t>
-            </a:r>
-            <a:r>
-              <a:rPr lang="en-US" sz="2200" dirty="0">
-                <a:latin typeface="Consolas"/>
-                <a:cs typeface="Consolas"/>
-              </a:rPr>
-              <a:t>() {</a:t>
-            </a:r>
-          </a:p>
-          <a:p>
-            <a:pPr marL="457200" lvl="1" indent="0">
-              <a:buNone/>
-            </a:pPr>
-            <a:r>
-              <a:rPr lang="en-US" sz="2200" dirty="0">
-                <a:latin typeface="Consolas"/>
-                <a:cs typeface="Consolas"/>
-              </a:rPr>
-              <a:t>	return balance;</a:t>
-            </a:r>
-          </a:p>
-          <a:p>
-            <a:pPr marL="457200" lvl="1" indent="0">
-              <a:buNone/>
-            </a:pPr>
-            <a:r>
-              <a:rPr lang="en-US" sz="2200" dirty="0">
-                <a:latin typeface="Consolas"/>
-                <a:cs typeface="Consolas"/>
-              </a:rPr>
-              <a:t>}</a:t>
-            </a:r>
-          </a:p>
-          <a:p>
-            <a:pPr marL="0" indent="0">
-              <a:buNone/>
-            </a:pPr>
-            <a:r>
-              <a:rPr lang="en-US" sz="2200" dirty="0">
-                <a:latin typeface="Consolas"/>
-                <a:cs typeface="Consolas"/>
-              </a:rPr>
-              <a:t>	public void withdraw(</a:t>
-            </a:r>
-            <a:r>
-              <a:rPr lang="en-US" sz="2200" dirty="0" err="1">
-                <a:latin typeface="Consolas"/>
-                <a:cs typeface="Consolas"/>
-              </a:rPr>
-              <a:t>int</a:t>
-            </a:r>
-            <a:r>
-              <a:rPr lang="en-US" sz="2200" dirty="0">
-                <a:latin typeface="Consolas"/>
-                <a:cs typeface="Consolas"/>
-              </a:rPr>
-              <a:t> amount) {</a:t>
-            </a:r>
-          </a:p>
-          <a:p>
-            <a:pPr marL="0" indent="0">
-              <a:buNone/>
-            </a:pPr>
-            <a:r>
-              <a:rPr lang="en-US" sz="2200" dirty="0">
-                <a:latin typeface="Consolas"/>
-                <a:cs typeface="Consolas"/>
-              </a:rPr>
-              <a:t>			balance -= amount;</a:t>
-            </a:r>
-          </a:p>
-          <a:p>
-            <a:pPr marL="0" indent="0">
-              <a:buNone/>
-            </a:pPr>
-            <a:r>
-              <a:rPr lang="en-US" sz="2200" dirty="0">
-                <a:latin typeface="Consolas"/>
-                <a:cs typeface="Consolas"/>
-              </a:rPr>
-              <a:t>	}</a:t>
-            </a:r>
-          </a:p>
-          <a:p>
-            <a:pPr marL="0" indent="0">
-              <a:buNone/>
-            </a:pPr>
-            <a:r>
-              <a:rPr lang="en-US" sz="2200" dirty="0">
-                <a:latin typeface="Consolas"/>
-                <a:cs typeface="Consolas"/>
-              </a:rPr>
-              <a:t>}</a:t>
+              <a:rPr lang="en-US" dirty="0"/>
+              <a:t>If there's enough money, withdrawal the decided amount</a:t>
+            </a:r>
+          </a:p>
+          <a:p>
+            <a:r>
+              <a:rPr lang="en-US" dirty="0"/>
+              <a:t>What happens if the scheduler suspends one thread between step 2 and step 3 and the other one gets executed?</a:t>
             </a:r>
           </a:p>
           <a:p>
@@ -9505,7 +9587,7 @@
     </p:spTree>
     <p:extLst>
       <p:ext uri="{BB962C8B-B14F-4D97-AF65-F5344CB8AC3E}">
-        <p14:creationId xmlns:p14="http://schemas.microsoft.com/office/powerpoint/2010/main" val="4126392573"/>
+        <p14:creationId xmlns:p14="http://schemas.microsoft.com/office/powerpoint/2010/main" val="1187177834"/>
       </p:ext>
     </p:extLst>
   </p:cSld>
@@ -9544,75 +9626,94 @@
         </p:nvSpPr>
         <p:spPr/>
         <p:txBody>
+          <a:bodyPr/>
+          <a:lstStyle/>
+          <a:p>
+            <a:r>
+              <a:rPr lang="en-US" dirty="0"/>
+              <a:t>Synchronization</a:t>
+            </a:r>
+          </a:p>
+        </p:txBody>
+      </p:sp>
+      <p:sp>
+        <p:nvSpPr>
+          <p:cNvPr id="3" name="Content Placeholder 2"/>
+          <p:cNvSpPr>
+            <a:spLocks noGrp="1"/>
+          </p:cNvSpPr>
+          <p:nvPr>
+            <p:ph idx="1"/>
+          </p:nvPr>
+        </p:nvSpPr>
+        <p:spPr/>
+        <p:txBody>
           <a:bodyPr>
-            <a:normAutofit/>
+            <a:normAutofit fontScale="92500" lnSpcReduction="10000"/>
           </a:bodyPr>
           <a:lstStyle/>
           <a:p>
             <a:r>
               <a:rPr lang="en-US" dirty="0"/>
-              <a:t>Synchronization</a:t>
-            </a:r>
-          </a:p>
-        </p:txBody>
-      </p:sp>
-      <p:sp>
-        <p:nvSpPr>
-          <p:cNvPr id="3" name="Content Placeholder 2"/>
-          <p:cNvSpPr>
-            <a:spLocks noGrp="1"/>
-          </p:cNvSpPr>
-          <p:nvPr>
-            <p:ph idx="1"/>
-          </p:nvPr>
-        </p:nvSpPr>
-        <p:spPr/>
-        <p:txBody>
-          <a:bodyPr>
-            <a:normAutofit/>
-          </a:bodyPr>
-          <a:lstStyle/>
-          <a:p>
-            <a:r>
-              <a:rPr lang="en-US" dirty="0"/>
-              <a:t>Each person (i.e., thread) does these steps</a:t>
-            </a:r>
-          </a:p>
-          <a:p>
-            <a:pPr marL="971550" lvl="1" indent="-514350">
-              <a:buFont typeface="+mj-lt"/>
-              <a:buAutoNum type="arabicPeriod"/>
-            </a:pPr>
-            <a:r>
-              <a:rPr lang="en-US" dirty="0"/>
-              <a:t>Decide an amount to withdrawal</a:t>
-            </a:r>
-          </a:p>
-          <a:p>
-            <a:pPr marL="971550" lvl="1" indent="-514350">
-              <a:buFont typeface="+mj-lt"/>
-              <a:buAutoNum type="arabicPeriod"/>
-            </a:pPr>
-            <a:r>
-              <a:rPr lang="en-US" dirty="0"/>
-              <a:t>Check the balance of the account</a:t>
-            </a:r>
-          </a:p>
-          <a:p>
-            <a:pPr marL="971550" lvl="1" indent="-514350">
-              <a:buFont typeface="+mj-lt"/>
-              <a:buAutoNum type="arabicPeriod"/>
-            </a:pPr>
-            <a:r>
-              <a:rPr lang="en-US" dirty="0"/>
-              <a:t>If there's enough money, withdrawal the decided amount</a:t>
-            </a:r>
-          </a:p>
-          <a:p>
-            <a:r>
-              <a:rPr lang="en-US" dirty="0"/>
-              <a:t>What happens if the scheduler suspends one thread between step 2 and step 3 and the other one gets executed?</a:t>
-            </a:r>
+              <a:t>Homer decides to withdraw 100$ and verifies that the account contains 125$!</a:t>
+            </a:r>
+          </a:p>
+          <a:p>
+            <a:r>
+              <a:rPr lang="en-US" dirty="0">
+                <a:solidFill>
+                  <a:schemeClr val="accent6">
+                    <a:lumMod val="75000"/>
+                  </a:schemeClr>
+                </a:solidFill>
+              </a:rPr>
+              <a:t>Marge enters the status RUNNING</a:t>
+            </a:r>
+          </a:p>
+          <a:p>
+            <a:r>
+              <a:rPr lang="en-US" dirty="0">
+                <a:solidFill>
+                  <a:srgbClr val="008000"/>
+                </a:solidFill>
+              </a:rPr>
+              <a:t>Marge decide to withdraw 120$ and verifies that the account contains 125$ !</a:t>
+            </a:r>
+          </a:p>
+          <a:p>
+            <a:r>
+              <a:rPr lang="en-US" dirty="0">
+                <a:solidFill>
+                  <a:srgbClr val="008000"/>
+                </a:solidFill>
+              </a:rPr>
+              <a:t>Marge withdraws 120$</a:t>
+            </a:r>
+          </a:p>
+          <a:p>
+            <a:r>
+              <a:rPr lang="en-US" dirty="0">
+                <a:solidFill>
+                  <a:schemeClr val="accent6">
+                    <a:lumMod val="75000"/>
+                  </a:schemeClr>
+                </a:solidFill>
+              </a:rPr>
+              <a:t>Homer enters the status RUNNING</a:t>
+            </a:r>
+          </a:p>
+          <a:p>
+            <a:r>
+              <a:rPr lang="en-US" dirty="0">
+                <a:solidFill>
+                  <a:srgbClr val="000000"/>
+                </a:solidFill>
+              </a:rPr>
+              <a:t>Homer withdraw 100$ (he has already checked!) but the ATM gives him only 5$</a:t>
+            </a:r>
+          </a:p>
+          <a:p>
+            <a:endParaRPr lang="en-US" dirty="0"/>
           </a:p>
           <a:p>
             <a:endParaRPr lang="en-US" dirty="0"/>
@@ -9622,7 +9723,7 @@
     </p:spTree>
     <p:extLst>
       <p:ext uri="{BB962C8B-B14F-4D97-AF65-F5344CB8AC3E}">
-        <p14:creationId xmlns:p14="http://schemas.microsoft.com/office/powerpoint/2010/main" val="1187177834"/>
+        <p14:creationId xmlns:p14="http://schemas.microsoft.com/office/powerpoint/2010/main" val="3085252808"/>
       </p:ext>
     </p:extLst>
   </p:cSld>
@@ -9661,12 +9762,14 @@
         </p:nvSpPr>
         <p:spPr/>
         <p:txBody>
-          <a:bodyPr/>
-          <a:lstStyle/>
-          <a:p>
-            <a:r>
-              <a:rPr lang="en-US" dirty="0"/>
-              <a:t>Synchronization</a:t>
+          <a:bodyPr>
+            <a:normAutofit/>
+          </a:bodyPr>
+          <a:lstStyle/>
+          <a:p>
+            <a:r>
+              <a:rPr lang="en-US" dirty="0"/>
+              <a:t>Race condition</a:t>
             </a:r>
           </a:p>
         </p:txBody>
@@ -9678,22 +9781,20 @@
             <a:spLocks noGrp="1"/>
           </p:cNvSpPr>
           <p:nvPr>
-            <p:ph idx="1"/>
+            <p:ph sz="half" idx="1"/>
           </p:nvPr>
         </p:nvSpPr>
         <p:spPr/>
         <p:txBody>
           <a:bodyPr>
-            <a:normAutofit fontScale="92500" lnSpcReduction="10000"/>
+            <a:normAutofit/>
           </a:bodyPr>
           <a:lstStyle/>
           <a:p>
             <a:r>
               <a:rPr lang="en-US" dirty="0"/>
-              <a:t>Homer decides to withdraw 100$ and verifies that the account contains 125$!</a:t>
-            </a:r>
-          </a:p>
-          <a:p>
+              <a:t>A problem arising whenever two or more threads share the same resource (typically an object) and </a:t>
+            </a:r>
             <a:r>
               <a:rPr lang="en-US" dirty="0">
                 <a:solidFill>
@@ -9702,30 +9803,18 @@
                   </a:schemeClr>
                 </a:solidFill>
               </a:rPr>
-              <a:t>Marge enters the status RUNNING</a:t>
-            </a:r>
-          </a:p>
-          <a:p>
-            <a:r>
-              <a:rPr lang="en-US" dirty="0">
+              <a:t>one thread </a:t>
+            </a:r>
+            <a:r>
+              <a:rPr lang="en-US" i="1" dirty="0">
                 <a:solidFill>
-                  <a:srgbClr val="008000"/>
+                  <a:schemeClr val="accent6">
+                    <a:lumMod val="75000"/>
+                  </a:schemeClr>
                 </a:solidFill>
               </a:rPr>
-              <a:t>Marge decide to withdraw 120$ and verifies that the account contains 125$ !</a:t>
-            </a:r>
-          </a:p>
-          <a:p>
-            <a:r>
-              <a:rPr lang="en-US" dirty="0">
-                <a:solidFill>
-                  <a:srgbClr val="008000"/>
-                </a:solidFill>
-              </a:rPr>
-              <a:t>Marge withdraws 120$</a:t>
-            </a:r>
-          </a:p>
-          <a:p>
+              <a:t>"races in" </a:t>
+            </a:r>
             <a:r>
               <a:rPr lang="en-US" dirty="0">
                 <a:solidFill>
@@ -9734,31 +9823,56 @@
                   </a:schemeClr>
                 </a:solidFill>
               </a:rPr>
-              <a:t>Homer enters the status RUNNING</a:t>
-            </a:r>
-          </a:p>
-          <a:p>
-            <a:r>
-              <a:rPr lang="en-US" dirty="0">
-                <a:solidFill>
-                  <a:srgbClr val="000000"/>
-                </a:solidFill>
-              </a:rPr>
-              <a:t>Homer withdraw 100$ (he has already checked!) but the ATM gives him only 5$</a:t>
-            </a:r>
-          </a:p>
-          <a:p>
+              <a:t>too quickly before another operation has been completed</a:t>
+            </a:r>
+          </a:p>
+          <a:p>
+            <a:pPr marL="0" indent="0">
+              <a:buNone/>
+            </a:pPr>
             <a:endParaRPr lang="en-US" dirty="0"/>
           </a:p>
-          <a:p>
-            <a:endParaRPr lang="en-US" dirty="0"/>
+        </p:txBody>
+      </p:sp>
+      <p:sp>
+        <p:nvSpPr>
+          <p:cNvPr id="5" name="object 7">
+            <a:extLst>
+              <a:ext uri="{FF2B5EF4-FFF2-40B4-BE49-F238E27FC236}">
+                <a16:creationId xmlns:a16="http://schemas.microsoft.com/office/drawing/2014/main" id="{E8B86F0B-2C96-CD4E-A363-27A6ADEAA383}"/>
+              </a:ext>
+            </a:extLst>
+          </p:cNvPr>
+          <p:cNvSpPr/>
+          <p:nvPr/>
+        </p:nvSpPr>
+        <p:spPr>
+          <a:xfrm>
+            <a:off x="6566787" y="1687624"/>
+            <a:ext cx="3200400" cy="4152900"/>
+          </a:xfrm>
+          <a:prstGeom prst="rect">
+            <a:avLst/>
+          </a:prstGeom>
+          <a:blipFill>
+            <a:blip r:embed="rId2" cstate="print"/>
+            <a:stretch>
+              <a:fillRect/>
+            </a:stretch>
+          </a:blipFill>
+        </p:spPr>
+        <p:txBody>
+          <a:bodyPr wrap="square" lIns="0" tIns="0" rIns="0" bIns="0" rtlCol="0"/>
+          <a:lstStyle/>
+          <a:p>
+            <a:endParaRPr/>
           </a:p>
         </p:txBody>
       </p:sp>
     </p:spTree>
     <p:extLst>
       <p:ext uri="{BB962C8B-B14F-4D97-AF65-F5344CB8AC3E}">
-        <p14:creationId xmlns:p14="http://schemas.microsoft.com/office/powerpoint/2010/main" val="3085252808"/>
+        <p14:creationId xmlns:p14="http://schemas.microsoft.com/office/powerpoint/2010/main" val="562857389"/>
       </p:ext>
     </p:extLst>
   </p:cSld>
@@ -9804,7 +9918,7 @@
           <a:p>
             <a:r>
               <a:rPr lang="en-US" dirty="0"/>
-              <a:t>Race condition</a:t>
+              <a:t>Preventing Race Conditions</a:t>
             </a:r>
           </a:p>
         </p:txBody>
@@ -9816,20 +9930,14 @@
             <a:spLocks noGrp="1"/>
           </p:cNvSpPr>
           <p:nvPr>
-            <p:ph sz="half" idx="1"/>
+            <p:ph idx="1"/>
           </p:nvPr>
         </p:nvSpPr>
         <p:spPr/>
         <p:txBody>
-          <a:bodyPr>
-            <a:normAutofit/>
-          </a:bodyPr>
-          <a:lstStyle/>
-          <a:p>
-            <a:r>
-              <a:rPr lang="en-US" dirty="0"/>
-              <a:t>A problem arising whenever two or more threads share the same resource (typically an object) and </a:t>
-            </a:r>
+          <a:bodyPr/>
+          <a:lstStyle/>
+          <a:p>
             <a:r>
               <a:rPr lang="en-US" dirty="0">
                 <a:solidFill>
@@ -9838,76 +9946,46 @@
                   </a:schemeClr>
                 </a:solidFill>
               </a:rPr>
-              <a:t>one thread </a:t>
-            </a:r>
-            <a:r>
-              <a:rPr lang="en-US" i="1" dirty="0">
-                <a:solidFill>
-                  <a:schemeClr val="accent6">
-                    <a:lumMod val="75000"/>
-                  </a:schemeClr>
-                </a:solidFill>
-              </a:rPr>
-              <a:t>"races in" </a:t>
-            </a:r>
+              <a:t>We must guarantee that the steps comprising the withdrawal process are NEVER split apart</a:t>
+            </a:r>
+          </a:p>
+          <a:p>
             <a:r>
               <a:rPr lang="en-US" dirty="0">
                 <a:solidFill>
-                  <a:schemeClr val="accent6">
-                    <a:lumMod val="75000"/>
-                  </a:schemeClr>
+                  <a:srgbClr val="E46C0A"/>
                 </a:solidFill>
               </a:rPr>
-              <a:t>too quickly before another operation has been completed</a:t>
-            </a:r>
-          </a:p>
-          <a:p>
-            <a:pPr marL="0" indent="0">
-              <a:buNone/>
-            </a:pPr>
+              <a:t>Withdrawal must be an atomic operation</a:t>
+            </a:r>
+          </a:p>
+          <a:p>
+            <a:pPr lvl="1"/>
+            <a:r>
+              <a:rPr lang="en-US" dirty="0"/>
+              <a:t>Any withdrawal (accomplished by one thread) must be completed before any other thread is allowed to act on the account</a:t>
+            </a:r>
+          </a:p>
+          <a:p>
+            <a:pPr lvl="1"/>
+            <a:r>
+              <a:rPr lang="en-US" dirty="0">
+                <a:solidFill>
+                  <a:srgbClr val="E46C0A"/>
+                </a:solidFill>
+              </a:rPr>
+              <a:t>Regardless of the number of actual instructions!</a:t>
+            </a:r>
+          </a:p>
+          <a:p>
             <a:endParaRPr lang="en-US" dirty="0"/>
-          </a:p>
-        </p:txBody>
-      </p:sp>
-      <p:sp>
-        <p:nvSpPr>
-          <p:cNvPr id="5" name="object 7">
-            <a:extLst>
-              <a:ext uri="{FF2B5EF4-FFF2-40B4-BE49-F238E27FC236}">
-                <a16:creationId xmlns:a16="http://schemas.microsoft.com/office/drawing/2014/main" id="{E8B86F0B-2C96-CD4E-A363-27A6ADEAA383}"/>
-              </a:ext>
-            </a:extLst>
-          </p:cNvPr>
-          <p:cNvSpPr/>
-          <p:nvPr/>
-        </p:nvSpPr>
-        <p:spPr>
-          <a:xfrm>
-            <a:off x="6566787" y="1687624"/>
-            <a:ext cx="3200400" cy="4152900"/>
-          </a:xfrm>
-          <a:prstGeom prst="rect">
-            <a:avLst/>
-          </a:prstGeom>
-          <a:blipFill>
-            <a:blip r:embed="rId2" cstate="print"/>
-            <a:stretch>
-              <a:fillRect/>
-            </a:stretch>
-          </a:blipFill>
-        </p:spPr>
-        <p:txBody>
-          <a:bodyPr wrap="square" lIns="0" tIns="0" rIns="0" bIns="0" rtlCol="0"/>
-          <a:lstStyle/>
-          <a:p>
-            <a:endParaRPr/>
           </a:p>
         </p:txBody>
       </p:sp>
     </p:spTree>
     <p:extLst>
       <p:ext uri="{BB962C8B-B14F-4D97-AF65-F5344CB8AC3E}">
-        <p14:creationId xmlns:p14="http://schemas.microsoft.com/office/powerpoint/2010/main" val="562857389"/>
+        <p14:creationId xmlns:p14="http://schemas.microsoft.com/office/powerpoint/2010/main" val="1663840961"/>
       </p:ext>
     </p:extLst>
   </p:cSld>
@@ -9946,81 +10024,153 @@
         </p:nvSpPr>
         <p:spPr/>
         <p:txBody>
+          <a:bodyPr/>
+          <a:lstStyle/>
+          <a:p>
+            <a:r>
+              <a:rPr lang="en-US" dirty="0"/>
+              <a:t>Synchronized</a:t>
+            </a:r>
+          </a:p>
+        </p:txBody>
+      </p:sp>
+      <p:sp>
+        <p:nvSpPr>
+          <p:cNvPr id="3" name="Content Placeholder 2"/>
+          <p:cNvSpPr>
+            <a:spLocks noGrp="1"/>
+          </p:cNvSpPr>
+          <p:nvPr>
+            <p:ph idx="1"/>
+          </p:nvPr>
+        </p:nvSpPr>
+        <p:spPr/>
+        <p:txBody>
           <a:bodyPr>
-            <a:normAutofit/>
+            <a:normAutofit lnSpcReduction="10000"/>
           </a:bodyPr>
           <a:lstStyle/>
           <a:p>
             <a:r>
-              <a:rPr lang="en-US" dirty="0"/>
-              <a:t>Preventing Race Conditions</a:t>
-            </a:r>
-          </a:p>
-        </p:txBody>
-      </p:sp>
-      <p:sp>
-        <p:nvSpPr>
-          <p:cNvPr id="3" name="Content Placeholder 2"/>
-          <p:cNvSpPr>
-            <a:spLocks noGrp="1"/>
-          </p:cNvSpPr>
-          <p:nvPr>
-            <p:ph idx="1"/>
-          </p:nvPr>
-        </p:nvSpPr>
-        <p:spPr/>
-        <p:txBody>
-          <a:bodyPr/>
-          <a:lstStyle/>
-          <a:p>
-            <a:r>
-              <a:rPr lang="en-US" dirty="0">
+              <a:rPr lang="en-AU" dirty="0">
+                <a:latin typeface="Calibri" panose="020F0502020204030204" pitchFamily="34" charset="0"/>
+                <a:cs typeface="Calibri" panose="020F0502020204030204" pitchFamily="34" charset="0"/>
+              </a:rPr>
+              <a:t>Developers can't guarantee that a single thread will stay running during a whole operation (supposed to be atomic for avoiding race conditions). In fact, </a:t>
+            </a:r>
+            <a:r>
+              <a:rPr lang="en-AU" dirty="0">
                 <a:solidFill>
                   <a:schemeClr val="accent6">
                     <a:lumMod val="75000"/>
                   </a:schemeClr>
                 </a:solidFill>
-              </a:rPr>
-              <a:t>We must guarantee that the steps comprising the withdrawal process are NEVER split apart</a:t>
-            </a:r>
-          </a:p>
-          <a:p>
-            <a:r>
-              <a:rPr lang="en-US" dirty="0">
+                <a:latin typeface="Calibri" panose="020F0502020204030204" pitchFamily="34" charset="0"/>
+                <a:cs typeface="Calibri" panose="020F0502020204030204" pitchFamily="34" charset="0"/>
+              </a:rPr>
+              <a:t>developers can not control the scheduler </a:t>
+            </a:r>
+            <a:r>
+              <a:rPr lang="en-AU" dirty="0">
+                <a:latin typeface="Calibri" panose="020F0502020204030204" pitchFamily="34" charset="0"/>
+                <a:cs typeface="Calibri" panose="020F0502020204030204" pitchFamily="34" charset="0"/>
+              </a:rPr>
+              <a:t>(excluding the case of calling yield()).</a:t>
+            </a:r>
+          </a:p>
+          <a:p>
+            <a:r>
+              <a:rPr lang="en-AU" dirty="0">
                 <a:solidFill>
-                  <a:srgbClr val="E46C0A"/>
+                  <a:schemeClr val="accent6">
+                    <a:lumMod val="75000"/>
+                  </a:schemeClr>
                 </a:solidFill>
-              </a:rPr>
-              <a:t>Withdrawal must be an atomic operation</a:t>
-            </a:r>
-          </a:p>
-          <a:p>
-            <a:pPr lvl="1"/>
-            <a:r>
-              <a:rPr lang="en-US" dirty="0"/>
-              <a:t>Any withdrawal (accomplished by one thread) must be completed before any other thread is allowed to act on the account</a:t>
-            </a:r>
-          </a:p>
-          <a:p>
-            <a:pPr lvl="1"/>
-            <a:r>
-              <a:rPr lang="en-US" dirty="0">
+                <a:latin typeface="Calibri" panose="020F0502020204030204" pitchFamily="34" charset="0"/>
+                <a:cs typeface="Calibri" panose="020F0502020204030204" pitchFamily="34" charset="0"/>
+              </a:rPr>
+              <a:t>In Java, </a:t>
+            </a:r>
+            <a:r>
+              <a:rPr lang="en-AU" b="1" dirty="0">
                 <a:solidFill>
-                  <a:srgbClr val="E46C0A"/>
+                  <a:schemeClr val="accent6">
+                    <a:lumMod val="75000"/>
+                  </a:schemeClr>
                 </a:solidFill>
-              </a:rPr>
-              <a:t>Regardless of the number of actual instructions!</a:t>
-            </a:r>
-          </a:p>
-          <a:p>
-            <a:endParaRPr lang="en-US" dirty="0"/>
+                <a:latin typeface="Calibri" panose="020F0502020204030204" pitchFamily="34" charset="0"/>
+                <a:cs typeface="Calibri" panose="020F0502020204030204" pitchFamily="34" charset="0"/>
+              </a:rPr>
+              <a:t>synchronized</a:t>
+            </a:r>
+            <a:r>
+              <a:rPr lang="en-AU" dirty="0">
+                <a:solidFill>
+                  <a:schemeClr val="accent6">
+                    <a:lumMod val="75000"/>
+                  </a:schemeClr>
+                </a:solidFill>
+                <a:latin typeface="Calibri" panose="020F0502020204030204" pitchFamily="34" charset="0"/>
+                <a:cs typeface="Calibri" panose="020F0502020204030204" pitchFamily="34" charset="0"/>
+              </a:rPr>
+              <a:t> methods are used to protect access to resources that are accessed concurrently. </a:t>
+            </a:r>
+            <a:r>
+              <a:rPr lang="en-AU" dirty="0">
+                <a:latin typeface="Calibri" panose="020F0502020204030204" pitchFamily="34" charset="0"/>
+                <a:cs typeface="Calibri" panose="020F0502020204030204" pitchFamily="34" charset="0"/>
+              </a:rPr>
+              <a:t>Only one thread at a time can access</a:t>
+            </a:r>
+          </a:p>
+          <a:p>
+            <a:r>
+              <a:rPr lang="en-AU" dirty="0">
+                <a:latin typeface="Calibri" panose="020F0502020204030204" pitchFamily="34" charset="0"/>
+                <a:cs typeface="Calibri" panose="020F0502020204030204" pitchFamily="34" charset="0"/>
+              </a:rPr>
+              <a:t>The modifier </a:t>
+            </a:r>
+            <a:r>
+              <a:rPr lang="en-AU" b="1" dirty="0">
+                <a:solidFill>
+                  <a:schemeClr val="accent6">
+                    <a:lumMod val="75000"/>
+                  </a:schemeClr>
+                </a:solidFill>
+                <a:latin typeface="Calibri" panose="020F0502020204030204" pitchFamily="34" charset="0"/>
+                <a:cs typeface="Calibri" panose="020F0502020204030204" pitchFamily="34" charset="0"/>
+              </a:rPr>
+              <a:t>synchronized</a:t>
+            </a:r>
+            <a:r>
+              <a:rPr lang="en-AU" dirty="0">
+                <a:solidFill>
+                  <a:schemeClr val="accent6">
+                    <a:lumMod val="75000"/>
+                  </a:schemeClr>
+                </a:solidFill>
+                <a:latin typeface="Calibri" panose="020F0502020204030204" pitchFamily="34" charset="0"/>
+                <a:cs typeface="Calibri" panose="020F0502020204030204" pitchFamily="34" charset="0"/>
+              </a:rPr>
+              <a:t> can be applied either to a method or an object</a:t>
+            </a:r>
+          </a:p>
+          <a:p>
+            <a:endParaRPr lang="en-AU" dirty="0">
+              <a:solidFill>
+                <a:srgbClr val="E46C0A"/>
+              </a:solidFill>
+              <a:latin typeface="Calibri" panose="020F0502020204030204" pitchFamily="34" charset="0"/>
+              <a:cs typeface="Calibri" panose="020F0502020204030204" pitchFamily="34" charset="0"/>
+            </a:endParaRPr>
           </a:p>
         </p:txBody>
       </p:sp>
     </p:spTree>
     <p:extLst>
       <p:ext uri="{BB962C8B-B14F-4D97-AF65-F5344CB8AC3E}">
-        <p14:creationId xmlns:p14="http://schemas.microsoft.com/office/powerpoint/2010/main" val="1663840961"/>
+        <p14:creationId xmlns:p14="http://schemas.microsoft.com/office/powerpoint/2010/main" val="429689653"/>
       </p:ext>
     </p:extLst>
   </p:cSld>
@@ -10064,7 +10214,7 @@
           <a:p>
             <a:r>
               <a:rPr lang="en-US" dirty="0"/>
-              <a:t>Synchronized</a:t>
+              <a:t>Synchronization and Locks</a:t>
             </a:r>
           </a:p>
         </p:txBody>
@@ -10082,122 +10232,207 @@
         <p:spPr/>
         <p:txBody>
           <a:bodyPr>
-            <a:normAutofit lnSpcReduction="10000"/>
+            <a:normAutofit/>
           </a:bodyPr>
           <a:lstStyle/>
           <a:p>
-            <a:r>
-              <a:rPr lang="en-AU" dirty="0">
-                <a:latin typeface="Calibri" panose="020F0502020204030204" pitchFamily="34" charset="0"/>
-                <a:cs typeface="Calibri" panose="020F0502020204030204" pitchFamily="34" charset="0"/>
-              </a:rPr>
-              <a:t>Developers can't guarantee that a single thread will stay running during a whole operation (supposed to be atomic for avoiding race conditions). In fact, </a:t>
-            </a:r>
-            <a:r>
-              <a:rPr lang="en-AU" dirty="0">
-                <a:solidFill>
-                  <a:schemeClr val="accent6">
-                    <a:lumMod val="75000"/>
-                  </a:schemeClr>
-                </a:solidFill>
-                <a:latin typeface="Calibri" panose="020F0502020204030204" pitchFamily="34" charset="0"/>
-                <a:cs typeface="Calibri" panose="020F0502020204030204" pitchFamily="34" charset="0"/>
-              </a:rPr>
-              <a:t>developers can not control the scheduler </a:t>
-            </a:r>
-            <a:r>
-              <a:rPr lang="en-AU" dirty="0">
-                <a:latin typeface="Calibri" panose="020F0502020204030204" pitchFamily="34" charset="0"/>
-                <a:cs typeface="Calibri" panose="020F0502020204030204" pitchFamily="34" charset="0"/>
-              </a:rPr>
-              <a:t>(excluding the case of calling yield()).</a:t>
-            </a:r>
-          </a:p>
-          <a:p>
-            <a:r>
-              <a:rPr lang="en-AU" dirty="0">
-                <a:solidFill>
-                  <a:schemeClr val="accent6">
-                    <a:lumMod val="75000"/>
-                  </a:schemeClr>
-                </a:solidFill>
-                <a:latin typeface="Calibri" panose="020F0502020204030204" pitchFamily="34" charset="0"/>
-                <a:cs typeface="Calibri" panose="020F0502020204030204" pitchFamily="34" charset="0"/>
-              </a:rPr>
-              <a:t>In Java, </a:t>
-            </a:r>
-            <a:r>
-              <a:rPr lang="en-AU" b="1" dirty="0">
-                <a:solidFill>
-                  <a:schemeClr val="accent6">
-                    <a:lumMod val="75000"/>
-                  </a:schemeClr>
-                </a:solidFill>
-                <a:latin typeface="Calibri" panose="020F0502020204030204" pitchFamily="34" charset="0"/>
-                <a:cs typeface="Calibri" panose="020F0502020204030204" pitchFamily="34" charset="0"/>
-              </a:rPr>
-              <a:t>synchronized</a:t>
-            </a:r>
-            <a:r>
-              <a:rPr lang="en-AU" dirty="0">
-                <a:solidFill>
-                  <a:schemeClr val="accent6">
-                    <a:lumMod val="75000"/>
-                  </a:schemeClr>
-                </a:solidFill>
-                <a:latin typeface="Calibri" panose="020F0502020204030204" pitchFamily="34" charset="0"/>
-                <a:cs typeface="Calibri" panose="020F0502020204030204" pitchFamily="34" charset="0"/>
-              </a:rPr>
-              <a:t> methods are used to protect access to resources that are accessed concurrently. </a:t>
-            </a:r>
-            <a:r>
-              <a:rPr lang="en-AU" dirty="0">
-                <a:latin typeface="Calibri" panose="020F0502020204030204" pitchFamily="34" charset="0"/>
-                <a:cs typeface="Calibri" panose="020F0502020204030204" pitchFamily="34" charset="0"/>
-              </a:rPr>
-              <a:t>Only one thread at a time can access</a:t>
-            </a:r>
-          </a:p>
-          <a:p>
-            <a:r>
-              <a:rPr lang="en-AU" dirty="0">
-                <a:latin typeface="Calibri" panose="020F0502020204030204" pitchFamily="34" charset="0"/>
-                <a:cs typeface="Calibri" panose="020F0502020204030204" pitchFamily="34" charset="0"/>
-              </a:rPr>
-              <a:t>The modifier </a:t>
-            </a:r>
-            <a:r>
-              <a:rPr lang="en-AU" b="1" dirty="0">
-                <a:solidFill>
-                  <a:schemeClr val="accent6">
-                    <a:lumMod val="75000"/>
-                  </a:schemeClr>
-                </a:solidFill>
-                <a:latin typeface="Calibri" panose="020F0502020204030204" pitchFamily="34" charset="0"/>
-                <a:cs typeface="Calibri" panose="020F0502020204030204" pitchFamily="34" charset="0"/>
-              </a:rPr>
-              <a:t>synchronized</a:t>
-            </a:r>
-            <a:r>
-              <a:rPr lang="en-AU" dirty="0">
-                <a:solidFill>
-                  <a:schemeClr val="accent6">
-                    <a:lumMod val="75000"/>
-                  </a:schemeClr>
-                </a:solidFill>
-                <a:latin typeface="Calibri" panose="020F0502020204030204" pitchFamily="34" charset="0"/>
-                <a:cs typeface="Calibri" panose="020F0502020204030204" pitchFamily="34" charset="0"/>
-              </a:rPr>
-              <a:t> can be applied either to a method or an object</a:t>
-            </a:r>
-          </a:p>
-          <a:p>
-            <a:endParaRPr lang="en-AU" dirty="0">
-              <a:solidFill>
-                <a:srgbClr val="E46C0A"/>
-              </a:solidFill>
-              <a:latin typeface="Calibri" panose="020F0502020204030204" pitchFamily="34" charset="0"/>
-              <a:cs typeface="Calibri" panose="020F0502020204030204" pitchFamily="34" charset="0"/>
+            <a:pPr marL="0" indent="0">
+              <a:buNone/>
+            </a:pPr>
+            <a:r>
+              <a:rPr lang="en-US" sz="2200" dirty="0">
+                <a:latin typeface="Consolas" panose="020B0609020204030204" pitchFamily="49" charset="0"/>
+                <a:cs typeface="Consolas" panose="020B0609020204030204" pitchFamily="49" charset="0"/>
+              </a:rPr>
+              <a:t>public synchronized void </a:t>
+            </a:r>
+            <a:r>
+              <a:rPr lang="en-US" sz="2200" dirty="0" err="1">
+                <a:latin typeface="Consolas" panose="020B0609020204030204" pitchFamily="49" charset="0"/>
+                <a:cs typeface="Consolas" panose="020B0609020204030204" pitchFamily="49" charset="0"/>
+              </a:rPr>
+              <a:t>doStuff</a:t>
+            </a:r>
+            <a:r>
+              <a:rPr lang="en-US" sz="2200" dirty="0">
+                <a:latin typeface="Consolas" panose="020B0609020204030204" pitchFamily="49" charset="0"/>
+                <a:cs typeface="Consolas" panose="020B0609020204030204" pitchFamily="49" charset="0"/>
+              </a:rPr>
+              <a:t>() { </a:t>
+            </a:r>
+          </a:p>
+          <a:p>
+            <a:pPr marL="0" indent="0">
+              <a:buNone/>
+            </a:pPr>
+            <a:r>
+              <a:rPr lang="en-US" sz="2200" dirty="0">
+                <a:latin typeface="Consolas" panose="020B0609020204030204" pitchFamily="49" charset="0"/>
+                <a:cs typeface="Consolas" panose="020B0609020204030204" pitchFamily="49" charset="0"/>
+              </a:rPr>
+              <a:t>	</a:t>
+            </a:r>
+            <a:r>
+              <a:rPr lang="en-US" sz="2200" dirty="0" err="1">
+                <a:latin typeface="Consolas" panose="020B0609020204030204" pitchFamily="49" charset="0"/>
+                <a:cs typeface="Consolas" panose="020B0609020204030204" pitchFamily="49" charset="0"/>
+              </a:rPr>
+              <a:t>System.out.println</a:t>
+            </a:r>
+            <a:r>
+              <a:rPr lang="en-US" sz="2200" dirty="0">
+                <a:latin typeface="Consolas" panose="020B0609020204030204" pitchFamily="49" charset="0"/>
+                <a:cs typeface="Consolas" panose="020B0609020204030204" pitchFamily="49" charset="0"/>
+              </a:rPr>
+              <a:t>("synchronized");</a:t>
+            </a:r>
+          </a:p>
+          <a:p>
+            <a:pPr marL="0" indent="0">
+              <a:buNone/>
+            </a:pPr>
+            <a:r>
+              <a:rPr lang="en-US" sz="2200" dirty="0">
+                <a:latin typeface="Consolas" panose="020B0609020204030204" pitchFamily="49" charset="0"/>
+                <a:cs typeface="Consolas" panose="020B0609020204030204" pitchFamily="49" charset="0"/>
+              </a:rPr>
+              <a:t>}</a:t>
+            </a:r>
+          </a:p>
+          <a:p>
+            <a:pPr marL="0" indent="0">
+              <a:buNone/>
+            </a:pPr>
+            <a:endParaRPr lang="en-US" sz="2200" dirty="0">
+              <a:latin typeface="Consolas" panose="020B0609020204030204" pitchFamily="49" charset="0"/>
+              <a:cs typeface="Consolas" panose="020B0609020204030204" pitchFamily="49" charset="0"/>
+            </a:endParaRPr>
+          </a:p>
+          <a:p>
+            <a:pPr marL="0" indent="0">
+              <a:buNone/>
+            </a:pPr>
+            <a:r>
+              <a:rPr lang="en-US" sz="2200" dirty="0">
+                <a:latin typeface="Consolas" panose="020B0609020204030204" pitchFamily="49" charset="0"/>
+                <a:cs typeface="Consolas" panose="020B0609020204030204" pitchFamily="49" charset="0"/>
+              </a:rPr>
+              <a:t>/* is equivalent to… */</a:t>
+            </a:r>
+          </a:p>
+          <a:p>
+            <a:pPr marL="0" indent="0">
+              <a:buNone/>
+            </a:pPr>
+            <a:endParaRPr lang="en-US" sz="2200" dirty="0">
+              <a:latin typeface="Consolas" panose="020B0609020204030204" pitchFamily="49" charset="0"/>
+              <a:cs typeface="Consolas" panose="020B0609020204030204" pitchFamily="49" charset="0"/>
+            </a:endParaRPr>
+          </a:p>
+          <a:p>
+            <a:pPr marL="0" indent="0">
+              <a:buNone/>
+            </a:pPr>
+            <a:r>
+              <a:rPr lang="en-US" sz="2200" dirty="0">
+                <a:latin typeface="Consolas" panose="020B0609020204030204" pitchFamily="49" charset="0"/>
+                <a:cs typeface="Consolas" panose="020B0609020204030204" pitchFamily="49" charset="0"/>
+              </a:rPr>
+              <a:t>public void </a:t>
+            </a:r>
+            <a:r>
+              <a:rPr lang="en-US" sz="2200" dirty="0" err="1">
+                <a:latin typeface="Consolas" panose="020B0609020204030204" pitchFamily="49" charset="0"/>
+                <a:cs typeface="Consolas" panose="020B0609020204030204" pitchFamily="49" charset="0"/>
+              </a:rPr>
+              <a:t>doStuff</a:t>
+            </a:r>
+            <a:r>
+              <a:rPr lang="en-US" sz="2200" dirty="0">
+                <a:latin typeface="Consolas" panose="020B0609020204030204" pitchFamily="49" charset="0"/>
+                <a:cs typeface="Consolas" panose="020B0609020204030204" pitchFamily="49" charset="0"/>
+              </a:rPr>
+              <a:t>() { </a:t>
+            </a:r>
+          </a:p>
+          <a:p>
+            <a:pPr marL="0" indent="0">
+              <a:buNone/>
+            </a:pPr>
+            <a:r>
+              <a:rPr lang="en-US" sz="2200" dirty="0">
+                <a:latin typeface="Consolas" panose="020B0609020204030204" pitchFamily="49" charset="0"/>
+                <a:cs typeface="Consolas" panose="020B0609020204030204" pitchFamily="49" charset="0"/>
+              </a:rPr>
+              <a:t>	synchronized(this) {</a:t>
+            </a:r>
+          </a:p>
+          <a:p>
+            <a:pPr marL="0" indent="0">
+              <a:buNone/>
+            </a:pPr>
+            <a:r>
+              <a:rPr lang="en-US" sz="2200" dirty="0">
+                <a:latin typeface="Consolas" panose="020B0609020204030204" pitchFamily="49" charset="0"/>
+                <a:cs typeface="Consolas" panose="020B0609020204030204" pitchFamily="49" charset="0"/>
+              </a:rPr>
+              <a:t>		</a:t>
+            </a:r>
+            <a:r>
+              <a:rPr lang="en-US" sz="2200" dirty="0" err="1">
+                <a:latin typeface="Consolas" panose="020B0609020204030204" pitchFamily="49" charset="0"/>
+                <a:cs typeface="Consolas" panose="020B0609020204030204" pitchFamily="49" charset="0"/>
+              </a:rPr>
+              <a:t>System.out.println</a:t>
+            </a:r>
+            <a:r>
+              <a:rPr lang="en-US" sz="2200" dirty="0">
+                <a:latin typeface="Consolas" panose="020B0609020204030204" pitchFamily="49" charset="0"/>
+                <a:cs typeface="Consolas" panose="020B0609020204030204" pitchFamily="49" charset="0"/>
+              </a:rPr>
+              <a:t>("synchronized");</a:t>
+            </a:r>
+          </a:p>
+          <a:p>
+            <a:pPr marL="0" indent="0">
+              <a:buNone/>
+            </a:pPr>
+            <a:r>
+              <a:rPr lang="en-US" sz="2200" dirty="0">
+                <a:latin typeface="Consolas" panose="020B0609020204030204" pitchFamily="49" charset="0"/>
+                <a:cs typeface="Consolas" panose="020B0609020204030204" pitchFamily="49" charset="0"/>
+              </a:rPr>
+              <a:t>	}  </a:t>
+            </a:r>
+          </a:p>
+          <a:p>
+            <a:pPr marL="0" indent="0">
+              <a:buNone/>
+            </a:pPr>
+            <a:r>
+              <a:rPr lang="en-US" sz="2200" dirty="0">
+                <a:latin typeface="Consolas" panose="020B0609020204030204" pitchFamily="49" charset="0"/>
+                <a:cs typeface="Consolas" panose="020B0609020204030204" pitchFamily="49" charset="0"/>
+              </a:rPr>
+              <a:t>}</a:t>
+            </a:r>
+          </a:p>
+          <a:p>
+            <a:pPr marL="0" indent="0">
+              <a:buNone/>
+            </a:pPr>
+            <a:endParaRPr lang="en-US" sz="2200" dirty="0">
+              <a:latin typeface="Consolas" panose="020B0609020204030204" pitchFamily="49" charset="0"/>
+              <a:cs typeface="Consolas" panose="020B0609020204030204" pitchFamily="49" charset="0"/>
+            </a:endParaRPr>
+          </a:p>
+          <a:p>
+            <a:pPr marL="0" indent="0">
+              <a:buNone/>
+            </a:pPr>
+            <a:endParaRPr lang="en-US" sz="2200" dirty="0">
+              <a:latin typeface="Consolas" panose="020B0609020204030204" pitchFamily="49" charset="0"/>
+              <a:cs typeface="Consolas" panose="020B0609020204030204" pitchFamily="49" charset="0"/>
             </a:endParaRPr>
           </a:p>
         </p:txBody>
@@ -10205,7 +10440,7 @@
     </p:spTree>
     <p:extLst>
       <p:ext uri="{BB962C8B-B14F-4D97-AF65-F5344CB8AC3E}">
-        <p14:creationId xmlns:p14="http://schemas.microsoft.com/office/powerpoint/2010/main" val="429689653"/>
+        <p14:creationId xmlns:p14="http://schemas.microsoft.com/office/powerpoint/2010/main" val="2474475419"/>
       </p:ext>
     </p:extLst>
   </p:cSld>
@@ -10271,211 +10506,78 @@
           </a:bodyPr>
           <a:lstStyle/>
           <a:p>
-            <a:pPr marL="0" indent="0">
-              <a:buNone/>
-            </a:pPr>
-            <a:r>
-              <a:rPr lang="en-US" sz="2000" dirty="0">
-                <a:latin typeface="Consolas"/>
-                <a:cs typeface="Consolas"/>
-              </a:rPr>
-              <a:t>public synchronized void </a:t>
-            </a:r>
-            <a:r>
-              <a:rPr lang="en-US" sz="2000" dirty="0" err="1">
-                <a:latin typeface="Consolas"/>
-                <a:cs typeface="Consolas"/>
-              </a:rPr>
-              <a:t>doStuff</a:t>
-            </a:r>
-            <a:r>
-              <a:rPr lang="en-US" sz="2000" dirty="0">
-                <a:latin typeface="Consolas"/>
-                <a:cs typeface="Consolas"/>
-              </a:rPr>
-              <a:t>() { </a:t>
-            </a:r>
-          </a:p>
-          <a:p>
-            <a:pPr marL="0" indent="0">
-              <a:buNone/>
-            </a:pPr>
-            <a:r>
-              <a:rPr lang="en-US" sz="2000" dirty="0">
-                <a:latin typeface="Consolas"/>
-                <a:cs typeface="Consolas"/>
-              </a:rPr>
-              <a:t>	</a:t>
-            </a:r>
-            <a:r>
-              <a:rPr lang="en-US" sz="2000" dirty="0" err="1">
-                <a:latin typeface="Consolas"/>
-                <a:cs typeface="Consolas"/>
-              </a:rPr>
-              <a:t>System.out.println</a:t>
-            </a:r>
-            <a:r>
-              <a:rPr lang="en-US" sz="2000" dirty="0">
-                <a:latin typeface="Consolas"/>
-                <a:cs typeface="Consolas"/>
-              </a:rPr>
-              <a:t>("synchronized");</a:t>
-            </a:r>
-          </a:p>
-          <a:p>
-            <a:pPr marL="0" indent="0">
-              <a:buNone/>
-            </a:pPr>
-            <a:r>
-              <a:rPr lang="en-US" sz="2000" dirty="0">
-                <a:latin typeface="Consolas"/>
-                <a:cs typeface="Consolas"/>
-              </a:rPr>
-              <a:t>}</a:t>
-            </a:r>
-          </a:p>
-          <a:p>
-            <a:pPr marL="0" indent="0">
-              <a:buNone/>
-            </a:pPr>
-            <a:endParaRPr lang="en-US" sz="2400" dirty="0">
-              <a:latin typeface="Consolas"/>
-              <a:cs typeface="Consolas"/>
-            </a:endParaRPr>
-          </a:p>
-          <a:p>
-            <a:pPr marL="0" indent="0">
-              <a:buNone/>
-            </a:pPr>
-            <a:r>
-              <a:rPr lang="en-US" sz="2400" dirty="0">
-                <a:latin typeface="Calibri" panose="020F0502020204030204" pitchFamily="34" charset="0"/>
-                <a:cs typeface="Calibri" panose="020F0502020204030204" pitchFamily="34" charset="0"/>
-              </a:rPr>
-              <a:t>Is equivalent to</a:t>
-            </a:r>
-          </a:p>
-          <a:p>
-            <a:pPr marL="0" indent="0">
-              <a:buNone/>
-            </a:pPr>
-            <a:endParaRPr lang="en-US" sz="2400" dirty="0">
-              <a:latin typeface="Consolas"/>
-              <a:cs typeface="Consolas"/>
-            </a:endParaRPr>
-          </a:p>
-          <a:p>
-            <a:pPr marL="0" indent="0">
-              <a:buNone/>
-            </a:pPr>
-            <a:r>
-              <a:rPr lang="en-US" sz="2000" dirty="0">
-                <a:latin typeface="Consolas"/>
-                <a:cs typeface="Consolas"/>
-              </a:rPr>
-              <a:t>public void </a:t>
-            </a:r>
-            <a:r>
-              <a:rPr lang="en-US" sz="2000" dirty="0" err="1">
-                <a:latin typeface="Consolas"/>
-                <a:cs typeface="Consolas"/>
-              </a:rPr>
-              <a:t>doStuff</a:t>
-            </a:r>
-            <a:r>
-              <a:rPr lang="en-US" sz="2000" dirty="0">
-                <a:latin typeface="Consolas"/>
-                <a:cs typeface="Consolas"/>
-              </a:rPr>
-              <a:t>() { </a:t>
-            </a:r>
-          </a:p>
-          <a:p>
-            <a:pPr marL="0" indent="0">
-              <a:buNone/>
-            </a:pPr>
-            <a:r>
-              <a:rPr lang="en-US" sz="2000" dirty="0">
-                <a:latin typeface="Consolas"/>
-                <a:cs typeface="Consolas"/>
-              </a:rPr>
-              <a:t>	synchronized(this) {</a:t>
-            </a:r>
-          </a:p>
-          <a:p>
-            <a:pPr marL="0" indent="0">
-              <a:buNone/>
-            </a:pPr>
-            <a:r>
-              <a:rPr lang="en-US" sz="2000" dirty="0">
-                <a:latin typeface="Consolas"/>
-                <a:cs typeface="Consolas"/>
-              </a:rPr>
-              <a:t>		</a:t>
-            </a:r>
-            <a:r>
-              <a:rPr lang="en-US" sz="2000" dirty="0" err="1">
-                <a:latin typeface="Consolas"/>
-                <a:cs typeface="Consolas"/>
-              </a:rPr>
-              <a:t>System.out.println</a:t>
-            </a:r>
-            <a:r>
-              <a:rPr lang="en-US" sz="2000" dirty="0">
-                <a:latin typeface="Consolas"/>
-                <a:cs typeface="Consolas"/>
-              </a:rPr>
-              <a:t>("synchronized");</a:t>
-            </a:r>
-          </a:p>
-          <a:p>
-            <a:pPr marL="0" indent="0">
-              <a:buNone/>
-            </a:pPr>
-            <a:r>
-              <a:rPr lang="en-US" sz="2000" dirty="0">
-                <a:latin typeface="Consolas"/>
-                <a:cs typeface="Consolas"/>
-              </a:rPr>
-              <a:t>	}  </a:t>
-            </a:r>
-          </a:p>
-          <a:p>
-            <a:pPr marL="0" indent="0">
-              <a:buNone/>
-            </a:pPr>
-            <a:r>
-              <a:rPr lang="en-US" sz="2000" dirty="0">
-                <a:latin typeface="Consolas"/>
-                <a:cs typeface="Consolas"/>
-              </a:rPr>
-              <a:t>}</a:t>
-            </a:r>
-          </a:p>
-          <a:p>
-            <a:pPr marL="0" indent="0">
-              <a:buNone/>
-            </a:pPr>
-            <a:endParaRPr lang="en-US" sz="2000" dirty="0">
-              <a:latin typeface="Consolas"/>
-              <a:cs typeface="Consolas"/>
-            </a:endParaRPr>
-          </a:p>
-          <a:p>
-            <a:pPr marL="0" indent="0">
-              <a:buNone/>
-            </a:pPr>
-            <a:endParaRPr lang="en-US" sz="2400" dirty="0">
-              <a:latin typeface="Consolas"/>
-              <a:cs typeface="Consolas"/>
-            </a:endParaRPr>
+            <a:r>
+              <a:rPr lang="en-US" dirty="0">
+                <a:solidFill>
+                  <a:srgbClr val="E46C0A"/>
+                </a:solidFill>
+              </a:rPr>
+              <a:t>Every object in Java has ONE built-in lock</a:t>
+            </a:r>
+          </a:p>
+          <a:p>
+            <a:r>
+              <a:rPr lang="en-US" dirty="0"/>
+              <a:t>Entering a </a:t>
+            </a:r>
+            <a:r>
+              <a:rPr lang="en-US" dirty="0">
+                <a:solidFill>
+                  <a:schemeClr val="accent6">
+                    <a:lumMod val="75000"/>
+                  </a:schemeClr>
+                </a:solidFill>
+              </a:rPr>
+              <a:t>synchronized non-static method means getting the lock of the object</a:t>
+            </a:r>
+            <a:r>
+              <a:rPr lang="en-US" dirty="0"/>
+              <a:t>. If one thread gets the lock, all other threads have to wait to enter ALL the synchronized code until the lock is released (the first thread exits the </a:t>
+            </a:r>
+            <a:r>
+              <a:rPr lang="en-US" dirty="0">
+                <a:solidFill>
+                  <a:schemeClr val="accent6">
+                    <a:lumMod val="75000"/>
+                  </a:schemeClr>
+                </a:solidFill>
+              </a:rPr>
+              <a:t>synchronized </a:t>
+            </a:r>
+            <a:r>
+              <a:rPr lang="en-US" dirty="0"/>
+              <a:t>method)</a:t>
+            </a:r>
+          </a:p>
+          <a:p>
+            <a:r>
+              <a:rPr lang="en-US" dirty="0"/>
+              <a:t>Entering a </a:t>
+            </a:r>
+            <a:r>
+              <a:rPr lang="en-US" dirty="0">
+                <a:solidFill>
+                  <a:schemeClr val="accent6">
+                    <a:lumMod val="75000"/>
+                  </a:schemeClr>
+                </a:solidFill>
+              </a:rPr>
+              <a:t>synchronized static method means getting the lock of the class</a:t>
+            </a:r>
+            <a:r>
+              <a:rPr lang="en-US" dirty="0"/>
+              <a:t> instead of an object. Useful when the shared resource is defined static as well.</a:t>
+            </a:r>
+          </a:p>
+          <a:p>
+            <a:endParaRPr lang="en-US" dirty="0"/>
           </a:p>
         </p:txBody>
       </p:sp>
     </p:spTree>
     <p:extLst>
       <p:ext uri="{BB962C8B-B14F-4D97-AF65-F5344CB8AC3E}">
-        <p14:creationId xmlns:p14="http://schemas.microsoft.com/office/powerpoint/2010/main" val="2474475419"/>
+        <p14:creationId xmlns:p14="http://schemas.microsoft.com/office/powerpoint/2010/main" val="2112625906"/>
       </p:ext>
     </p:extLst>
   </p:cSld>
@@ -10514,7 +10616,9 @@
         </p:nvSpPr>
         <p:spPr/>
         <p:txBody>
-          <a:bodyPr/>
+          <a:bodyPr>
+            <a:normAutofit/>
+          </a:bodyPr>
           <a:lstStyle/>
           <a:p>
             <a:r>
@@ -10547,14 +10651,21 @@
                   <a:srgbClr val="E46C0A"/>
                 </a:solidFill>
               </a:rPr>
-              <a:t>Every object in Java has ONE built-in lock</a:t>
-            </a:r>
-          </a:p>
-          <a:p>
-            <a:r>
-              <a:rPr lang="en-US" dirty="0"/>
-              <a:t>Entering a </a:t>
-            </a:r>
+              <a:t>Whenever an object lock has been acquired by one thread, other threads can still access the class's non-synchronized methods. </a:t>
+            </a:r>
+            <a:r>
+              <a:rPr lang="en-US" dirty="0"/>
+              <a:t>Methods that don't access critical data don’t need to be synchronized</a:t>
+            </a:r>
+          </a:p>
+          <a:p>
+            <a:r>
+              <a:rPr lang="en-US" dirty="0"/>
+              <a:t>Details:</a:t>
+            </a:r>
+          </a:p>
+          <a:p>
+            <a:pPr lvl="1"/>
             <a:r>
               <a:rPr lang="en-US" dirty="0">
                 <a:solidFill>
@@ -10563,45 +10674,22 @@
                   </a:schemeClr>
                 </a:solidFill>
               </a:rPr>
-              <a:t>synchronized non-static method means getting the lock of the object</a:t>
-            </a:r>
-            <a:r>
-              <a:rPr lang="en-US" dirty="0"/>
-              <a:t>. If one thread gets the lock, all other threads have to wait to enter ALL the synchronized code until the lock is released (the first thread exits the </a:t>
-            </a:r>
+              <a:t>Threads going to sleep don't release locks!</a:t>
+            </a:r>
+          </a:p>
+          <a:p>
+            <a:pPr lvl="1"/>
             <a:r>
               <a:rPr lang="en-US" dirty="0">
                 <a:solidFill>
-                  <a:schemeClr val="accent6">
-                    <a:lumMod val="75000"/>
-                  </a:schemeClr>
+                  <a:srgbClr val="E46C0A"/>
                 </a:solidFill>
               </a:rPr>
-              <a:t>synchronized </a:t>
-            </a:r>
-            <a:r>
-              <a:rPr lang="en-US" dirty="0"/>
-              <a:t>method)</a:t>
-            </a:r>
-          </a:p>
-          <a:p>
-            <a:r>
-              <a:rPr lang="en-US" dirty="0"/>
-              <a:t>Entering a </a:t>
-            </a:r>
-            <a:r>
-              <a:rPr lang="en-US" dirty="0">
-                <a:solidFill>
-                  <a:schemeClr val="accent6">
-                    <a:lumMod val="75000"/>
-                  </a:schemeClr>
-                </a:solidFill>
-              </a:rPr>
-              <a:t>synchronized static method means getting the lock of the class</a:t>
-            </a:r>
-            <a:r>
-              <a:rPr lang="en-US" dirty="0"/>
-              <a:t> instead of an object. Useful when the shared resource is defined static as well.</a:t>
+              <a:t>A thread can acquire more than one lock. </a:t>
+            </a:r>
+            <a:r>
+              <a:rPr lang="en-US" dirty="0"/>
+              <a:t>For example, a thread can enter a synchronized method, then immediately invoke a synchronized method on another object (deadlock prone!)</a:t>
             </a:r>
           </a:p>
           <a:p>
@@ -10612,7 +10700,7 @@
     </p:spTree>
     <p:extLst>
       <p:ext uri="{BB962C8B-B14F-4D97-AF65-F5344CB8AC3E}">
-        <p14:creationId xmlns:p14="http://schemas.microsoft.com/office/powerpoint/2010/main" val="2112625906"/>
+        <p14:creationId xmlns:p14="http://schemas.microsoft.com/office/powerpoint/2010/main" val="2208174536"/>
       </p:ext>
     </p:extLst>
   </p:cSld>
@@ -10651,129 +10739,6 @@
         </p:nvSpPr>
         <p:spPr/>
         <p:txBody>
-          <a:bodyPr>
-            <a:normAutofit/>
-          </a:bodyPr>
-          <a:lstStyle/>
-          <a:p>
-            <a:r>
-              <a:rPr lang="en-US" dirty="0"/>
-              <a:t>Synchronization and Locks</a:t>
-            </a:r>
-          </a:p>
-        </p:txBody>
-      </p:sp>
-      <p:sp>
-        <p:nvSpPr>
-          <p:cNvPr id="3" name="Content Placeholder 2"/>
-          <p:cNvSpPr>
-            <a:spLocks noGrp="1"/>
-          </p:cNvSpPr>
-          <p:nvPr>
-            <p:ph idx="1"/>
-          </p:nvPr>
-        </p:nvSpPr>
-        <p:spPr/>
-        <p:txBody>
-          <a:bodyPr>
-            <a:normAutofit/>
-          </a:bodyPr>
-          <a:lstStyle/>
-          <a:p>
-            <a:r>
-              <a:rPr lang="en-US" dirty="0">
-                <a:solidFill>
-                  <a:srgbClr val="E46C0A"/>
-                </a:solidFill>
-              </a:rPr>
-              <a:t>Whenever an object lock has been acquired by one thread, other threads can still access the class's non-synchronized methods. </a:t>
-            </a:r>
-            <a:r>
-              <a:rPr lang="en-US" dirty="0"/>
-              <a:t>Methods that don't access critical data don’t need to be synchronized</a:t>
-            </a:r>
-          </a:p>
-          <a:p>
-            <a:r>
-              <a:rPr lang="en-US" dirty="0"/>
-              <a:t>Details:</a:t>
-            </a:r>
-          </a:p>
-          <a:p>
-            <a:pPr lvl="1"/>
-            <a:r>
-              <a:rPr lang="en-US" dirty="0">
-                <a:solidFill>
-                  <a:schemeClr val="accent6">
-                    <a:lumMod val="75000"/>
-                  </a:schemeClr>
-                </a:solidFill>
-              </a:rPr>
-              <a:t>Threads going to sleep don't release locks!</a:t>
-            </a:r>
-          </a:p>
-          <a:p>
-            <a:pPr lvl="1"/>
-            <a:r>
-              <a:rPr lang="en-US" dirty="0">
-                <a:solidFill>
-                  <a:srgbClr val="E46C0A"/>
-                </a:solidFill>
-              </a:rPr>
-              <a:t>A thread can acquire more than one lock. </a:t>
-            </a:r>
-            <a:r>
-              <a:rPr lang="en-US" dirty="0"/>
-              <a:t>For example, a thread can enter a synchronized method, then immediately invoke a synchronized method on another object (deadlock prone!)</a:t>
-            </a:r>
-          </a:p>
-          <a:p>
-            <a:endParaRPr lang="en-US" dirty="0"/>
-          </a:p>
-        </p:txBody>
-      </p:sp>
-    </p:spTree>
-    <p:extLst>
-      <p:ext uri="{BB962C8B-B14F-4D97-AF65-F5344CB8AC3E}">
-        <p14:creationId xmlns:p14="http://schemas.microsoft.com/office/powerpoint/2010/main" val="2208174536"/>
-      </p:ext>
-    </p:extLst>
-  </p:cSld>
-  <p:clrMapOvr>
-    <a:masterClrMapping/>
-  </p:clrMapOvr>
-</p:sld>
-</file>
-
-<file path=ppt/slides/slide49.xml><?xml version="1.0" encoding="utf-8"?>
-<p:sld xmlns:a="http://schemas.openxmlformats.org/drawingml/2006/main" xmlns:r="http://schemas.openxmlformats.org/officeDocument/2006/relationships" xmlns:p="http://schemas.openxmlformats.org/presentationml/2006/main">
-  <p:cSld>
-    <p:spTree>
-      <p:nvGrpSpPr>
-        <p:cNvPr id="1" name=""/>
-        <p:cNvGrpSpPr/>
-        <p:nvPr/>
-      </p:nvGrpSpPr>
-      <p:grpSpPr>
-        <a:xfrm>
-          <a:off x="0" y="0"/>
-          <a:ext cx="0" cy="0"/>
-          <a:chOff x="0" y="0"/>
-          <a:chExt cx="0" cy="0"/>
-        </a:xfrm>
-      </p:grpSpPr>
-      <p:sp>
-        <p:nvSpPr>
-          <p:cNvPr id="2" name="Title 1"/>
-          <p:cNvSpPr>
-            <a:spLocks noGrp="1"/>
-          </p:cNvSpPr>
-          <p:nvPr>
-            <p:ph type="title"/>
-          </p:nvPr>
-        </p:nvSpPr>
-        <p:spPr/>
-        <p:txBody>
           <a:bodyPr/>
           <a:lstStyle/>
           <a:p>
@@ -10858,145 +10823,7 @@
 </p:sld>
 </file>
 
-<file path=ppt/slides/slide5.xml><?xml version="1.0" encoding="utf-8"?>
-<p:sld xmlns:a="http://schemas.openxmlformats.org/drawingml/2006/main" xmlns:r="http://schemas.openxmlformats.org/officeDocument/2006/relationships" xmlns:p="http://schemas.openxmlformats.org/presentationml/2006/main">
-  <p:cSld>
-    <p:spTree>
-      <p:nvGrpSpPr>
-        <p:cNvPr id="1" name=""/>
-        <p:cNvGrpSpPr/>
-        <p:nvPr/>
-      </p:nvGrpSpPr>
-      <p:grpSpPr>
-        <a:xfrm>
-          <a:off x="0" y="0"/>
-          <a:ext cx="0" cy="0"/>
-          <a:chOff x="0" y="0"/>
-          <a:chExt cx="0" cy="0"/>
-        </a:xfrm>
-      </p:grpSpPr>
-      <p:sp>
-        <p:nvSpPr>
-          <p:cNvPr id="2" name="Title 1"/>
-          <p:cNvSpPr>
-            <a:spLocks noGrp="1"/>
-          </p:cNvSpPr>
-          <p:nvPr>
-            <p:ph type="title"/>
-          </p:nvPr>
-        </p:nvSpPr>
-        <p:spPr/>
-        <p:txBody>
-          <a:bodyPr/>
-          <a:lstStyle/>
-          <a:p>
-            <a:r>
-              <a:rPr lang="en-US" dirty="0"/>
-              <a:t>JVM and Operating System</a:t>
-            </a:r>
-          </a:p>
-        </p:txBody>
-      </p:sp>
-      <p:sp>
-        <p:nvSpPr>
-          <p:cNvPr id="3" name="Content Placeholder 2"/>
-          <p:cNvSpPr>
-            <a:spLocks noGrp="1"/>
-          </p:cNvSpPr>
-          <p:nvPr>
-            <p:ph idx="1"/>
-          </p:nvPr>
-        </p:nvSpPr>
-        <p:spPr/>
-        <p:txBody>
-          <a:bodyPr>
-            <a:normAutofit/>
-          </a:bodyPr>
-          <a:lstStyle/>
-          <a:p>
-            <a:r>
-              <a:rPr lang="en-US" sz="2800" dirty="0"/>
-              <a:t>A </a:t>
-            </a:r>
-            <a:r>
-              <a:rPr lang="en-US" sz="2800" dirty="0">
-                <a:solidFill>
-                  <a:schemeClr val="accent6">
-                    <a:lumMod val="75000"/>
-                  </a:schemeClr>
-                </a:solidFill>
-              </a:rPr>
-              <a:t>multitasking	operating	system	assigns	CPU time (slices) to processes/threads</a:t>
-            </a:r>
-            <a:r>
-              <a:rPr lang="en-US" sz="2800" dirty="0"/>
-              <a:t> via a kernel component called </a:t>
-            </a:r>
-            <a:r>
-              <a:rPr lang="en-US" sz="2800" i="1" dirty="0"/>
-              <a:t>scheduler</a:t>
-            </a:r>
-          </a:p>
-          <a:p>
-            <a:r>
-              <a:rPr lang="en-US" sz="2800" dirty="0">
-                <a:solidFill>
-                  <a:schemeClr val="accent6">
-                    <a:lumMod val="75000"/>
-                  </a:schemeClr>
-                </a:solidFill>
-              </a:rPr>
-              <a:t>Preemption</a:t>
-            </a:r>
-            <a:r>
-              <a:rPr lang="en-US" sz="2800" dirty="0"/>
-              <a:t> is defined as the ability of the scheduler to suspend a process/thread before the end of its execution (i.e., when its time slice is over)</a:t>
-            </a:r>
-            <a:endParaRPr lang="en-US" sz="2800" i="1" dirty="0"/>
-          </a:p>
-          <a:p>
-            <a:r>
-              <a:rPr lang="en-US" sz="2800" dirty="0"/>
-              <a:t>Small time-slices (5-20ms) provide the </a:t>
-            </a:r>
-            <a:r>
-              <a:rPr lang="en-US" sz="2800" dirty="0">
-                <a:solidFill>
-                  <a:srgbClr val="E46C0A"/>
-                </a:solidFill>
-              </a:rPr>
-              <a:t>illusion of parallelism of different processes/threads </a:t>
-            </a:r>
-            <a:r>
-              <a:rPr lang="en-US" sz="2800" dirty="0"/>
-              <a:t>(on multi-core machines it is a partial illusion)</a:t>
-            </a:r>
-          </a:p>
-          <a:p>
-            <a:endParaRPr lang="en-US" sz="2800" dirty="0"/>
-          </a:p>
-          <a:p>
-            <a:endParaRPr lang="en-US" sz="2800" dirty="0"/>
-          </a:p>
-          <a:p>
-            <a:endParaRPr lang="en-US" sz="2800" dirty="0"/>
-          </a:p>
-        </p:txBody>
-      </p:sp>
-    </p:spTree>
-    <p:extLst>
-      <p:ext uri="{BB962C8B-B14F-4D97-AF65-F5344CB8AC3E}">
-        <p14:creationId xmlns:p14="http://schemas.microsoft.com/office/powerpoint/2010/main" val="1454361162"/>
-      </p:ext>
-    </p:extLst>
-  </p:cSld>
-  <p:clrMapOvr>
-    <a:masterClrMapping/>
-  </p:clrMapOvr>
-</p:sld>
-</file>
-
-<file path=ppt/slides/slide50.xml><?xml version="1.0" encoding="utf-8"?>
+<file path=ppt/slides/slide49.xml><?xml version="1.0" encoding="utf-8"?>
 <p:sld xmlns:a="http://schemas.openxmlformats.org/drawingml/2006/main" xmlns:r="http://schemas.openxmlformats.org/officeDocument/2006/relationships" xmlns:p="http://schemas.openxmlformats.org/presentationml/2006/main">
   <p:cSld>
     <p:spTree>
@@ -12011,7 +11838,103 @@
 </p:sld>
 </file>
 
-<file path=ppt/slides/slide51.xml><?xml version="1.0" encoding="utf-8"?>
+<file path=ppt/slides/slide5.xml><?xml version="1.0" encoding="utf-8"?>
+<p:sld xmlns:a="http://schemas.openxmlformats.org/drawingml/2006/main" xmlns:r="http://schemas.openxmlformats.org/officeDocument/2006/relationships" xmlns:p="http://schemas.openxmlformats.org/presentationml/2006/main">
+  <p:cSld>
+    <p:spTree>
+      <p:nvGrpSpPr>
+        <p:cNvPr id="1" name=""/>
+        <p:cNvGrpSpPr/>
+        <p:nvPr/>
+      </p:nvGrpSpPr>
+      <p:grpSpPr>
+        <a:xfrm>
+          <a:off x="0" y="0"/>
+          <a:ext cx="0" cy="0"/>
+          <a:chOff x="0" y="0"/>
+          <a:chExt cx="0" cy="0"/>
+        </a:xfrm>
+      </p:grpSpPr>
+      <p:sp>
+        <p:nvSpPr>
+          <p:cNvPr id="2" name="Title 1"/>
+          <p:cNvSpPr>
+            <a:spLocks noGrp="1"/>
+          </p:cNvSpPr>
+          <p:nvPr>
+            <p:ph type="title"/>
+          </p:nvPr>
+        </p:nvSpPr>
+        <p:spPr/>
+        <p:txBody>
+          <a:bodyPr/>
+          <a:lstStyle/>
+          <a:p>
+            <a:r>
+              <a:rPr lang="en-US" dirty="0"/>
+              <a:t>Threads</a:t>
+            </a:r>
+          </a:p>
+        </p:txBody>
+      </p:sp>
+      <p:sp>
+        <p:nvSpPr>
+          <p:cNvPr id="3" name="Content Placeholder 2"/>
+          <p:cNvSpPr>
+            <a:spLocks noGrp="1"/>
+          </p:cNvSpPr>
+          <p:nvPr>
+            <p:ph idx="1"/>
+          </p:nvPr>
+        </p:nvSpPr>
+        <p:spPr/>
+        <p:txBody>
+          <a:bodyPr>
+            <a:normAutofit/>
+          </a:bodyPr>
+          <a:lstStyle/>
+          <a:p>
+            <a:r>
+              <a:rPr lang="en-US" dirty="0">
+                <a:solidFill>
+                  <a:srgbClr val="E46C0A"/>
+                </a:solidFill>
+              </a:rPr>
+              <a:t>All Java programs have at least one thread, the main() thread</a:t>
+            </a:r>
+            <a:r>
+              <a:rPr lang="en-US" dirty="0"/>
+              <a:t> </a:t>
+            </a:r>
+          </a:p>
+          <a:p>
+            <a:r>
+              <a:rPr lang="en-US" dirty="0"/>
+              <a:t>When a program starts running, the JVM creates a new thread and calls the main() method </a:t>
+            </a:r>
+          </a:p>
+          <a:p>
+            <a:r>
+              <a:rPr lang="en-US" dirty="0"/>
+              <a:t>There are other threads created by the JVM that users usually don’t interact with explicitly (e.g., garbage collector)</a:t>
+            </a:r>
+          </a:p>
+        </p:txBody>
+      </p:sp>
+    </p:spTree>
+    <p:extLst>
+      <p:ext uri="{BB962C8B-B14F-4D97-AF65-F5344CB8AC3E}">
+        <p14:creationId xmlns:p14="http://schemas.microsoft.com/office/powerpoint/2010/main" val="3690956885"/>
+      </p:ext>
+    </p:extLst>
+  </p:cSld>
+  <p:clrMapOvr>
+    <a:masterClrMapping/>
+  </p:clrMapOvr>
+</p:sld>
+</file>
+
+<file path=ppt/slides/slide50.xml><?xml version="1.0" encoding="utf-8"?>
 <p:sld xmlns:a="http://schemas.openxmlformats.org/drawingml/2006/main" xmlns:r="http://schemas.openxmlformats.org/officeDocument/2006/relationships" xmlns:p="http://schemas.openxmlformats.org/presentationml/2006/main">
   <p:cSld>
     <p:spTree>
@@ -13719,6 +13642,123 @@
 </p:sld>
 </file>
 
+<file path=ppt/slides/slide51.xml><?xml version="1.0" encoding="utf-8"?>
+<p:sld xmlns:a="http://schemas.openxmlformats.org/drawingml/2006/main" xmlns:r="http://schemas.openxmlformats.org/officeDocument/2006/relationships" xmlns:p="http://schemas.openxmlformats.org/presentationml/2006/main">
+  <p:cSld>
+    <p:spTree>
+      <p:nvGrpSpPr>
+        <p:cNvPr id="1" name=""/>
+        <p:cNvGrpSpPr/>
+        <p:nvPr/>
+      </p:nvGrpSpPr>
+      <p:grpSpPr>
+        <a:xfrm>
+          <a:off x="0" y="0"/>
+          <a:ext cx="0" cy="0"/>
+          <a:chOff x="0" y="0"/>
+          <a:chExt cx="0" cy="0"/>
+        </a:xfrm>
+      </p:grpSpPr>
+      <p:sp>
+        <p:nvSpPr>
+          <p:cNvPr id="2" name="Title 1"/>
+          <p:cNvSpPr>
+            <a:spLocks noGrp="1"/>
+          </p:cNvSpPr>
+          <p:nvPr>
+            <p:ph type="title"/>
+          </p:nvPr>
+        </p:nvSpPr>
+        <p:spPr/>
+        <p:txBody>
+          <a:bodyPr/>
+          <a:lstStyle/>
+          <a:p>
+            <a:r>
+              <a:rPr lang="en-US" dirty="0"/>
+              <a:t>Synchronized code</a:t>
+            </a:r>
+          </a:p>
+        </p:txBody>
+      </p:sp>
+      <p:sp>
+        <p:nvSpPr>
+          <p:cNvPr id="3" name="Content Placeholder 2"/>
+          <p:cNvSpPr>
+            <a:spLocks noGrp="1"/>
+          </p:cNvSpPr>
+          <p:nvPr>
+            <p:ph idx="1"/>
+          </p:nvPr>
+        </p:nvSpPr>
+        <p:spPr/>
+        <p:txBody>
+          <a:bodyPr>
+            <a:normAutofit/>
+          </a:bodyPr>
+          <a:lstStyle/>
+          <a:p>
+            <a:r>
+              <a:rPr lang="en-US" sz="2800" dirty="0"/>
+              <a:t>There are two main ways to grant atomic access to a shared object:</a:t>
+            </a:r>
+          </a:p>
+          <a:p>
+            <a:pPr lvl="1"/>
+            <a:r>
+              <a:rPr lang="en-US" sz="2400" dirty="0">
+                <a:solidFill>
+                  <a:srgbClr val="E46C0A"/>
+                </a:solidFill>
+              </a:rPr>
+              <a:t>Use synchronize explicitly </a:t>
+            </a:r>
+            <a:r>
+              <a:rPr lang="en-US" sz="2400" dirty="0"/>
+              <a:t>to lock the shared object within the threads code (@see Account example)</a:t>
+            </a:r>
+          </a:p>
+          <a:p>
+            <a:pPr lvl="1"/>
+            <a:r>
+              <a:rPr lang="en-US" sz="2400" dirty="0">
+                <a:solidFill>
+                  <a:srgbClr val="E46C0A"/>
+                </a:solidFill>
+              </a:rPr>
+              <a:t>Use a thread-safe class as shared objects</a:t>
+            </a:r>
+            <a:r>
+              <a:rPr lang="en-US" sz="2400" dirty="0"/>
+              <a:t> (they use synchronized on their methods) (@see </a:t>
+            </a:r>
+            <a:r>
+              <a:rPr lang="en-US" sz="2400" dirty="0" err="1"/>
+              <a:t>GranularityExample</a:t>
+            </a:r>
+            <a:r>
+              <a:rPr lang="en-US" sz="2400" dirty="0"/>
+              <a:t>)</a:t>
+            </a:r>
+          </a:p>
+          <a:p>
+            <a:endParaRPr lang="en-US" sz="2800" dirty="0"/>
+          </a:p>
+        </p:txBody>
+      </p:sp>
+    </p:spTree>
+    <p:extLst>
+      <p:ext uri="{BB962C8B-B14F-4D97-AF65-F5344CB8AC3E}">
+        <p14:creationId xmlns:p14="http://schemas.microsoft.com/office/powerpoint/2010/main" val="3839336577"/>
+      </p:ext>
+    </p:extLst>
+  </p:cSld>
+  <p:clrMapOvr>
+    <a:masterClrMapping/>
+  </p:clrMapOvr>
+</p:sld>
+</file>
+
 <file path=ppt/slides/slide52.xml><?xml version="1.0" encoding="utf-8"?>
 <p:sld xmlns:a="http://schemas.openxmlformats.org/drawingml/2006/main" xmlns:r="http://schemas.openxmlformats.org/officeDocument/2006/relationships" xmlns:p="http://schemas.openxmlformats.org/presentationml/2006/main">
   <p:cSld>
@@ -13748,85 +13788,142 @@
         </p:nvSpPr>
         <p:spPr/>
         <p:txBody>
-          <a:bodyPr/>
-          <a:lstStyle/>
-          <a:p>
-            <a:r>
-              <a:rPr lang="en-US" dirty="0"/>
-              <a:t>Synchronized code</a:t>
-            </a:r>
-          </a:p>
-        </p:txBody>
-      </p:sp>
-      <p:sp>
-        <p:nvSpPr>
-          <p:cNvPr id="3" name="Content Placeholder 2"/>
-          <p:cNvSpPr>
-            <a:spLocks noGrp="1"/>
-          </p:cNvSpPr>
-          <p:nvPr>
-            <p:ph idx="1"/>
-          </p:nvPr>
-        </p:nvSpPr>
-        <p:spPr/>
-        <p:txBody>
           <a:bodyPr>
             <a:normAutofit/>
           </a:bodyPr>
           <a:lstStyle/>
           <a:p>
             <a:r>
+              <a:rPr lang="en-US" dirty="0"/>
+              <a:t>Thread-safe classes</a:t>
+            </a:r>
+          </a:p>
+        </p:txBody>
+      </p:sp>
+      <p:sp>
+        <p:nvSpPr>
+          <p:cNvPr id="3" name="Content Placeholder 2"/>
+          <p:cNvSpPr>
+            <a:spLocks noGrp="1"/>
+          </p:cNvSpPr>
+          <p:nvPr>
+            <p:ph idx="1"/>
+          </p:nvPr>
+        </p:nvSpPr>
+        <p:spPr/>
+        <p:txBody>
+          <a:bodyPr>
+            <a:normAutofit/>
+          </a:bodyPr>
+          <a:lstStyle/>
+          <a:p>
+            <a:r>
               <a:rPr lang="en-US" sz="2800" dirty="0"/>
-              <a:t>There are two main ways to grant atomic access to a shared object:</a:t>
-            </a:r>
-          </a:p>
-          <a:p>
-            <a:pPr lvl="1"/>
-            <a:r>
-              <a:rPr lang="en-US" sz="2400" dirty="0">
+              <a:t>A </a:t>
+            </a:r>
+            <a:r>
+              <a:rPr lang="en-US" sz="2800" dirty="0">
                 <a:solidFill>
                   <a:srgbClr val="E46C0A"/>
                 </a:solidFill>
               </a:rPr>
-              <a:t>Use synchronize explicitly </a:t>
-            </a:r>
-            <a:r>
-              <a:rPr lang="en-US" sz="2400" dirty="0"/>
-              <a:t>to lock the shared object within the threads code (@see Account example)</a:t>
-            </a:r>
-          </a:p>
-          <a:p>
-            <a:pPr lvl="1"/>
-            <a:r>
-              <a:rPr lang="en-US" sz="2400" dirty="0">
+              <a:t>thread-safe class </a:t>
+            </a:r>
+            <a:r>
+              <a:rPr lang="en-US" sz="2800" dirty="0"/>
+              <a:t>is class that is safe (works properly) when accessed by multiple threads. Critical sections (i.e., sections possibly generating race conditions) are encapsulated in </a:t>
+            </a:r>
+            <a:r>
+              <a:rPr lang="en-US" sz="2800" dirty="0">
                 <a:solidFill>
                   <a:srgbClr val="E46C0A"/>
                 </a:solidFill>
               </a:rPr>
-              <a:t>Use a thread-safe class as shared objects</a:t>
-            </a:r>
-            <a:r>
-              <a:rPr lang="en-US" sz="2400" dirty="0"/>
-              <a:t> (they use synchronized on their methods) (@see </a:t>
-            </a:r>
-            <a:r>
-              <a:rPr lang="en-US" sz="2400" dirty="0" err="1"/>
-              <a:t>GranularityExample</a:t>
-            </a:r>
-            <a:r>
-              <a:rPr lang="en-US" sz="2400" dirty="0"/>
-              <a:t>)</a:t>
-            </a:r>
-          </a:p>
-          <a:p>
-            <a:endParaRPr lang="en-US" sz="2800" dirty="0"/>
+              <a:t>synchronized methods</a:t>
+            </a:r>
+            <a:r>
+              <a:rPr lang="en-US" sz="2800" dirty="0"/>
+              <a:t>.</a:t>
+            </a:r>
+          </a:p>
+          <a:p>
+            <a:pPr lvl="1"/>
+            <a:r>
+              <a:rPr lang="en-US" dirty="0"/>
+              <a:t>Interface List: </a:t>
+            </a:r>
+            <a:r>
+              <a:rPr lang="en-US" dirty="0" err="1"/>
+              <a:t>ArrayList</a:t>
+            </a:r>
+            <a:r>
+              <a:rPr lang="en-US" dirty="0"/>
+              <a:t> (unsafe), </a:t>
+            </a:r>
+            <a:r>
+              <a:rPr lang="en-US" dirty="0">
+                <a:solidFill>
+                  <a:schemeClr val="accent6">
+                    <a:lumMod val="75000"/>
+                  </a:schemeClr>
+                </a:solidFill>
+              </a:rPr>
+              <a:t>Vector (safe)</a:t>
+            </a:r>
+          </a:p>
+          <a:p>
+            <a:pPr lvl="1"/>
+            <a:r>
+              <a:rPr lang="en-US" dirty="0"/>
+              <a:t>Interface Queue: LinkedList (unsafe), </a:t>
+            </a:r>
+            <a:r>
+              <a:rPr lang="en-US" dirty="0" err="1">
+                <a:solidFill>
+                  <a:schemeClr val="accent6">
+                    <a:lumMod val="75000"/>
+                  </a:schemeClr>
+                </a:solidFill>
+              </a:rPr>
+              <a:t>ConcurrentLinkedQueue</a:t>
+            </a:r>
+            <a:r>
+              <a:rPr lang="en-US" dirty="0">
+                <a:solidFill>
+                  <a:schemeClr val="accent6">
+                    <a:lumMod val="75000"/>
+                  </a:schemeClr>
+                </a:solidFill>
+              </a:rPr>
+              <a:t> (safe), </a:t>
+            </a:r>
+            <a:r>
+              <a:rPr lang="en-US" dirty="0" err="1">
+                <a:solidFill>
+                  <a:schemeClr val="accent6">
+                    <a:lumMod val="75000"/>
+                  </a:schemeClr>
+                </a:solidFill>
+              </a:rPr>
+              <a:t>ArrayBlockingQueue</a:t>
+            </a:r>
+            <a:r>
+              <a:rPr lang="en-US" dirty="0">
+                <a:solidFill>
+                  <a:schemeClr val="accent6">
+                    <a:lumMod val="75000"/>
+                  </a:schemeClr>
+                </a:solidFill>
+              </a:rPr>
+              <a:t> (safe)</a:t>
+            </a:r>
           </a:p>
         </p:txBody>
       </p:sp>
     </p:spTree>
     <p:extLst>
       <p:ext uri="{BB962C8B-B14F-4D97-AF65-F5344CB8AC3E}">
-        <p14:creationId xmlns:p14="http://schemas.microsoft.com/office/powerpoint/2010/main" val="3839336577"/>
+        <p14:creationId xmlns:p14="http://schemas.microsoft.com/office/powerpoint/2010/main" val="1326674409"/>
       </p:ext>
     </p:extLst>
   </p:cSld>
@@ -13865,142 +13962,262 @@
         </p:nvSpPr>
         <p:spPr/>
         <p:txBody>
+          <a:bodyPr/>
+          <a:lstStyle/>
+          <a:p>
+            <a:r>
+              <a:rPr lang="en-US" dirty="0" err="1"/>
+              <a:t>Collections.synchronized</a:t>
+            </a:r>
+            <a:r>
+              <a:rPr lang="en-US" dirty="0"/>
+              <a:t>*</a:t>
+            </a:r>
+          </a:p>
+        </p:txBody>
+      </p:sp>
+      <p:sp>
+        <p:nvSpPr>
+          <p:cNvPr id="3" name="Content Placeholder 2"/>
+          <p:cNvSpPr>
+            <a:spLocks noGrp="1"/>
+          </p:cNvSpPr>
+          <p:nvPr>
+            <p:ph idx="1"/>
+          </p:nvPr>
+        </p:nvSpPr>
+        <p:spPr/>
+        <p:txBody>
           <a:bodyPr>
-            <a:normAutofit/>
+            <a:noAutofit/>
           </a:bodyPr>
           <a:lstStyle/>
           <a:p>
             <a:r>
-              <a:rPr lang="en-US" dirty="0"/>
-              <a:t>Thread-safe classes</a:t>
-            </a:r>
-          </a:p>
-        </p:txBody>
-      </p:sp>
-      <p:sp>
-        <p:nvSpPr>
-          <p:cNvPr id="3" name="Content Placeholder 2"/>
-          <p:cNvSpPr>
-            <a:spLocks noGrp="1"/>
-          </p:cNvSpPr>
-          <p:nvPr>
-            <p:ph idx="1"/>
-          </p:nvPr>
-        </p:nvSpPr>
-        <p:spPr/>
-        <p:txBody>
-          <a:bodyPr>
-            <a:normAutofit/>
-          </a:bodyPr>
-          <a:lstStyle/>
-          <a:p>
-            <a:r>
-              <a:rPr lang="en-US" sz="2800" dirty="0"/>
-              <a:t>A </a:t>
-            </a:r>
-            <a:r>
-              <a:rPr lang="en-US" sz="2800" dirty="0">
-                <a:solidFill>
-                  <a:srgbClr val="E46C0A"/>
-                </a:solidFill>
-              </a:rPr>
-              <a:t>thread-safe class </a:t>
-            </a:r>
-            <a:r>
-              <a:rPr lang="en-US" sz="2800" dirty="0"/>
-              <a:t>is class that is safe (works properly) when accessed by multiple threads. Critical sections (i.e., sections possibly generating race conditions) are encapsulated in </a:t>
-            </a:r>
-            <a:r>
-              <a:rPr lang="en-US" sz="2800" dirty="0">
-                <a:solidFill>
-                  <a:srgbClr val="E46C0A"/>
-                </a:solidFill>
-              </a:rPr>
-              <a:t>synchronized methods</a:t>
-            </a:r>
-            <a:r>
-              <a:rPr lang="en-US" sz="2800" dirty="0"/>
-              <a:t>.</a:t>
-            </a:r>
-          </a:p>
-          <a:p>
-            <a:pPr lvl="1"/>
-            <a:r>
-              <a:rPr lang="en-US" dirty="0"/>
-              <a:t>Interface List: </a:t>
-            </a:r>
-            <a:r>
-              <a:rPr lang="en-US" dirty="0" err="1"/>
-              <a:t>ArrayList</a:t>
-            </a:r>
-            <a:r>
-              <a:rPr lang="en-US" dirty="0"/>
-              <a:t> (unsafe), </a:t>
-            </a:r>
-            <a:r>
-              <a:rPr lang="en-US" dirty="0">
+              <a:rPr lang="en-US" sz="2000" dirty="0"/>
+              <a:t>Return a synchronized (thread-safe) Collection/Map backed by the specified Collection/Map. In order to guarantee serial access, it is critical that all access to the backing Collection/Map is accomplished through the returned Collection/Map.</a:t>
+            </a:r>
+            <a:r>
+              <a:rPr lang="en-US" sz="2000" b="1" dirty="0"/>
+              <a:t> </a:t>
+            </a:r>
+          </a:p>
+          <a:p>
+            <a:r>
+              <a:rPr lang="en-US" sz="2000" dirty="0">
                 <a:solidFill>
                   <a:schemeClr val="accent6">
                     <a:lumMod val="75000"/>
                   </a:schemeClr>
                 </a:solidFill>
               </a:rPr>
-              <a:t>Vector (safe)</a:t>
-            </a:r>
-          </a:p>
-          <a:p>
-            <a:pPr lvl="1"/>
-            <a:r>
-              <a:rPr lang="en-US" dirty="0"/>
-              <a:t>Interface Queue: LinkedList (unsafe), </a:t>
-            </a:r>
-            <a:r>
-              <a:rPr lang="en-US" dirty="0" err="1">
+              <a:t>It is imperative that the user manually synchronize on the returned Collection/Map when iterating over it! </a:t>
+            </a:r>
+            <a:r>
+              <a:rPr lang="en-US" sz="2000" dirty="0">
                 <a:solidFill>
-                  <a:schemeClr val="accent6">
-                    <a:lumMod val="75000"/>
-                  </a:schemeClr>
+                  <a:srgbClr val="E46C0A"/>
                 </a:solidFill>
               </a:rPr>
-              <a:t>ConcurrentLinkedQueue</a:t>
-            </a:r>
-            <a:r>
-              <a:rPr lang="en-US" dirty="0">
-                <a:solidFill>
-                  <a:schemeClr val="accent6">
-                    <a:lumMod val="75000"/>
-                  </a:schemeClr>
-                </a:solidFill>
-              </a:rPr>
-              <a:t> (safe), </a:t>
-            </a:r>
-            <a:r>
-              <a:rPr lang="en-US" dirty="0" err="1">
-                <a:solidFill>
-                  <a:schemeClr val="accent6">
-                    <a:lumMod val="75000"/>
-                  </a:schemeClr>
-                </a:solidFill>
-              </a:rPr>
-              <a:t>ArrayBlockingQueue</a:t>
-            </a:r>
-            <a:r>
-              <a:rPr lang="en-US" dirty="0">
-                <a:solidFill>
-                  <a:schemeClr val="accent6">
-                    <a:lumMod val="75000"/>
-                  </a:schemeClr>
-                </a:solidFill>
-              </a:rPr>
-              <a:t> (safe)</a:t>
-            </a:r>
+              <a:t>Failure to follow this advice may result in non-deterministic behavior.</a:t>
+            </a:r>
+          </a:p>
+          <a:p>
+            <a:pPr marL="0" indent="0">
+              <a:buNone/>
+            </a:pPr>
+            <a:endParaRPr lang="en-US" sz="1800" b="1" dirty="0"/>
+          </a:p>
+          <a:p>
+            <a:pPr marL="0" indent="0">
+              <a:buNone/>
+            </a:pPr>
+            <a:r>
+              <a:rPr lang="en-US" sz="1600" dirty="0">
+                <a:latin typeface="Consolas" panose="020B0609020204030204" pitchFamily="49" charset="0"/>
+                <a:cs typeface="Consolas" panose="020B0609020204030204" pitchFamily="49" charset="0"/>
+              </a:rPr>
+              <a:t>List list = </a:t>
+            </a:r>
+            <a:r>
+              <a:rPr lang="en-US" sz="1600" dirty="0" err="1">
+                <a:latin typeface="Consolas" panose="020B0609020204030204" pitchFamily="49" charset="0"/>
+                <a:cs typeface="Consolas" panose="020B0609020204030204" pitchFamily="49" charset="0"/>
+              </a:rPr>
+              <a:t>Collections.synchronizedList</a:t>
+            </a:r>
+            <a:r>
+              <a:rPr lang="en-US" sz="1600" dirty="0">
+                <a:latin typeface="Consolas" panose="020B0609020204030204" pitchFamily="49" charset="0"/>
+                <a:cs typeface="Consolas" panose="020B0609020204030204" pitchFamily="49" charset="0"/>
+              </a:rPr>
+              <a:t>(new </a:t>
+            </a:r>
+            <a:r>
+              <a:rPr lang="en-US" sz="1600" dirty="0" err="1">
+                <a:latin typeface="Consolas" panose="020B0609020204030204" pitchFamily="49" charset="0"/>
+                <a:cs typeface="Consolas" panose="020B0609020204030204" pitchFamily="49" charset="0"/>
+              </a:rPr>
+              <a:t>ArrayList</a:t>
+            </a:r>
+            <a:r>
+              <a:rPr lang="en-US" sz="1600" dirty="0">
+                <a:latin typeface="Consolas" panose="020B0609020204030204" pitchFamily="49" charset="0"/>
+                <a:cs typeface="Consolas" panose="020B0609020204030204" pitchFamily="49" charset="0"/>
+              </a:rPr>
+              <a:t>());</a:t>
+            </a:r>
+          </a:p>
+          <a:p>
+            <a:pPr marL="0" indent="0">
+              <a:buNone/>
+            </a:pPr>
+            <a:r>
+              <a:rPr lang="en-US" sz="1600" dirty="0">
+                <a:latin typeface="Consolas" panose="020B0609020204030204" pitchFamily="49" charset="0"/>
+                <a:cs typeface="Consolas" panose="020B0609020204030204" pitchFamily="49" charset="0"/>
+              </a:rPr>
+              <a:t>      ...</a:t>
+            </a:r>
+          </a:p>
+          <a:p>
+            <a:pPr marL="0" indent="0">
+              <a:buNone/>
+            </a:pPr>
+            <a:r>
+              <a:rPr lang="en-US" sz="1600" dirty="0">
+                <a:latin typeface="Consolas" panose="020B0609020204030204" pitchFamily="49" charset="0"/>
+                <a:cs typeface="Consolas" panose="020B0609020204030204" pitchFamily="49" charset="0"/>
+              </a:rPr>
+              <a:t>synchronized (list) {</a:t>
+            </a:r>
+          </a:p>
+          <a:p>
+            <a:pPr marL="0" indent="0">
+              <a:buNone/>
+            </a:pPr>
+            <a:r>
+              <a:rPr lang="en-US" sz="1600" dirty="0">
+                <a:latin typeface="Consolas" panose="020B0609020204030204" pitchFamily="49" charset="0"/>
+                <a:cs typeface="Consolas" panose="020B0609020204030204" pitchFamily="49" charset="0"/>
+              </a:rPr>
+              <a:t>    Iterator </a:t>
+            </a:r>
+            <a:r>
+              <a:rPr lang="en-US" sz="1600" dirty="0" err="1">
+                <a:latin typeface="Consolas" panose="020B0609020204030204" pitchFamily="49" charset="0"/>
+                <a:cs typeface="Consolas" panose="020B0609020204030204" pitchFamily="49" charset="0"/>
+              </a:rPr>
+              <a:t>i</a:t>
+            </a:r>
+            <a:r>
+              <a:rPr lang="en-US" sz="1600" dirty="0">
+                <a:latin typeface="Consolas" panose="020B0609020204030204" pitchFamily="49" charset="0"/>
+                <a:cs typeface="Consolas" panose="020B0609020204030204" pitchFamily="49" charset="0"/>
+              </a:rPr>
+              <a:t> = </a:t>
+            </a:r>
+            <a:r>
+              <a:rPr lang="en-US" sz="1600" dirty="0" err="1">
+                <a:latin typeface="Consolas" panose="020B0609020204030204" pitchFamily="49" charset="0"/>
+                <a:cs typeface="Consolas" panose="020B0609020204030204" pitchFamily="49" charset="0"/>
+              </a:rPr>
+              <a:t>list.iterator</a:t>
+            </a:r>
+            <a:r>
+              <a:rPr lang="en-US" sz="1600" dirty="0">
+                <a:latin typeface="Consolas" panose="020B0609020204030204" pitchFamily="49" charset="0"/>
+                <a:cs typeface="Consolas" panose="020B0609020204030204" pitchFamily="49" charset="0"/>
+              </a:rPr>
+              <a:t>(); // Must be in synchronized block</a:t>
+            </a:r>
+          </a:p>
+          <a:p>
+            <a:pPr marL="0" indent="0">
+              <a:buNone/>
+            </a:pPr>
+            <a:r>
+              <a:rPr lang="en-US" sz="1600" dirty="0">
+                <a:latin typeface="Consolas" panose="020B0609020204030204" pitchFamily="49" charset="0"/>
+                <a:cs typeface="Consolas" panose="020B0609020204030204" pitchFamily="49" charset="0"/>
+              </a:rPr>
+              <a:t>    while (</a:t>
+            </a:r>
+            <a:r>
+              <a:rPr lang="en-US" sz="1600" dirty="0" err="1">
+                <a:latin typeface="Consolas" panose="020B0609020204030204" pitchFamily="49" charset="0"/>
+                <a:cs typeface="Consolas" panose="020B0609020204030204" pitchFamily="49" charset="0"/>
+              </a:rPr>
+              <a:t>i.hasNext</a:t>
+            </a:r>
+            <a:r>
+              <a:rPr lang="en-US" sz="1600" dirty="0">
+                <a:latin typeface="Consolas" panose="020B0609020204030204" pitchFamily="49" charset="0"/>
+                <a:cs typeface="Consolas" panose="020B0609020204030204" pitchFamily="49" charset="0"/>
+              </a:rPr>
+              <a:t>())</a:t>
+            </a:r>
+          </a:p>
+          <a:p>
+            <a:pPr marL="0" indent="0">
+              <a:buNone/>
+            </a:pPr>
+            <a:r>
+              <a:rPr lang="en-US" sz="1600" dirty="0">
+                <a:latin typeface="Consolas" panose="020B0609020204030204" pitchFamily="49" charset="0"/>
+                <a:cs typeface="Consolas" panose="020B0609020204030204" pitchFamily="49" charset="0"/>
+              </a:rPr>
+              <a:t>        foo(</a:t>
+            </a:r>
+            <a:r>
+              <a:rPr lang="en-US" sz="1600" dirty="0" err="1">
+                <a:latin typeface="Consolas" panose="020B0609020204030204" pitchFamily="49" charset="0"/>
+                <a:cs typeface="Consolas" panose="020B0609020204030204" pitchFamily="49" charset="0"/>
+              </a:rPr>
+              <a:t>i.next</a:t>
+            </a:r>
+            <a:r>
+              <a:rPr lang="en-US" sz="1600" dirty="0">
+                <a:latin typeface="Consolas" panose="020B0609020204030204" pitchFamily="49" charset="0"/>
+                <a:cs typeface="Consolas" panose="020B0609020204030204" pitchFamily="49" charset="0"/>
+              </a:rPr>
+              <a:t>());</a:t>
+            </a:r>
+          </a:p>
+          <a:p>
+            <a:pPr marL="0" indent="0">
+              <a:buNone/>
+            </a:pPr>
+            <a:r>
+              <a:rPr lang="en-US" sz="1600" dirty="0">
+                <a:latin typeface="Consolas" panose="020B0609020204030204" pitchFamily="49" charset="0"/>
+                <a:cs typeface="Consolas" panose="020B0609020204030204" pitchFamily="49" charset="0"/>
+              </a:rPr>
+              <a:t>}</a:t>
+            </a:r>
+          </a:p>
+          <a:p>
+            <a:pPr marL="0" indent="0">
+              <a:buNone/>
+            </a:pPr>
+            <a:endParaRPr lang="en-US" sz="1800" dirty="0">
+              <a:solidFill>
+                <a:srgbClr val="E46C0A"/>
+              </a:solidFill>
+            </a:endParaRPr>
+          </a:p>
+          <a:p>
+            <a:pPr marL="0" indent="0">
+              <a:buNone/>
+            </a:pPr>
+            <a:endParaRPr lang="en-US" sz="1800" dirty="0"/>
           </a:p>
         </p:txBody>
       </p:sp>
     </p:spTree>
     <p:extLst>
       <p:ext uri="{BB962C8B-B14F-4D97-AF65-F5344CB8AC3E}">
-        <p14:creationId xmlns:p14="http://schemas.microsoft.com/office/powerpoint/2010/main" val="1326674409"/>
+        <p14:creationId xmlns:p14="http://schemas.microsoft.com/office/powerpoint/2010/main" val="3458988110"/>
       </p:ext>
     </p:extLst>
   </p:cSld>
@@ -14039,300 +14256,6 @@
         </p:nvSpPr>
         <p:spPr/>
         <p:txBody>
-          <a:bodyPr/>
-          <a:lstStyle/>
-          <a:p>
-            <a:r>
-              <a:rPr lang="en-US" dirty="0" err="1"/>
-              <a:t>Collections.synchronized</a:t>
-            </a:r>
-            <a:r>
-              <a:rPr lang="en-US" dirty="0"/>
-              <a:t>*</a:t>
-            </a:r>
-          </a:p>
-        </p:txBody>
-      </p:sp>
-      <p:sp>
-        <p:nvSpPr>
-          <p:cNvPr id="3" name="Content Placeholder 2"/>
-          <p:cNvSpPr>
-            <a:spLocks noGrp="1"/>
-          </p:cNvSpPr>
-          <p:nvPr>
-            <p:ph idx="1"/>
-          </p:nvPr>
-        </p:nvSpPr>
-        <p:spPr/>
-        <p:txBody>
-          <a:bodyPr>
-            <a:noAutofit/>
-          </a:bodyPr>
-          <a:lstStyle/>
-          <a:p>
-            <a:r>
-              <a:rPr lang="en-US" sz="2000" dirty="0"/>
-              <a:t>Return a synchronized (thread-safe) Collection/Map backed by the specified Collection/Map. In order to guarantee serial access, it is critical that all access to the backing Collection/Map is accomplished through the returned Collection/Map.</a:t>
-            </a:r>
-            <a:r>
-              <a:rPr lang="en-US" sz="2000" b="1" dirty="0"/>
-              <a:t> </a:t>
-            </a:r>
-          </a:p>
-          <a:p>
-            <a:r>
-              <a:rPr lang="en-US" sz="2000" dirty="0">
-                <a:solidFill>
-                  <a:schemeClr val="accent6">
-                    <a:lumMod val="75000"/>
-                  </a:schemeClr>
-                </a:solidFill>
-              </a:rPr>
-              <a:t>It is imperative that the user manually synchronize on the returned Collection/Map when iterating over it! </a:t>
-            </a:r>
-            <a:r>
-              <a:rPr lang="en-US" sz="2000" dirty="0">
-                <a:solidFill>
-                  <a:srgbClr val="E46C0A"/>
-                </a:solidFill>
-              </a:rPr>
-              <a:t>Failure to follow this advice may result in non-deterministic behavior.</a:t>
-            </a:r>
-          </a:p>
-          <a:p>
-            <a:pPr marL="0" indent="0">
-              <a:buNone/>
-            </a:pPr>
-            <a:endParaRPr lang="en-US" sz="1800" b="1" dirty="0"/>
-          </a:p>
-          <a:p>
-            <a:pPr marL="0" indent="0">
-              <a:buNone/>
-            </a:pPr>
-            <a:r>
-              <a:rPr lang="en-US" sz="1600" dirty="0">
-                <a:latin typeface="Consolas" panose="020B0609020204030204" pitchFamily="49" charset="0"/>
-                <a:cs typeface="Consolas" panose="020B0609020204030204" pitchFamily="49" charset="0"/>
-              </a:rPr>
-              <a:t>List list = </a:t>
-            </a:r>
-            <a:r>
-              <a:rPr lang="en-US" sz="1600" dirty="0" err="1">
-                <a:latin typeface="Consolas" panose="020B0609020204030204" pitchFamily="49" charset="0"/>
-                <a:cs typeface="Consolas" panose="020B0609020204030204" pitchFamily="49" charset="0"/>
-              </a:rPr>
-              <a:t>Collections.synchronizedList</a:t>
-            </a:r>
-            <a:r>
-              <a:rPr lang="en-US" sz="1600" dirty="0">
-                <a:latin typeface="Consolas" panose="020B0609020204030204" pitchFamily="49" charset="0"/>
-                <a:cs typeface="Consolas" panose="020B0609020204030204" pitchFamily="49" charset="0"/>
-              </a:rPr>
-              <a:t>(new </a:t>
-            </a:r>
-            <a:r>
-              <a:rPr lang="en-US" sz="1600" dirty="0" err="1">
-                <a:latin typeface="Consolas" panose="020B0609020204030204" pitchFamily="49" charset="0"/>
-                <a:cs typeface="Consolas" panose="020B0609020204030204" pitchFamily="49" charset="0"/>
-              </a:rPr>
-              <a:t>ArrayList</a:t>
-            </a:r>
-            <a:r>
-              <a:rPr lang="en-US" sz="1600" dirty="0">
-                <a:latin typeface="Consolas" panose="020B0609020204030204" pitchFamily="49" charset="0"/>
-                <a:cs typeface="Consolas" panose="020B0609020204030204" pitchFamily="49" charset="0"/>
-              </a:rPr>
-              <a:t>());</a:t>
-            </a:r>
-          </a:p>
-          <a:p>
-            <a:pPr marL="0" indent="0">
-              <a:buNone/>
-            </a:pPr>
-            <a:r>
-              <a:rPr lang="en-US" sz="1600" dirty="0">
-                <a:latin typeface="Consolas" panose="020B0609020204030204" pitchFamily="49" charset="0"/>
-                <a:cs typeface="Consolas" panose="020B0609020204030204" pitchFamily="49" charset="0"/>
-              </a:rPr>
-              <a:t>      ...</a:t>
-            </a:r>
-          </a:p>
-          <a:p>
-            <a:pPr marL="0" indent="0">
-              <a:buNone/>
-            </a:pPr>
-            <a:r>
-              <a:rPr lang="en-US" sz="1600" dirty="0">
-                <a:latin typeface="Consolas" panose="020B0609020204030204" pitchFamily="49" charset="0"/>
-                <a:cs typeface="Consolas" panose="020B0609020204030204" pitchFamily="49" charset="0"/>
-              </a:rPr>
-              <a:t>synchronized (list) {</a:t>
-            </a:r>
-          </a:p>
-          <a:p>
-            <a:pPr marL="0" indent="0">
-              <a:buNone/>
-            </a:pPr>
-            <a:r>
-              <a:rPr lang="en-US" sz="1600" dirty="0">
-                <a:latin typeface="Consolas" panose="020B0609020204030204" pitchFamily="49" charset="0"/>
-                <a:cs typeface="Consolas" panose="020B0609020204030204" pitchFamily="49" charset="0"/>
-              </a:rPr>
-              <a:t>    Iterator </a:t>
-            </a:r>
-            <a:r>
-              <a:rPr lang="en-US" sz="1600" dirty="0" err="1">
-                <a:latin typeface="Consolas" panose="020B0609020204030204" pitchFamily="49" charset="0"/>
-                <a:cs typeface="Consolas" panose="020B0609020204030204" pitchFamily="49" charset="0"/>
-              </a:rPr>
-              <a:t>i</a:t>
-            </a:r>
-            <a:r>
-              <a:rPr lang="en-US" sz="1600" dirty="0">
-                <a:latin typeface="Consolas" panose="020B0609020204030204" pitchFamily="49" charset="0"/>
-                <a:cs typeface="Consolas" panose="020B0609020204030204" pitchFamily="49" charset="0"/>
-              </a:rPr>
-              <a:t> = </a:t>
-            </a:r>
-            <a:r>
-              <a:rPr lang="en-US" sz="1600" dirty="0" err="1">
-                <a:latin typeface="Consolas" panose="020B0609020204030204" pitchFamily="49" charset="0"/>
-                <a:cs typeface="Consolas" panose="020B0609020204030204" pitchFamily="49" charset="0"/>
-              </a:rPr>
-              <a:t>list.iterator</a:t>
-            </a:r>
-            <a:r>
-              <a:rPr lang="en-US" sz="1600" dirty="0">
-                <a:latin typeface="Consolas" panose="020B0609020204030204" pitchFamily="49" charset="0"/>
-                <a:cs typeface="Consolas" panose="020B0609020204030204" pitchFamily="49" charset="0"/>
-              </a:rPr>
-              <a:t>(); // Must be in synchronized block</a:t>
-            </a:r>
-          </a:p>
-          <a:p>
-            <a:pPr marL="0" indent="0">
-              <a:buNone/>
-            </a:pPr>
-            <a:r>
-              <a:rPr lang="en-US" sz="1600" dirty="0">
-                <a:latin typeface="Consolas" panose="020B0609020204030204" pitchFamily="49" charset="0"/>
-                <a:cs typeface="Consolas" panose="020B0609020204030204" pitchFamily="49" charset="0"/>
-              </a:rPr>
-              <a:t>    while (</a:t>
-            </a:r>
-            <a:r>
-              <a:rPr lang="en-US" sz="1600" dirty="0" err="1">
-                <a:latin typeface="Consolas" panose="020B0609020204030204" pitchFamily="49" charset="0"/>
-                <a:cs typeface="Consolas" panose="020B0609020204030204" pitchFamily="49" charset="0"/>
-              </a:rPr>
-              <a:t>i.hasNext</a:t>
-            </a:r>
-            <a:r>
-              <a:rPr lang="en-US" sz="1600" dirty="0">
-                <a:latin typeface="Consolas" panose="020B0609020204030204" pitchFamily="49" charset="0"/>
-                <a:cs typeface="Consolas" panose="020B0609020204030204" pitchFamily="49" charset="0"/>
-              </a:rPr>
-              <a:t>())</a:t>
-            </a:r>
-          </a:p>
-          <a:p>
-            <a:pPr marL="0" indent="0">
-              <a:buNone/>
-            </a:pPr>
-            <a:r>
-              <a:rPr lang="en-US" sz="1600" dirty="0">
-                <a:latin typeface="Consolas" panose="020B0609020204030204" pitchFamily="49" charset="0"/>
-                <a:cs typeface="Consolas" panose="020B0609020204030204" pitchFamily="49" charset="0"/>
-              </a:rPr>
-              <a:t>        foo(</a:t>
-            </a:r>
-            <a:r>
-              <a:rPr lang="en-US" sz="1600" dirty="0" err="1">
-                <a:latin typeface="Consolas" panose="020B0609020204030204" pitchFamily="49" charset="0"/>
-                <a:cs typeface="Consolas" panose="020B0609020204030204" pitchFamily="49" charset="0"/>
-              </a:rPr>
-              <a:t>i.next</a:t>
-            </a:r>
-            <a:r>
-              <a:rPr lang="en-US" sz="1600" dirty="0">
-                <a:latin typeface="Consolas" panose="020B0609020204030204" pitchFamily="49" charset="0"/>
-                <a:cs typeface="Consolas" panose="020B0609020204030204" pitchFamily="49" charset="0"/>
-              </a:rPr>
-              <a:t>());</a:t>
-            </a:r>
-          </a:p>
-          <a:p>
-            <a:pPr marL="0" indent="0">
-              <a:buNone/>
-            </a:pPr>
-            <a:r>
-              <a:rPr lang="en-US" sz="1600" dirty="0">
-                <a:latin typeface="Consolas" panose="020B0609020204030204" pitchFamily="49" charset="0"/>
-                <a:cs typeface="Consolas" panose="020B0609020204030204" pitchFamily="49" charset="0"/>
-              </a:rPr>
-              <a:t>}</a:t>
-            </a:r>
-          </a:p>
-          <a:p>
-            <a:pPr marL="0" indent="0">
-              <a:buNone/>
-            </a:pPr>
-            <a:endParaRPr lang="en-US" sz="1800" dirty="0">
-              <a:solidFill>
-                <a:srgbClr val="E46C0A"/>
-              </a:solidFill>
-            </a:endParaRPr>
-          </a:p>
-          <a:p>
-            <a:pPr marL="0" indent="0">
-              <a:buNone/>
-            </a:pPr>
-            <a:endParaRPr lang="en-US" sz="1800" dirty="0"/>
-          </a:p>
-        </p:txBody>
-      </p:sp>
-    </p:spTree>
-    <p:extLst>
-      <p:ext uri="{BB962C8B-B14F-4D97-AF65-F5344CB8AC3E}">
-        <p14:creationId xmlns:p14="http://schemas.microsoft.com/office/powerpoint/2010/main" val="3458988110"/>
-      </p:ext>
-    </p:extLst>
-  </p:cSld>
-  <p:clrMapOvr>
-    <a:masterClrMapping/>
-  </p:clrMapOvr>
-</p:sld>
-</file>
-
-<file path=ppt/slides/slide55.xml><?xml version="1.0" encoding="utf-8"?>
-<p:sld xmlns:a="http://schemas.openxmlformats.org/drawingml/2006/main" xmlns:r="http://schemas.openxmlformats.org/officeDocument/2006/relationships" xmlns:p="http://schemas.openxmlformats.org/presentationml/2006/main">
-  <p:cSld>
-    <p:spTree>
-      <p:nvGrpSpPr>
-        <p:cNvPr id="1" name=""/>
-        <p:cNvGrpSpPr/>
-        <p:nvPr/>
-      </p:nvGrpSpPr>
-      <p:grpSpPr>
-        <a:xfrm>
-          <a:off x="0" y="0"/>
-          <a:ext cx="0" cy="0"/>
-          <a:chOff x="0" y="0"/>
-          <a:chExt cx="0" cy="0"/>
-        </a:xfrm>
-      </p:grpSpPr>
-      <p:sp>
-        <p:nvSpPr>
-          <p:cNvPr id="2" name="Title 1"/>
-          <p:cNvSpPr>
-            <a:spLocks noGrp="1"/>
-          </p:cNvSpPr>
-          <p:nvPr>
-            <p:ph type="title"/>
-          </p:nvPr>
-        </p:nvSpPr>
-        <p:spPr/>
-        <p:txBody>
           <a:bodyPr>
             <a:normAutofit/>
           </a:bodyPr>
@@ -14415,7 +14338,7 @@
 </p:sld>
 </file>
 
-<file path=ppt/slides/slide56.xml><?xml version="1.0" encoding="utf-8"?>
+<file path=ppt/slides/slide55.xml><?xml version="1.0" encoding="utf-8"?>
 <p:sld xmlns:a="http://schemas.openxmlformats.org/drawingml/2006/main" xmlns:r="http://schemas.openxmlformats.org/officeDocument/2006/relationships" xmlns:p="http://schemas.openxmlformats.org/presentationml/2006/main">
   <p:cSld>
     <p:spTree>
@@ -14537,6 +14460,124 @@
 </p:sld>
 </file>
 
+<file path=ppt/slides/slide56.xml><?xml version="1.0" encoding="utf-8"?>
+<p:sld xmlns:a="http://schemas.openxmlformats.org/drawingml/2006/main" xmlns:r="http://schemas.openxmlformats.org/officeDocument/2006/relationships" xmlns:p="http://schemas.openxmlformats.org/presentationml/2006/main">
+  <p:cSld>
+    <p:spTree>
+      <p:nvGrpSpPr>
+        <p:cNvPr id="1" name=""/>
+        <p:cNvGrpSpPr/>
+        <p:nvPr/>
+      </p:nvGrpSpPr>
+      <p:grpSpPr>
+        <a:xfrm>
+          <a:off x="0" y="0"/>
+          <a:ext cx="0" cy="0"/>
+          <a:chOff x="0" y="0"/>
+          <a:chExt cx="0" cy="0"/>
+        </a:xfrm>
+      </p:grpSpPr>
+      <p:sp>
+        <p:nvSpPr>
+          <p:cNvPr id="2" name="Title 1"/>
+          <p:cNvSpPr>
+            <a:spLocks noGrp="1"/>
+          </p:cNvSpPr>
+          <p:nvPr>
+            <p:ph type="title"/>
+          </p:nvPr>
+        </p:nvSpPr>
+        <p:spPr/>
+        <p:txBody>
+          <a:bodyPr/>
+          <a:lstStyle/>
+          <a:p>
+            <a:r>
+              <a:rPr lang="en-US" dirty="0"/>
+              <a:t>wait()</a:t>
+            </a:r>
+          </a:p>
+        </p:txBody>
+      </p:sp>
+      <p:sp>
+        <p:nvSpPr>
+          <p:cNvPr id="3" name="Content Placeholder 2"/>
+          <p:cNvSpPr>
+            <a:spLocks noGrp="1"/>
+          </p:cNvSpPr>
+          <p:nvPr>
+            <p:ph idx="1"/>
+          </p:nvPr>
+        </p:nvSpPr>
+        <p:spPr/>
+        <p:txBody>
+          <a:bodyPr>
+            <a:normAutofit fontScale="92500" lnSpcReduction="10000"/>
+          </a:bodyPr>
+          <a:lstStyle/>
+          <a:p>
+            <a:r>
+              <a:rPr lang="en-US" dirty="0"/>
+              <a:t>wait() is an instance method that’s used for thread synchronization.</a:t>
+            </a:r>
+          </a:p>
+          <a:p>
+            <a:r>
+              <a:rPr lang="en-US" dirty="0"/>
+              <a:t>wait() can be called on any object, as it’s defined right on </a:t>
+            </a:r>
+            <a:r>
+              <a:rPr lang="en-US" dirty="0" err="1"/>
+              <a:t>java.lang.Object</a:t>
+            </a:r>
+            <a:endParaRPr lang="en-US" dirty="0"/>
+          </a:p>
+          <a:p>
+            <a:r>
+              <a:rPr lang="en-US" dirty="0">
+                <a:solidFill>
+                  <a:srgbClr val="E46C0A"/>
+                </a:solidFill>
+              </a:rPr>
+              <a:t>wait() can only be called from a synchronized block. It releases the lock on the object so that another thread can jump in and acquire a lock.</a:t>
+            </a:r>
+          </a:p>
+          <a:p>
+            <a:r>
+              <a:rPr lang="en-US" dirty="0"/>
+              <a:t>Simply put, wait() method lets a thread say:</a:t>
+            </a:r>
+          </a:p>
+          <a:p>
+            <a:pPr marL="0" indent="0">
+              <a:buNone/>
+            </a:pPr>
+            <a:r>
+              <a:rPr lang="en-US" i="1" dirty="0"/>
+              <a:t>“There's nothing for me to do now, so put me in the waiting pool and notify me when something happens that I care about.”</a:t>
+            </a:r>
+          </a:p>
+          <a:p>
+            <a:endParaRPr lang="en-US" dirty="0"/>
+          </a:p>
+          <a:p>
+            <a:endParaRPr lang="en-US" dirty="0"/>
+          </a:p>
+        </p:txBody>
+      </p:sp>
+    </p:spTree>
+    <p:extLst>
+      <p:ext uri="{BB962C8B-B14F-4D97-AF65-F5344CB8AC3E}">
+        <p14:creationId xmlns:p14="http://schemas.microsoft.com/office/powerpoint/2010/main" val="3701508365"/>
+      </p:ext>
+    </p:extLst>
+  </p:cSld>
+  <p:clrMapOvr>
+    <a:masterClrMapping/>
+  </p:clrMapOvr>
+</p:sld>
+</file>
+
 <file path=ppt/slides/slide57.xml><?xml version="1.0" encoding="utf-8"?>
 <p:sld xmlns:a="http://schemas.openxmlformats.org/drawingml/2006/main" xmlns:r="http://schemas.openxmlformats.org/officeDocument/2006/relationships" xmlns:p="http://schemas.openxmlformats.org/presentationml/2006/main">
   <p:cSld>
@@ -14566,12 +14607,14 @@
         </p:nvSpPr>
         <p:spPr/>
         <p:txBody>
-          <a:bodyPr/>
-          <a:lstStyle/>
-          <a:p>
-            <a:r>
-              <a:rPr lang="en-US" dirty="0"/>
-              <a:t>wait()</a:t>
+          <a:bodyPr>
+            <a:normAutofit/>
+          </a:bodyPr>
+          <a:lstStyle/>
+          <a:p>
+            <a:r>
+              <a:rPr lang="en-US" dirty="0"/>
+              <a:t>notify()</a:t>
             </a:r>
           </a:p>
         </p:txBody>
@@ -14595,34 +14638,77 @@
           <a:p>
             <a:r>
               <a:rPr lang="en-US" dirty="0"/>
-              <a:t>wait() is an instance method that’s used for thread synchronization.</a:t>
-            </a:r>
-          </a:p>
-          <a:p>
-            <a:r>
-              <a:rPr lang="en-US" dirty="0"/>
-              <a:t>wait() can be called on any object, as it’s defined right on </a:t>
-            </a:r>
-            <a:r>
-              <a:rPr lang="en-US" dirty="0" err="1"/>
-              <a:t>java.lang.Object</a:t>
-            </a:r>
-            <a:endParaRPr lang="en-US" dirty="0"/>
-          </a:p>
-          <a:p>
+              <a:t>The </a:t>
+            </a:r>
             <a:r>
               <a:rPr lang="en-US" dirty="0">
                 <a:solidFill>
-                  <a:srgbClr val="E46C0A"/>
+                  <a:schemeClr val="accent6">
+                    <a:lumMod val="75000"/>
+                  </a:schemeClr>
                 </a:solidFill>
               </a:rPr>
-              <a:t>wait() can only be called from a synchronized block. It releases the lock on the object so that another thread can jump in and acquire a lock.</a:t>
-            </a:r>
-          </a:p>
-          <a:p>
-            <a:r>
-              <a:rPr lang="en-US" dirty="0"/>
-              <a:t>Simply put, wait() method lets a thread say:</a:t>
+              <a:t>notify() </a:t>
+            </a:r>
+            <a:r>
+              <a:rPr lang="en-US" dirty="0"/>
+              <a:t>method send a signal to one of the threads that are waiting in the same object's waiting pool.</a:t>
+            </a:r>
+          </a:p>
+          <a:p>
+            <a:r>
+              <a:rPr lang="en-US" dirty="0"/>
+              <a:t>The </a:t>
+            </a:r>
+            <a:r>
+              <a:rPr lang="en-US" dirty="0">
+                <a:solidFill>
+                  <a:schemeClr val="accent6">
+                    <a:lumMod val="75000"/>
+                  </a:schemeClr>
+                </a:solidFill>
+              </a:rPr>
+              <a:t>notify() </a:t>
+            </a:r>
+            <a:r>
+              <a:rPr lang="en-US" dirty="0"/>
+              <a:t>method CANNOT specify which waiting thread to notify.</a:t>
+            </a:r>
+          </a:p>
+          <a:p>
+            <a:r>
+              <a:rPr lang="en-US" dirty="0"/>
+              <a:t>The method </a:t>
+            </a:r>
+            <a:r>
+              <a:rPr lang="en-US" dirty="0" err="1">
+                <a:solidFill>
+                  <a:schemeClr val="accent6">
+                    <a:lumMod val="75000"/>
+                  </a:schemeClr>
+                </a:solidFill>
+              </a:rPr>
+              <a:t>notifyAll</a:t>
+            </a:r>
+            <a:r>
+              <a:rPr lang="en-US" dirty="0">
+                <a:solidFill>
+                  <a:schemeClr val="accent6">
+                    <a:lumMod val="75000"/>
+                  </a:schemeClr>
+                </a:solidFill>
+              </a:rPr>
+              <a:t>() </a:t>
+            </a:r>
+            <a:r>
+              <a:rPr lang="en-US" dirty="0"/>
+              <a:t>is similar but sends a signal to all the threads waiting on the object.</a:t>
+            </a:r>
+          </a:p>
+          <a:p>
+            <a:r>
+              <a:rPr lang="en-US" dirty="0"/>
+              <a:t>Simply put, notify() method lets a thread say:</a:t>
             </a:r>
           </a:p>
           <a:p>
@@ -14631,7 +14717,7 @@
             </a:pPr>
             <a:r>
               <a:rPr lang="en-US" i="1" dirty="0"/>
-              <a:t>“There's nothing for me to do now, so put me in the waiting pool and notify me when something happens that I care about.”</a:t>
+              <a:t>“Something has changed here. Feel free to continue what you were trying to do”</a:t>
             </a:r>
           </a:p>
           <a:p>
@@ -14645,7 +14731,7 @@
     </p:spTree>
     <p:extLst>
       <p:ext uri="{BB962C8B-B14F-4D97-AF65-F5344CB8AC3E}">
-        <p14:creationId xmlns:p14="http://schemas.microsoft.com/office/powerpoint/2010/main" val="3701508365"/>
+        <p14:creationId xmlns:p14="http://schemas.microsoft.com/office/powerpoint/2010/main" val="2182052484"/>
       </p:ext>
     </p:extLst>
   </p:cSld>
@@ -14684,14 +14770,12 @@
         </p:nvSpPr>
         <p:spPr/>
         <p:txBody>
-          <a:bodyPr>
-            <a:normAutofit/>
-          </a:bodyPr>
-          <a:lstStyle/>
-          <a:p>
-            <a:r>
-              <a:rPr lang="en-US" dirty="0"/>
-              <a:t>notify()</a:t>
+          <a:bodyPr/>
+          <a:lstStyle/>
+          <a:p>
+            <a:r>
+              <a:rPr lang="en-US" dirty="0"/>
+              <a:t>Thread issues</a:t>
             </a:r>
           </a:p>
         </p:txBody>
@@ -14708,107 +14792,45 @@
         </p:nvSpPr>
         <p:spPr/>
         <p:txBody>
-          <a:bodyPr>
-            <a:normAutofit fontScale="92500" lnSpcReduction="10000"/>
-          </a:bodyPr>
-          <a:lstStyle/>
-          <a:p>
-            <a:r>
-              <a:rPr lang="en-US" dirty="0"/>
-              <a:t>The </a:t>
-            </a:r>
-            <a:r>
-              <a:rPr lang="en-US" dirty="0">
-                <a:solidFill>
-                  <a:schemeClr val="accent6">
-                    <a:lumMod val="75000"/>
-                  </a:schemeClr>
-                </a:solidFill>
-              </a:rPr>
-              <a:t>notify() </a:t>
-            </a:r>
-            <a:r>
-              <a:rPr lang="en-US" dirty="0"/>
-              <a:t>method send a signal to one of the threads that are waiting in the same object's waiting pool.</a:t>
-            </a:r>
-          </a:p>
-          <a:p>
-            <a:r>
-              <a:rPr lang="en-US" dirty="0"/>
-              <a:t>The </a:t>
-            </a:r>
-            <a:r>
-              <a:rPr lang="en-US" dirty="0">
-                <a:solidFill>
-                  <a:schemeClr val="accent6">
-                    <a:lumMod val="75000"/>
-                  </a:schemeClr>
-                </a:solidFill>
-              </a:rPr>
-              <a:t>notify() </a:t>
-            </a:r>
-            <a:r>
-              <a:rPr lang="en-US" dirty="0"/>
-              <a:t>method CANNOT specify which waiting thread to notify.</a:t>
-            </a:r>
-          </a:p>
-          <a:p>
-            <a:r>
-              <a:rPr lang="en-US" dirty="0"/>
-              <a:t>The method </a:t>
-            </a:r>
-            <a:r>
-              <a:rPr lang="en-US" dirty="0" err="1">
-                <a:solidFill>
-                  <a:schemeClr val="accent6">
-                    <a:lumMod val="75000"/>
-                  </a:schemeClr>
-                </a:solidFill>
-              </a:rPr>
-              <a:t>notifyAll</a:t>
-            </a:r>
-            <a:r>
-              <a:rPr lang="en-US" dirty="0">
-                <a:solidFill>
-                  <a:schemeClr val="accent6">
-                    <a:lumMod val="75000"/>
-                  </a:schemeClr>
-                </a:solidFill>
-              </a:rPr>
-              <a:t>() </a:t>
-            </a:r>
-            <a:r>
-              <a:rPr lang="en-US" dirty="0"/>
-              <a:t>is similar but sends a signal to all the threads waiting on the object.</a:t>
-            </a:r>
-          </a:p>
-          <a:p>
-            <a:r>
-              <a:rPr lang="en-US" dirty="0"/>
-              <a:t>Simply put, notify() method lets a thread say:</a:t>
-            </a:r>
-          </a:p>
-          <a:p>
-            <a:pPr marL="0" indent="0">
-              <a:buNone/>
-            </a:pPr>
-            <a:r>
-              <a:rPr lang="en-US" i="1" dirty="0"/>
-              <a:t>“Something has changed here. Feel free to continue what you were trying to do”</a:t>
-            </a:r>
-          </a:p>
-          <a:p>
-            <a:endParaRPr lang="en-US" dirty="0"/>
-          </a:p>
-          <a:p>
-            <a:endParaRPr lang="en-US" dirty="0"/>
+          <a:bodyPr/>
+          <a:lstStyle/>
+          <a:p>
+            <a:r>
+              <a:rPr lang="en-US" dirty="0"/>
+              <a:t>If code is correctly synchronized, it still might not work. The main issues are:</a:t>
+            </a:r>
+          </a:p>
+          <a:p>
+            <a:pPr lvl="1"/>
+            <a:r>
+              <a:rPr lang="en-US" dirty="0"/>
+              <a:t>Deadlock (indefinite wait)</a:t>
+            </a:r>
+          </a:p>
+          <a:p>
+            <a:pPr lvl="1"/>
+            <a:r>
+              <a:rPr lang="en-US" dirty="0" err="1"/>
+              <a:t>Livelock</a:t>
+            </a:r>
+            <a:r>
+              <a:rPr lang="en-US" dirty="0"/>
+              <a:t> (threads running but no work gets done)</a:t>
+            </a:r>
+          </a:p>
+          <a:p>
+            <a:pPr lvl="1"/>
+            <a:r>
+              <a:rPr lang="en-US" dirty="0"/>
+              <a:t>Starvation (thread never executes)</a:t>
+            </a:r>
           </a:p>
         </p:txBody>
       </p:sp>
     </p:spTree>
     <p:extLst>
       <p:ext uri="{BB962C8B-B14F-4D97-AF65-F5344CB8AC3E}">
-        <p14:creationId xmlns:p14="http://schemas.microsoft.com/office/powerpoint/2010/main" val="2182052484"/>
+        <p14:creationId xmlns:p14="http://schemas.microsoft.com/office/powerpoint/2010/main" val="1241429327"/>
       </p:ext>
     </p:extLst>
   </p:cSld>
@@ -14852,7 +14874,7 @@
           <a:p>
             <a:r>
               <a:rPr lang="en-US" dirty="0"/>
-              <a:t>Thread issues</a:t>
+              <a:t>Deadlock</a:t>
             </a:r>
           </a:p>
         </p:txBody>
@@ -14869,45 +14891,58 @@
         </p:nvSpPr>
         <p:spPr/>
         <p:txBody>
-          <a:bodyPr/>
-          <a:lstStyle/>
-          <a:p>
-            <a:r>
-              <a:rPr lang="en-US" dirty="0"/>
-              <a:t>If code is correctly synchronized, it still might not work. The main issues are:</a:t>
+          <a:bodyPr>
+            <a:normAutofit/>
+          </a:bodyPr>
+          <a:lstStyle/>
+          <a:p>
+            <a:r>
+              <a:rPr lang="en-US" dirty="0"/>
+              <a:t>Deadlock occurs when two threads are blocked, with each other waiting for the other’s lock.</a:t>
             </a:r>
           </a:p>
           <a:p>
             <a:pPr lvl="1"/>
             <a:r>
-              <a:rPr lang="en-US" dirty="0"/>
-              <a:t>Deadlock (indefinite wait)</a:t>
+              <a:rPr lang="en-US" dirty="0">
+                <a:solidFill>
+                  <a:schemeClr val="accent6">
+                    <a:lumMod val="75000"/>
+                  </a:schemeClr>
+                </a:solidFill>
+              </a:rPr>
+              <a:t>Neither can run until the other gives up its lock, so they wait forever</a:t>
+            </a:r>
+          </a:p>
+          <a:p>
+            <a:r>
+              <a:rPr lang="en-US" dirty="0"/>
+              <a:t>Poor design can lead to deadlock</a:t>
             </a:r>
           </a:p>
           <a:p>
             <a:pPr lvl="1"/>
             <a:r>
-              <a:rPr lang="en-US" dirty="0" err="1"/>
-              <a:t>Livelock</a:t>
-            </a:r>
-            <a:r>
-              <a:rPr lang="en-US" dirty="0"/>
-              <a:t> (threads running but no work gets done)</a:t>
+              <a:rPr lang="en-US" dirty="0"/>
+              <a:t>It is hard to debug code to avoid deadlock</a:t>
             </a:r>
           </a:p>
           <a:p>
             <a:pPr lvl="1"/>
             <a:r>
               <a:rPr lang="en-US" dirty="0"/>
-              <a:t>Starvation (thread never executes)</a:t>
-            </a:r>
+              <a:t>Model checking could be a solution (problem: state space explosion)</a:t>
+            </a:r>
+          </a:p>
+          <a:p>
+            <a:endParaRPr lang="en-US" dirty="0"/>
           </a:p>
         </p:txBody>
       </p:sp>
     </p:spTree>
     <p:extLst>
       <p:ext uri="{BB962C8B-B14F-4D97-AF65-F5344CB8AC3E}">
-        <p14:creationId xmlns:p14="http://schemas.microsoft.com/office/powerpoint/2010/main" val="1241429327"/>
+        <p14:creationId xmlns:p14="http://schemas.microsoft.com/office/powerpoint/2010/main" val="1085729473"/>
       </p:ext>
     </p:extLst>
   </p:cSld>
@@ -14951,7 +14986,7 @@
           <a:p>
             <a:r>
               <a:rPr lang="en-US" dirty="0"/>
-              <a:t>JVM and Operating System</a:t>
+              <a:t>Why threads ?</a:t>
             </a:r>
           </a:p>
         </p:txBody>
@@ -14969,32 +15004,19 @@
         <p:spPr/>
         <p:txBody>
           <a:bodyPr>
-            <a:noAutofit/>
+            <a:normAutofit/>
           </a:bodyPr>
           <a:lstStyle/>
           <a:p>
             <a:r>
-              <a:rPr lang="en-US" sz="2800" dirty="0"/>
-              <a:t>The JVM is a process and gets the CPU as assigned by the OS’s scheduler</a:t>
-            </a:r>
-          </a:p>
-          <a:p>
-            <a:r>
-              <a:rPr lang="en-US" sz="2800" dirty="0">
-                <a:solidFill>
-                  <a:schemeClr val="accent6">
-                    <a:lumMod val="75000"/>
-                  </a:schemeClr>
-                </a:solidFill>
-              </a:rPr>
-              <a:t>Java is a specification with many different implementations*</a:t>
-            </a:r>
-          </a:p>
-          <a:p>
-            <a:pPr lvl="1"/>
-            <a:r>
-              <a:rPr lang="en-US" dirty="0"/>
-              <a:t>Some JVMs operate like a mini-OS and schedule their own threads</a:t>
+              <a:rPr lang="en-US" dirty="0"/>
+              <a:t>There are many reasons to use threads in your Java programs. If you use Android, Swing, JavaFX, Servlets, RMI, JavaBeans (EJB) you may already be using threads without realizing it. </a:t>
+            </a:r>
+          </a:p>
+          <a:p>
+            <a:r>
+              <a:rPr lang="en-US" dirty="0"/>
+              <a:t>Main reasons for using threads:</a:t>
             </a:r>
           </a:p>
           <a:p>
@@ -15005,36 +15027,37 @@
                   <a:srgbClr val="E46C0A"/>
                 </a:solidFill>
               </a:rPr>
-              <a:t>Most JVMs use the OS scheduler (a Java thread is actually mapped to a system thread)</a:t>
-            </a:r>
-            <a:endParaRPr lang="en-US" dirty="0"/>
-          </a:p>
-          <a:p>
-            <a:pPr marL="0" lvl="1" indent="0">
-              <a:buNone/>
-            </a:pPr>
-            <a:r>
-              <a:rPr lang="en-US" sz="2400" dirty="0"/>
-              <a:t>*</a:t>
-            </a:r>
-            <a:r>
-              <a:rPr lang="en-US" sz="2400" dirty="0">
-                <a:hlinkClick r:id="rId2"/>
-              </a:rPr>
-              <a:t>https://en.wikipedia.org/wiki/List_of_Java_virtual_machines</a:t>
-            </a:r>
-            <a:endParaRPr lang="en-US" sz="2400" dirty="0">
-              <a:solidFill>
-                <a:srgbClr val="E46C0A"/>
-              </a:solidFill>
-            </a:endParaRPr>
+              <a:t>make the UI responsive</a:t>
+            </a:r>
+          </a:p>
+          <a:p>
+            <a:pPr lvl="1"/>
+            <a:r>
+              <a:rPr lang="en-US" dirty="0">
+                <a:solidFill>
+                  <a:srgbClr val="E46C0A"/>
+                </a:solidFill>
+              </a:rPr>
+              <a:t>perform asynchronous operations or background processing</a:t>
+            </a:r>
+          </a:p>
+          <a:p>
+            <a:pPr lvl="1"/>
+            <a:r>
+              <a:rPr lang="en-US" dirty="0">
+                <a:solidFill>
+                  <a:srgbClr val="E46C0A"/>
+                </a:solidFill>
+              </a:rPr>
+              <a:t>take advantage of multiprocessor systems</a:t>
+            </a:r>
           </a:p>
         </p:txBody>
       </p:sp>
     </p:spTree>
     <p:extLst>
       <p:ext uri="{BB962C8B-B14F-4D97-AF65-F5344CB8AC3E}">
-        <p14:creationId xmlns:p14="http://schemas.microsoft.com/office/powerpoint/2010/main" val="2954736820"/>
+        <p14:creationId xmlns:p14="http://schemas.microsoft.com/office/powerpoint/2010/main" val="3666476076"/>
       </p:ext>
     </p:extLst>
   </p:cSld>
@@ -15045,118 +15068,6 @@
 </file>
 
 <file path=ppt/slides/slide60.xml><?xml version="1.0" encoding="utf-8"?>
-<p:sld xmlns:a="http://schemas.openxmlformats.org/drawingml/2006/main" xmlns:r="http://schemas.openxmlformats.org/officeDocument/2006/relationships" xmlns:p="http://schemas.openxmlformats.org/presentationml/2006/main">
-  <p:cSld>
-    <p:spTree>
-      <p:nvGrpSpPr>
-        <p:cNvPr id="1" name=""/>
-        <p:cNvGrpSpPr/>
-        <p:nvPr/>
-      </p:nvGrpSpPr>
-      <p:grpSpPr>
-        <a:xfrm>
-          <a:off x="0" y="0"/>
-          <a:ext cx="0" cy="0"/>
-          <a:chOff x="0" y="0"/>
-          <a:chExt cx="0" cy="0"/>
-        </a:xfrm>
-      </p:grpSpPr>
-      <p:sp>
-        <p:nvSpPr>
-          <p:cNvPr id="2" name="Title 1"/>
-          <p:cNvSpPr>
-            <a:spLocks noGrp="1"/>
-          </p:cNvSpPr>
-          <p:nvPr>
-            <p:ph type="title"/>
-          </p:nvPr>
-        </p:nvSpPr>
-        <p:spPr/>
-        <p:txBody>
-          <a:bodyPr/>
-          <a:lstStyle/>
-          <a:p>
-            <a:r>
-              <a:rPr lang="en-US" dirty="0"/>
-              <a:t>Deadlock</a:t>
-            </a:r>
-          </a:p>
-        </p:txBody>
-      </p:sp>
-      <p:sp>
-        <p:nvSpPr>
-          <p:cNvPr id="3" name="Content Placeholder 2"/>
-          <p:cNvSpPr>
-            <a:spLocks noGrp="1"/>
-          </p:cNvSpPr>
-          <p:nvPr>
-            <p:ph idx="1"/>
-          </p:nvPr>
-        </p:nvSpPr>
-        <p:spPr/>
-        <p:txBody>
-          <a:bodyPr>
-            <a:normAutofit/>
-          </a:bodyPr>
-          <a:lstStyle/>
-          <a:p>
-            <a:r>
-              <a:rPr lang="en-US" dirty="0"/>
-              <a:t>Deadlock occurs when two threads are blocked, with each other waiting for the other’s lock.</a:t>
-            </a:r>
-          </a:p>
-          <a:p>
-            <a:pPr lvl="1"/>
-            <a:r>
-              <a:rPr lang="en-US" dirty="0">
-                <a:solidFill>
-                  <a:schemeClr val="accent6">
-                    <a:lumMod val="75000"/>
-                  </a:schemeClr>
-                </a:solidFill>
-              </a:rPr>
-              <a:t>Neither can run until the other gives up its lock, so they wait forever</a:t>
-            </a:r>
-          </a:p>
-          <a:p>
-            <a:r>
-              <a:rPr lang="en-US" dirty="0"/>
-              <a:t>Poor design can lead to deadlock</a:t>
-            </a:r>
-          </a:p>
-          <a:p>
-            <a:pPr lvl="1"/>
-            <a:r>
-              <a:rPr lang="en-US" dirty="0"/>
-              <a:t>It is hard to debug code to avoid deadlock</a:t>
-            </a:r>
-          </a:p>
-          <a:p>
-            <a:pPr lvl="1"/>
-            <a:r>
-              <a:rPr lang="en-US" dirty="0"/>
-              <a:t>Model checking could be a solution (problem: state space explosion)</a:t>
-            </a:r>
-          </a:p>
-          <a:p>
-            <a:endParaRPr lang="en-US" dirty="0"/>
-          </a:p>
-        </p:txBody>
-      </p:sp>
-    </p:spTree>
-    <p:extLst>
-      <p:ext uri="{BB962C8B-B14F-4D97-AF65-F5344CB8AC3E}">
-        <p14:creationId xmlns:p14="http://schemas.microsoft.com/office/powerpoint/2010/main" val="1085729473"/>
-      </p:ext>
-    </p:extLst>
-  </p:cSld>
-  <p:clrMapOvr>
-    <a:masterClrMapping/>
-  </p:clrMapOvr>
-</p:sld>
-</file>
-
-<file path=ppt/slides/slide61.xml><?xml version="1.0" encoding="utf-8"?>
 <p:sld xmlns:a="http://schemas.openxmlformats.org/drawingml/2006/main" xmlns:r="http://schemas.openxmlformats.org/officeDocument/2006/relationships" xmlns:p="http://schemas.openxmlformats.org/presentationml/2006/main">
   <p:cSld>
     <p:spTree>
@@ -15238,6 +15149,117 @@
 </p:sld>
 </file>
 
+<file path=ppt/slides/slide61.xml><?xml version="1.0" encoding="utf-8"?>
+<p:sld xmlns:a="http://schemas.openxmlformats.org/drawingml/2006/main" xmlns:r="http://schemas.openxmlformats.org/officeDocument/2006/relationships" xmlns:p="http://schemas.openxmlformats.org/presentationml/2006/main">
+  <p:cSld>
+    <p:spTree>
+      <p:nvGrpSpPr>
+        <p:cNvPr id="1" name=""/>
+        <p:cNvGrpSpPr/>
+        <p:nvPr/>
+      </p:nvGrpSpPr>
+      <p:grpSpPr>
+        <a:xfrm>
+          <a:off x="0" y="0"/>
+          <a:ext cx="0" cy="0"/>
+          <a:chOff x="0" y="0"/>
+          <a:chExt cx="0" cy="0"/>
+        </a:xfrm>
+      </p:grpSpPr>
+      <p:sp>
+        <p:nvSpPr>
+          <p:cNvPr id="2" name="Title 1"/>
+          <p:cNvSpPr>
+            <a:spLocks noGrp="1"/>
+          </p:cNvSpPr>
+          <p:nvPr>
+            <p:ph type="title"/>
+          </p:nvPr>
+        </p:nvSpPr>
+        <p:spPr/>
+        <p:txBody>
+          <a:bodyPr/>
+          <a:lstStyle/>
+          <a:p>
+            <a:r>
+              <a:rPr lang="en-US" dirty="0" err="1"/>
+              <a:t>Livelock</a:t>
+            </a:r>
+            <a:endParaRPr lang="en-US" dirty="0"/>
+          </a:p>
+        </p:txBody>
+      </p:sp>
+      <p:sp>
+        <p:nvSpPr>
+          <p:cNvPr id="3" name="Content Placeholder 2"/>
+          <p:cNvSpPr>
+            <a:spLocks noGrp="1"/>
+          </p:cNvSpPr>
+          <p:nvPr>
+            <p:ph idx="1"/>
+          </p:nvPr>
+        </p:nvSpPr>
+        <p:spPr/>
+        <p:txBody>
+          <a:bodyPr>
+            <a:normAutofit/>
+          </a:bodyPr>
+          <a:lstStyle/>
+          <a:p>
+            <a:r>
+              <a:rPr lang="en-US" dirty="0"/>
+              <a:t>A thread often acts in response to the action of another thread. If the other thread's action is also a response to the action of another thread, then </a:t>
+            </a:r>
+            <a:r>
+              <a:rPr lang="en-US" dirty="0" err="1"/>
+              <a:t>livelock</a:t>
+            </a:r>
+            <a:r>
+              <a:rPr lang="en-US" dirty="0"/>
+              <a:t> may result. </a:t>
+            </a:r>
+          </a:p>
+          <a:p>
+            <a:r>
+              <a:rPr lang="en-US" dirty="0"/>
+              <a:t>As with deadlock, </a:t>
+            </a:r>
+            <a:r>
+              <a:rPr lang="en-US" dirty="0" err="1"/>
+              <a:t>livelocked</a:t>
+            </a:r>
+            <a:r>
+              <a:rPr lang="en-US" dirty="0"/>
+              <a:t> threads are unable to make further progress. </a:t>
+            </a:r>
+          </a:p>
+          <a:p>
+            <a:r>
+              <a:rPr lang="en-US" dirty="0">
+                <a:solidFill>
+                  <a:schemeClr val="accent6">
+                    <a:lumMod val="75000"/>
+                  </a:schemeClr>
+                </a:solidFill>
+              </a:rPr>
+              <a:t>However, the threads are not blocked — they are simply too busy responding to each other to resume work. </a:t>
+            </a:r>
+          </a:p>
+        </p:txBody>
+      </p:sp>
+    </p:spTree>
+    <p:extLst>
+      <p:ext uri="{BB962C8B-B14F-4D97-AF65-F5344CB8AC3E}">
+        <p14:creationId xmlns:p14="http://schemas.microsoft.com/office/powerpoint/2010/main" val="936668052"/>
+      </p:ext>
+    </p:extLst>
+  </p:cSld>
+  <p:clrMapOvr>
+    <a:masterClrMapping/>
+  </p:clrMapOvr>
+</p:sld>
+</file>
+
 <file path=ppt/slides/slide62.xml><?xml version="1.0" encoding="utf-8"?>
 <p:sld xmlns:a="http://schemas.openxmlformats.org/drawingml/2006/main" xmlns:r="http://schemas.openxmlformats.org/officeDocument/2006/relationships" xmlns:p="http://schemas.openxmlformats.org/presentationml/2006/main">
   <p:cSld>
@@ -15267,117 +15289,6 @@
         </p:nvSpPr>
         <p:spPr/>
         <p:txBody>
-          <a:bodyPr/>
-          <a:lstStyle/>
-          <a:p>
-            <a:r>
-              <a:rPr lang="en-US" dirty="0" err="1"/>
-              <a:t>Livelock</a:t>
-            </a:r>
-            <a:endParaRPr lang="en-US" dirty="0"/>
-          </a:p>
-        </p:txBody>
-      </p:sp>
-      <p:sp>
-        <p:nvSpPr>
-          <p:cNvPr id="3" name="Content Placeholder 2"/>
-          <p:cNvSpPr>
-            <a:spLocks noGrp="1"/>
-          </p:cNvSpPr>
-          <p:nvPr>
-            <p:ph idx="1"/>
-          </p:nvPr>
-        </p:nvSpPr>
-        <p:spPr/>
-        <p:txBody>
-          <a:bodyPr>
-            <a:normAutofit/>
-          </a:bodyPr>
-          <a:lstStyle/>
-          <a:p>
-            <a:r>
-              <a:rPr lang="en-US" dirty="0"/>
-              <a:t>A thread often acts in response to the action of another thread. If the other thread's action is also a response to the action of another thread, then </a:t>
-            </a:r>
-            <a:r>
-              <a:rPr lang="en-US" dirty="0" err="1"/>
-              <a:t>livelock</a:t>
-            </a:r>
-            <a:r>
-              <a:rPr lang="en-US" dirty="0"/>
-              <a:t> may result. </a:t>
-            </a:r>
-          </a:p>
-          <a:p>
-            <a:r>
-              <a:rPr lang="en-US" dirty="0"/>
-              <a:t>As with deadlock, </a:t>
-            </a:r>
-            <a:r>
-              <a:rPr lang="en-US" dirty="0" err="1"/>
-              <a:t>livelocked</a:t>
-            </a:r>
-            <a:r>
-              <a:rPr lang="en-US" dirty="0"/>
-              <a:t> threads are unable to make further progress. </a:t>
-            </a:r>
-          </a:p>
-          <a:p>
-            <a:r>
-              <a:rPr lang="en-US" dirty="0">
-                <a:solidFill>
-                  <a:schemeClr val="accent6">
-                    <a:lumMod val="75000"/>
-                  </a:schemeClr>
-                </a:solidFill>
-              </a:rPr>
-              <a:t>However, the threads are not blocked — they are simply too busy responding to each other to resume work. </a:t>
-            </a:r>
-          </a:p>
-        </p:txBody>
-      </p:sp>
-    </p:spTree>
-    <p:extLst>
-      <p:ext uri="{BB962C8B-B14F-4D97-AF65-F5344CB8AC3E}">
-        <p14:creationId xmlns:p14="http://schemas.microsoft.com/office/powerpoint/2010/main" val="936668052"/>
-      </p:ext>
-    </p:extLst>
-  </p:cSld>
-  <p:clrMapOvr>
-    <a:masterClrMapping/>
-  </p:clrMapOvr>
-</p:sld>
-</file>
-
-<file path=ppt/slides/slide63.xml><?xml version="1.0" encoding="utf-8"?>
-<p:sld xmlns:a="http://schemas.openxmlformats.org/drawingml/2006/main" xmlns:r="http://schemas.openxmlformats.org/officeDocument/2006/relationships" xmlns:p="http://schemas.openxmlformats.org/presentationml/2006/main">
-  <p:cSld>
-    <p:spTree>
-      <p:nvGrpSpPr>
-        <p:cNvPr id="1" name=""/>
-        <p:cNvGrpSpPr/>
-        <p:nvPr/>
-      </p:nvGrpSpPr>
-      <p:grpSpPr>
-        <a:xfrm>
-          <a:off x="0" y="0"/>
-          <a:ext cx="0" cy="0"/>
-          <a:chOff x="0" y="0"/>
-          <a:chExt cx="0" cy="0"/>
-        </a:xfrm>
-      </p:grpSpPr>
-      <p:sp>
-        <p:nvSpPr>
-          <p:cNvPr id="2" name="Title 1"/>
-          <p:cNvSpPr>
-            <a:spLocks noGrp="1"/>
-          </p:cNvSpPr>
-          <p:nvPr>
-            <p:ph type="title"/>
-          </p:nvPr>
-        </p:nvSpPr>
-        <p:spPr/>
-        <p:txBody>
           <a:bodyPr>
             <a:normAutofit/>
           </a:bodyPr>
@@ -15439,7 +15350,7 @@
 </p:sld>
 </file>
 
-<file path=ppt/slides/slide64.xml><?xml version="1.0" encoding="utf-8"?>
+<file path=ppt/slides/slide63.xml><?xml version="1.0" encoding="utf-8"?>
 <p:sld xmlns:a="http://schemas.openxmlformats.org/drawingml/2006/main" xmlns:r="http://schemas.openxmlformats.org/officeDocument/2006/relationships" xmlns:p="http://schemas.openxmlformats.org/presentationml/2006/main">
   <p:cSld>
     <p:spTree>
@@ -15521,7 +15432,7 @@
 </p:sld>
 </file>
 
-<file path=ppt/slides/slide65.xml><?xml version="1.0" encoding="utf-8"?>
+<file path=ppt/slides/slide64.xml><?xml version="1.0" encoding="utf-8"?>
 <p:sld xmlns:a="http://schemas.openxmlformats.org/drawingml/2006/main" xmlns:r="http://schemas.openxmlformats.org/officeDocument/2006/relationships" xmlns:p="http://schemas.openxmlformats.org/presentationml/2006/main">
   <p:cSld>
     <p:spTree>
@@ -15686,53 +15597,33 @@
         </p:nvSpPr>
         <p:spPr/>
         <p:txBody>
-          <a:bodyPr>
-            <a:normAutofit/>
-          </a:bodyPr>
-          <a:lstStyle/>
-          <a:p>
-            <a:r>
-              <a:rPr lang="en-US" dirty="0"/>
-              <a:t>There are many reasons to use threads in your Java programs. If you use Android, Swing, JavaFX, Servlets, RMI, JavaBeans (EJB) you may already be using threads without realizing it. </a:t>
-            </a:r>
-          </a:p>
-          <a:p>
-            <a:r>
-              <a:rPr lang="en-US" dirty="0"/>
-              <a:t>Main reasons for using threads:</a:t>
+          <a:bodyPr/>
+          <a:lstStyle/>
+          <a:p>
+            <a:r>
+              <a:rPr lang="en-US" dirty="0"/>
+              <a:t>Imagine a stock-broker application with three key capabilities:</a:t>
             </a:r>
           </a:p>
           <a:p>
             <a:pPr lvl="1"/>
             <a:r>
-              <a:rPr lang="en-US" dirty="0">
-                <a:solidFill>
-                  <a:srgbClr val="E46C0A"/>
-                </a:solidFill>
-              </a:rPr>
-              <a:t>make the UI more responsive</a:t>
+              <a:rPr lang="en-US" dirty="0"/>
+              <a:t>Download stock prices</a:t>
             </a:r>
           </a:p>
           <a:p>
             <a:pPr lvl="1"/>
             <a:r>
-              <a:rPr lang="en-US" dirty="0">
-                <a:solidFill>
-                  <a:srgbClr val="E46C0A"/>
-                </a:solidFill>
-              </a:rPr>
-              <a:t>take advantage of multiprocessor systems</a:t>
+              <a:rPr lang="en-US" dirty="0"/>
+              <a:t>Store stock prices into a database</a:t>
             </a:r>
           </a:p>
           <a:p>
             <a:pPr lvl="1"/>
             <a:r>
-              <a:rPr lang="en-US" dirty="0">
-                <a:solidFill>
-                  <a:srgbClr val="E46C0A"/>
-                </a:solidFill>
-              </a:rPr>
-              <a:t>perform asynchronous operations or background processing</a:t>
+              <a:rPr lang="en-US" dirty="0"/>
+              <a:t>Short-term analysis (1 hour) for buy/sell signals</a:t>
             </a:r>
           </a:p>
         </p:txBody>
@@ -15740,7 +15631,7 @@
     </p:spTree>
     <p:extLst>
       <p:ext uri="{BB962C8B-B14F-4D97-AF65-F5344CB8AC3E}">
-        <p14:creationId xmlns:p14="http://schemas.microsoft.com/office/powerpoint/2010/main" val="3666476076"/>
+        <p14:creationId xmlns:p14="http://schemas.microsoft.com/office/powerpoint/2010/main" val="2246698876"/>
       </p:ext>
     </p:extLst>
   </p:cSld>
@@ -15779,12 +15670,14 @@
         </p:nvSpPr>
         <p:spPr/>
         <p:txBody>
-          <a:bodyPr/>
-          <a:lstStyle/>
-          <a:p>
-            <a:r>
-              <a:rPr lang="en-US" dirty="0"/>
-              <a:t>Why threads ?</a:t>
+          <a:bodyPr>
+            <a:normAutofit/>
+          </a:bodyPr>
+          <a:lstStyle/>
+          <a:p>
+            <a:r>
+              <a:rPr lang="en-US" dirty="0"/>
+              <a:t>Single-threaded scenario</a:t>
             </a:r>
           </a:p>
         </p:txBody>
@@ -15801,41 +15694,63 @@
         </p:nvSpPr>
         <p:spPr/>
         <p:txBody>
-          <a:bodyPr/>
-          <a:lstStyle/>
-          <a:p>
-            <a:r>
-              <a:rPr lang="en-US" dirty="0"/>
-              <a:t>Imagine a stock-broker application with three key capabilities:</a:t>
-            </a:r>
-          </a:p>
-          <a:p>
-            <a:pPr lvl="1"/>
-            <a:r>
-              <a:rPr lang="en-US" dirty="0"/>
-              <a:t>Download stock prices</a:t>
-            </a:r>
-          </a:p>
-          <a:p>
-            <a:pPr lvl="1"/>
-            <a:r>
-              <a:rPr lang="en-US" dirty="0"/>
-              <a:t>Store stock prices into a database</a:t>
-            </a:r>
-          </a:p>
-          <a:p>
-            <a:pPr lvl="1"/>
-            <a:r>
-              <a:rPr lang="en-US" dirty="0"/>
-              <a:t>Short-term analysis (1 hour) for buy/sell signals</a:t>
-            </a:r>
+          <a:bodyPr>
+            <a:normAutofit/>
+          </a:bodyPr>
+          <a:lstStyle/>
+          <a:p>
+            <a:r>
+              <a:rPr lang="en-US" dirty="0"/>
+              <a:t>In a </a:t>
+            </a:r>
+            <a:r>
+              <a:rPr lang="en-US" dirty="0">
+                <a:solidFill>
+                  <a:srgbClr val="E46C0A"/>
+                </a:solidFill>
+              </a:rPr>
+              <a:t>single-threaded runtime environment, actions execute one after another. </a:t>
+            </a:r>
+            <a:r>
+              <a:rPr lang="en-US" dirty="0"/>
+              <a:t>An action happens only when the previous one is completed.</a:t>
+            </a:r>
+          </a:p>
+          <a:p>
+            <a:r>
+              <a:rPr lang="en-US" dirty="0"/>
+              <a:t>If the download takes 10 minutes, should the user enjoy an </a:t>
+            </a:r>
+            <a:r>
+              <a:rPr lang="en-US" dirty="0">
+                <a:solidFill>
+                  <a:schemeClr val="accent6">
+                    <a:lumMod val="75000"/>
+                  </a:schemeClr>
+                </a:solidFill>
+              </a:rPr>
+              <a:t>unresponsive UI </a:t>
+            </a:r>
+            <a:r>
+              <a:rPr lang="en-US" dirty="0"/>
+              <a:t>for 10 minute?</a:t>
+            </a:r>
+          </a:p>
+          <a:p>
+            <a:r>
+              <a:rPr lang="en-US" dirty="0"/>
+              <a:t>If short-term analysis takes additional 10 minute the result may come too late. Prices could already have changed significantly!</a:t>
+            </a:r>
+          </a:p>
+          <a:p>
+            <a:endParaRPr lang="en-US" dirty="0"/>
           </a:p>
         </p:txBody>
       </p:sp>
     </p:spTree>
     <p:extLst>
       <p:ext uri="{BB962C8B-B14F-4D97-AF65-F5344CB8AC3E}">
-        <p14:creationId xmlns:p14="http://schemas.microsoft.com/office/powerpoint/2010/main" val="2246698876"/>
+        <p14:creationId xmlns:p14="http://schemas.microsoft.com/office/powerpoint/2010/main" val="2585932767"/>
       </p:ext>
     </p:extLst>
   </p:cSld>
@@ -15881,7 +15796,7 @@
           <a:p>
             <a:r>
               <a:rPr lang="en-US" dirty="0"/>
-              <a:t>Single-threaded scenario</a:t>
+              <a:t>Multi-threaded	scenario</a:t>
             </a:r>
           </a:p>
         </p:txBody>
@@ -15905,7 +15820,14 @@
           <a:p>
             <a:r>
               <a:rPr lang="en-US" dirty="0"/>
-              <a:t>In a </a:t>
+              <a:t>In a multi-threated scenario</a:t>
+            </a:r>
+          </a:p>
+          <a:p>
+            <a:pPr lvl="1"/>
+            <a:r>
+              <a:rPr lang="en-US" dirty="0"/>
+              <a:t>the </a:t>
             </a:r>
             <a:r>
               <a:rPr lang="en-US" dirty="0">
@@ -15913,40 +15835,41 @@
                   <a:srgbClr val="E46C0A"/>
                 </a:solidFill>
               </a:rPr>
-              <a:t>single-threaded runtime environment, actions execute one after another. </a:t>
-            </a:r>
-            <a:r>
-              <a:rPr lang="en-US" dirty="0"/>
-              <a:t>An action happens only when the previous one is completed.</a:t>
-            </a:r>
-          </a:p>
-          <a:p>
-            <a:r>
-              <a:rPr lang="en-US" dirty="0"/>
-              <a:t>If the download takes 10 minutes, should the user enjoy an </a:t>
+              <a:t>download can execute in background </a:t>
+            </a:r>
+            <a:r>
+              <a:rPr lang="en-US" dirty="0"/>
+              <a:t>(i.e. in another thread)</a:t>
+            </a:r>
+          </a:p>
+          <a:p>
+            <a:pPr lvl="1"/>
+            <a:r>
+              <a:rPr lang="en-US" dirty="0"/>
+              <a:t>the </a:t>
             </a:r>
             <a:r>
               <a:rPr lang="en-US" dirty="0">
                 <a:solidFill>
-                  <a:schemeClr val="accent6">
-                    <a:lumMod val="75000"/>
-                  </a:schemeClr>
+                  <a:srgbClr val="E46C0A"/>
                 </a:solidFill>
               </a:rPr>
-              <a:t>unresponsive UI</a:t>
-            </a:r>
-            <a:r>
-              <a:rPr lang="en-US" dirty="0"/>
-              <a:t>?</a:t>
-            </a:r>
-          </a:p>
-          <a:p>
-            <a:r>
-              <a:rPr lang="en-US" dirty="0"/>
-              <a:t>If short-term analysis takes additional 10 minute the result may come too late. Prices could already have changed significantly!</a:t>
-            </a:r>
-          </a:p>
-          <a:p>
+              <a:t>analysis, too, can execute in background</a:t>
+            </a:r>
+            <a:r>
+              <a:rPr lang="en-US" dirty="0"/>
+              <a:t> (i.e. in another thread) and eventually use multiple CPU cores for saving time</a:t>
+            </a:r>
+          </a:p>
+          <a:p>
+            <a:pPr lvl="1"/>
+            <a:r>
+              <a:rPr lang="en-US" dirty="0"/>
+              <a:t>the user can enjoy a responsive GUI while awaiting for eventual notifications (buy/sell signals)</a:t>
+            </a:r>
+          </a:p>
+          <a:p>
+            <a:pPr lvl="1"/>
             <a:endParaRPr lang="en-US" dirty="0"/>
           </a:p>
         </p:txBody>
@@ -15954,7 +15877,7 @@
     </p:spTree>
     <p:extLst>
       <p:ext uri="{BB962C8B-B14F-4D97-AF65-F5344CB8AC3E}">
-        <p14:creationId xmlns:p14="http://schemas.microsoft.com/office/powerpoint/2010/main" val="2585932767"/>
+        <p14:creationId xmlns:p14="http://schemas.microsoft.com/office/powerpoint/2010/main" val="2044025521"/>
       </p:ext>
     </p:extLst>
   </p:cSld>

--- a/java/slides/ppt/08 - Java Multi-Threading.pptx
+++ b/java/slides/ppt/08 - Java Multi-Threading.pptx
@@ -5,10 +5,10 @@
     <p:sldMasterId id="2147483672" r:id="rId1"/>
   </p:sldMasterIdLst>
   <p:notesMasterIdLst>
-    <p:notesMasterId r:id="rId66"/>
+    <p:notesMasterId r:id="rId65"/>
   </p:notesMasterIdLst>
   <p:handoutMasterIdLst>
-    <p:handoutMasterId r:id="rId67"/>
+    <p:handoutMasterId r:id="rId66"/>
   </p:handoutMasterIdLst>
   <p:sldIdLst>
     <p:sldId id="256" r:id="rId2"/>
@@ -44,37 +44,36 @@
     <p:sldId id="292" r:id="rId32"/>
     <p:sldId id="294" r:id="rId33"/>
     <p:sldId id="290" r:id="rId34"/>
-    <p:sldId id="293" r:id="rId35"/>
-    <p:sldId id="287" r:id="rId36"/>
-    <p:sldId id="306" r:id="rId37"/>
-    <p:sldId id="296" r:id="rId38"/>
-    <p:sldId id="325" r:id="rId39"/>
-    <p:sldId id="257" r:id="rId40"/>
-    <p:sldId id="308" r:id="rId41"/>
-    <p:sldId id="309" r:id="rId42"/>
-    <p:sldId id="310" r:id="rId43"/>
-    <p:sldId id="264" r:id="rId44"/>
-    <p:sldId id="266" r:id="rId45"/>
-    <p:sldId id="269" r:id="rId46"/>
-    <p:sldId id="267" r:id="rId47"/>
-    <p:sldId id="311" r:id="rId48"/>
-    <p:sldId id="312" r:id="rId49"/>
-    <p:sldId id="313" r:id="rId50"/>
-    <p:sldId id="314" r:id="rId51"/>
-    <p:sldId id="315" r:id="rId52"/>
-    <p:sldId id="316" r:id="rId53"/>
-    <p:sldId id="317" r:id="rId54"/>
-    <p:sldId id="318" r:id="rId55"/>
-    <p:sldId id="319" r:id="rId56"/>
-    <p:sldId id="277" r:id="rId57"/>
-    <p:sldId id="320" r:id="rId58"/>
-    <p:sldId id="321" r:id="rId59"/>
-    <p:sldId id="274" r:id="rId60"/>
-    <p:sldId id="297" r:id="rId61"/>
-    <p:sldId id="322" r:id="rId62"/>
-    <p:sldId id="323" r:id="rId63"/>
-    <p:sldId id="295" r:id="rId64"/>
-    <p:sldId id="324" r:id="rId65"/>
+    <p:sldId id="287" r:id="rId35"/>
+    <p:sldId id="306" r:id="rId36"/>
+    <p:sldId id="296" r:id="rId37"/>
+    <p:sldId id="325" r:id="rId38"/>
+    <p:sldId id="257" r:id="rId39"/>
+    <p:sldId id="308" r:id="rId40"/>
+    <p:sldId id="309" r:id="rId41"/>
+    <p:sldId id="310" r:id="rId42"/>
+    <p:sldId id="264" r:id="rId43"/>
+    <p:sldId id="266" r:id="rId44"/>
+    <p:sldId id="269" r:id="rId45"/>
+    <p:sldId id="267" r:id="rId46"/>
+    <p:sldId id="311" r:id="rId47"/>
+    <p:sldId id="312" r:id="rId48"/>
+    <p:sldId id="313" r:id="rId49"/>
+    <p:sldId id="314" r:id="rId50"/>
+    <p:sldId id="315" r:id="rId51"/>
+    <p:sldId id="316" r:id="rId52"/>
+    <p:sldId id="317" r:id="rId53"/>
+    <p:sldId id="318" r:id="rId54"/>
+    <p:sldId id="277" r:id="rId55"/>
+    <p:sldId id="320" r:id="rId56"/>
+    <p:sldId id="321" r:id="rId57"/>
+    <p:sldId id="274" r:id="rId58"/>
+    <p:sldId id="297" r:id="rId59"/>
+    <p:sldId id="322" r:id="rId60"/>
+    <p:sldId id="323" r:id="rId61"/>
+    <p:sldId id="295" r:id="rId62"/>
+    <p:sldId id="324" r:id="rId63"/>
+    <p:sldId id="326" r:id="rId64"/>
   </p:sldIdLst>
   <p:sldSz cx="12192000" cy="6858000"/>
   <p:notesSz cx="6858000" cy="9144000"/>
@@ -286,7 +285,7 @@
           <a:p>
             <a:fld id="{5591E39A-28E5-5D4D-B97C-ECEB96F19817}" type="datetimeFigureOut">
               <a:rPr lang="en-IT" smtClean="0"/>
-              <a:t>02/04/22</a:t>
+              <a:t>27/04/22</a:t>
             </a:fld>
             <a:endParaRPr lang="en-IT"/>
           </a:p>
@@ -465,7 +464,7 @@
             <a:fld id="{BAEB7694-8561-4BE2-948D-EDF7A201F8BB}" type="datetimeFigureOut">
               <a:rPr lang="it-IT" smtClean="0"/>
               <a:pPr/>
-              <a:t>02/04/22</a:t>
+              <a:t>27/04/22</a:t>
             </a:fld>
             <a:endParaRPr lang="it-IT"/>
           </a:p>
@@ -4685,13 +4684,13 @@
             <a:spLocks noGrp="1"/>
           </p:cNvSpPr>
           <p:nvPr>
-            <p:ph idx="1"/>
+            <p:ph sz="half" idx="1"/>
           </p:nvPr>
         </p:nvSpPr>
         <p:spPr/>
         <p:txBody>
           <a:bodyPr>
-            <a:normAutofit fontScale="70000" lnSpcReduction="20000"/>
+            <a:normAutofit/>
           </a:bodyPr>
           <a:lstStyle/>
           <a:p>
@@ -4699,7 +4698,7 @@
               <a:buNone/>
             </a:pPr>
             <a:r>
-              <a:rPr lang="en-US" dirty="0">
+              <a:rPr lang="en-US" sz="1400" dirty="0">
                 <a:solidFill>
                   <a:srgbClr val="E46C0A"/>
                 </a:solidFill>
@@ -4712,7 +4711,7 @@
               <a:buNone/>
             </a:pPr>
             <a:r>
-              <a:rPr lang="en-US" sz="2300" dirty="0">
+              <a:rPr lang="en-US" sz="1400" dirty="0">
                 <a:latin typeface="Consolas"/>
                 <a:cs typeface="Consolas"/>
               </a:rPr>
@@ -4724,7 +4723,7 @@
               <a:buNone/>
             </a:pPr>
             <a:r>
-              <a:rPr lang="en-US" sz="2300" dirty="0">
+              <a:rPr lang="en-US" sz="1400" dirty="0">
                 <a:latin typeface="Consolas"/>
                 <a:cs typeface="Consolas"/>
               </a:rPr>
@@ -4736,7 +4735,7 @@
               <a:buNone/>
             </a:pPr>
             <a:r>
-              <a:rPr lang="en-US" sz="2300" dirty="0">
+              <a:rPr lang="en-US" sz="1400" dirty="0">
                 <a:latin typeface="Consolas"/>
                 <a:cs typeface="Consolas"/>
               </a:rPr>
@@ -4748,7 +4747,7 @@
               <a:buNone/>
             </a:pPr>
             <a:r>
-              <a:rPr lang="en-US" sz="2300" dirty="0">
+              <a:rPr lang="en-US" sz="1400" dirty="0">
                 <a:latin typeface="Consolas"/>
                 <a:cs typeface="Consolas"/>
               </a:rPr>
@@ -4760,7 +4759,7 @@
               <a:buNone/>
             </a:pPr>
             <a:r>
-              <a:rPr lang="en-US" sz="2300" dirty="0">
+              <a:rPr lang="en-US" sz="1400" dirty="0">
                 <a:latin typeface="Consolas"/>
                 <a:cs typeface="Consolas"/>
               </a:rPr>
@@ -4771,8 +4770,17 @@
             <a:pPr marL="0" indent="0">
               <a:buNone/>
             </a:pPr>
-            <a:r>
-              <a:rPr lang="en-US" sz="2300" dirty="0">
+            <a:endParaRPr lang="en-US" sz="1400" dirty="0">
+              <a:latin typeface="Consolas"/>
+              <a:cs typeface="Consolas"/>
+            </a:endParaRPr>
+          </a:p>
+          <a:p>
+            <a:pPr marL="0" indent="0">
+              <a:buNone/>
+            </a:pPr>
+            <a:r>
+              <a:rPr lang="en-US" sz="1400" dirty="0">
                 <a:latin typeface="Consolas"/>
                 <a:cs typeface="Consolas"/>
               </a:rPr>
@@ -4784,14 +4792,14 @@
               <a:buNone/>
             </a:pPr>
             <a:r>
-              <a:rPr lang="en-US" sz="2300" dirty="0" err="1">
+              <a:rPr lang="en-US" sz="1400" dirty="0" err="1">
                 <a:latin typeface="Consolas"/>
                 <a:cs typeface="Consolas"/>
               </a:rPr>
               <a:t>t.start</a:t>
             </a:r>
             <a:r>
-              <a:rPr lang="en-US" sz="2300" dirty="0">
+              <a:rPr lang="en-US" sz="1400" dirty="0">
                 <a:latin typeface="Consolas"/>
                 <a:cs typeface="Consolas"/>
               </a:rPr>
@@ -4802,19 +4810,51 @@
             <a:pPr marL="0" indent="0">
               <a:buNone/>
             </a:pPr>
-            <a:endParaRPr lang="en-US" dirty="0"/>
+            <a:endParaRPr lang="en-US" sz="1600" dirty="0"/>
           </a:p>
           <a:p>
             <a:pPr marL="0" indent="0">
               <a:buNone/>
             </a:pPr>
-            <a:r>
-              <a:rPr lang="en-US" dirty="0">
+            <a:endParaRPr lang="en-US" sz="1600" dirty="0"/>
+          </a:p>
+        </p:txBody>
+      </p:sp>
+      <p:sp>
+        <p:nvSpPr>
+          <p:cNvPr id="4" name="Content Placeholder 3">
+            <a:extLst>
+              <a:ext uri="{FF2B5EF4-FFF2-40B4-BE49-F238E27FC236}">
+                <a16:creationId xmlns:a16="http://schemas.microsoft.com/office/drawing/2014/main" id="{1C2341D1-6209-1A0A-2718-EC0ED3B593CD}"/>
+              </a:ext>
+            </a:extLst>
+          </p:cNvPr>
+          <p:cNvSpPr>
+            <a:spLocks noGrp="1"/>
+          </p:cNvSpPr>
+          <p:nvPr>
+            <p:ph sz="half" idx="2"/>
+          </p:nvPr>
+        </p:nvSpPr>
+        <p:spPr/>
+        <p:txBody>
+          <a:bodyPr>
+            <a:normAutofit/>
+          </a:bodyPr>
+          <a:lstStyle/>
+          <a:p>
+            <a:pPr marL="0" indent="0">
+              <a:buNone/>
+            </a:pPr>
+            <a:r>
+              <a:rPr lang="en-US" sz="1400" dirty="0">
                 <a:solidFill>
                   <a:schemeClr val="accent6">
                     <a:lumMod val="75000"/>
                   </a:schemeClr>
                 </a:solidFill>
+                <a:latin typeface="Consolas" panose="020B0609020204030204" pitchFamily="49" charset="0"/>
+                <a:cs typeface="Consolas" panose="020B0609020204030204" pitchFamily="49" charset="0"/>
               </a:rPr>
               <a:t>Implementing Runnable interface</a:t>
             </a:r>
@@ -4824,9 +4864,9 @@
               <a:buNone/>
             </a:pPr>
             <a:r>
-              <a:rPr lang="en-US" sz="2200" dirty="0">
-                <a:latin typeface="Consolas"/>
-                <a:cs typeface="Consolas"/>
+              <a:rPr lang="en-US" sz="1400" dirty="0">
+                <a:latin typeface="Consolas" panose="020B0609020204030204" pitchFamily="49" charset="0"/>
+                <a:cs typeface="Consolas" panose="020B0609020204030204" pitchFamily="49" charset="0"/>
               </a:rPr>
               <a:t>Class R implements Runnable {</a:t>
             </a:r>
@@ -4836,9 +4876,9 @@
               <a:buNone/>
             </a:pPr>
             <a:r>
-              <a:rPr lang="en-US" sz="2200" dirty="0">
-                <a:latin typeface="Consolas"/>
-                <a:cs typeface="Consolas"/>
+              <a:rPr lang="en-US" sz="1400" dirty="0">
+                <a:latin typeface="Consolas" panose="020B0609020204030204" pitchFamily="49" charset="0"/>
+                <a:cs typeface="Consolas" panose="020B0609020204030204" pitchFamily="49" charset="0"/>
               </a:rPr>
               <a:t>	public void run() {</a:t>
             </a:r>
@@ -4848,9 +4888,9 @@
               <a:buNone/>
             </a:pPr>
             <a:r>
-              <a:rPr lang="en-US" sz="2200" dirty="0">
-                <a:latin typeface="Consolas"/>
-                <a:cs typeface="Consolas"/>
+              <a:rPr lang="en-US" sz="1400" dirty="0">
+                <a:latin typeface="Consolas" panose="020B0609020204030204" pitchFamily="49" charset="0"/>
+                <a:cs typeface="Consolas" panose="020B0609020204030204" pitchFamily="49" charset="0"/>
               </a:rPr>
               <a:t>		//code here   </a:t>
             </a:r>
@@ -4860,9 +4900,9 @@
               <a:buNone/>
             </a:pPr>
             <a:r>
-              <a:rPr lang="en-US" sz="2200" dirty="0">
-                <a:latin typeface="Consolas"/>
-                <a:cs typeface="Consolas"/>
+              <a:rPr lang="en-US" sz="1400" dirty="0">
+                <a:latin typeface="Consolas" panose="020B0609020204030204" pitchFamily="49" charset="0"/>
+                <a:cs typeface="Consolas" panose="020B0609020204030204" pitchFamily="49" charset="0"/>
               </a:rPr>
               <a:t>	}</a:t>
             </a:r>
@@ -4872,9 +4912,9 @@
               <a:buNone/>
             </a:pPr>
             <a:r>
-              <a:rPr lang="en-US" sz="2200" dirty="0">
-                <a:latin typeface="Consolas"/>
-                <a:cs typeface="Consolas"/>
+              <a:rPr lang="en-US" sz="1400" dirty="0">
+                <a:latin typeface="Consolas" panose="020B0609020204030204" pitchFamily="49" charset="0"/>
+                <a:cs typeface="Consolas" panose="020B0609020204030204" pitchFamily="49" charset="0"/>
               </a:rPr>
               <a:t>}</a:t>
             </a:r>
@@ -4884,9 +4924,9 @@
               <a:buNone/>
             </a:pPr>
             <a:r>
-              <a:rPr lang="en-US" sz="2200" dirty="0">
-                <a:latin typeface="Consolas"/>
-                <a:cs typeface="Consolas"/>
+              <a:rPr lang="en-US" sz="1400" dirty="0">
+                <a:latin typeface="Consolas" panose="020B0609020204030204" pitchFamily="49" charset="0"/>
+                <a:cs typeface="Consolas" panose="020B0609020204030204" pitchFamily="49" charset="0"/>
               </a:rPr>
               <a:t>Thread t = new Thread(new R());</a:t>
             </a:r>
@@ -4896,22 +4936,128 @@
               <a:buNone/>
             </a:pPr>
             <a:r>
-              <a:rPr lang="en-US" sz="2200" dirty="0" err="1">
-                <a:latin typeface="Consolas"/>
-                <a:cs typeface="Consolas"/>
+              <a:rPr lang="en-US" sz="1400" dirty="0" err="1">
+                <a:latin typeface="Consolas" panose="020B0609020204030204" pitchFamily="49" charset="0"/>
+                <a:cs typeface="Consolas" panose="020B0609020204030204" pitchFamily="49" charset="0"/>
               </a:rPr>
               <a:t>t.start</a:t>
             </a:r>
             <a:r>
-              <a:rPr lang="en-US" sz="2200" dirty="0">
-                <a:latin typeface="Consolas"/>
-                <a:cs typeface="Consolas"/>
+              <a:rPr lang="en-US" sz="1400" dirty="0">
+                <a:latin typeface="Consolas" panose="020B0609020204030204" pitchFamily="49" charset="0"/>
+                <a:cs typeface="Consolas" panose="020B0609020204030204" pitchFamily="49" charset="0"/>
               </a:rPr>
               <a:t>(); </a:t>
             </a:r>
           </a:p>
           <a:p>
-            <a:endParaRPr lang="en-US" dirty="0"/>
+            <a:pPr marL="0" indent="0">
+              <a:buNone/>
+            </a:pPr>
+            <a:endParaRPr lang="en-IT" sz="1400" dirty="0">
+              <a:latin typeface="Consolas" panose="020B0609020204030204" pitchFamily="49" charset="0"/>
+              <a:cs typeface="Consolas" panose="020B0609020204030204" pitchFamily="49" charset="0"/>
+            </a:endParaRPr>
+          </a:p>
+          <a:p>
+            <a:pPr marL="0" indent="0">
+              <a:buNone/>
+            </a:pPr>
+            <a:endParaRPr lang="en-IT" sz="1400" dirty="0">
+              <a:latin typeface="Consolas" panose="020B0609020204030204" pitchFamily="49" charset="0"/>
+              <a:cs typeface="Consolas" panose="020B0609020204030204" pitchFamily="49" charset="0"/>
+            </a:endParaRPr>
+          </a:p>
+          <a:p>
+            <a:pPr marL="0" indent="0">
+              <a:buNone/>
+            </a:pPr>
+            <a:r>
+              <a:rPr lang="en-US" sz="1400" dirty="0">
+                <a:solidFill>
+                  <a:schemeClr val="accent6">
+                    <a:lumMod val="75000"/>
+                  </a:schemeClr>
+                </a:solidFill>
+                <a:latin typeface="Consolas" panose="020B0609020204030204" pitchFamily="49" charset="0"/>
+                <a:cs typeface="Consolas" panose="020B0609020204030204" pitchFamily="49" charset="0"/>
+              </a:rPr>
+              <a:t>Anonymous classes</a:t>
+            </a:r>
+          </a:p>
+          <a:p>
+            <a:pPr marL="0" indent="0">
+              <a:buNone/>
+            </a:pPr>
+            <a:r>
+              <a:rPr lang="en-GB" sz="1400" dirty="0">
+                <a:latin typeface="Consolas" panose="020B0609020204030204" pitchFamily="49" charset="0"/>
+                <a:cs typeface="Consolas" panose="020B0609020204030204" pitchFamily="49" charset="0"/>
+              </a:rPr>
+              <a:t>Thread t = new Thread(new Runnable() {</a:t>
+            </a:r>
+            <a:br>
+              <a:rPr lang="en-GB" sz="1400" dirty="0">
+                <a:latin typeface="Consolas" panose="020B0609020204030204" pitchFamily="49" charset="0"/>
+                <a:cs typeface="Consolas" panose="020B0609020204030204" pitchFamily="49" charset="0"/>
+              </a:rPr>
+            </a:br>
+            <a:br>
+              <a:rPr lang="en-GB" sz="1400" dirty="0">
+                <a:latin typeface="Consolas" panose="020B0609020204030204" pitchFamily="49" charset="0"/>
+                <a:cs typeface="Consolas" panose="020B0609020204030204" pitchFamily="49" charset="0"/>
+              </a:rPr>
+            </a:br>
+            <a:r>
+              <a:rPr lang="en-GB" sz="1400" dirty="0">
+                <a:latin typeface="Consolas" panose="020B0609020204030204" pitchFamily="49" charset="0"/>
+                <a:cs typeface="Consolas" panose="020B0609020204030204" pitchFamily="49" charset="0"/>
+              </a:rPr>
+              <a:t>    @Override</a:t>
+            </a:r>
+            <a:br>
+              <a:rPr lang="en-GB" sz="1400" dirty="0">
+                <a:latin typeface="Consolas" panose="020B0609020204030204" pitchFamily="49" charset="0"/>
+                <a:cs typeface="Consolas" panose="020B0609020204030204" pitchFamily="49" charset="0"/>
+              </a:rPr>
+            </a:br>
+            <a:r>
+              <a:rPr lang="en-GB" sz="1400" dirty="0">
+                <a:latin typeface="Consolas" panose="020B0609020204030204" pitchFamily="49" charset="0"/>
+                <a:cs typeface="Consolas" panose="020B0609020204030204" pitchFamily="49" charset="0"/>
+              </a:rPr>
+              <a:t>    public void run() {</a:t>
+            </a:r>
+            <a:br>
+              <a:rPr lang="en-GB" sz="1400" dirty="0">
+                <a:latin typeface="Consolas" panose="020B0609020204030204" pitchFamily="49" charset="0"/>
+                <a:cs typeface="Consolas" panose="020B0609020204030204" pitchFamily="49" charset="0"/>
+              </a:rPr>
+            </a:br>
+            <a:r>
+              <a:rPr lang="en-GB" sz="1400" dirty="0">
+                <a:latin typeface="Consolas" panose="020B0609020204030204" pitchFamily="49" charset="0"/>
+                <a:cs typeface="Consolas" panose="020B0609020204030204" pitchFamily="49" charset="0"/>
+              </a:rPr>
+              <a:t>    }</a:t>
+            </a:r>
+            <a:br>
+              <a:rPr lang="en-GB" sz="1400" dirty="0">
+                <a:latin typeface="Consolas" panose="020B0609020204030204" pitchFamily="49" charset="0"/>
+                <a:cs typeface="Consolas" panose="020B0609020204030204" pitchFamily="49" charset="0"/>
+              </a:rPr>
+            </a:br>
+            <a:r>
+              <a:rPr lang="en-GB" sz="1400" dirty="0">
+                <a:latin typeface="Consolas" panose="020B0609020204030204" pitchFamily="49" charset="0"/>
+                <a:cs typeface="Consolas" panose="020B0609020204030204" pitchFamily="49" charset="0"/>
+              </a:rPr>
+              <a:t>});</a:t>
+            </a:r>
+            <a:endParaRPr lang="en-IT" sz="1400" dirty="0">
+              <a:latin typeface="Consolas" panose="020B0609020204030204" pitchFamily="49" charset="0"/>
+              <a:cs typeface="Consolas" panose="020B0609020204030204" pitchFamily="49" charset="0"/>
+            </a:endParaRPr>
           </a:p>
         </p:txBody>
       </p:sp>
@@ -4980,7 +5126,7 @@
         <p:spPr/>
         <p:txBody>
           <a:bodyPr>
-            <a:normAutofit/>
+            <a:normAutofit lnSpcReduction="10000"/>
           </a:bodyPr>
           <a:lstStyle/>
           <a:p>
@@ -5058,28 +5204,28 @@
                 <a:latin typeface="Consolas"/>
                 <a:cs typeface="Consolas"/>
               </a:rPr>
-              <a:t>		</a:t>
+              <a:t>		for (</a:t>
             </a:r>
             <a:r>
               <a:rPr lang="fi-FI" sz="1600" dirty="0" err="1">
                 <a:latin typeface="Consolas"/>
                 <a:cs typeface="Consolas"/>
               </a:rPr>
-              <a:t>for(int</a:t>
+              <a:t>int</a:t>
             </a:r>
             <a:r>
               <a:rPr lang="fi-FI" sz="1600" dirty="0">
                 <a:latin typeface="Consolas"/>
                 <a:cs typeface="Consolas"/>
               </a:rPr>
-              <a:t>  i=0;  i&lt;10;  i++)</a:t>
+              <a:t>  i = 0;  i &lt; 10;  i++)</a:t>
             </a:r>
             <a:r>
               <a:rPr lang="ro-RO" sz="1600" dirty="0">
                 <a:latin typeface="Consolas"/>
                 <a:cs typeface="Consolas"/>
               </a:rPr>
-              <a:t> </a:t>
+              <a:t> {</a:t>
             </a:r>
           </a:p>
           <a:p>
@@ -5106,6 +5252,18 @@
                 <a:cs typeface="Consolas"/>
               </a:rPr>
               <a:t>() + i);</a:t>
+            </a:r>
+          </a:p>
+          <a:p>
+            <a:pPr marL="0" indent="0">
+              <a:buNone/>
+            </a:pPr>
+            <a:r>
+              <a:rPr lang="ro-RO" sz="1600" dirty="0">
+                <a:latin typeface="Consolas"/>
+                <a:cs typeface="Consolas"/>
+              </a:rPr>
+              <a:t>		}</a:t>
             </a:r>
           </a:p>
           <a:p>
@@ -7395,7 +7553,7 @@
           <a:lstStyle/>
           <a:p>
             <a:r>
-              <a:rPr lang="en-US" dirty="0">
+              <a:rPr lang="en-US" sz="2600" dirty="0">
                 <a:solidFill>
                   <a:srgbClr val="E46C0A"/>
                 </a:solidFill>
@@ -7405,7 +7563,7 @@
           </a:p>
           <a:p>
             <a:r>
-              <a:rPr lang="en-US" dirty="0">
+              <a:rPr lang="en-US" sz="2600" dirty="0">
                 <a:solidFill>
                   <a:srgbClr val="E46C0A"/>
                 </a:solidFill>
@@ -7413,7 +7571,7 @@
               <a:t>A thread awaiting for its children (</a:t>
             </a:r>
             <a:r>
-              <a:rPr lang="en-US" dirty="0" err="1">
+              <a:rPr lang="en-US" sz="2600" dirty="0" err="1">
                 <a:solidFill>
                   <a:srgbClr val="E46C0A"/>
                 </a:solidFill>
@@ -7421,42 +7579,34 @@
               <a:t>Thread.join</a:t>
             </a:r>
             <a:r>
-              <a:rPr lang="en-US" dirty="0">
+              <a:rPr lang="en-US" sz="2600" dirty="0">
                 <a:solidFill>
                   <a:srgbClr val="E46C0A"/>
                 </a:solidFill>
               </a:rPr>
               <a:t>())</a:t>
             </a:r>
-            <a:endParaRPr lang="en-US" dirty="0"/>
-          </a:p>
-          <a:p>
-            <a:r>
-              <a:rPr lang="en-US" dirty="0"/>
-              <a:t>The thread calls </a:t>
-            </a:r>
-            <a:r>
-              <a:rPr lang="en-US" dirty="0" err="1"/>
+            <a:endParaRPr lang="en-US" sz="2600" dirty="0"/>
+          </a:p>
+          <a:p>
+            <a:r>
+              <a:rPr lang="en-US" sz="2600" dirty="0"/>
+              <a:t>A thread which called </a:t>
+            </a:r>
+            <a:r>
+              <a:rPr lang="en-US" sz="2600" dirty="0" err="1"/>
               <a:t>object.wait</a:t>
             </a:r>
             <a:r>
-              <a:rPr lang="en-US" dirty="0"/>
+              <a:rPr lang="en-US" sz="2600" dirty="0"/>
               <a:t>() and waits for another thread to call </a:t>
             </a:r>
             <a:r>
-              <a:rPr lang="en-US" dirty="0" err="1"/>
+              <a:rPr lang="en-US" sz="2600" dirty="0" err="1"/>
               <a:t>object.notify</a:t>
             </a:r>
             <a:r>
-              <a:rPr lang="en-US" dirty="0"/>
-              <a:t>() or </a:t>
-            </a:r>
-            <a:r>
-              <a:rPr lang="en-US" dirty="0" err="1"/>
-              <a:t>object.notifyAll</a:t>
-            </a:r>
-            <a:r>
-              <a:rPr lang="en-US" dirty="0"/>
+              <a:rPr lang="en-US" sz="2600" dirty="0"/>
               <a:t>()</a:t>
             </a:r>
           </a:p>
@@ -7853,21 +8003,21 @@
           <a:lstStyle/>
           <a:p>
             <a:r>
-              <a:rPr lang="en-US" sz="2000" dirty="0"/>
+              <a:rPr lang="en-US" sz="2600" dirty="0"/>
               <a:t>A thread which is sleeping after an explicit call to </a:t>
             </a:r>
             <a:r>
-              <a:rPr lang="en-US" sz="2000" dirty="0" err="1"/>
+              <a:rPr lang="en-US" sz="2600" dirty="0" err="1"/>
               <a:t>Thread.sleep</a:t>
             </a:r>
             <a:r>
-              <a:rPr lang="en-US" sz="2000" dirty="0"/>
+              <a:rPr lang="en-US" sz="2600" dirty="0"/>
               <a:t>() </a:t>
             </a:r>
           </a:p>
           <a:p>
             <a:r>
-              <a:rPr lang="en-US" sz="2000" dirty="0"/>
+              <a:rPr lang="en-US" sz="2600" dirty="0"/>
               <a:t>Back to Runnable state when the thread wakes up because its sleep time has expired.</a:t>
             </a:r>
           </a:p>
@@ -7875,65 +8025,10 @@
             <a:pPr marL="0" indent="0">
               <a:buNone/>
             </a:pPr>
-            <a:r>
-              <a:rPr lang="en-US" sz="2000" dirty="0">
-                <a:latin typeface="Consolas" panose="020B0609020204030204" pitchFamily="49" charset="0"/>
-                <a:cs typeface="Consolas" panose="020B0609020204030204" pitchFamily="49" charset="0"/>
-              </a:rPr>
-              <a:t>try {</a:t>
-            </a:r>
-          </a:p>
-          <a:p>
-            <a:pPr marL="0" indent="0">
-              <a:buNone/>
-            </a:pPr>
-            <a:r>
-              <a:rPr lang="en-US" sz="2000" dirty="0">
-                <a:latin typeface="Consolas" panose="020B0609020204030204" pitchFamily="49" charset="0"/>
-                <a:cs typeface="Consolas" panose="020B0609020204030204" pitchFamily="49" charset="0"/>
-              </a:rPr>
-              <a:t>	</a:t>
-            </a:r>
-            <a:r>
-              <a:rPr lang="en-US" sz="2000" dirty="0" err="1">
-                <a:latin typeface="Consolas" panose="020B0609020204030204" pitchFamily="49" charset="0"/>
-                <a:cs typeface="Consolas" panose="020B0609020204030204" pitchFamily="49" charset="0"/>
-              </a:rPr>
-              <a:t>Thread.sleep</a:t>
-            </a:r>
-            <a:r>
-              <a:rPr lang="en-US" sz="2000" dirty="0">
-                <a:latin typeface="Consolas" panose="020B0609020204030204" pitchFamily="49" charset="0"/>
-                <a:cs typeface="Consolas" panose="020B0609020204030204" pitchFamily="49" charset="0"/>
-              </a:rPr>
-              <a:t>(1000);  // one second</a:t>
-            </a:r>
-          </a:p>
-          <a:p>
-            <a:pPr marL="0" indent="0">
-              <a:buNone/>
-            </a:pPr>
-            <a:r>
-              <a:rPr lang="en-US" sz="2000" dirty="0">
-                <a:latin typeface="Consolas" panose="020B0609020204030204" pitchFamily="49" charset="0"/>
-                <a:cs typeface="Consolas" panose="020B0609020204030204" pitchFamily="49" charset="0"/>
-              </a:rPr>
-              <a:t>} catch (</a:t>
-            </a:r>
-            <a:r>
-              <a:rPr lang="en-US" sz="2000" dirty="0" err="1">
-                <a:latin typeface="Consolas" panose="020B0609020204030204" pitchFamily="49" charset="0"/>
-                <a:cs typeface="Consolas" panose="020B0609020204030204" pitchFamily="49" charset="0"/>
-              </a:rPr>
-              <a:t>InterruptedException</a:t>
-            </a:r>
-            <a:r>
-              <a:rPr lang="en-US" sz="2000" dirty="0">
-                <a:latin typeface="Consolas" panose="020B0609020204030204" pitchFamily="49" charset="0"/>
-                <a:cs typeface="Consolas" panose="020B0609020204030204" pitchFamily="49" charset="0"/>
-              </a:rPr>
-              <a:t> ex) { }</a:t>
-            </a:r>
+            <a:endParaRPr lang="en-US" sz="2000" dirty="0">
+              <a:latin typeface="Consolas" panose="020B0609020204030204" pitchFamily="49" charset="0"/>
+              <a:cs typeface="Consolas" panose="020B0609020204030204" pitchFamily="49" charset="0"/>
+            </a:endParaRPr>
           </a:p>
           <a:p>
             <a:endParaRPr lang="en-US" sz="2000" dirty="0"/>
@@ -8064,7 +8159,7 @@
             </a:r>
             <a:r>
               <a:rPr lang="en-US" dirty="0"/>
-              <a:t>:  the currently running thread stops executing for at least the specified sleep duration</a:t>
+              <a:t>:  the currently running thread stops executing for at least the specified sleep duration (go to sleeping state)</a:t>
             </a:r>
           </a:p>
           <a:p>
@@ -8079,7 +8174,7 @@
             </a:r>
             <a:r>
               <a:rPr lang="en-US" dirty="0"/>
-              <a:t>: the currently running thread moves back to runnable to give room to other threads</a:t>
+              <a:t>: the currently running thread moves back to runnable to give room to other threads (go to runnable state)</a:t>
             </a:r>
           </a:p>
           <a:p>
@@ -8094,7 +8189,24 @@
             </a:r>
             <a:r>
               <a:rPr lang="en-US" dirty="0"/>
-              <a:t>:  the currently running thread stop executing until the thread it joins completes</a:t>
+              <a:t>:  the currently running thread stop executing until the thread it joins completes (go to waiting state)</a:t>
+            </a:r>
+          </a:p>
+          <a:p>
+            <a:pPr lvl="1"/>
+            <a:r>
+              <a:rPr lang="en-US" dirty="0">
+                <a:solidFill>
+                  <a:schemeClr val="accent6">
+                    <a:lumMod val="75000"/>
+                  </a:schemeClr>
+                </a:solidFill>
+              </a:rPr>
+              <a:t>end of run() method</a:t>
+            </a:r>
+            <a:r>
+              <a:rPr lang="en-US" dirty="0"/>
+              <a:t>: go to dead state</a:t>
             </a:r>
           </a:p>
           <a:p>
@@ -8338,7 +8450,7 @@
         <p:spPr/>
         <p:txBody>
           <a:bodyPr>
-            <a:normAutofit/>
+            <a:normAutofit fontScale="85000" lnSpcReduction="10000"/>
           </a:bodyPr>
           <a:lstStyle/>
           <a:p>
@@ -8352,18 +8464,31 @@
             </a:r>
           </a:p>
           <a:p>
-            <a:pPr lvl="1"/>
-            <a:r>
-              <a:rPr lang="en-US" dirty="0"/>
-              <a:t>It allows other threads to get their turn</a:t>
-            </a:r>
-          </a:p>
-          <a:p>
-            <a:pPr lvl="1"/>
-            <a:r>
-              <a:rPr lang="en-US" dirty="0"/>
-              <a:t>However, it might have no effect at all. In fact, there's no guarantee the yielding thread won't be scheduled again for execution. </a:t>
-            </a:r>
+            <a:r>
+              <a:rPr lang="en-US" dirty="0"/>
+              <a:t>It allows other threads to get their turn (with no guarantees)</a:t>
+            </a:r>
+          </a:p>
+          <a:p>
+            <a:r>
+              <a:rPr lang="en-US" dirty="0"/>
+              <a:t>The yielding thread can be scheduled again for execution</a:t>
+            </a:r>
+          </a:p>
+          <a:p>
+            <a:r>
+              <a:rPr lang="en-US" dirty="0"/>
+              <a:t>Code is less dependent from the scheduler type, because threads release CPU when needed. </a:t>
+            </a:r>
+          </a:p>
+          <a:p>
+            <a:r>
+              <a:rPr lang="en-US" dirty="0"/>
+              <a:t>Frequently used when computation is not possible (no work to do) in a specific time slice. </a:t>
+            </a:r>
+          </a:p>
+          <a:p>
+            <a:endParaRPr lang="en-US" dirty="0"/>
           </a:p>
           <a:p>
             <a:endParaRPr lang="en-US" dirty="0"/>
@@ -8442,7 +8567,7 @@
           <a:p>
             <a:r>
               <a:rPr lang="en-US" dirty="0"/>
-              <a:t>yield()</a:t>
+              <a:t>join()</a:t>
             </a:r>
           </a:p>
         </p:txBody>
@@ -8460,19 +8585,57 @@
         <p:spPr/>
         <p:txBody>
           <a:bodyPr>
-            <a:normAutofit/>
+            <a:normAutofit lnSpcReduction="10000"/>
           </a:bodyPr>
           <a:lstStyle/>
           <a:p>
             <a:r>
               <a:rPr lang="en-US" dirty="0"/>
-              <a:t>Code is less dependent from the scheduler type, because threads release CPU when needed. </a:t>
-            </a:r>
-          </a:p>
-          <a:p>
-            <a:r>
-              <a:rPr lang="en-US" dirty="0"/>
-              <a:t>Frequently used when computation is not possible (no work to do) in a specific time slice. </a:t>
+              <a:t>A thread can execute a thread join to wait until the other thread terminates. </a:t>
+            </a:r>
+            <a:r>
+              <a:rPr lang="en-US" dirty="0">
+                <a:solidFill>
+                  <a:schemeClr val="accent6">
+                    <a:lumMod val="75000"/>
+                  </a:schemeClr>
+                </a:solidFill>
+              </a:rPr>
+              <a:t>In general, thread join is for a parent to join with one of its child threads. </a:t>
+            </a:r>
+            <a:r>
+              <a:rPr lang="en-US" dirty="0"/>
+              <a:t>Thread join has the following activities, assuming that a parent thread P wants to join with one of its child threads C</a:t>
+            </a:r>
+          </a:p>
+          <a:p>
+            <a:pPr lvl="1"/>
+            <a:r>
+              <a:rPr lang="en-US" dirty="0"/>
+              <a:t>When P executes </a:t>
+            </a:r>
+            <a:r>
+              <a:rPr lang="en-US" dirty="0" err="1"/>
+              <a:t>Thread.join</a:t>
+            </a:r>
+            <a:r>
+              <a:rPr lang="en-US" dirty="0"/>
+              <a:t>() in order to join with C, which is still running, P is suspended until C terminates. Once C terminates, P resumes</a:t>
+            </a:r>
+          </a:p>
+          <a:p>
+            <a:pPr lvl="1"/>
+            <a:r>
+              <a:rPr lang="en-US" dirty="0"/>
+              <a:t>When P executes </a:t>
+            </a:r>
+            <a:r>
+              <a:rPr lang="en-US" dirty="0" err="1"/>
+              <a:t>Thread.join</a:t>
+            </a:r>
+            <a:r>
+              <a:rPr lang="en-US" dirty="0"/>
+              <a:t>() and C has already terminated, P continues as if no such thread join has ever executed</a:t>
             </a:r>
           </a:p>
         </p:txBody>
@@ -8480,7 +8643,7 @@
     </p:spTree>
     <p:extLst>
       <p:ext uri="{BB962C8B-B14F-4D97-AF65-F5344CB8AC3E}">
-        <p14:creationId xmlns:p14="http://schemas.microsoft.com/office/powerpoint/2010/main" val="3122054685"/>
+        <p14:creationId xmlns:p14="http://schemas.microsoft.com/office/powerpoint/2010/main" val="1141336401"/>
       </p:ext>
     </p:extLst>
   </p:cSld>
@@ -8546,61 +8709,138 @@
           </a:bodyPr>
           <a:lstStyle/>
           <a:p>
-            <a:r>
-              <a:rPr lang="en-US" dirty="0"/>
-              <a:t>A thread can execute a thread join to wait until the other thread terminates. </a:t>
-            </a:r>
-            <a:r>
-              <a:rPr lang="en-US" dirty="0">
-                <a:solidFill>
-                  <a:schemeClr val="accent6">
-                    <a:lumMod val="75000"/>
-                  </a:schemeClr>
-                </a:solidFill>
-              </a:rPr>
-              <a:t>In general, thread join is for a parent to join with one of its child threads. </a:t>
-            </a:r>
-            <a:r>
-              <a:rPr lang="en-US" dirty="0"/>
-              <a:t>Thread join has the following activities, assuming that a parent thread P wants to join with one of its child threads C</a:t>
-            </a:r>
-          </a:p>
-          <a:p>
-            <a:pPr lvl="1"/>
-            <a:r>
-              <a:rPr lang="en-US" dirty="0"/>
-              <a:t>When P executes </a:t>
-            </a:r>
-            <a:r>
-              <a:rPr lang="en-US" dirty="0" err="1"/>
-              <a:t>Thread.join</a:t>
-            </a:r>
-            <a:r>
-              <a:rPr lang="en-US" dirty="0"/>
-              <a:t>() in order to join with C, which is still running, P is suspended until C terminates. Once C terminates, P resumes</a:t>
-            </a:r>
-          </a:p>
-          <a:p>
-            <a:pPr lvl="1"/>
-            <a:r>
-              <a:rPr lang="en-US" dirty="0"/>
-              <a:t>When P executes </a:t>
-            </a:r>
-            <a:r>
-              <a:rPr lang="en-US" dirty="0" err="1"/>
-              <a:t>Thread.join</a:t>
-            </a:r>
-            <a:r>
-              <a:rPr lang="en-US" dirty="0"/>
-              <a:t>() and C has already terminated, P continues as if no such thread join has ever executed</a:t>
-            </a:r>
+            <a:pPr marL="0" indent="0">
+              <a:buNone/>
+            </a:pPr>
+            <a:r>
+              <a:rPr lang="en-US" dirty="0"/>
+              <a:t>The join() method lets one thread "join onto the end" of another thread.</a:t>
+            </a:r>
+          </a:p>
+          <a:p>
+            <a:pPr marL="0" indent="0">
+              <a:buNone/>
+            </a:pPr>
+            <a:r>
+              <a:rPr lang="en-US" sz="2000" dirty="0">
+                <a:latin typeface="Consolas"/>
+                <a:cs typeface="Consolas"/>
+              </a:rPr>
+              <a:t>Thread t = new Thread(); </a:t>
+            </a:r>
+          </a:p>
+          <a:p>
+            <a:pPr marL="0" indent="0">
+              <a:buNone/>
+            </a:pPr>
+            <a:r>
+              <a:rPr lang="en-US" sz="2000" dirty="0" err="1">
+                <a:latin typeface="Consolas"/>
+                <a:cs typeface="Consolas"/>
+              </a:rPr>
+              <a:t>t.start</a:t>
+            </a:r>
+            <a:r>
+              <a:rPr lang="en-US" sz="2000" dirty="0">
+                <a:latin typeface="Consolas"/>
+                <a:cs typeface="Consolas"/>
+              </a:rPr>
+              <a:t>(); </a:t>
+            </a:r>
+          </a:p>
+          <a:p>
+            <a:pPr marL="0" indent="0">
+              <a:buNone/>
+            </a:pPr>
+            <a:r>
+              <a:rPr lang="en-US" sz="2000" dirty="0" err="1">
+                <a:latin typeface="Consolas"/>
+                <a:cs typeface="Consolas"/>
+              </a:rPr>
+              <a:t>t.join</a:t>
+            </a:r>
+            <a:r>
+              <a:rPr lang="en-US" sz="2000" dirty="0">
+                <a:latin typeface="Consolas"/>
+                <a:cs typeface="Consolas"/>
+              </a:rPr>
+              <a:t>();</a:t>
+            </a:r>
+          </a:p>
+          <a:p>
+            <a:pPr marL="0" indent="0">
+              <a:buNone/>
+            </a:pPr>
+            <a:endParaRPr lang="en-US" sz="2000" b="1" dirty="0">
+              <a:latin typeface="Courier New"/>
+              <a:cs typeface="Courier New"/>
+            </a:endParaRPr>
+          </a:p>
+          <a:p>
+            <a:pPr marL="0" indent="0">
+              <a:buNone/>
+            </a:pPr>
+            <a:r>
+              <a:rPr lang="en-US" dirty="0"/>
+              <a:t>Caller move to Waiting state and it will be Runnable when thread t is dead. A timeout can be set to wait for a thread’s end</a:t>
+            </a:r>
+            <a:endParaRPr lang="en-US" sz="1800" b="1" dirty="0">
+              <a:latin typeface="Courier New"/>
+              <a:cs typeface="Courier New"/>
+            </a:endParaRPr>
+          </a:p>
+          <a:p>
+            <a:pPr marL="0" indent="0">
+              <a:buNone/>
+            </a:pPr>
+            <a:r>
+              <a:rPr lang="en-US" sz="2000" dirty="0" err="1">
+                <a:latin typeface="Consolas"/>
+                <a:cs typeface="Consolas"/>
+              </a:rPr>
+              <a:t>t.join</a:t>
+            </a:r>
+            <a:r>
+              <a:rPr lang="en-US" sz="2000" dirty="0">
+                <a:latin typeface="Consolas"/>
+                <a:cs typeface="Consolas"/>
+              </a:rPr>
+              <a:t>(5000); </a:t>
+            </a:r>
+          </a:p>
+          <a:p>
+            <a:pPr marL="0" indent="0">
+              <a:buNone/>
+            </a:pPr>
+            <a:r>
+              <a:rPr lang="en-US" sz="2000" dirty="0">
+                <a:latin typeface="Consolas"/>
+                <a:cs typeface="Consolas"/>
+              </a:rPr>
+              <a:t>// wait t for 5 seconds: if t is not finished</a:t>
+            </a:r>
+          </a:p>
+          <a:p>
+            <a:pPr marL="0" indent="0">
+              <a:buNone/>
+            </a:pPr>
+            <a:r>
+              <a:rPr lang="en-US" sz="2000" dirty="0">
+                <a:latin typeface="Consolas"/>
+                <a:cs typeface="Consolas"/>
+              </a:rPr>
+              <a:t>// then current thread is Runnable again</a:t>
+            </a:r>
+          </a:p>
+          <a:p>
+            <a:endParaRPr lang="en-US" dirty="0"/>
           </a:p>
         </p:txBody>
       </p:sp>
     </p:spTree>
     <p:extLst>
       <p:ext uri="{BB962C8B-B14F-4D97-AF65-F5344CB8AC3E}">
-        <p14:creationId xmlns:p14="http://schemas.microsoft.com/office/powerpoint/2010/main" val="1141336401"/>
+        <p14:creationId xmlns:p14="http://schemas.microsoft.com/office/powerpoint/2010/main" val="3614269381"/>
       </p:ext>
     </p:extLst>
   </p:cSld>
@@ -8639,12 +8879,14 @@
         </p:nvSpPr>
         <p:spPr/>
         <p:txBody>
-          <a:bodyPr/>
-          <a:lstStyle/>
-          <a:p>
-            <a:r>
-              <a:rPr lang="en-US" dirty="0"/>
-              <a:t>join()</a:t>
+          <a:bodyPr>
+            <a:normAutofit/>
+          </a:bodyPr>
+          <a:lstStyle/>
+          <a:p>
+            <a:r>
+              <a:rPr lang="en-US" dirty="0"/>
+              <a:t>A word of advice</a:t>
             </a:r>
           </a:p>
         </p:txBody>
@@ -8666,127 +8908,107 @@
           </a:bodyPr>
           <a:lstStyle/>
           <a:p>
-            <a:pPr marL="0" indent="0">
-              <a:buNone/>
-            </a:pPr>
-            <a:r>
-              <a:rPr lang="en-US" dirty="0"/>
-              <a:t>The join() method lets one thread "join onto the end” of another thread.</a:t>
-            </a:r>
-          </a:p>
-          <a:p>
-            <a:pPr marL="0" indent="0">
-              <a:buNone/>
-            </a:pPr>
-            <a:r>
-              <a:rPr lang="en-US" sz="2000" dirty="0">
-                <a:latin typeface="Consolas"/>
-                <a:cs typeface="Consolas"/>
-              </a:rPr>
-              <a:t>Thread t = new Thread(); </a:t>
-            </a:r>
-          </a:p>
-          <a:p>
-            <a:pPr marL="0" indent="0">
-              <a:buNone/>
-            </a:pPr>
-            <a:r>
-              <a:rPr lang="en-US" sz="2000" dirty="0" err="1">
-                <a:latin typeface="Consolas"/>
-                <a:cs typeface="Consolas"/>
-              </a:rPr>
-              <a:t>t.start</a:t>
-            </a:r>
-            <a:r>
-              <a:rPr lang="en-US" sz="2000" dirty="0">
-                <a:latin typeface="Consolas"/>
-                <a:cs typeface="Consolas"/>
-              </a:rPr>
-              <a:t>(); </a:t>
-            </a:r>
-          </a:p>
-          <a:p>
-            <a:pPr marL="0" indent="0">
-              <a:buNone/>
-            </a:pPr>
-            <a:r>
-              <a:rPr lang="en-US" sz="2000" dirty="0" err="1">
-                <a:latin typeface="Consolas"/>
-                <a:cs typeface="Consolas"/>
-              </a:rPr>
-              <a:t>t.join</a:t>
-            </a:r>
-            <a:r>
-              <a:rPr lang="en-US" sz="2000" dirty="0">
-                <a:latin typeface="Consolas"/>
-                <a:cs typeface="Consolas"/>
-              </a:rPr>
-              <a:t>();</a:t>
-            </a:r>
-          </a:p>
-          <a:p>
-            <a:pPr marL="0" indent="0">
-              <a:buNone/>
-            </a:pPr>
-            <a:endParaRPr lang="en-US" sz="2000" b="1" dirty="0">
-              <a:latin typeface="Courier New"/>
-              <a:cs typeface="Courier New"/>
-            </a:endParaRPr>
-          </a:p>
-          <a:p>
-            <a:pPr marL="0" indent="0">
-              <a:buNone/>
-            </a:pPr>
-            <a:r>
-              <a:rPr lang="en-US" dirty="0"/>
-              <a:t>Caller move to Waiting state and it will be Runnable when thread t is dead. A timeout can be set to wait for a thread’s end</a:t>
-            </a:r>
-            <a:endParaRPr lang="en-US" sz="1800" b="1" dirty="0">
-              <a:latin typeface="Courier New"/>
-              <a:cs typeface="Courier New"/>
-            </a:endParaRPr>
-          </a:p>
-          <a:p>
-            <a:pPr marL="0" indent="0">
-              <a:buNone/>
-            </a:pPr>
-            <a:r>
-              <a:rPr lang="en-US" sz="1800" dirty="0" err="1">
-                <a:latin typeface="Consolas"/>
-                <a:cs typeface="Consolas"/>
-              </a:rPr>
-              <a:t>t.join</a:t>
-            </a:r>
-            <a:r>
-              <a:rPr lang="en-US" sz="1800" dirty="0">
-                <a:latin typeface="Consolas"/>
-                <a:cs typeface="Consolas"/>
-              </a:rPr>
-              <a:t>(5000); </a:t>
-            </a:r>
-          </a:p>
-          <a:p>
-            <a:pPr marL="0" indent="0">
-              <a:buNone/>
-            </a:pPr>
-            <a:r>
-              <a:rPr lang="en-US" sz="1800" dirty="0">
-                <a:latin typeface="Consolas"/>
-                <a:cs typeface="Consolas"/>
-              </a:rPr>
-              <a:t>// wait t for 5 seconds: if t is not finished</a:t>
-            </a:r>
-          </a:p>
-          <a:p>
-            <a:pPr marL="0" indent="0">
-              <a:buNone/>
-            </a:pPr>
-            <a:r>
-              <a:rPr lang="en-US" sz="1800" dirty="0">
-                <a:latin typeface="Consolas"/>
-                <a:cs typeface="Consolas"/>
-              </a:rPr>
-              <a:t>// then current thread is Runnable again</a:t>
+            <a:r>
+              <a:rPr lang="en-US" dirty="0"/>
+              <a:t>Some methods may look like they tell another thread to block, but they don't.</a:t>
+            </a:r>
+          </a:p>
+          <a:p>
+            <a:r>
+              <a:rPr lang="en-US" dirty="0">
+                <a:solidFill>
+                  <a:srgbClr val="000000"/>
+                </a:solidFill>
+              </a:rPr>
+              <a:t>If t	is a thread object reference, you can write something like: </a:t>
+            </a:r>
+            <a:r>
+              <a:rPr lang="en-US" dirty="0" err="1">
+                <a:solidFill>
+                  <a:srgbClr val="E46C0A"/>
+                </a:solidFill>
+              </a:rPr>
+              <a:t>t.sleep</a:t>
+            </a:r>
+            <a:r>
+              <a:rPr lang="en-US" dirty="0">
+                <a:solidFill>
+                  <a:srgbClr val="E46C0A"/>
+                </a:solidFill>
+              </a:rPr>
+              <a:t>()</a:t>
+            </a:r>
+            <a:r>
+              <a:rPr lang="en-US" dirty="0">
+                <a:solidFill>
+                  <a:srgbClr val="000000"/>
+                </a:solidFill>
+              </a:rPr>
+              <a:t> or	</a:t>
+            </a:r>
+            <a:r>
+              <a:rPr lang="en-US" dirty="0" err="1">
+                <a:solidFill>
+                  <a:srgbClr val="E46C0A"/>
+                </a:solidFill>
+              </a:rPr>
+              <a:t>t.yield</a:t>
+            </a:r>
+            <a:r>
+              <a:rPr lang="en-US" dirty="0">
+                <a:solidFill>
+                  <a:srgbClr val="E46C0A"/>
+                </a:solidFill>
+              </a:rPr>
+              <a:t>()</a:t>
+            </a:r>
+          </a:p>
+          <a:p>
+            <a:r>
+              <a:rPr lang="en-US" dirty="0"/>
+              <a:t>However, </a:t>
+            </a:r>
+            <a:r>
+              <a:rPr lang="en-US" dirty="0">
+                <a:solidFill>
+                  <a:schemeClr val="accent6">
+                    <a:lumMod val="75000"/>
+                  </a:schemeClr>
+                </a:solidFill>
+              </a:rPr>
+              <a:t>they are static methods of Thread</a:t>
+            </a:r>
+            <a:r>
+              <a:rPr lang="en-US" dirty="0"/>
+              <a:t>:</a:t>
+            </a:r>
+          </a:p>
+          <a:p>
+            <a:pPr lvl="1"/>
+            <a:r>
+              <a:rPr lang="en-US" dirty="0"/>
+              <a:t>they don't affect the instance t !!!</a:t>
+            </a:r>
+          </a:p>
+          <a:p>
+            <a:pPr lvl="1"/>
+            <a:r>
+              <a:rPr lang="en-US" dirty="0">
+                <a:solidFill>
+                  <a:srgbClr val="E46C0A"/>
+                </a:solidFill>
+              </a:rPr>
+              <a:t>instead they affect the thread which is currently in execution</a:t>
+            </a:r>
+          </a:p>
+          <a:p>
+            <a:r>
+              <a:rPr lang="en-US" dirty="0">
+                <a:solidFill>
+                  <a:srgbClr val="E46C0A"/>
+                </a:solidFill>
+              </a:rPr>
+              <a:t>Using an instance variable to access a static method is error-prone!</a:t>
             </a:r>
           </a:p>
           <a:p>
@@ -8797,7 +9019,7 @@
     </p:spTree>
     <p:extLst>
       <p:ext uri="{BB962C8B-B14F-4D97-AF65-F5344CB8AC3E}">
-        <p14:creationId xmlns:p14="http://schemas.microsoft.com/office/powerpoint/2010/main" val="3614269381"/>
+        <p14:creationId xmlns:p14="http://schemas.microsoft.com/office/powerpoint/2010/main" val="2845030144"/>
       </p:ext>
     </p:extLst>
   </p:cSld>
@@ -8826,12 +9048,12 @@
       </p:grpSpPr>
       <p:sp>
         <p:nvSpPr>
-          <p:cNvPr id="2" name="Title 1"/>
+          <p:cNvPr id="2" name="Titolo 1"/>
           <p:cNvSpPr>
             <a:spLocks noGrp="1"/>
           </p:cNvSpPr>
           <p:nvPr>
-            <p:ph type="title"/>
+            <p:ph type="ctrTitle"/>
           </p:nvPr>
         </p:nvSpPr>
         <p:spPr/>
@@ -8842,141 +9064,25 @@
           <a:lstStyle/>
           <a:p>
             <a:r>
-              <a:rPr lang="en-US" dirty="0"/>
-              <a:t>A word of advice</a:t>
-            </a:r>
-          </a:p>
-        </p:txBody>
-      </p:sp>
-      <p:sp>
-        <p:nvSpPr>
-          <p:cNvPr id="3" name="Content Placeholder 2"/>
-          <p:cNvSpPr>
-            <a:spLocks noGrp="1"/>
-          </p:cNvSpPr>
-          <p:nvPr>
-            <p:ph idx="1"/>
-          </p:nvPr>
-        </p:nvSpPr>
-        <p:spPr/>
-        <p:txBody>
-          <a:bodyPr>
-            <a:normAutofit lnSpcReduction="10000"/>
-          </a:bodyPr>
-          <a:lstStyle/>
-          <a:p>
-            <a:r>
-              <a:rPr lang="en-US" dirty="0"/>
-              <a:t>Some methods may look like they tell another thread to block, but they don't.</a:t>
-            </a:r>
-          </a:p>
-          <a:p>
-            <a:r>
-              <a:rPr lang="en-US" dirty="0">
-                <a:solidFill>
-                  <a:srgbClr val="000000"/>
-                </a:solidFill>
-              </a:rPr>
-              <a:t>If t	is a thread object reference, you can write something like: </a:t>
-            </a:r>
-            <a:r>
-              <a:rPr lang="en-US" dirty="0" err="1">
-                <a:solidFill>
-                  <a:srgbClr val="E46C0A"/>
-                </a:solidFill>
-              </a:rPr>
-              <a:t>t.sleep</a:t>
-            </a:r>
-            <a:r>
-              <a:rPr lang="en-US" dirty="0">
-                <a:solidFill>
-                  <a:srgbClr val="E46C0A"/>
-                </a:solidFill>
-              </a:rPr>
-              <a:t>()</a:t>
-            </a:r>
-            <a:r>
-              <a:rPr lang="en-US" dirty="0">
-                <a:solidFill>
-                  <a:srgbClr val="000000"/>
-                </a:solidFill>
-              </a:rPr>
-              <a:t> or	</a:t>
-            </a:r>
-            <a:r>
-              <a:rPr lang="en-US" dirty="0" err="1">
-                <a:solidFill>
-                  <a:srgbClr val="E46C0A"/>
-                </a:solidFill>
-              </a:rPr>
-              <a:t>t.yield</a:t>
-            </a:r>
-            <a:r>
-              <a:rPr lang="en-US" dirty="0">
-                <a:solidFill>
-                  <a:srgbClr val="E46C0A"/>
-                </a:solidFill>
-              </a:rPr>
-              <a:t>()</a:t>
-            </a:r>
-          </a:p>
-          <a:p>
-            <a:r>
-              <a:rPr lang="en-US" dirty="0"/>
-              <a:t>However, </a:t>
-            </a:r>
-            <a:r>
-              <a:rPr lang="en-US" dirty="0">
-                <a:solidFill>
-                  <a:schemeClr val="accent6">
-                    <a:lumMod val="75000"/>
-                  </a:schemeClr>
-                </a:solidFill>
-              </a:rPr>
-              <a:t>they are static methods of Thread</a:t>
-            </a:r>
-            <a:r>
-              <a:rPr lang="en-US" dirty="0"/>
-              <a:t>:</a:t>
-            </a:r>
-          </a:p>
-          <a:p>
-            <a:pPr lvl="1"/>
-            <a:r>
-              <a:rPr lang="en-US" dirty="0"/>
-              <a:t>they don't affect the instance t !!!</a:t>
-            </a:r>
-          </a:p>
-          <a:p>
-            <a:pPr lvl="1"/>
-            <a:r>
-              <a:rPr lang="en-US" dirty="0">
-                <a:solidFill>
-                  <a:srgbClr val="E46C0A"/>
-                </a:solidFill>
-              </a:rPr>
-              <a:t>instead they affect the thread which is currently in execution</a:t>
-            </a:r>
-          </a:p>
-          <a:p>
-            <a:r>
-              <a:rPr lang="en-US" dirty="0">
-                <a:solidFill>
-                  <a:srgbClr val="E46C0A"/>
-                </a:solidFill>
-              </a:rPr>
-              <a:t>Using an instance variable to access a static method is error-prone!</a:t>
-            </a:r>
-          </a:p>
-          <a:p>
-            <a:endParaRPr lang="en-US" dirty="0"/>
+              <a:rPr lang="it-IT" dirty="0" err="1"/>
+              <a:t>Thread</a:t>
+            </a:r>
+            <a:r>
+              <a:rPr lang="it-IT" dirty="0"/>
+              <a:t> </a:t>
+            </a:r>
+            <a:r>
+              <a:rPr lang="en-US" dirty="0"/>
+              <a:t>Synchronization</a:t>
+            </a:r>
+            <a:endParaRPr lang="it-IT" dirty="0"/>
           </a:p>
         </p:txBody>
       </p:sp>
     </p:spTree>
     <p:extLst>
       <p:ext uri="{BB962C8B-B14F-4D97-AF65-F5344CB8AC3E}">
-        <p14:creationId xmlns:p14="http://schemas.microsoft.com/office/powerpoint/2010/main" val="2845030144"/>
+        <p14:creationId xmlns:p14="http://schemas.microsoft.com/office/powerpoint/2010/main" val="2252403450"/>
       </p:ext>
     </p:extLst>
   </p:cSld>
@@ -9005,12 +9111,12 @@
       </p:grpSpPr>
       <p:sp>
         <p:nvSpPr>
-          <p:cNvPr id="2" name="Titolo 1"/>
+          <p:cNvPr id="2" name="Title 1"/>
           <p:cNvSpPr>
             <a:spLocks noGrp="1"/>
           </p:cNvSpPr>
           <p:nvPr>
-            <p:ph type="ctrTitle"/>
+            <p:ph type="title"/>
           </p:nvPr>
         </p:nvSpPr>
         <p:spPr/>
@@ -9021,25 +9127,226 @@
           <a:lstStyle/>
           <a:p>
             <a:r>
-              <a:rPr lang="it-IT" dirty="0" err="1"/>
-              <a:t>Thread</a:t>
-            </a:r>
-            <a:r>
-              <a:rPr lang="it-IT" dirty="0"/>
+              <a:rPr lang="en-US" dirty="0"/>
+              <a:t>Synchronization</a:t>
+            </a:r>
+          </a:p>
+        </p:txBody>
+      </p:sp>
+      <p:sp>
+        <p:nvSpPr>
+          <p:cNvPr id="3" name="Content Placeholder 2"/>
+          <p:cNvSpPr>
+            <a:spLocks noGrp="1"/>
+          </p:cNvSpPr>
+          <p:nvPr>
+            <p:ph idx="1"/>
+          </p:nvPr>
+        </p:nvSpPr>
+        <p:spPr/>
+        <p:txBody>
+          <a:bodyPr>
+            <a:normAutofit fontScale="85000" lnSpcReduction="10000"/>
+          </a:bodyPr>
+          <a:lstStyle/>
+          <a:p>
+            <a:r>
+              <a:rPr lang="en-US" dirty="0">
+                <a:solidFill>
+                  <a:srgbClr val="E46C0A"/>
+                </a:solidFill>
+              </a:rPr>
+              <a:t>What happens when two different threads are accessing the same data ?</a:t>
+            </a:r>
+          </a:p>
+          <a:p>
+            <a:r>
+              <a:rPr lang="en-US" dirty="0"/>
+              <a:t>Imagine two people (represented by two threads) each one having an ATM card linked to the same account</a:t>
+            </a:r>
+          </a:p>
+          <a:p>
+            <a:pPr marL="0" indent="0">
+              <a:buNone/>
+            </a:pPr>
+            <a:endParaRPr lang="en-US" sz="2200" b="1" dirty="0">
+              <a:latin typeface="Consolas"/>
+              <a:cs typeface="Consolas"/>
+            </a:endParaRPr>
+          </a:p>
+          <a:p>
+            <a:pPr marL="0" indent="0">
+              <a:buNone/>
+            </a:pPr>
+            <a:r>
+              <a:rPr lang="en-US" sz="2200" dirty="0">
+                <a:latin typeface="Consolas"/>
+                <a:cs typeface="Consolas"/>
+              </a:rPr>
+              <a:t>class Account {</a:t>
+            </a:r>
+          </a:p>
+          <a:p>
+            <a:pPr marL="457200" lvl="1" indent="0">
+              <a:buNone/>
+            </a:pPr>
+            <a:r>
+              <a:rPr lang="en-US" sz="2200" dirty="0">
+                <a:latin typeface="Consolas"/>
+                <a:cs typeface="Consolas"/>
+              </a:rPr>
+              <a:t>private </a:t>
+            </a:r>
+            <a:r>
+              <a:rPr lang="en-US" sz="2200" dirty="0" err="1">
+                <a:latin typeface="Consolas"/>
+                <a:cs typeface="Consolas"/>
+              </a:rPr>
+              <a:t>int</a:t>
+            </a:r>
+            <a:r>
+              <a:rPr lang="en-US" sz="2200" dirty="0">
+                <a:latin typeface="Consolas"/>
+                <a:cs typeface="Consolas"/>
+              </a:rPr>
+              <a:t> balance; </a:t>
+            </a:r>
+          </a:p>
+          <a:p>
+            <a:pPr marL="457200" lvl="1" indent="0">
+              <a:buNone/>
+            </a:pPr>
+            <a:r>
+              <a:rPr lang="en-US" sz="2200" dirty="0">
+                <a:latin typeface="Consolas"/>
+                <a:cs typeface="Consolas"/>
+              </a:rPr>
+              <a:t>public </a:t>
+            </a:r>
+            <a:r>
+              <a:rPr lang="en-US" sz="2200" dirty="0" err="1">
+                <a:latin typeface="Consolas"/>
+                <a:cs typeface="Consolas"/>
+              </a:rPr>
+              <a:t>int</a:t>
+            </a:r>
+            <a:r>
+              <a:rPr lang="en-US" sz="2200" dirty="0">
+                <a:latin typeface="Consolas"/>
+                <a:cs typeface="Consolas"/>
+              </a:rPr>
               <a:t> </a:t>
             </a:r>
             <a:r>
-              <a:rPr lang="en-US" dirty="0"/>
-              <a:t>Synchronization</a:t>
-            </a:r>
-            <a:endParaRPr lang="it-IT" dirty="0"/>
+              <a:rPr lang="en-US" sz="2200" dirty="0" err="1">
+                <a:latin typeface="Consolas"/>
+                <a:cs typeface="Consolas"/>
+              </a:rPr>
+              <a:t>getBalance</a:t>
+            </a:r>
+            <a:r>
+              <a:rPr lang="en-US" sz="2200" dirty="0">
+                <a:latin typeface="Consolas"/>
+                <a:cs typeface="Consolas"/>
+              </a:rPr>
+              <a:t>() {</a:t>
+            </a:r>
+          </a:p>
+          <a:p>
+            <a:pPr marL="457200" lvl="1" indent="0">
+              <a:buNone/>
+            </a:pPr>
+            <a:r>
+              <a:rPr lang="en-US" sz="2200" dirty="0">
+                <a:latin typeface="Consolas"/>
+                <a:cs typeface="Consolas"/>
+              </a:rPr>
+              <a:t>	return balance;</a:t>
+            </a:r>
+          </a:p>
+          <a:p>
+            <a:pPr marL="457200" lvl="1" indent="0">
+              <a:buNone/>
+            </a:pPr>
+            <a:r>
+              <a:rPr lang="en-US" sz="2200" dirty="0">
+                <a:latin typeface="Consolas"/>
+                <a:cs typeface="Consolas"/>
+              </a:rPr>
+              <a:t>}</a:t>
+            </a:r>
+          </a:p>
+          <a:p>
+            <a:pPr marL="0" indent="0">
+              <a:buNone/>
+            </a:pPr>
+            <a:r>
+              <a:rPr lang="en-US" sz="2200" dirty="0">
+                <a:latin typeface="Consolas"/>
+                <a:cs typeface="Consolas"/>
+              </a:rPr>
+              <a:t>	public void withdraw(</a:t>
+            </a:r>
+            <a:r>
+              <a:rPr lang="en-US" sz="2200" dirty="0" err="1">
+                <a:latin typeface="Consolas"/>
+                <a:cs typeface="Consolas"/>
+              </a:rPr>
+              <a:t>int</a:t>
+            </a:r>
+            <a:r>
+              <a:rPr lang="en-US" sz="2200" dirty="0">
+                <a:latin typeface="Consolas"/>
+                <a:cs typeface="Consolas"/>
+              </a:rPr>
+              <a:t> amount) {</a:t>
+            </a:r>
+          </a:p>
+          <a:p>
+            <a:pPr marL="0" indent="0">
+              <a:buNone/>
+            </a:pPr>
+            <a:r>
+              <a:rPr lang="en-US" sz="2200" dirty="0">
+                <a:latin typeface="Consolas"/>
+                <a:cs typeface="Consolas"/>
+              </a:rPr>
+              <a:t>			balance -= amount;</a:t>
+            </a:r>
+          </a:p>
+          <a:p>
+            <a:pPr marL="0" indent="0">
+              <a:buNone/>
+            </a:pPr>
+            <a:r>
+              <a:rPr lang="en-US" sz="2200" dirty="0">
+                <a:latin typeface="Consolas"/>
+                <a:cs typeface="Consolas"/>
+              </a:rPr>
+              <a:t>	}</a:t>
+            </a:r>
+          </a:p>
+          <a:p>
+            <a:pPr marL="0" indent="0">
+              <a:buNone/>
+            </a:pPr>
+            <a:r>
+              <a:rPr lang="en-US" sz="2200" dirty="0">
+                <a:latin typeface="Consolas"/>
+                <a:cs typeface="Consolas"/>
+              </a:rPr>
+              <a:t>}</a:t>
+            </a:r>
+          </a:p>
+          <a:p>
+            <a:endParaRPr lang="en-US" dirty="0"/>
           </a:p>
         </p:txBody>
       </p:sp>
     </p:spTree>
     <p:extLst>
       <p:ext uri="{BB962C8B-B14F-4D97-AF65-F5344CB8AC3E}">
-        <p14:creationId xmlns:p14="http://schemas.microsoft.com/office/powerpoint/2010/main" val="2252403450"/>
+        <p14:creationId xmlns:p14="http://schemas.microsoft.com/office/powerpoint/2010/main" val="4126392573"/>
       </p:ext>
     </p:extLst>
   </p:cSld>
@@ -9103,196 +9410,49 @@
         <p:spPr/>
         <p:txBody>
           <a:bodyPr>
-            <a:normAutofit fontScale="85000" lnSpcReduction="10000"/>
+            <a:normAutofit/>
           </a:bodyPr>
           <a:lstStyle/>
           <a:p>
             <a:r>
-              <a:rPr lang="en-US" dirty="0">
-                <a:solidFill>
-                  <a:srgbClr val="E46C0A"/>
-                </a:solidFill>
-              </a:rPr>
-              <a:t>What happens when two different threads are accessing the same data ?</a:t>
-            </a:r>
-          </a:p>
-          <a:p>
-            <a:r>
-              <a:rPr lang="en-US" dirty="0"/>
-              <a:t>Imagine two people (represented by two threads) each one having an ATM card linked to the same account</a:t>
-            </a:r>
-          </a:p>
-          <a:p>
-            <a:pPr marL="0" indent="0">
-              <a:buNone/>
+              <a:rPr lang="en-US" dirty="0"/>
+              <a:t>Each person (i.e., thread) does these steps</a:t>
+            </a:r>
+          </a:p>
+          <a:p>
+            <a:pPr marL="971550" lvl="1" indent="-514350">
+              <a:buFont typeface="+mj-lt"/>
+              <a:buAutoNum type="arabicPeriod"/>
             </a:pPr>
-            <a:endParaRPr lang="en-US" sz="2200" b="1" dirty="0">
-              <a:latin typeface="Consolas"/>
-              <a:cs typeface="Consolas"/>
-            </a:endParaRPr>
-          </a:p>
-          <a:p>
-            <a:pPr marL="0" indent="0">
-              <a:buNone/>
+            <a:r>
+              <a:rPr lang="en-US" dirty="0"/>
+              <a:t>Decide an amount to withdrawal</a:t>
+            </a:r>
+          </a:p>
+          <a:p>
+            <a:pPr marL="971550" lvl="1" indent="-514350">
+              <a:buFont typeface="+mj-lt"/>
+              <a:buAutoNum type="arabicPeriod"/>
             </a:pPr>
             <a:r>
-              <a:rPr lang="en-US" sz="2200" dirty="0">
-                <a:latin typeface="Consolas"/>
-                <a:cs typeface="Consolas"/>
-              </a:rPr>
-              <a:t>class Account {</a:t>
-            </a:r>
-          </a:p>
-          <a:p>
-            <a:pPr marL="457200" lvl="1" indent="0">
-              <a:buNone/>
+              <a:rPr lang="en-US" dirty="0"/>
+              <a:t>Check the balance of the account</a:t>
+            </a:r>
+          </a:p>
+          <a:p>
+            <a:pPr marL="971550" lvl="1" indent="-514350">
+              <a:buFont typeface="+mj-lt"/>
+              <a:buAutoNum type="arabicPeriod"/>
             </a:pPr>
             <a:r>
-              <a:rPr lang="en-US" sz="2200" dirty="0">
-                <a:latin typeface="Consolas"/>
-                <a:cs typeface="Consolas"/>
-              </a:rPr>
-              <a:t>private </a:t>
-            </a:r>
-            <a:r>
-              <a:rPr lang="en-US" sz="2200" dirty="0" err="1">
-                <a:latin typeface="Consolas"/>
-                <a:cs typeface="Consolas"/>
-              </a:rPr>
-              <a:t>int</a:t>
-            </a:r>
-            <a:r>
-              <a:rPr lang="en-US" sz="2200" dirty="0">
-                <a:latin typeface="Consolas"/>
-                <a:cs typeface="Consolas"/>
-              </a:rPr>
-              <a:t> balance; </a:t>
-            </a:r>
-          </a:p>
-          <a:p>
-            <a:pPr marL="457200" lvl="1" indent="0">
-              <a:buNone/>
-            </a:pPr>
-            <a:r>
-              <a:rPr lang="en-US" sz="2200" dirty="0">
-                <a:latin typeface="Consolas"/>
-                <a:cs typeface="Consolas"/>
-              </a:rPr>
-              <a:t>public </a:t>
-            </a:r>
-            <a:r>
-              <a:rPr lang="en-US" sz="2200" dirty="0" err="1">
-                <a:latin typeface="Consolas"/>
-                <a:cs typeface="Consolas"/>
-              </a:rPr>
-              <a:t>int</a:t>
-            </a:r>
-            <a:r>
-              <a:rPr lang="en-US" sz="2200" dirty="0">
-                <a:latin typeface="Consolas"/>
-                <a:cs typeface="Consolas"/>
-              </a:rPr>
-              <a:t> </a:t>
-            </a:r>
-            <a:r>
-              <a:rPr lang="en-US" sz="2200" dirty="0" err="1">
-                <a:latin typeface="Consolas"/>
-                <a:cs typeface="Consolas"/>
-              </a:rPr>
-              <a:t>getBalance</a:t>
-            </a:r>
-            <a:r>
-              <a:rPr lang="en-US" sz="2200" dirty="0">
-                <a:latin typeface="Consolas"/>
-                <a:cs typeface="Consolas"/>
-              </a:rPr>
-              <a:t>() {</a:t>
-            </a:r>
-          </a:p>
-          <a:p>
-            <a:pPr marL="457200" lvl="1" indent="0">
-              <a:buNone/>
-            </a:pPr>
-            <a:r>
-              <a:rPr lang="en-US" sz="2200" dirty="0">
-                <a:latin typeface="Consolas"/>
-                <a:cs typeface="Consolas"/>
-              </a:rPr>
-              <a:t>	return balance;</a:t>
-            </a:r>
-          </a:p>
-          <a:p>
-            <a:pPr marL="457200" lvl="1" indent="0">
-              <a:buNone/>
-            </a:pPr>
-            <a:r>
-              <a:rPr lang="en-US" sz="2200" dirty="0">
-                <a:latin typeface="Consolas"/>
-                <a:cs typeface="Consolas"/>
-              </a:rPr>
-              <a:t>}</a:t>
-            </a:r>
-          </a:p>
-          <a:p>
-            <a:pPr marL="0" indent="0">
-              <a:buNone/>
-            </a:pPr>
-            <a:r>
-              <a:rPr lang="en-US" sz="2200" dirty="0">
-                <a:latin typeface="Consolas"/>
-                <a:cs typeface="Consolas"/>
-              </a:rPr>
-              <a:t>	public void withdraw(</a:t>
-            </a:r>
-            <a:r>
-              <a:rPr lang="en-US" sz="2200" dirty="0" err="1">
-                <a:latin typeface="Consolas"/>
-                <a:cs typeface="Consolas"/>
-              </a:rPr>
-              <a:t>int</a:t>
-            </a:r>
-            <a:r>
-              <a:rPr lang="en-US" sz="2200" dirty="0">
-                <a:latin typeface="Consolas"/>
-                <a:cs typeface="Consolas"/>
-              </a:rPr>
-              <a:t> amount) {</a:t>
-            </a:r>
-          </a:p>
-          <a:p>
-            <a:pPr marL="0" indent="0">
-              <a:buNone/>
-            </a:pPr>
-            <a:r>
-              <a:rPr lang="en-US" sz="2200" dirty="0">
-                <a:latin typeface="Consolas"/>
-                <a:cs typeface="Consolas"/>
-              </a:rPr>
-              <a:t>			balance -= amount;</a:t>
-            </a:r>
-          </a:p>
-          <a:p>
-            <a:pPr marL="0" indent="0">
-              <a:buNone/>
-            </a:pPr>
-            <a:r>
-              <a:rPr lang="en-US" sz="2200" dirty="0">
-                <a:latin typeface="Consolas"/>
-                <a:cs typeface="Consolas"/>
-              </a:rPr>
-              <a:t>	}</a:t>
-            </a:r>
-          </a:p>
-          <a:p>
-            <a:pPr marL="0" indent="0">
-              <a:buNone/>
-            </a:pPr>
-            <a:r>
-              <a:rPr lang="en-US" sz="2200" dirty="0">
-                <a:latin typeface="Consolas"/>
-                <a:cs typeface="Consolas"/>
-              </a:rPr>
-              <a:t>}</a:t>
+              <a:rPr lang="en-US" dirty="0"/>
+              <a:t>If there's enough money, withdrawal the decided amount</a:t>
+            </a:r>
+          </a:p>
+          <a:p>
+            <a:r>
+              <a:rPr lang="en-US" dirty="0"/>
+              <a:t>What happens if the scheduler suspends one thread between step 2 and step 3 and the other one gets executed?</a:t>
             </a:r>
           </a:p>
           <a:p>
@@ -9303,7 +9463,7 @@
     </p:spTree>
     <p:extLst>
       <p:ext uri="{BB962C8B-B14F-4D97-AF65-F5344CB8AC3E}">
-        <p14:creationId xmlns:p14="http://schemas.microsoft.com/office/powerpoint/2010/main" val="4126392573"/>
+        <p14:creationId xmlns:p14="http://schemas.microsoft.com/office/powerpoint/2010/main" val="1187177834"/>
       </p:ext>
     </p:extLst>
   </p:cSld>
@@ -9509,9 +9669,7 @@
         </p:nvSpPr>
         <p:spPr/>
         <p:txBody>
-          <a:bodyPr>
-            <a:normAutofit/>
-          </a:bodyPr>
+          <a:bodyPr/>
           <a:lstStyle/>
           <a:p>
             <a:r>
@@ -9534,50 +9692,71 @@
         <p:spPr/>
         <p:txBody>
           <a:bodyPr>
-            <a:normAutofit/>
+            <a:normAutofit fontScale="92500" lnSpcReduction="10000"/>
           </a:bodyPr>
           <a:lstStyle/>
           <a:p>
             <a:r>
               <a:rPr lang="en-US" dirty="0"/>
-              <a:t>Each person (i.e., thread) does these steps</a:t>
-            </a:r>
-          </a:p>
-          <a:p>
-            <a:pPr marL="971550" lvl="1" indent="-514350">
-              <a:buFont typeface="+mj-lt"/>
-              <a:buAutoNum type="arabicPeriod"/>
-            </a:pPr>
-            <a:r>
-              <a:rPr lang="en-US" dirty="0"/>
-              <a:t>Decide an amount to withdrawal</a:t>
-            </a:r>
-          </a:p>
-          <a:p>
-            <a:pPr marL="971550" lvl="1" indent="-514350">
-              <a:buFont typeface="+mj-lt"/>
-              <a:buAutoNum type="arabicPeriod"/>
-            </a:pPr>
-            <a:r>
-              <a:rPr lang="en-US" dirty="0"/>
-              <a:t>Check the balance of the account</a:t>
-            </a:r>
-          </a:p>
-          <a:p>
-            <a:pPr marL="971550" lvl="1" indent="-514350">
-              <a:buFont typeface="+mj-lt"/>
-              <a:buAutoNum type="arabicPeriod"/>
-            </a:pPr>
-            <a:r>
-              <a:rPr lang="en-US" dirty="0"/>
-              <a:t>If there's enough money, withdrawal the decided amount</a:t>
-            </a:r>
-          </a:p>
-          <a:p>
-            <a:r>
-              <a:rPr lang="en-US" dirty="0"/>
-              <a:t>What happens if the scheduler suspends one thread between step 2 and step 3 and the other one gets executed?</a:t>
-            </a:r>
+              <a:t>Homer decides to withdraw 100$ and verifies that the account contains 125$!</a:t>
+            </a:r>
+          </a:p>
+          <a:p>
+            <a:r>
+              <a:rPr lang="en-US" dirty="0">
+                <a:solidFill>
+                  <a:schemeClr val="accent6">
+                    <a:lumMod val="75000"/>
+                  </a:schemeClr>
+                </a:solidFill>
+              </a:rPr>
+              <a:t>Marge enters the status RUNNING</a:t>
+            </a:r>
+          </a:p>
+          <a:p>
+            <a:r>
+              <a:rPr lang="en-US" dirty="0">
+                <a:solidFill>
+                  <a:srgbClr val="008000"/>
+                </a:solidFill>
+              </a:rPr>
+              <a:t>Marge decide to withdraw 120$ and verifies that the account contains 125$ !</a:t>
+            </a:r>
+          </a:p>
+          <a:p>
+            <a:r>
+              <a:rPr lang="en-US" dirty="0">
+                <a:solidFill>
+                  <a:srgbClr val="008000"/>
+                </a:solidFill>
+              </a:rPr>
+              <a:t>Marge withdraws 120$</a:t>
+            </a:r>
+          </a:p>
+          <a:p>
+            <a:r>
+              <a:rPr lang="en-US" dirty="0">
+                <a:solidFill>
+                  <a:schemeClr val="accent6">
+                    <a:lumMod val="75000"/>
+                  </a:schemeClr>
+                </a:solidFill>
+              </a:rPr>
+              <a:t>Homer enters the status RUNNING</a:t>
+            </a:r>
+          </a:p>
+          <a:p>
+            <a:r>
+              <a:rPr lang="en-US" dirty="0">
+                <a:solidFill>
+                  <a:srgbClr val="000000"/>
+                </a:solidFill>
+              </a:rPr>
+              <a:t>Homer withdraw 100$ (he has already checked!) but the ATM gives him only 5$</a:t>
+            </a:r>
+          </a:p>
+          <a:p>
+            <a:endParaRPr lang="en-US" dirty="0"/>
           </a:p>
           <a:p>
             <a:endParaRPr lang="en-US" dirty="0"/>
@@ -9587,7 +9766,7 @@
     </p:spTree>
     <p:extLst>
       <p:ext uri="{BB962C8B-B14F-4D97-AF65-F5344CB8AC3E}">
-        <p14:creationId xmlns:p14="http://schemas.microsoft.com/office/powerpoint/2010/main" val="1187177834"/>
+        <p14:creationId xmlns:p14="http://schemas.microsoft.com/office/powerpoint/2010/main" val="3085252808"/>
       </p:ext>
     </p:extLst>
   </p:cSld>
@@ -9626,12 +9805,14 @@
         </p:nvSpPr>
         <p:spPr/>
         <p:txBody>
-          <a:bodyPr/>
-          <a:lstStyle/>
-          <a:p>
-            <a:r>
-              <a:rPr lang="en-US" dirty="0"/>
-              <a:t>Synchronization</a:t>
+          <a:bodyPr>
+            <a:normAutofit/>
+          </a:bodyPr>
+          <a:lstStyle/>
+          <a:p>
+            <a:r>
+              <a:rPr lang="en-US" dirty="0"/>
+              <a:t>Race condition</a:t>
             </a:r>
           </a:p>
         </p:txBody>
@@ -9643,22 +9824,20 @@
             <a:spLocks noGrp="1"/>
           </p:cNvSpPr>
           <p:nvPr>
-            <p:ph idx="1"/>
+            <p:ph sz="half" idx="1"/>
           </p:nvPr>
         </p:nvSpPr>
         <p:spPr/>
         <p:txBody>
           <a:bodyPr>
-            <a:normAutofit fontScale="92500" lnSpcReduction="10000"/>
+            <a:normAutofit/>
           </a:bodyPr>
           <a:lstStyle/>
           <a:p>
             <a:r>
               <a:rPr lang="en-US" dirty="0"/>
-              <a:t>Homer decides to withdraw 100$ and verifies that the account contains 125$!</a:t>
-            </a:r>
-          </a:p>
-          <a:p>
+              <a:t>A problem arising whenever two or more threads share the same resource and </a:t>
+            </a:r>
             <a:r>
               <a:rPr lang="en-US" dirty="0">
                 <a:solidFill>
@@ -9667,30 +9846,18 @@
                   </a:schemeClr>
                 </a:solidFill>
               </a:rPr>
-              <a:t>Marge enters the status RUNNING</a:t>
-            </a:r>
-          </a:p>
-          <a:p>
-            <a:r>
-              <a:rPr lang="en-US" dirty="0">
+              <a:t>one thread </a:t>
+            </a:r>
+            <a:r>
+              <a:rPr lang="en-US" i="1" dirty="0">
                 <a:solidFill>
-                  <a:srgbClr val="008000"/>
+                  <a:schemeClr val="accent6">
+                    <a:lumMod val="75000"/>
+                  </a:schemeClr>
                 </a:solidFill>
               </a:rPr>
-              <a:t>Marge decide to withdraw 120$ and verifies that the account contains 125$ !</a:t>
-            </a:r>
-          </a:p>
-          <a:p>
-            <a:r>
-              <a:rPr lang="en-US" dirty="0">
-                <a:solidFill>
-                  <a:srgbClr val="008000"/>
-                </a:solidFill>
-              </a:rPr>
-              <a:t>Marge withdraws 120$</a:t>
-            </a:r>
-          </a:p>
-          <a:p>
+              <a:t>"races in" </a:t>
+            </a:r>
             <a:r>
               <a:rPr lang="en-US" dirty="0">
                 <a:solidFill>
@@ -9699,31 +9866,56 @@
                   </a:schemeClr>
                 </a:solidFill>
               </a:rPr>
-              <a:t>Homer enters the status RUNNING</a:t>
-            </a:r>
-          </a:p>
-          <a:p>
-            <a:r>
-              <a:rPr lang="en-US" dirty="0">
-                <a:solidFill>
-                  <a:srgbClr val="000000"/>
-                </a:solidFill>
-              </a:rPr>
-              <a:t>Homer withdraw 100$ (he has already checked!) but the ATM gives him only 5$</a:t>
-            </a:r>
-          </a:p>
-          <a:p>
+              <a:t>too quickly before another operation (supposed to be atomic) has been completed</a:t>
+            </a:r>
+          </a:p>
+          <a:p>
+            <a:pPr marL="0" indent="0">
+              <a:buNone/>
+            </a:pPr>
             <a:endParaRPr lang="en-US" dirty="0"/>
           </a:p>
-          <a:p>
-            <a:endParaRPr lang="en-US" dirty="0"/>
+        </p:txBody>
+      </p:sp>
+      <p:sp>
+        <p:nvSpPr>
+          <p:cNvPr id="5" name="object 7">
+            <a:extLst>
+              <a:ext uri="{FF2B5EF4-FFF2-40B4-BE49-F238E27FC236}">
+                <a16:creationId xmlns:a16="http://schemas.microsoft.com/office/drawing/2014/main" id="{E8B86F0B-2C96-CD4E-A363-27A6ADEAA383}"/>
+              </a:ext>
+            </a:extLst>
+          </p:cNvPr>
+          <p:cNvSpPr/>
+          <p:nvPr/>
+        </p:nvSpPr>
+        <p:spPr>
+          <a:xfrm>
+            <a:off x="6566787" y="1687624"/>
+            <a:ext cx="3200400" cy="4152900"/>
+          </a:xfrm>
+          <a:prstGeom prst="rect">
+            <a:avLst/>
+          </a:prstGeom>
+          <a:blipFill>
+            <a:blip r:embed="rId2" cstate="print"/>
+            <a:stretch>
+              <a:fillRect/>
+            </a:stretch>
+          </a:blipFill>
+        </p:spPr>
+        <p:txBody>
+          <a:bodyPr wrap="square" lIns="0" tIns="0" rIns="0" bIns="0" rtlCol="0"/>
+          <a:lstStyle/>
+          <a:p>
+            <a:endParaRPr/>
           </a:p>
         </p:txBody>
       </p:sp>
     </p:spTree>
     <p:extLst>
       <p:ext uri="{BB962C8B-B14F-4D97-AF65-F5344CB8AC3E}">
-        <p14:creationId xmlns:p14="http://schemas.microsoft.com/office/powerpoint/2010/main" val="3085252808"/>
+        <p14:creationId xmlns:p14="http://schemas.microsoft.com/office/powerpoint/2010/main" val="562857389"/>
       </p:ext>
     </p:extLst>
   </p:cSld>
@@ -9769,7 +9961,7 @@
           <a:p>
             <a:r>
               <a:rPr lang="en-US" dirty="0"/>
-              <a:t>Race condition</a:t>
+              <a:t>Preventing Race Conditions</a:t>
             </a:r>
           </a:p>
         </p:txBody>
@@ -9781,20 +9973,14 @@
             <a:spLocks noGrp="1"/>
           </p:cNvSpPr>
           <p:nvPr>
-            <p:ph sz="half" idx="1"/>
+            <p:ph idx="1"/>
           </p:nvPr>
         </p:nvSpPr>
         <p:spPr/>
         <p:txBody>
-          <a:bodyPr>
-            <a:normAutofit/>
-          </a:bodyPr>
-          <a:lstStyle/>
-          <a:p>
-            <a:r>
-              <a:rPr lang="en-US" dirty="0"/>
-              <a:t>A problem arising whenever two or more threads share the same resource (typically an object) and </a:t>
-            </a:r>
+          <a:bodyPr/>
+          <a:lstStyle/>
+          <a:p>
             <a:r>
               <a:rPr lang="en-US" dirty="0">
                 <a:solidFill>
@@ -9803,76 +9989,46 @@
                   </a:schemeClr>
                 </a:solidFill>
               </a:rPr>
-              <a:t>one thread </a:t>
-            </a:r>
-            <a:r>
-              <a:rPr lang="en-US" i="1" dirty="0">
-                <a:solidFill>
-                  <a:schemeClr val="accent6">
-                    <a:lumMod val="75000"/>
-                  </a:schemeClr>
-                </a:solidFill>
-              </a:rPr>
-              <a:t>"races in" </a:t>
-            </a:r>
+              <a:t>We must guarantee that the steps comprising the withdrawal process are NEVER split apart</a:t>
+            </a:r>
+          </a:p>
+          <a:p>
             <a:r>
               <a:rPr lang="en-US" dirty="0">
                 <a:solidFill>
-                  <a:schemeClr val="accent6">
-                    <a:lumMod val="75000"/>
-                  </a:schemeClr>
+                  <a:srgbClr val="E46C0A"/>
                 </a:solidFill>
               </a:rPr>
-              <a:t>too quickly before another operation has been completed</a:t>
-            </a:r>
-          </a:p>
-          <a:p>
-            <a:pPr marL="0" indent="0">
-              <a:buNone/>
-            </a:pPr>
+              <a:t>Withdrawal must be an atomic operation</a:t>
+            </a:r>
+          </a:p>
+          <a:p>
+            <a:pPr lvl="1"/>
+            <a:r>
+              <a:rPr lang="en-US" dirty="0"/>
+              <a:t>Any withdrawal (accomplished by one thread) must be completed before any other thread is allowed to act on the account</a:t>
+            </a:r>
+          </a:p>
+          <a:p>
+            <a:pPr lvl="1"/>
+            <a:r>
+              <a:rPr lang="en-US" dirty="0">
+                <a:solidFill>
+                  <a:srgbClr val="E46C0A"/>
+                </a:solidFill>
+              </a:rPr>
+              <a:t>Regardless of the number of actual instructions!</a:t>
+            </a:r>
+          </a:p>
+          <a:p>
             <a:endParaRPr lang="en-US" dirty="0"/>
-          </a:p>
-        </p:txBody>
-      </p:sp>
-      <p:sp>
-        <p:nvSpPr>
-          <p:cNvPr id="5" name="object 7">
-            <a:extLst>
-              <a:ext uri="{FF2B5EF4-FFF2-40B4-BE49-F238E27FC236}">
-                <a16:creationId xmlns:a16="http://schemas.microsoft.com/office/drawing/2014/main" id="{E8B86F0B-2C96-CD4E-A363-27A6ADEAA383}"/>
-              </a:ext>
-            </a:extLst>
-          </p:cNvPr>
-          <p:cNvSpPr/>
-          <p:nvPr/>
-        </p:nvSpPr>
-        <p:spPr>
-          <a:xfrm>
-            <a:off x="6566787" y="1687624"/>
-            <a:ext cx="3200400" cy="4152900"/>
-          </a:xfrm>
-          <a:prstGeom prst="rect">
-            <a:avLst/>
-          </a:prstGeom>
-          <a:blipFill>
-            <a:blip r:embed="rId2" cstate="print"/>
-            <a:stretch>
-              <a:fillRect/>
-            </a:stretch>
-          </a:blipFill>
-        </p:spPr>
-        <p:txBody>
-          <a:bodyPr wrap="square" lIns="0" tIns="0" rIns="0" bIns="0" rtlCol="0"/>
-          <a:lstStyle/>
-          <a:p>
-            <a:endParaRPr/>
           </a:p>
         </p:txBody>
       </p:sp>
     </p:spTree>
     <p:extLst>
       <p:ext uri="{BB962C8B-B14F-4D97-AF65-F5344CB8AC3E}">
-        <p14:creationId xmlns:p14="http://schemas.microsoft.com/office/powerpoint/2010/main" val="562857389"/>
+        <p14:creationId xmlns:p14="http://schemas.microsoft.com/office/powerpoint/2010/main" val="1663840961"/>
       </p:ext>
     </p:extLst>
   </p:cSld>
@@ -9911,14 +10067,12 @@
         </p:nvSpPr>
         <p:spPr/>
         <p:txBody>
-          <a:bodyPr>
-            <a:normAutofit/>
-          </a:bodyPr>
-          <a:lstStyle/>
-          <a:p>
-            <a:r>
-              <a:rPr lang="en-US" dirty="0"/>
-              <a:t>Preventing Race Conditions</a:t>
+          <a:bodyPr/>
+          <a:lstStyle/>
+          <a:p>
+            <a:r>
+              <a:rPr lang="en-US" dirty="0"/>
+              <a:t>Synchronized</a:t>
             </a:r>
           </a:p>
         </p:txBody>
@@ -9935,57 +10089,131 @@
         </p:nvSpPr>
         <p:spPr/>
         <p:txBody>
-          <a:bodyPr/>
-          <a:lstStyle/>
-          <a:p>
-            <a:r>
-              <a:rPr lang="en-US" dirty="0">
+          <a:bodyPr>
+            <a:normAutofit lnSpcReduction="10000"/>
+          </a:bodyPr>
+          <a:lstStyle/>
+          <a:p>
+            <a:r>
+              <a:rPr lang="en-AU" dirty="0">
+                <a:latin typeface="Calibri" panose="020F0502020204030204" pitchFamily="34" charset="0"/>
+                <a:cs typeface="Calibri" panose="020F0502020204030204" pitchFamily="34" charset="0"/>
+              </a:rPr>
+              <a:t>Developers can't guarantee that a single thread will stay running during a whole operation (supposed to be atomic for avoiding race conditions). In fact, </a:t>
+            </a:r>
+            <a:r>
+              <a:rPr lang="en-AU" dirty="0">
                 <a:solidFill>
                   <a:schemeClr val="accent6">
                     <a:lumMod val="75000"/>
                   </a:schemeClr>
                 </a:solidFill>
-              </a:rPr>
-              <a:t>We must guarantee that the steps comprising the withdrawal process are NEVER split apart</a:t>
-            </a:r>
-          </a:p>
-          <a:p>
-            <a:r>
-              <a:rPr lang="en-US" dirty="0">
+                <a:latin typeface="Calibri" panose="020F0502020204030204" pitchFamily="34" charset="0"/>
+                <a:cs typeface="Calibri" panose="020F0502020204030204" pitchFamily="34" charset="0"/>
+              </a:rPr>
+              <a:t>developers can not control the scheduler </a:t>
+            </a:r>
+            <a:r>
+              <a:rPr lang="en-AU" dirty="0">
+                <a:latin typeface="Calibri" panose="020F0502020204030204" pitchFamily="34" charset="0"/>
+                <a:cs typeface="Calibri" panose="020F0502020204030204" pitchFamily="34" charset="0"/>
+              </a:rPr>
+              <a:t>(excluding the case of calling yield()).</a:t>
+            </a:r>
+          </a:p>
+          <a:p>
+            <a:r>
+              <a:rPr lang="en-AU" dirty="0">
                 <a:solidFill>
-                  <a:srgbClr val="E46C0A"/>
+                  <a:schemeClr val="accent6">
+                    <a:lumMod val="75000"/>
+                  </a:schemeClr>
                 </a:solidFill>
-              </a:rPr>
-              <a:t>Withdrawal must be an atomic operation</a:t>
-            </a:r>
-          </a:p>
-          <a:p>
-            <a:pPr lvl="1"/>
-            <a:r>
-              <a:rPr lang="en-US" dirty="0"/>
-              <a:t>Any withdrawal (accomplished by one thread) must be completed before any other thread is allowed to act on the account</a:t>
-            </a:r>
-          </a:p>
-          <a:p>
-            <a:pPr lvl="1"/>
-            <a:r>
-              <a:rPr lang="en-US" dirty="0">
+                <a:latin typeface="Calibri" panose="020F0502020204030204" pitchFamily="34" charset="0"/>
+                <a:cs typeface="Calibri" panose="020F0502020204030204" pitchFamily="34" charset="0"/>
+              </a:rPr>
+              <a:t>In Java, </a:t>
+            </a:r>
+            <a:r>
+              <a:rPr lang="en-AU" b="1" dirty="0">
                 <a:solidFill>
-                  <a:srgbClr val="E46C0A"/>
+                  <a:schemeClr val="accent6">
+                    <a:lumMod val="75000"/>
+                  </a:schemeClr>
                 </a:solidFill>
-              </a:rPr>
-              <a:t>Regardless of the number of actual instructions!</a:t>
-            </a:r>
-          </a:p>
-          <a:p>
-            <a:endParaRPr lang="en-US" dirty="0"/>
+                <a:latin typeface="Calibri" panose="020F0502020204030204" pitchFamily="34" charset="0"/>
+                <a:cs typeface="Calibri" panose="020F0502020204030204" pitchFamily="34" charset="0"/>
+              </a:rPr>
+              <a:t>synchronized</a:t>
+            </a:r>
+            <a:r>
+              <a:rPr lang="en-AU" dirty="0">
+                <a:solidFill>
+                  <a:schemeClr val="accent6">
+                    <a:lumMod val="75000"/>
+                  </a:schemeClr>
+                </a:solidFill>
+                <a:latin typeface="Calibri" panose="020F0502020204030204" pitchFamily="34" charset="0"/>
+                <a:cs typeface="Calibri" panose="020F0502020204030204" pitchFamily="34" charset="0"/>
+              </a:rPr>
+              <a:t> methods are used to protect access to resources that are accessed concurrently. </a:t>
+            </a:r>
+            <a:r>
+              <a:rPr lang="en-AU" dirty="0">
+                <a:latin typeface="Calibri" panose="020F0502020204030204" pitchFamily="34" charset="0"/>
+                <a:cs typeface="Calibri" panose="020F0502020204030204" pitchFamily="34" charset="0"/>
+              </a:rPr>
+              <a:t>Only one thread at a time can access</a:t>
+            </a:r>
+          </a:p>
+          <a:p>
+            <a:r>
+              <a:rPr lang="en-AU" dirty="0">
+                <a:latin typeface="Calibri" panose="020F0502020204030204" pitchFamily="34" charset="0"/>
+                <a:cs typeface="Calibri" panose="020F0502020204030204" pitchFamily="34" charset="0"/>
+              </a:rPr>
+              <a:t>The modifier </a:t>
+            </a:r>
+            <a:r>
+              <a:rPr lang="en-AU" b="1" dirty="0">
+                <a:solidFill>
+                  <a:schemeClr val="accent6">
+                    <a:lumMod val="75000"/>
+                  </a:schemeClr>
+                </a:solidFill>
+                <a:latin typeface="Calibri" panose="020F0502020204030204" pitchFamily="34" charset="0"/>
+                <a:cs typeface="Calibri" panose="020F0502020204030204" pitchFamily="34" charset="0"/>
+              </a:rPr>
+              <a:t>synchronized</a:t>
+            </a:r>
+            <a:r>
+              <a:rPr lang="en-AU" dirty="0">
+                <a:solidFill>
+                  <a:schemeClr val="accent6">
+                    <a:lumMod val="75000"/>
+                  </a:schemeClr>
+                </a:solidFill>
+                <a:latin typeface="Calibri" panose="020F0502020204030204" pitchFamily="34" charset="0"/>
+                <a:cs typeface="Calibri" panose="020F0502020204030204" pitchFamily="34" charset="0"/>
+              </a:rPr>
+              <a:t> can be applied either to a method or an object</a:t>
+            </a:r>
+          </a:p>
+          <a:p>
+            <a:endParaRPr lang="en-AU" dirty="0">
+              <a:solidFill>
+                <a:srgbClr val="E46C0A"/>
+              </a:solidFill>
+              <a:latin typeface="Calibri" panose="020F0502020204030204" pitchFamily="34" charset="0"/>
+              <a:cs typeface="Calibri" panose="020F0502020204030204" pitchFamily="34" charset="0"/>
+            </a:endParaRPr>
           </a:p>
         </p:txBody>
       </p:sp>
     </p:spTree>
     <p:extLst>
       <p:ext uri="{BB962C8B-B14F-4D97-AF65-F5344CB8AC3E}">
-        <p14:creationId xmlns:p14="http://schemas.microsoft.com/office/powerpoint/2010/main" val="1663840961"/>
+        <p14:creationId xmlns:p14="http://schemas.microsoft.com/office/powerpoint/2010/main" val="429689653"/>
       </p:ext>
     </p:extLst>
   </p:cSld>
@@ -10029,7 +10257,7 @@
           <a:p>
             <a:r>
               <a:rPr lang="en-US" dirty="0"/>
-              <a:t>Synchronized</a:t>
+              <a:t>Synchronization and Locks</a:t>
             </a:r>
           </a:p>
         </p:txBody>
@@ -10047,122 +10275,207 @@
         <p:spPr/>
         <p:txBody>
           <a:bodyPr>
-            <a:normAutofit lnSpcReduction="10000"/>
+            <a:normAutofit/>
           </a:bodyPr>
           <a:lstStyle/>
           <a:p>
-            <a:r>
-              <a:rPr lang="en-AU" dirty="0">
-                <a:latin typeface="Calibri" panose="020F0502020204030204" pitchFamily="34" charset="0"/>
-                <a:cs typeface="Calibri" panose="020F0502020204030204" pitchFamily="34" charset="0"/>
-              </a:rPr>
-              <a:t>Developers can't guarantee that a single thread will stay running during a whole operation (supposed to be atomic for avoiding race conditions). In fact, </a:t>
-            </a:r>
-            <a:r>
-              <a:rPr lang="en-AU" dirty="0">
-                <a:solidFill>
-                  <a:schemeClr val="accent6">
-                    <a:lumMod val="75000"/>
-                  </a:schemeClr>
-                </a:solidFill>
-                <a:latin typeface="Calibri" panose="020F0502020204030204" pitchFamily="34" charset="0"/>
-                <a:cs typeface="Calibri" panose="020F0502020204030204" pitchFamily="34" charset="0"/>
-              </a:rPr>
-              <a:t>developers can not control the scheduler </a:t>
-            </a:r>
-            <a:r>
-              <a:rPr lang="en-AU" dirty="0">
-                <a:latin typeface="Calibri" panose="020F0502020204030204" pitchFamily="34" charset="0"/>
-                <a:cs typeface="Calibri" panose="020F0502020204030204" pitchFamily="34" charset="0"/>
-              </a:rPr>
-              <a:t>(excluding the case of calling yield()).</a:t>
-            </a:r>
-          </a:p>
-          <a:p>
-            <a:r>
-              <a:rPr lang="en-AU" dirty="0">
-                <a:solidFill>
-                  <a:schemeClr val="accent6">
-                    <a:lumMod val="75000"/>
-                  </a:schemeClr>
-                </a:solidFill>
-                <a:latin typeface="Calibri" panose="020F0502020204030204" pitchFamily="34" charset="0"/>
-                <a:cs typeface="Calibri" panose="020F0502020204030204" pitchFamily="34" charset="0"/>
-              </a:rPr>
-              <a:t>In Java, </a:t>
-            </a:r>
-            <a:r>
-              <a:rPr lang="en-AU" b="1" dirty="0">
-                <a:solidFill>
-                  <a:schemeClr val="accent6">
-                    <a:lumMod val="75000"/>
-                  </a:schemeClr>
-                </a:solidFill>
-                <a:latin typeface="Calibri" panose="020F0502020204030204" pitchFamily="34" charset="0"/>
-                <a:cs typeface="Calibri" panose="020F0502020204030204" pitchFamily="34" charset="0"/>
-              </a:rPr>
-              <a:t>synchronized</a:t>
-            </a:r>
-            <a:r>
-              <a:rPr lang="en-AU" dirty="0">
-                <a:solidFill>
-                  <a:schemeClr val="accent6">
-                    <a:lumMod val="75000"/>
-                  </a:schemeClr>
-                </a:solidFill>
-                <a:latin typeface="Calibri" panose="020F0502020204030204" pitchFamily="34" charset="0"/>
-                <a:cs typeface="Calibri" panose="020F0502020204030204" pitchFamily="34" charset="0"/>
-              </a:rPr>
-              <a:t> methods are used to protect access to resources that are accessed concurrently. </a:t>
-            </a:r>
-            <a:r>
-              <a:rPr lang="en-AU" dirty="0">
-                <a:latin typeface="Calibri" panose="020F0502020204030204" pitchFamily="34" charset="0"/>
-                <a:cs typeface="Calibri" panose="020F0502020204030204" pitchFamily="34" charset="0"/>
-              </a:rPr>
-              <a:t>Only one thread at a time can access</a:t>
-            </a:r>
-          </a:p>
-          <a:p>
-            <a:r>
-              <a:rPr lang="en-AU" dirty="0">
-                <a:latin typeface="Calibri" panose="020F0502020204030204" pitchFamily="34" charset="0"/>
-                <a:cs typeface="Calibri" panose="020F0502020204030204" pitchFamily="34" charset="0"/>
-              </a:rPr>
-              <a:t>The modifier </a:t>
-            </a:r>
-            <a:r>
-              <a:rPr lang="en-AU" b="1" dirty="0">
-                <a:solidFill>
-                  <a:schemeClr val="accent6">
-                    <a:lumMod val="75000"/>
-                  </a:schemeClr>
-                </a:solidFill>
-                <a:latin typeface="Calibri" panose="020F0502020204030204" pitchFamily="34" charset="0"/>
-                <a:cs typeface="Calibri" panose="020F0502020204030204" pitchFamily="34" charset="0"/>
-              </a:rPr>
-              <a:t>synchronized</a:t>
-            </a:r>
-            <a:r>
-              <a:rPr lang="en-AU" dirty="0">
-                <a:solidFill>
-                  <a:schemeClr val="accent6">
-                    <a:lumMod val="75000"/>
-                  </a:schemeClr>
-                </a:solidFill>
-                <a:latin typeface="Calibri" panose="020F0502020204030204" pitchFamily="34" charset="0"/>
-                <a:cs typeface="Calibri" panose="020F0502020204030204" pitchFamily="34" charset="0"/>
-              </a:rPr>
-              <a:t> can be applied either to a method or an object</a:t>
-            </a:r>
-          </a:p>
-          <a:p>
-            <a:endParaRPr lang="en-AU" dirty="0">
-              <a:solidFill>
-                <a:srgbClr val="E46C0A"/>
-              </a:solidFill>
-              <a:latin typeface="Calibri" panose="020F0502020204030204" pitchFamily="34" charset="0"/>
-              <a:cs typeface="Calibri" panose="020F0502020204030204" pitchFamily="34" charset="0"/>
+            <a:pPr marL="0" indent="0">
+              <a:buNone/>
+            </a:pPr>
+            <a:r>
+              <a:rPr lang="en-US" sz="2200" dirty="0">
+                <a:latin typeface="Consolas" panose="020B0609020204030204" pitchFamily="49" charset="0"/>
+                <a:cs typeface="Consolas" panose="020B0609020204030204" pitchFamily="49" charset="0"/>
+              </a:rPr>
+              <a:t>public synchronized void </a:t>
+            </a:r>
+            <a:r>
+              <a:rPr lang="en-US" sz="2200" dirty="0" err="1">
+                <a:latin typeface="Consolas" panose="020B0609020204030204" pitchFamily="49" charset="0"/>
+                <a:cs typeface="Consolas" panose="020B0609020204030204" pitchFamily="49" charset="0"/>
+              </a:rPr>
+              <a:t>doStuff</a:t>
+            </a:r>
+            <a:r>
+              <a:rPr lang="en-US" sz="2200" dirty="0">
+                <a:latin typeface="Consolas" panose="020B0609020204030204" pitchFamily="49" charset="0"/>
+                <a:cs typeface="Consolas" panose="020B0609020204030204" pitchFamily="49" charset="0"/>
+              </a:rPr>
+              <a:t>() { </a:t>
+            </a:r>
+          </a:p>
+          <a:p>
+            <a:pPr marL="0" indent="0">
+              <a:buNone/>
+            </a:pPr>
+            <a:r>
+              <a:rPr lang="en-US" sz="2200" dirty="0">
+                <a:latin typeface="Consolas" panose="020B0609020204030204" pitchFamily="49" charset="0"/>
+                <a:cs typeface="Consolas" panose="020B0609020204030204" pitchFamily="49" charset="0"/>
+              </a:rPr>
+              <a:t>	</a:t>
+            </a:r>
+            <a:r>
+              <a:rPr lang="en-US" sz="2200" dirty="0" err="1">
+                <a:latin typeface="Consolas" panose="020B0609020204030204" pitchFamily="49" charset="0"/>
+                <a:cs typeface="Consolas" panose="020B0609020204030204" pitchFamily="49" charset="0"/>
+              </a:rPr>
+              <a:t>System.out.println</a:t>
+            </a:r>
+            <a:r>
+              <a:rPr lang="en-US" sz="2200" dirty="0">
+                <a:latin typeface="Consolas" panose="020B0609020204030204" pitchFamily="49" charset="0"/>
+                <a:cs typeface="Consolas" panose="020B0609020204030204" pitchFamily="49" charset="0"/>
+              </a:rPr>
+              <a:t>("synchronized");</a:t>
+            </a:r>
+          </a:p>
+          <a:p>
+            <a:pPr marL="0" indent="0">
+              <a:buNone/>
+            </a:pPr>
+            <a:r>
+              <a:rPr lang="en-US" sz="2200" dirty="0">
+                <a:latin typeface="Consolas" panose="020B0609020204030204" pitchFamily="49" charset="0"/>
+                <a:cs typeface="Consolas" panose="020B0609020204030204" pitchFamily="49" charset="0"/>
+              </a:rPr>
+              <a:t>}</a:t>
+            </a:r>
+          </a:p>
+          <a:p>
+            <a:pPr marL="0" indent="0">
+              <a:buNone/>
+            </a:pPr>
+            <a:endParaRPr lang="en-US" sz="2200" dirty="0">
+              <a:latin typeface="Consolas" panose="020B0609020204030204" pitchFamily="49" charset="0"/>
+              <a:cs typeface="Consolas" panose="020B0609020204030204" pitchFamily="49" charset="0"/>
+            </a:endParaRPr>
+          </a:p>
+          <a:p>
+            <a:pPr marL="0" indent="0">
+              <a:buNone/>
+            </a:pPr>
+            <a:r>
+              <a:rPr lang="en-US" sz="2200" dirty="0">
+                <a:latin typeface="Consolas" panose="020B0609020204030204" pitchFamily="49" charset="0"/>
+                <a:cs typeface="Consolas" panose="020B0609020204030204" pitchFamily="49" charset="0"/>
+              </a:rPr>
+              <a:t>/* is equivalent to… */</a:t>
+            </a:r>
+          </a:p>
+          <a:p>
+            <a:pPr marL="0" indent="0">
+              <a:buNone/>
+            </a:pPr>
+            <a:endParaRPr lang="en-US" sz="2200" dirty="0">
+              <a:latin typeface="Consolas" panose="020B0609020204030204" pitchFamily="49" charset="0"/>
+              <a:cs typeface="Consolas" panose="020B0609020204030204" pitchFamily="49" charset="0"/>
+            </a:endParaRPr>
+          </a:p>
+          <a:p>
+            <a:pPr marL="0" indent="0">
+              <a:buNone/>
+            </a:pPr>
+            <a:r>
+              <a:rPr lang="en-US" sz="2200" dirty="0">
+                <a:latin typeface="Consolas" panose="020B0609020204030204" pitchFamily="49" charset="0"/>
+                <a:cs typeface="Consolas" panose="020B0609020204030204" pitchFamily="49" charset="0"/>
+              </a:rPr>
+              <a:t>public void </a:t>
+            </a:r>
+            <a:r>
+              <a:rPr lang="en-US" sz="2200" dirty="0" err="1">
+                <a:latin typeface="Consolas" panose="020B0609020204030204" pitchFamily="49" charset="0"/>
+                <a:cs typeface="Consolas" panose="020B0609020204030204" pitchFamily="49" charset="0"/>
+              </a:rPr>
+              <a:t>doStuff</a:t>
+            </a:r>
+            <a:r>
+              <a:rPr lang="en-US" sz="2200" dirty="0">
+                <a:latin typeface="Consolas" panose="020B0609020204030204" pitchFamily="49" charset="0"/>
+                <a:cs typeface="Consolas" panose="020B0609020204030204" pitchFamily="49" charset="0"/>
+              </a:rPr>
+              <a:t>() { </a:t>
+            </a:r>
+          </a:p>
+          <a:p>
+            <a:pPr marL="0" indent="0">
+              <a:buNone/>
+            </a:pPr>
+            <a:r>
+              <a:rPr lang="en-US" sz="2200" dirty="0">
+                <a:latin typeface="Consolas" panose="020B0609020204030204" pitchFamily="49" charset="0"/>
+                <a:cs typeface="Consolas" panose="020B0609020204030204" pitchFamily="49" charset="0"/>
+              </a:rPr>
+              <a:t>	synchronized(this) {</a:t>
+            </a:r>
+          </a:p>
+          <a:p>
+            <a:pPr marL="0" indent="0">
+              <a:buNone/>
+            </a:pPr>
+            <a:r>
+              <a:rPr lang="en-US" sz="2200" dirty="0">
+                <a:latin typeface="Consolas" panose="020B0609020204030204" pitchFamily="49" charset="0"/>
+                <a:cs typeface="Consolas" panose="020B0609020204030204" pitchFamily="49" charset="0"/>
+              </a:rPr>
+              <a:t>		</a:t>
+            </a:r>
+            <a:r>
+              <a:rPr lang="en-US" sz="2200" dirty="0" err="1">
+                <a:latin typeface="Consolas" panose="020B0609020204030204" pitchFamily="49" charset="0"/>
+                <a:cs typeface="Consolas" panose="020B0609020204030204" pitchFamily="49" charset="0"/>
+              </a:rPr>
+              <a:t>System.out.println</a:t>
+            </a:r>
+            <a:r>
+              <a:rPr lang="en-US" sz="2200" dirty="0">
+                <a:latin typeface="Consolas" panose="020B0609020204030204" pitchFamily="49" charset="0"/>
+                <a:cs typeface="Consolas" panose="020B0609020204030204" pitchFamily="49" charset="0"/>
+              </a:rPr>
+              <a:t>("synchronized");</a:t>
+            </a:r>
+          </a:p>
+          <a:p>
+            <a:pPr marL="0" indent="0">
+              <a:buNone/>
+            </a:pPr>
+            <a:r>
+              <a:rPr lang="en-US" sz="2200" dirty="0">
+                <a:latin typeface="Consolas" panose="020B0609020204030204" pitchFamily="49" charset="0"/>
+                <a:cs typeface="Consolas" panose="020B0609020204030204" pitchFamily="49" charset="0"/>
+              </a:rPr>
+              <a:t>	}  </a:t>
+            </a:r>
+          </a:p>
+          <a:p>
+            <a:pPr marL="0" indent="0">
+              <a:buNone/>
+            </a:pPr>
+            <a:r>
+              <a:rPr lang="en-US" sz="2200" dirty="0">
+                <a:latin typeface="Consolas" panose="020B0609020204030204" pitchFamily="49" charset="0"/>
+                <a:cs typeface="Consolas" panose="020B0609020204030204" pitchFamily="49" charset="0"/>
+              </a:rPr>
+              <a:t>}</a:t>
+            </a:r>
+          </a:p>
+          <a:p>
+            <a:pPr marL="0" indent="0">
+              <a:buNone/>
+            </a:pPr>
+            <a:endParaRPr lang="en-US" sz="2200" dirty="0">
+              <a:latin typeface="Consolas" panose="020B0609020204030204" pitchFamily="49" charset="0"/>
+              <a:cs typeface="Consolas" panose="020B0609020204030204" pitchFamily="49" charset="0"/>
+            </a:endParaRPr>
+          </a:p>
+          <a:p>
+            <a:pPr marL="0" indent="0">
+              <a:buNone/>
+            </a:pPr>
+            <a:endParaRPr lang="en-US" sz="2200" dirty="0">
+              <a:latin typeface="Consolas" panose="020B0609020204030204" pitchFamily="49" charset="0"/>
+              <a:cs typeface="Consolas" panose="020B0609020204030204" pitchFamily="49" charset="0"/>
             </a:endParaRPr>
           </a:p>
         </p:txBody>
@@ -10170,7 +10483,7 @@
     </p:spTree>
     <p:extLst>
       <p:ext uri="{BB962C8B-B14F-4D97-AF65-F5344CB8AC3E}">
-        <p14:creationId xmlns:p14="http://schemas.microsoft.com/office/powerpoint/2010/main" val="429689653"/>
+        <p14:creationId xmlns:p14="http://schemas.microsoft.com/office/powerpoint/2010/main" val="2474475419"/>
       </p:ext>
     </p:extLst>
   </p:cSld>
@@ -10236,211 +10549,78 @@
           </a:bodyPr>
           <a:lstStyle/>
           <a:p>
-            <a:pPr marL="0" indent="0">
-              <a:buNone/>
-            </a:pPr>
-            <a:r>
-              <a:rPr lang="en-US" sz="2200" dirty="0">
-                <a:latin typeface="Consolas" panose="020B0609020204030204" pitchFamily="49" charset="0"/>
-                <a:cs typeface="Consolas" panose="020B0609020204030204" pitchFamily="49" charset="0"/>
-              </a:rPr>
-              <a:t>public synchronized void </a:t>
-            </a:r>
-            <a:r>
-              <a:rPr lang="en-US" sz="2200" dirty="0" err="1">
-                <a:latin typeface="Consolas" panose="020B0609020204030204" pitchFamily="49" charset="0"/>
-                <a:cs typeface="Consolas" panose="020B0609020204030204" pitchFamily="49" charset="0"/>
-              </a:rPr>
-              <a:t>doStuff</a:t>
-            </a:r>
-            <a:r>
-              <a:rPr lang="en-US" sz="2200" dirty="0">
-                <a:latin typeface="Consolas" panose="020B0609020204030204" pitchFamily="49" charset="0"/>
-                <a:cs typeface="Consolas" panose="020B0609020204030204" pitchFamily="49" charset="0"/>
-              </a:rPr>
-              <a:t>() { </a:t>
-            </a:r>
-          </a:p>
-          <a:p>
-            <a:pPr marL="0" indent="0">
-              <a:buNone/>
-            </a:pPr>
-            <a:r>
-              <a:rPr lang="en-US" sz="2200" dirty="0">
-                <a:latin typeface="Consolas" panose="020B0609020204030204" pitchFamily="49" charset="0"/>
-                <a:cs typeface="Consolas" panose="020B0609020204030204" pitchFamily="49" charset="0"/>
-              </a:rPr>
-              <a:t>	</a:t>
-            </a:r>
-            <a:r>
-              <a:rPr lang="en-US" sz="2200" dirty="0" err="1">
-                <a:latin typeface="Consolas" panose="020B0609020204030204" pitchFamily="49" charset="0"/>
-                <a:cs typeface="Consolas" panose="020B0609020204030204" pitchFamily="49" charset="0"/>
-              </a:rPr>
-              <a:t>System.out.println</a:t>
-            </a:r>
-            <a:r>
-              <a:rPr lang="en-US" sz="2200" dirty="0">
-                <a:latin typeface="Consolas" panose="020B0609020204030204" pitchFamily="49" charset="0"/>
-                <a:cs typeface="Consolas" panose="020B0609020204030204" pitchFamily="49" charset="0"/>
-              </a:rPr>
-              <a:t>("synchronized");</a:t>
-            </a:r>
-          </a:p>
-          <a:p>
-            <a:pPr marL="0" indent="0">
-              <a:buNone/>
-            </a:pPr>
-            <a:r>
-              <a:rPr lang="en-US" sz="2200" dirty="0">
-                <a:latin typeface="Consolas" panose="020B0609020204030204" pitchFamily="49" charset="0"/>
-                <a:cs typeface="Consolas" panose="020B0609020204030204" pitchFamily="49" charset="0"/>
-              </a:rPr>
-              <a:t>}</a:t>
-            </a:r>
-          </a:p>
-          <a:p>
-            <a:pPr marL="0" indent="0">
-              <a:buNone/>
-            </a:pPr>
-            <a:endParaRPr lang="en-US" sz="2200" dirty="0">
-              <a:latin typeface="Consolas" panose="020B0609020204030204" pitchFamily="49" charset="0"/>
-              <a:cs typeface="Consolas" panose="020B0609020204030204" pitchFamily="49" charset="0"/>
-            </a:endParaRPr>
-          </a:p>
-          <a:p>
-            <a:pPr marL="0" indent="0">
-              <a:buNone/>
-            </a:pPr>
-            <a:r>
-              <a:rPr lang="en-US" sz="2200" dirty="0">
-                <a:latin typeface="Consolas" panose="020B0609020204030204" pitchFamily="49" charset="0"/>
-                <a:cs typeface="Consolas" panose="020B0609020204030204" pitchFamily="49" charset="0"/>
-              </a:rPr>
-              <a:t>/* is equivalent to… */</a:t>
-            </a:r>
-          </a:p>
-          <a:p>
-            <a:pPr marL="0" indent="0">
-              <a:buNone/>
-            </a:pPr>
-            <a:endParaRPr lang="en-US" sz="2200" dirty="0">
-              <a:latin typeface="Consolas" panose="020B0609020204030204" pitchFamily="49" charset="0"/>
-              <a:cs typeface="Consolas" panose="020B0609020204030204" pitchFamily="49" charset="0"/>
-            </a:endParaRPr>
-          </a:p>
-          <a:p>
-            <a:pPr marL="0" indent="0">
-              <a:buNone/>
-            </a:pPr>
-            <a:r>
-              <a:rPr lang="en-US" sz="2200" dirty="0">
-                <a:latin typeface="Consolas" panose="020B0609020204030204" pitchFamily="49" charset="0"/>
-                <a:cs typeface="Consolas" panose="020B0609020204030204" pitchFamily="49" charset="0"/>
-              </a:rPr>
-              <a:t>public void </a:t>
-            </a:r>
-            <a:r>
-              <a:rPr lang="en-US" sz="2200" dirty="0" err="1">
-                <a:latin typeface="Consolas" panose="020B0609020204030204" pitchFamily="49" charset="0"/>
-                <a:cs typeface="Consolas" panose="020B0609020204030204" pitchFamily="49" charset="0"/>
-              </a:rPr>
-              <a:t>doStuff</a:t>
-            </a:r>
-            <a:r>
-              <a:rPr lang="en-US" sz="2200" dirty="0">
-                <a:latin typeface="Consolas" panose="020B0609020204030204" pitchFamily="49" charset="0"/>
-                <a:cs typeface="Consolas" panose="020B0609020204030204" pitchFamily="49" charset="0"/>
-              </a:rPr>
-              <a:t>() { </a:t>
-            </a:r>
-          </a:p>
-          <a:p>
-            <a:pPr marL="0" indent="0">
-              <a:buNone/>
-            </a:pPr>
-            <a:r>
-              <a:rPr lang="en-US" sz="2200" dirty="0">
-                <a:latin typeface="Consolas" panose="020B0609020204030204" pitchFamily="49" charset="0"/>
-                <a:cs typeface="Consolas" panose="020B0609020204030204" pitchFamily="49" charset="0"/>
-              </a:rPr>
-              <a:t>	synchronized(this) {</a:t>
-            </a:r>
-          </a:p>
-          <a:p>
-            <a:pPr marL="0" indent="0">
-              <a:buNone/>
-            </a:pPr>
-            <a:r>
-              <a:rPr lang="en-US" sz="2200" dirty="0">
-                <a:latin typeface="Consolas" panose="020B0609020204030204" pitchFamily="49" charset="0"/>
-                <a:cs typeface="Consolas" panose="020B0609020204030204" pitchFamily="49" charset="0"/>
-              </a:rPr>
-              <a:t>		</a:t>
-            </a:r>
-            <a:r>
-              <a:rPr lang="en-US" sz="2200" dirty="0" err="1">
-                <a:latin typeface="Consolas" panose="020B0609020204030204" pitchFamily="49" charset="0"/>
-                <a:cs typeface="Consolas" panose="020B0609020204030204" pitchFamily="49" charset="0"/>
-              </a:rPr>
-              <a:t>System.out.println</a:t>
-            </a:r>
-            <a:r>
-              <a:rPr lang="en-US" sz="2200" dirty="0">
-                <a:latin typeface="Consolas" panose="020B0609020204030204" pitchFamily="49" charset="0"/>
-                <a:cs typeface="Consolas" panose="020B0609020204030204" pitchFamily="49" charset="0"/>
-              </a:rPr>
-              <a:t>("synchronized");</a:t>
-            </a:r>
-          </a:p>
-          <a:p>
-            <a:pPr marL="0" indent="0">
-              <a:buNone/>
-            </a:pPr>
-            <a:r>
-              <a:rPr lang="en-US" sz="2200" dirty="0">
-                <a:latin typeface="Consolas" panose="020B0609020204030204" pitchFamily="49" charset="0"/>
-                <a:cs typeface="Consolas" panose="020B0609020204030204" pitchFamily="49" charset="0"/>
-              </a:rPr>
-              <a:t>	}  </a:t>
-            </a:r>
-          </a:p>
-          <a:p>
-            <a:pPr marL="0" indent="0">
-              <a:buNone/>
-            </a:pPr>
-            <a:r>
-              <a:rPr lang="en-US" sz="2200" dirty="0">
-                <a:latin typeface="Consolas" panose="020B0609020204030204" pitchFamily="49" charset="0"/>
-                <a:cs typeface="Consolas" panose="020B0609020204030204" pitchFamily="49" charset="0"/>
-              </a:rPr>
-              <a:t>}</a:t>
-            </a:r>
-          </a:p>
-          <a:p>
-            <a:pPr marL="0" indent="0">
-              <a:buNone/>
-            </a:pPr>
-            <a:endParaRPr lang="en-US" sz="2200" dirty="0">
-              <a:latin typeface="Consolas" panose="020B0609020204030204" pitchFamily="49" charset="0"/>
-              <a:cs typeface="Consolas" panose="020B0609020204030204" pitchFamily="49" charset="0"/>
-            </a:endParaRPr>
-          </a:p>
-          <a:p>
-            <a:pPr marL="0" indent="0">
-              <a:buNone/>
-            </a:pPr>
-            <a:endParaRPr lang="en-US" sz="2200" dirty="0">
-              <a:latin typeface="Consolas" panose="020B0609020204030204" pitchFamily="49" charset="0"/>
-              <a:cs typeface="Consolas" panose="020B0609020204030204" pitchFamily="49" charset="0"/>
-            </a:endParaRPr>
+            <a:r>
+              <a:rPr lang="en-US" dirty="0">
+                <a:solidFill>
+                  <a:srgbClr val="E46C0A"/>
+                </a:solidFill>
+              </a:rPr>
+              <a:t>Every object in Java has ONE built-in lock</a:t>
+            </a:r>
+          </a:p>
+          <a:p>
+            <a:r>
+              <a:rPr lang="en-US" dirty="0"/>
+              <a:t>Entering a </a:t>
+            </a:r>
+            <a:r>
+              <a:rPr lang="en-US" dirty="0">
+                <a:solidFill>
+                  <a:schemeClr val="accent6">
+                    <a:lumMod val="75000"/>
+                  </a:schemeClr>
+                </a:solidFill>
+              </a:rPr>
+              <a:t>synchronized non-static method means getting the lock of the object</a:t>
+            </a:r>
+            <a:r>
+              <a:rPr lang="en-US" dirty="0"/>
+              <a:t>. If one thread gets the lock, all other threads have to wait to enter ALL the synchronized code until the lock is released (the first thread exits the </a:t>
+            </a:r>
+            <a:r>
+              <a:rPr lang="en-US" dirty="0">
+                <a:solidFill>
+                  <a:schemeClr val="accent6">
+                    <a:lumMod val="75000"/>
+                  </a:schemeClr>
+                </a:solidFill>
+              </a:rPr>
+              <a:t>synchronized </a:t>
+            </a:r>
+            <a:r>
+              <a:rPr lang="en-US" dirty="0"/>
+              <a:t>method)</a:t>
+            </a:r>
+          </a:p>
+          <a:p>
+            <a:r>
+              <a:rPr lang="en-US" dirty="0"/>
+              <a:t>Entering a </a:t>
+            </a:r>
+            <a:r>
+              <a:rPr lang="en-US" dirty="0">
+                <a:solidFill>
+                  <a:schemeClr val="accent6">
+                    <a:lumMod val="75000"/>
+                  </a:schemeClr>
+                </a:solidFill>
+              </a:rPr>
+              <a:t>synchronized static method means getting the lock of the class</a:t>
+            </a:r>
+            <a:r>
+              <a:rPr lang="en-US" dirty="0"/>
+              <a:t> instead of an object. Useful when the shared resource is defined static as well.</a:t>
+            </a:r>
+          </a:p>
+          <a:p>
+            <a:endParaRPr lang="en-US" dirty="0"/>
           </a:p>
         </p:txBody>
       </p:sp>
     </p:spTree>
     <p:extLst>
       <p:ext uri="{BB962C8B-B14F-4D97-AF65-F5344CB8AC3E}">
-        <p14:creationId xmlns:p14="http://schemas.microsoft.com/office/powerpoint/2010/main" val="2474475419"/>
+        <p14:creationId xmlns:p14="http://schemas.microsoft.com/office/powerpoint/2010/main" val="2112625906"/>
       </p:ext>
     </p:extLst>
   </p:cSld>
@@ -10479,7 +10659,9 @@
         </p:nvSpPr>
         <p:spPr/>
         <p:txBody>
-          <a:bodyPr/>
+          <a:bodyPr>
+            <a:normAutofit/>
+          </a:bodyPr>
           <a:lstStyle/>
           <a:p>
             <a:r>
@@ -10512,14 +10694,21 @@
                   <a:srgbClr val="E46C0A"/>
                 </a:solidFill>
               </a:rPr>
-              <a:t>Every object in Java has ONE built-in lock</a:t>
-            </a:r>
-          </a:p>
-          <a:p>
-            <a:r>
-              <a:rPr lang="en-US" dirty="0"/>
-              <a:t>Entering a </a:t>
-            </a:r>
+              <a:t>Whenever an object lock has been acquired by one thread, other threads can still access the class's non-synchronized methods. </a:t>
+            </a:r>
+            <a:r>
+              <a:rPr lang="en-US" dirty="0"/>
+              <a:t>Methods that don't access critical data don’t need to be synchronized</a:t>
+            </a:r>
+          </a:p>
+          <a:p>
+            <a:r>
+              <a:rPr lang="en-US" dirty="0"/>
+              <a:t>Details:</a:t>
+            </a:r>
+          </a:p>
+          <a:p>
+            <a:pPr lvl="1"/>
             <a:r>
               <a:rPr lang="en-US" dirty="0">
                 <a:solidFill>
@@ -10528,45 +10717,22 @@
                   </a:schemeClr>
                 </a:solidFill>
               </a:rPr>
-              <a:t>synchronized non-static method means getting the lock of the object</a:t>
-            </a:r>
-            <a:r>
-              <a:rPr lang="en-US" dirty="0"/>
-              <a:t>. If one thread gets the lock, all other threads have to wait to enter ALL the synchronized code until the lock is released (the first thread exits the </a:t>
-            </a:r>
+              <a:t>Threads going to sleep don't release locks!</a:t>
+            </a:r>
+          </a:p>
+          <a:p>
+            <a:pPr lvl="1"/>
             <a:r>
               <a:rPr lang="en-US" dirty="0">
                 <a:solidFill>
-                  <a:schemeClr val="accent6">
-                    <a:lumMod val="75000"/>
-                  </a:schemeClr>
+                  <a:srgbClr val="E46C0A"/>
                 </a:solidFill>
               </a:rPr>
-              <a:t>synchronized </a:t>
-            </a:r>
-            <a:r>
-              <a:rPr lang="en-US" dirty="0"/>
-              <a:t>method)</a:t>
-            </a:r>
-          </a:p>
-          <a:p>
-            <a:r>
-              <a:rPr lang="en-US" dirty="0"/>
-              <a:t>Entering a </a:t>
-            </a:r>
-            <a:r>
-              <a:rPr lang="en-US" dirty="0">
-                <a:solidFill>
-                  <a:schemeClr val="accent6">
-                    <a:lumMod val="75000"/>
-                  </a:schemeClr>
-                </a:solidFill>
-              </a:rPr>
-              <a:t>synchronized static method means getting the lock of the class</a:t>
-            </a:r>
-            <a:r>
-              <a:rPr lang="en-US" dirty="0"/>
-              <a:t> instead of an object. Useful when the shared resource is defined static as well.</a:t>
+              <a:t>A thread can acquire more than one lock. </a:t>
+            </a:r>
+            <a:r>
+              <a:rPr lang="en-US" dirty="0"/>
+              <a:t>For example, a thread can enter a synchronized method, then immediately invoke a synchronized method on another object (deadlock prone!)</a:t>
             </a:r>
           </a:p>
           <a:p>
@@ -10577,7 +10743,7 @@
     </p:spTree>
     <p:extLst>
       <p:ext uri="{BB962C8B-B14F-4D97-AF65-F5344CB8AC3E}">
-        <p14:creationId xmlns:p14="http://schemas.microsoft.com/office/powerpoint/2010/main" val="2112625906"/>
+        <p14:creationId xmlns:p14="http://schemas.microsoft.com/office/powerpoint/2010/main" val="2208174536"/>
       </p:ext>
     </p:extLst>
   </p:cSld>
@@ -10616,129 +10782,6 @@
         </p:nvSpPr>
         <p:spPr/>
         <p:txBody>
-          <a:bodyPr>
-            <a:normAutofit/>
-          </a:bodyPr>
-          <a:lstStyle/>
-          <a:p>
-            <a:r>
-              <a:rPr lang="en-US" dirty="0"/>
-              <a:t>Synchronization and Locks</a:t>
-            </a:r>
-          </a:p>
-        </p:txBody>
-      </p:sp>
-      <p:sp>
-        <p:nvSpPr>
-          <p:cNvPr id="3" name="Content Placeholder 2"/>
-          <p:cNvSpPr>
-            <a:spLocks noGrp="1"/>
-          </p:cNvSpPr>
-          <p:nvPr>
-            <p:ph idx="1"/>
-          </p:nvPr>
-        </p:nvSpPr>
-        <p:spPr/>
-        <p:txBody>
-          <a:bodyPr>
-            <a:normAutofit/>
-          </a:bodyPr>
-          <a:lstStyle/>
-          <a:p>
-            <a:r>
-              <a:rPr lang="en-US" dirty="0">
-                <a:solidFill>
-                  <a:srgbClr val="E46C0A"/>
-                </a:solidFill>
-              </a:rPr>
-              <a:t>Whenever an object lock has been acquired by one thread, other threads can still access the class's non-synchronized methods. </a:t>
-            </a:r>
-            <a:r>
-              <a:rPr lang="en-US" dirty="0"/>
-              <a:t>Methods that don't access critical data don’t need to be synchronized</a:t>
-            </a:r>
-          </a:p>
-          <a:p>
-            <a:r>
-              <a:rPr lang="en-US" dirty="0"/>
-              <a:t>Details:</a:t>
-            </a:r>
-          </a:p>
-          <a:p>
-            <a:pPr lvl="1"/>
-            <a:r>
-              <a:rPr lang="en-US" dirty="0">
-                <a:solidFill>
-                  <a:schemeClr val="accent6">
-                    <a:lumMod val="75000"/>
-                  </a:schemeClr>
-                </a:solidFill>
-              </a:rPr>
-              <a:t>Threads going to sleep don't release locks!</a:t>
-            </a:r>
-          </a:p>
-          <a:p>
-            <a:pPr lvl="1"/>
-            <a:r>
-              <a:rPr lang="en-US" dirty="0">
-                <a:solidFill>
-                  <a:srgbClr val="E46C0A"/>
-                </a:solidFill>
-              </a:rPr>
-              <a:t>A thread can acquire more than one lock. </a:t>
-            </a:r>
-            <a:r>
-              <a:rPr lang="en-US" dirty="0"/>
-              <a:t>For example, a thread can enter a synchronized method, then immediately invoke a synchronized method on another object (deadlock prone!)</a:t>
-            </a:r>
-          </a:p>
-          <a:p>
-            <a:endParaRPr lang="en-US" dirty="0"/>
-          </a:p>
-        </p:txBody>
-      </p:sp>
-    </p:spTree>
-    <p:extLst>
-      <p:ext uri="{BB962C8B-B14F-4D97-AF65-F5344CB8AC3E}">
-        <p14:creationId xmlns:p14="http://schemas.microsoft.com/office/powerpoint/2010/main" val="2208174536"/>
-      </p:ext>
-    </p:extLst>
-  </p:cSld>
-  <p:clrMapOvr>
-    <a:masterClrMapping/>
-  </p:clrMapOvr>
-</p:sld>
-</file>
-
-<file path=ppt/slides/slide48.xml><?xml version="1.0" encoding="utf-8"?>
-<p:sld xmlns:a="http://schemas.openxmlformats.org/drawingml/2006/main" xmlns:r="http://schemas.openxmlformats.org/officeDocument/2006/relationships" xmlns:p="http://schemas.openxmlformats.org/presentationml/2006/main">
-  <p:cSld>
-    <p:spTree>
-      <p:nvGrpSpPr>
-        <p:cNvPr id="1" name=""/>
-        <p:cNvGrpSpPr/>
-        <p:nvPr/>
-      </p:nvGrpSpPr>
-      <p:grpSpPr>
-        <a:xfrm>
-          <a:off x="0" y="0"/>
-          <a:ext cx="0" cy="0"/>
-          <a:chOff x="0" y="0"/>
-          <a:chExt cx="0" cy="0"/>
-        </a:xfrm>
-      </p:grpSpPr>
-      <p:sp>
-        <p:nvSpPr>
-          <p:cNvPr id="2" name="Title 1"/>
-          <p:cNvSpPr>
-            <a:spLocks noGrp="1"/>
-          </p:cNvSpPr>
-          <p:nvPr>
-            <p:ph type="title"/>
-          </p:nvPr>
-        </p:nvSpPr>
-        <p:spPr/>
-        <p:txBody>
           <a:bodyPr/>
           <a:lstStyle/>
           <a:p>
@@ -10823,7 +10866,7 @@
 </p:sld>
 </file>
 
-<file path=ppt/slides/slide49.xml><?xml version="1.0" encoding="utf-8"?>
+<file path=ppt/slides/slide48.xml><?xml version="1.0" encoding="utf-8"?>
 <p:sld xmlns:a="http://schemas.openxmlformats.org/drawingml/2006/main" xmlns:r="http://schemas.openxmlformats.org/officeDocument/2006/relationships" xmlns:p="http://schemas.openxmlformats.org/presentationml/2006/main">
   <p:cSld>
     <p:spTree>
@@ -11838,103 +11881,7 @@
 </p:sld>
 </file>
 
-<file path=ppt/slides/slide5.xml><?xml version="1.0" encoding="utf-8"?>
-<p:sld xmlns:a="http://schemas.openxmlformats.org/drawingml/2006/main" xmlns:r="http://schemas.openxmlformats.org/officeDocument/2006/relationships" xmlns:p="http://schemas.openxmlformats.org/presentationml/2006/main">
-  <p:cSld>
-    <p:spTree>
-      <p:nvGrpSpPr>
-        <p:cNvPr id="1" name=""/>
-        <p:cNvGrpSpPr/>
-        <p:nvPr/>
-      </p:nvGrpSpPr>
-      <p:grpSpPr>
-        <a:xfrm>
-          <a:off x="0" y="0"/>
-          <a:ext cx="0" cy="0"/>
-          <a:chOff x="0" y="0"/>
-          <a:chExt cx="0" cy="0"/>
-        </a:xfrm>
-      </p:grpSpPr>
-      <p:sp>
-        <p:nvSpPr>
-          <p:cNvPr id="2" name="Title 1"/>
-          <p:cNvSpPr>
-            <a:spLocks noGrp="1"/>
-          </p:cNvSpPr>
-          <p:nvPr>
-            <p:ph type="title"/>
-          </p:nvPr>
-        </p:nvSpPr>
-        <p:spPr/>
-        <p:txBody>
-          <a:bodyPr/>
-          <a:lstStyle/>
-          <a:p>
-            <a:r>
-              <a:rPr lang="en-US" dirty="0"/>
-              <a:t>Threads</a:t>
-            </a:r>
-          </a:p>
-        </p:txBody>
-      </p:sp>
-      <p:sp>
-        <p:nvSpPr>
-          <p:cNvPr id="3" name="Content Placeholder 2"/>
-          <p:cNvSpPr>
-            <a:spLocks noGrp="1"/>
-          </p:cNvSpPr>
-          <p:nvPr>
-            <p:ph idx="1"/>
-          </p:nvPr>
-        </p:nvSpPr>
-        <p:spPr/>
-        <p:txBody>
-          <a:bodyPr>
-            <a:normAutofit/>
-          </a:bodyPr>
-          <a:lstStyle/>
-          <a:p>
-            <a:r>
-              <a:rPr lang="en-US" dirty="0">
-                <a:solidFill>
-                  <a:srgbClr val="E46C0A"/>
-                </a:solidFill>
-              </a:rPr>
-              <a:t>All Java programs have at least one thread, the main() thread</a:t>
-            </a:r>
-            <a:r>
-              <a:rPr lang="en-US" dirty="0"/>
-              <a:t> </a:t>
-            </a:r>
-          </a:p>
-          <a:p>
-            <a:r>
-              <a:rPr lang="en-US" dirty="0"/>
-              <a:t>When a program starts running, the JVM creates a new thread and calls the main() method </a:t>
-            </a:r>
-          </a:p>
-          <a:p>
-            <a:r>
-              <a:rPr lang="en-US" dirty="0"/>
-              <a:t>There are other threads created by the JVM that users usually don’t interact with explicitly (e.g., garbage collector)</a:t>
-            </a:r>
-          </a:p>
-        </p:txBody>
-      </p:sp>
-    </p:spTree>
-    <p:extLst>
-      <p:ext uri="{BB962C8B-B14F-4D97-AF65-F5344CB8AC3E}">
-        <p14:creationId xmlns:p14="http://schemas.microsoft.com/office/powerpoint/2010/main" val="3690956885"/>
-      </p:ext>
-    </p:extLst>
-  </p:cSld>
-  <p:clrMapOvr>
-    <a:masterClrMapping/>
-  </p:clrMapOvr>
-</p:sld>
-</file>
-
-<file path=ppt/slides/slide50.xml><?xml version="1.0" encoding="utf-8"?>
+<file path=ppt/slides/slide49.xml><?xml version="1.0" encoding="utf-8"?>
 <p:sld xmlns:a="http://schemas.openxmlformats.org/drawingml/2006/main" xmlns:r="http://schemas.openxmlformats.org/officeDocument/2006/relationships" xmlns:p="http://schemas.openxmlformats.org/presentationml/2006/main">
   <p:cSld>
     <p:spTree>
@@ -13642,6 +13589,219 @@
 </p:sld>
 </file>
 
+<file path=ppt/slides/slide5.xml><?xml version="1.0" encoding="utf-8"?>
+<p:sld xmlns:a="http://schemas.openxmlformats.org/drawingml/2006/main" xmlns:r="http://schemas.openxmlformats.org/officeDocument/2006/relationships" xmlns:p="http://schemas.openxmlformats.org/presentationml/2006/main">
+  <p:cSld>
+    <p:spTree>
+      <p:nvGrpSpPr>
+        <p:cNvPr id="1" name=""/>
+        <p:cNvGrpSpPr/>
+        <p:nvPr/>
+      </p:nvGrpSpPr>
+      <p:grpSpPr>
+        <a:xfrm>
+          <a:off x="0" y="0"/>
+          <a:ext cx="0" cy="0"/>
+          <a:chOff x="0" y="0"/>
+          <a:chExt cx="0" cy="0"/>
+        </a:xfrm>
+      </p:grpSpPr>
+      <p:sp>
+        <p:nvSpPr>
+          <p:cNvPr id="2" name="Title 1"/>
+          <p:cNvSpPr>
+            <a:spLocks noGrp="1"/>
+          </p:cNvSpPr>
+          <p:nvPr>
+            <p:ph type="title"/>
+          </p:nvPr>
+        </p:nvSpPr>
+        <p:spPr/>
+        <p:txBody>
+          <a:bodyPr/>
+          <a:lstStyle/>
+          <a:p>
+            <a:r>
+              <a:rPr lang="en-US" dirty="0"/>
+              <a:t>Threads</a:t>
+            </a:r>
+          </a:p>
+        </p:txBody>
+      </p:sp>
+      <p:sp>
+        <p:nvSpPr>
+          <p:cNvPr id="3" name="Content Placeholder 2"/>
+          <p:cNvSpPr>
+            <a:spLocks noGrp="1"/>
+          </p:cNvSpPr>
+          <p:nvPr>
+            <p:ph idx="1"/>
+          </p:nvPr>
+        </p:nvSpPr>
+        <p:spPr/>
+        <p:txBody>
+          <a:bodyPr>
+            <a:normAutofit/>
+          </a:bodyPr>
+          <a:lstStyle/>
+          <a:p>
+            <a:r>
+              <a:rPr lang="en-US" dirty="0">
+                <a:solidFill>
+                  <a:srgbClr val="E46C0A"/>
+                </a:solidFill>
+              </a:rPr>
+              <a:t>All Java programs have at least one thread, the main() thread</a:t>
+            </a:r>
+            <a:r>
+              <a:rPr lang="en-US" dirty="0"/>
+              <a:t> </a:t>
+            </a:r>
+          </a:p>
+          <a:p>
+            <a:r>
+              <a:rPr lang="en-US" dirty="0"/>
+              <a:t>When a program starts running, the JVM creates a new thread and calls the main() method </a:t>
+            </a:r>
+          </a:p>
+          <a:p>
+            <a:r>
+              <a:rPr lang="en-US" dirty="0"/>
+              <a:t>There are other threads created by the JVM that users usually don’t interact with explicitly (e.g., garbage collector)</a:t>
+            </a:r>
+          </a:p>
+        </p:txBody>
+      </p:sp>
+    </p:spTree>
+    <p:extLst>
+      <p:ext uri="{BB962C8B-B14F-4D97-AF65-F5344CB8AC3E}">
+        <p14:creationId xmlns:p14="http://schemas.microsoft.com/office/powerpoint/2010/main" val="3690956885"/>
+      </p:ext>
+    </p:extLst>
+  </p:cSld>
+  <p:clrMapOvr>
+    <a:masterClrMapping/>
+  </p:clrMapOvr>
+</p:sld>
+</file>
+
+<file path=ppt/slides/slide50.xml><?xml version="1.0" encoding="utf-8"?>
+<p:sld xmlns:a="http://schemas.openxmlformats.org/drawingml/2006/main" xmlns:r="http://schemas.openxmlformats.org/officeDocument/2006/relationships" xmlns:p="http://schemas.openxmlformats.org/presentationml/2006/main">
+  <p:cSld>
+    <p:spTree>
+      <p:nvGrpSpPr>
+        <p:cNvPr id="1" name=""/>
+        <p:cNvGrpSpPr/>
+        <p:nvPr/>
+      </p:nvGrpSpPr>
+      <p:grpSpPr>
+        <a:xfrm>
+          <a:off x="0" y="0"/>
+          <a:ext cx="0" cy="0"/>
+          <a:chOff x="0" y="0"/>
+          <a:chExt cx="0" cy="0"/>
+        </a:xfrm>
+      </p:grpSpPr>
+      <p:sp>
+        <p:nvSpPr>
+          <p:cNvPr id="2" name="Title 1"/>
+          <p:cNvSpPr>
+            <a:spLocks noGrp="1"/>
+          </p:cNvSpPr>
+          <p:nvPr>
+            <p:ph type="title"/>
+          </p:nvPr>
+        </p:nvSpPr>
+        <p:spPr/>
+        <p:txBody>
+          <a:bodyPr/>
+          <a:lstStyle/>
+          <a:p>
+            <a:r>
+              <a:rPr lang="en-US" dirty="0"/>
+              <a:t>Synchronized code</a:t>
+            </a:r>
+          </a:p>
+        </p:txBody>
+      </p:sp>
+      <p:sp>
+        <p:nvSpPr>
+          <p:cNvPr id="3" name="Content Placeholder 2"/>
+          <p:cNvSpPr>
+            <a:spLocks noGrp="1"/>
+          </p:cNvSpPr>
+          <p:nvPr>
+            <p:ph idx="1"/>
+          </p:nvPr>
+        </p:nvSpPr>
+        <p:spPr/>
+        <p:txBody>
+          <a:bodyPr>
+            <a:normAutofit/>
+          </a:bodyPr>
+          <a:lstStyle/>
+          <a:p>
+            <a:r>
+              <a:rPr lang="en-US" sz="2800" dirty="0"/>
+              <a:t>There are two main ways to grant atomic access to a shared object:</a:t>
+            </a:r>
+          </a:p>
+          <a:p>
+            <a:pPr lvl="1"/>
+            <a:r>
+              <a:rPr lang="en-US" sz="2400" dirty="0">
+                <a:solidFill>
+                  <a:srgbClr val="E46C0A"/>
+                </a:solidFill>
+              </a:rPr>
+              <a:t>Use synchronize explicitly </a:t>
+            </a:r>
+            <a:r>
+              <a:rPr lang="en-US" sz="2400" dirty="0"/>
+              <a:t>to lock the shared object within the threads code (@see Account example)</a:t>
+            </a:r>
+          </a:p>
+          <a:p>
+            <a:pPr lvl="1"/>
+            <a:r>
+              <a:rPr lang="en-US" sz="2400" dirty="0">
+                <a:solidFill>
+                  <a:srgbClr val="E46C0A"/>
+                </a:solidFill>
+              </a:rPr>
+              <a:t>Use a thread-safe class as shared objects</a:t>
+            </a:r>
+            <a:r>
+              <a:rPr lang="en-US" sz="2400" dirty="0"/>
+              <a:t> (they use synchronized on their methods) (@see </a:t>
+            </a:r>
+            <a:r>
+              <a:rPr lang="en-US" sz="2400" dirty="0" err="1"/>
+              <a:t>GranularityExample</a:t>
+            </a:r>
+            <a:r>
+              <a:rPr lang="en-US" sz="2400" dirty="0"/>
+              <a:t>)</a:t>
+            </a:r>
+          </a:p>
+          <a:p>
+            <a:endParaRPr lang="en-US" sz="2800" dirty="0"/>
+          </a:p>
+        </p:txBody>
+      </p:sp>
+    </p:spTree>
+    <p:extLst>
+      <p:ext uri="{BB962C8B-B14F-4D97-AF65-F5344CB8AC3E}">
+        <p14:creationId xmlns:p14="http://schemas.microsoft.com/office/powerpoint/2010/main" val="3839336577"/>
+      </p:ext>
+    </p:extLst>
+  </p:cSld>
+  <p:clrMapOvr>
+    <a:masterClrMapping/>
+  </p:clrMapOvr>
+</p:sld>
+</file>
+
 <file path=ppt/slides/slide51.xml><?xml version="1.0" encoding="utf-8"?>
 <p:sld xmlns:a="http://schemas.openxmlformats.org/drawingml/2006/main" xmlns:r="http://schemas.openxmlformats.org/officeDocument/2006/relationships" xmlns:p="http://schemas.openxmlformats.org/presentationml/2006/main">
   <p:cSld>
@@ -13671,12 +13831,14 @@
         </p:nvSpPr>
         <p:spPr/>
         <p:txBody>
-          <a:bodyPr/>
-          <a:lstStyle/>
-          <a:p>
-            <a:r>
-              <a:rPr lang="en-US" dirty="0"/>
-              <a:t>Synchronized code</a:t>
+          <a:bodyPr>
+            <a:normAutofit/>
+          </a:bodyPr>
+          <a:lstStyle/>
+          <a:p>
+            <a:r>
+              <a:rPr lang="en-US" dirty="0"/>
+              <a:t>Thread-safe classes</a:t>
             </a:r>
           </a:p>
         </p:txBody>
@@ -13700,56 +13862,111 @@
           <a:p>
             <a:r>
               <a:rPr lang="en-US" sz="2800" dirty="0"/>
-              <a:t>There are two main ways to grant atomic access to a shared object:</a:t>
-            </a:r>
-          </a:p>
-          <a:p>
-            <a:pPr lvl="1"/>
-            <a:r>
-              <a:rPr lang="en-US" sz="2400" dirty="0">
+              <a:t>A </a:t>
+            </a:r>
+            <a:r>
+              <a:rPr lang="en-US" sz="2800" dirty="0">
                 <a:solidFill>
                   <a:srgbClr val="E46C0A"/>
                 </a:solidFill>
               </a:rPr>
-              <a:t>Use synchronize explicitly </a:t>
-            </a:r>
-            <a:r>
-              <a:rPr lang="en-US" sz="2400" dirty="0"/>
-              <a:t>to lock the shared object within the threads code (@see Account example)</a:t>
-            </a:r>
-          </a:p>
-          <a:p>
-            <a:pPr lvl="1"/>
-            <a:r>
-              <a:rPr lang="en-US" sz="2400" dirty="0">
+              <a:t>thread-safe class </a:t>
+            </a:r>
+            <a:r>
+              <a:rPr lang="en-US" sz="2800" dirty="0"/>
+              <a:t>is class that is safe (works properly) when accessed by multiple threads. Critical sections (i.e., sections possibly generating race conditions) are encapsulated in </a:t>
+            </a:r>
+            <a:r>
+              <a:rPr lang="en-US" sz="2800" dirty="0">
                 <a:solidFill>
                   <a:srgbClr val="E46C0A"/>
                 </a:solidFill>
               </a:rPr>
-              <a:t>Use a thread-safe class as shared objects</a:t>
-            </a:r>
-            <a:r>
-              <a:rPr lang="en-US" sz="2400" dirty="0"/>
-              <a:t> (they use synchronized on their methods) (@see </a:t>
-            </a:r>
-            <a:r>
-              <a:rPr lang="en-US" sz="2400" dirty="0" err="1"/>
-              <a:t>GranularityExample</a:t>
-            </a:r>
-            <a:r>
-              <a:rPr lang="en-US" sz="2400" dirty="0"/>
-              <a:t>)</a:t>
-            </a:r>
-          </a:p>
-          <a:p>
-            <a:endParaRPr lang="en-US" sz="2800" dirty="0"/>
+              <a:t>synchronized methods</a:t>
+            </a:r>
+            <a:r>
+              <a:rPr lang="en-US" sz="2800" dirty="0"/>
+              <a:t>.</a:t>
+            </a:r>
+          </a:p>
+          <a:p>
+            <a:pPr lvl="1"/>
+            <a:r>
+              <a:rPr lang="en-US" dirty="0"/>
+              <a:t>Interface List: </a:t>
+            </a:r>
+            <a:r>
+              <a:rPr lang="en-US" dirty="0" err="1"/>
+              <a:t>ArrayList</a:t>
+            </a:r>
+            <a:r>
+              <a:rPr lang="en-US" dirty="0"/>
+              <a:t> (unsafe), </a:t>
+            </a:r>
+            <a:r>
+              <a:rPr lang="en-US" dirty="0">
+                <a:solidFill>
+                  <a:schemeClr val="accent6">
+                    <a:lumMod val="75000"/>
+                  </a:schemeClr>
+                </a:solidFill>
+              </a:rPr>
+              <a:t>Vector (safe)</a:t>
+            </a:r>
+          </a:p>
+          <a:p>
+            <a:pPr lvl="1"/>
+            <a:r>
+              <a:rPr lang="en-US" dirty="0"/>
+              <a:t>Interface Queue: LinkedList (unsafe), </a:t>
+            </a:r>
+            <a:r>
+              <a:rPr lang="en-US" dirty="0" err="1">
+                <a:solidFill>
+                  <a:schemeClr val="accent6">
+                    <a:lumMod val="75000"/>
+                  </a:schemeClr>
+                </a:solidFill>
+              </a:rPr>
+              <a:t>ConcurrentLinkedQueue</a:t>
+            </a:r>
+            <a:r>
+              <a:rPr lang="en-US" dirty="0">
+                <a:solidFill>
+                  <a:schemeClr val="accent6">
+                    <a:lumMod val="75000"/>
+                  </a:schemeClr>
+                </a:solidFill>
+              </a:rPr>
+              <a:t> (safe), </a:t>
+            </a:r>
+            <a:r>
+              <a:rPr lang="en-US" dirty="0" err="1">
+                <a:solidFill>
+                  <a:schemeClr val="accent6">
+                    <a:lumMod val="75000"/>
+                  </a:schemeClr>
+                </a:solidFill>
+              </a:rPr>
+              <a:t>ArrayBlockingQueue</a:t>
+            </a:r>
+            <a:r>
+              <a:rPr lang="en-US" dirty="0">
+                <a:solidFill>
+                  <a:schemeClr val="accent6">
+                    <a:lumMod val="75000"/>
+                  </a:schemeClr>
+                </a:solidFill>
+              </a:rPr>
+              <a:t> (safe)</a:t>
+            </a:r>
           </a:p>
         </p:txBody>
       </p:sp>
     </p:spTree>
     <p:extLst>
       <p:ext uri="{BB962C8B-B14F-4D97-AF65-F5344CB8AC3E}">
-        <p14:creationId xmlns:p14="http://schemas.microsoft.com/office/powerpoint/2010/main" val="3839336577"/>
+        <p14:creationId xmlns:p14="http://schemas.microsoft.com/office/powerpoint/2010/main" val="1326674409"/>
       </p:ext>
     </p:extLst>
   </p:cSld>
@@ -13788,14 +14005,16 @@
         </p:nvSpPr>
         <p:spPr/>
         <p:txBody>
-          <a:bodyPr>
-            <a:normAutofit/>
-          </a:bodyPr>
-          <a:lstStyle/>
-          <a:p>
-            <a:r>
-              <a:rPr lang="en-US" dirty="0"/>
-              <a:t>Thread-safe classes</a:t>
+          <a:bodyPr/>
+          <a:lstStyle/>
+          <a:p>
+            <a:r>
+              <a:rPr lang="en-US" dirty="0" err="1"/>
+              <a:t>Collections.synchronized</a:t>
+            </a:r>
+            <a:r>
+              <a:rPr lang="en-US" dirty="0"/>
+              <a:t>*</a:t>
             </a:r>
           </a:p>
         </p:txBody>
@@ -13813,117 +14032,235 @@
         <p:spPr/>
         <p:txBody>
           <a:bodyPr>
-            <a:normAutofit/>
+            <a:noAutofit/>
           </a:bodyPr>
           <a:lstStyle/>
           <a:p>
             <a:r>
-              <a:rPr lang="en-US" sz="2800" dirty="0"/>
-              <a:t>A </a:t>
-            </a:r>
-            <a:r>
-              <a:rPr lang="en-US" sz="2800" dirty="0">
-                <a:solidFill>
-                  <a:srgbClr val="E46C0A"/>
-                </a:solidFill>
-              </a:rPr>
-              <a:t>thread-safe class </a:t>
-            </a:r>
-            <a:r>
-              <a:rPr lang="en-US" sz="2800" dirty="0"/>
-              <a:t>is class that is safe (works properly) when accessed by multiple threads. Critical sections (i.e., sections possibly generating race conditions) are encapsulated in </a:t>
-            </a:r>
-            <a:r>
-              <a:rPr lang="en-US" sz="2800" dirty="0">
-                <a:solidFill>
-                  <a:srgbClr val="E46C0A"/>
-                </a:solidFill>
-              </a:rPr>
-              <a:t>synchronized methods</a:t>
-            </a:r>
-            <a:r>
-              <a:rPr lang="en-US" sz="2800" dirty="0"/>
-              <a:t>.</a:t>
-            </a:r>
-          </a:p>
-          <a:p>
-            <a:pPr lvl="1"/>
-            <a:r>
-              <a:rPr lang="en-US" dirty="0"/>
-              <a:t>Interface List: </a:t>
-            </a:r>
-            <a:r>
-              <a:rPr lang="en-US" dirty="0" err="1"/>
-              <a:t>ArrayList</a:t>
-            </a:r>
-            <a:r>
-              <a:rPr lang="en-US" dirty="0"/>
-              <a:t> (unsafe), </a:t>
-            </a:r>
-            <a:r>
-              <a:rPr lang="en-US" dirty="0">
+              <a:rPr lang="en-US" sz="2000" dirty="0"/>
+              <a:t>Return a synchronized (thread-safe) Collection/Map backed by the specified Collection/Map. In order to guarantee serial access, it is critical that all access to the backing Collection/Map is accomplished through the returned Collection/Map.</a:t>
+            </a:r>
+            <a:r>
+              <a:rPr lang="en-US" sz="2000" b="1" dirty="0"/>
+              <a:t> </a:t>
+            </a:r>
+          </a:p>
+          <a:p>
+            <a:r>
+              <a:rPr lang="en-US" sz="2000" dirty="0">
                 <a:solidFill>
                   <a:schemeClr val="accent6">
                     <a:lumMod val="75000"/>
                   </a:schemeClr>
                 </a:solidFill>
               </a:rPr>
-              <a:t>Vector (safe)</a:t>
-            </a:r>
-          </a:p>
-          <a:p>
-            <a:pPr lvl="1"/>
-            <a:r>
-              <a:rPr lang="en-US" dirty="0"/>
-              <a:t>Interface Queue: LinkedList (unsafe), </a:t>
-            </a:r>
-            <a:r>
-              <a:rPr lang="en-US" dirty="0" err="1">
+              <a:t>It is imperative that the user manually synchronize on the returned Collection/Map when iterating over it! </a:t>
+            </a:r>
+            <a:r>
+              <a:rPr lang="en-US" sz="2000" dirty="0">
                 <a:solidFill>
-                  <a:schemeClr val="accent6">
-                    <a:lumMod val="75000"/>
-                  </a:schemeClr>
+                  <a:srgbClr val="E46C0A"/>
                 </a:solidFill>
               </a:rPr>
-              <a:t>ConcurrentLinkedQueue</a:t>
-            </a:r>
-            <a:r>
-              <a:rPr lang="en-US" dirty="0">
-                <a:solidFill>
-                  <a:schemeClr val="accent6">
-                    <a:lumMod val="75000"/>
-                  </a:schemeClr>
-                </a:solidFill>
-              </a:rPr>
-              <a:t> (safe), </a:t>
-            </a:r>
-            <a:r>
-              <a:rPr lang="en-US" dirty="0" err="1">
-                <a:solidFill>
-                  <a:schemeClr val="accent6">
-                    <a:lumMod val="75000"/>
-                  </a:schemeClr>
-                </a:solidFill>
-              </a:rPr>
-              <a:t>ArrayBlockingQueue</a:t>
-            </a:r>
-            <a:r>
-              <a:rPr lang="en-US" dirty="0">
-                <a:solidFill>
-                  <a:schemeClr val="accent6">
-                    <a:lumMod val="75000"/>
-                  </a:schemeClr>
-                </a:solidFill>
-              </a:rPr>
-              <a:t> (safe)</a:t>
-            </a:r>
+              <a:t>Failure to follow this advice may result in non-deterministic behavior.</a:t>
+            </a:r>
+          </a:p>
+          <a:p>
+            <a:pPr marL="0" indent="0">
+              <a:buNone/>
+            </a:pPr>
+            <a:endParaRPr lang="en-US" sz="1800" b="1" dirty="0"/>
+          </a:p>
+          <a:p>
+            <a:pPr marL="0" indent="0">
+              <a:buNone/>
+            </a:pPr>
+            <a:r>
+              <a:rPr lang="en-US" sz="1600" dirty="0">
+                <a:latin typeface="Consolas" panose="020B0609020204030204" pitchFamily="49" charset="0"/>
+                <a:cs typeface="Consolas" panose="020B0609020204030204" pitchFamily="49" charset="0"/>
+              </a:rPr>
+              <a:t>List list = </a:t>
+            </a:r>
+            <a:r>
+              <a:rPr lang="en-US" sz="1600" dirty="0" err="1">
+                <a:latin typeface="Consolas" panose="020B0609020204030204" pitchFamily="49" charset="0"/>
+                <a:cs typeface="Consolas" panose="020B0609020204030204" pitchFamily="49" charset="0"/>
+              </a:rPr>
+              <a:t>Collections.synchronizedList</a:t>
+            </a:r>
+            <a:r>
+              <a:rPr lang="en-US" sz="1600" dirty="0">
+                <a:latin typeface="Consolas" panose="020B0609020204030204" pitchFamily="49" charset="0"/>
+                <a:cs typeface="Consolas" panose="020B0609020204030204" pitchFamily="49" charset="0"/>
+              </a:rPr>
+              <a:t>(new </a:t>
+            </a:r>
+            <a:r>
+              <a:rPr lang="en-US" sz="1600" dirty="0" err="1">
+                <a:latin typeface="Consolas" panose="020B0609020204030204" pitchFamily="49" charset="0"/>
+                <a:cs typeface="Consolas" panose="020B0609020204030204" pitchFamily="49" charset="0"/>
+              </a:rPr>
+              <a:t>ArrayList</a:t>
+            </a:r>
+            <a:r>
+              <a:rPr lang="en-US" sz="1600" dirty="0">
+                <a:latin typeface="Consolas" panose="020B0609020204030204" pitchFamily="49" charset="0"/>
+                <a:cs typeface="Consolas" panose="020B0609020204030204" pitchFamily="49" charset="0"/>
+              </a:rPr>
+              <a:t>());</a:t>
+            </a:r>
+          </a:p>
+          <a:p>
+            <a:pPr marL="0" indent="0">
+              <a:buNone/>
+            </a:pPr>
+            <a:r>
+              <a:rPr lang="en-US" sz="1600" dirty="0">
+                <a:latin typeface="Consolas" panose="020B0609020204030204" pitchFamily="49" charset="0"/>
+                <a:cs typeface="Consolas" panose="020B0609020204030204" pitchFamily="49" charset="0"/>
+              </a:rPr>
+              <a:t>      ...</a:t>
+            </a:r>
+          </a:p>
+          <a:p>
+            <a:pPr marL="0" indent="0">
+              <a:buNone/>
+            </a:pPr>
+            <a:r>
+              <a:rPr lang="en-US" sz="1600" dirty="0">
+                <a:latin typeface="Consolas" panose="020B0609020204030204" pitchFamily="49" charset="0"/>
+                <a:cs typeface="Consolas" panose="020B0609020204030204" pitchFamily="49" charset="0"/>
+              </a:rPr>
+              <a:t>synchronized (list) {</a:t>
+            </a:r>
+          </a:p>
+          <a:p>
+            <a:pPr marL="0" indent="0">
+              <a:buNone/>
+            </a:pPr>
+            <a:r>
+              <a:rPr lang="en-US" sz="1600" dirty="0">
+                <a:latin typeface="Consolas" panose="020B0609020204030204" pitchFamily="49" charset="0"/>
+                <a:cs typeface="Consolas" panose="020B0609020204030204" pitchFamily="49" charset="0"/>
+              </a:rPr>
+              <a:t>    Iterator </a:t>
+            </a:r>
+            <a:r>
+              <a:rPr lang="en-US" sz="1600" dirty="0" err="1">
+                <a:latin typeface="Consolas" panose="020B0609020204030204" pitchFamily="49" charset="0"/>
+                <a:cs typeface="Consolas" panose="020B0609020204030204" pitchFamily="49" charset="0"/>
+              </a:rPr>
+              <a:t>i</a:t>
+            </a:r>
+            <a:r>
+              <a:rPr lang="en-US" sz="1600" dirty="0">
+                <a:latin typeface="Consolas" panose="020B0609020204030204" pitchFamily="49" charset="0"/>
+                <a:cs typeface="Consolas" panose="020B0609020204030204" pitchFamily="49" charset="0"/>
+              </a:rPr>
+              <a:t> = </a:t>
+            </a:r>
+            <a:r>
+              <a:rPr lang="en-US" sz="1600" dirty="0" err="1">
+                <a:latin typeface="Consolas" panose="020B0609020204030204" pitchFamily="49" charset="0"/>
+                <a:cs typeface="Consolas" panose="020B0609020204030204" pitchFamily="49" charset="0"/>
+              </a:rPr>
+              <a:t>list.iterator</a:t>
+            </a:r>
+            <a:r>
+              <a:rPr lang="en-US" sz="1600" dirty="0">
+                <a:latin typeface="Consolas" panose="020B0609020204030204" pitchFamily="49" charset="0"/>
+                <a:cs typeface="Consolas" panose="020B0609020204030204" pitchFamily="49" charset="0"/>
+              </a:rPr>
+              <a:t>(); // Must be in synchronized block</a:t>
+            </a:r>
+          </a:p>
+          <a:p>
+            <a:pPr marL="0" indent="0">
+              <a:buNone/>
+            </a:pPr>
+            <a:r>
+              <a:rPr lang="en-US" sz="1600" dirty="0">
+                <a:latin typeface="Consolas" panose="020B0609020204030204" pitchFamily="49" charset="0"/>
+                <a:cs typeface="Consolas" panose="020B0609020204030204" pitchFamily="49" charset="0"/>
+              </a:rPr>
+              <a:t>    while (</a:t>
+            </a:r>
+            <a:r>
+              <a:rPr lang="en-US" sz="1600" dirty="0" err="1">
+                <a:latin typeface="Consolas" panose="020B0609020204030204" pitchFamily="49" charset="0"/>
+                <a:cs typeface="Consolas" panose="020B0609020204030204" pitchFamily="49" charset="0"/>
+              </a:rPr>
+              <a:t>i.hasNext</a:t>
+            </a:r>
+            <a:r>
+              <a:rPr lang="en-US" sz="1600" dirty="0">
+                <a:latin typeface="Consolas" panose="020B0609020204030204" pitchFamily="49" charset="0"/>
+                <a:cs typeface="Consolas" panose="020B0609020204030204" pitchFamily="49" charset="0"/>
+              </a:rPr>
+              <a:t>())</a:t>
+            </a:r>
+          </a:p>
+          <a:p>
+            <a:pPr marL="0" indent="0">
+              <a:buNone/>
+            </a:pPr>
+            <a:r>
+              <a:rPr lang="en-US" sz="1600" dirty="0">
+                <a:latin typeface="Consolas" panose="020B0609020204030204" pitchFamily="49" charset="0"/>
+                <a:cs typeface="Consolas" panose="020B0609020204030204" pitchFamily="49" charset="0"/>
+              </a:rPr>
+              <a:t>        foo(</a:t>
+            </a:r>
+            <a:r>
+              <a:rPr lang="en-US" sz="1600" dirty="0" err="1">
+                <a:latin typeface="Consolas" panose="020B0609020204030204" pitchFamily="49" charset="0"/>
+                <a:cs typeface="Consolas" panose="020B0609020204030204" pitchFamily="49" charset="0"/>
+              </a:rPr>
+              <a:t>i.next</a:t>
+            </a:r>
+            <a:r>
+              <a:rPr lang="en-US" sz="1600" dirty="0">
+                <a:latin typeface="Consolas" panose="020B0609020204030204" pitchFamily="49" charset="0"/>
+                <a:cs typeface="Consolas" panose="020B0609020204030204" pitchFamily="49" charset="0"/>
+              </a:rPr>
+              <a:t>());</a:t>
+            </a:r>
+          </a:p>
+          <a:p>
+            <a:pPr marL="0" indent="0">
+              <a:buNone/>
+            </a:pPr>
+            <a:r>
+              <a:rPr lang="en-US" sz="1600" dirty="0">
+                <a:latin typeface="Consolas" panose="020B0609020204030204" pitchFamily="49" charset="0"/>
+                <a:cs typeface="Consolas" panose="020B0609020204030204" pitchFamily="49" charset="0"/>
+              </a:rPr>
+              <a:t>}</a:t>
+            </a:r>
+          </a:p>
+          <a:p>
+            <a:pPr marL="0" indent="0">
+              <a:buNone/>
+            </a:pPr>
+            <a:endParaRPr lang="en-US" sz="1800" dirty="0">
+              <a:solidFill>
+                <a:srgbClr val="E46C0A"/>
+              </a:solidFill>
+            </a:endParaRPr>
+          </a:p>
+          <a:p>
+            <a:pPr marL="0" indent="0">
+              <a:buNone/>
+            </a:pPr>
+            <a:endParaRPr lang="en-US" sz="1800" dirty="0"/>
           </a:p>
         </p:txBody>
       </p:sp>
     </p:spTree>
     <p:extLst>
       <p:ext uri="{BB962C8B-B14F-4D97-AF65-F5344CB8AC3E}">
-        <p14:creationId xmlns:p14="http://schemas.microsoft.com/office/powerpoint/2010/main" val="1326674409"/>
+        <p14:creationId xmlns:p14="http://schemas.microsoft.com/office/powerpoint/2010/main" val="3458988110"/>
       </p:ext>
     </p:extLst>
   </p:cSld>
@@ -13962,16 +14299,14 @@
         </p:nvSpPr>
         <p:spPr/>
         <p:txBody>
-          <a:bodyPr/>
-          <a:lstStyle/>
-          <a:p>
-            <a:r>
-              <a:rPr lang="en-US" dirty="0" err="1"/>
-              <a:t>Collections.synchronized</a:t>
-            </a:r>
-            <a:r>
-              <a:rPr lang="en-US" dirty="0"/>
-              <a:t>*</a:t>
+          <a:bodyPr>
+            <a:normAutofit/>
+          </a:bodyPr>
+          <a:lstStyle/>
+          <a:p>
+            <a:r>
+              <a:rPr lang="en-US" dirty="0"/>
+              <a:t>Synchronization using Object</a:t>
             </a:r>
           </a:p>
         </p:txBody>
@@ -13989,235 +14324,40 @@
         <p:spPr/>
         <p:txBody>
           <a:bodyPr>
-            <a:noAutofit/>
+            <a:normAutofit/>
           </a:bodyPr>
           <a:lstStyle/>
           <a:p>
             <a:r>
-              <a:rPr lang="en-US" sz="2000" dirty="0"/>
-              <a:t>Return a synchronized (thread-safe) Collection/Map backed by the specified Collection/Map. In order to guarantee serial access, it is critical that all access to the backing Collection/Map is accomplished through the returned Collection/Map.</a:t>
-            </a:r>
-            <a:r>
-              <a:rPr lang="en-US" sz="2000" b="1" dirty="0"/>
-              <a:t> </a:t>
-            </a:r>
-          </a:p>
-          <a:p>
-            <a:r>
-              <a:rPr lang="en-US" sz="2000" dirty="0">
+              <a:rPr lang="en-US" sz="2800" dirty="0">
                 <a:solidFill>
                   <a:schemeClr val="accent6">
                     <a:lumMod val="75000"/>
                   </a:schemeClr>
                 </a:solidFill>
               </a:rPr>
-              <a:t>It is imperative that the user manually synchronize on the returned Collection/Map when iterating over it! </a:t>
-            </a:r>
-            <a:r>
-              <a:rPr lang="en-US" sz="2000" dirty="0">
-                <a:solidFill>
-                  <a:srgbClr val="E46C0A"/>
-                </a:solidFill>
-              </a:rPr>
-              <a:t>Failure to follow this advice may result in non-deterministic behavior.</a:t>
-            </a:r>
-          </a:p>
-          <a:p>
-            <a:pPr marL="0" indent="0">
-              <a:buNone/>
-            </a:pPr>
-            <a:endParaRPr lang="en-US" sz="1800" b="1" dirty="0"/>
-          </a:p>
-          <a:p>
-            <a:pPr marL="0" indent="0">
-              <a:buNone/>
-            </a:pPr>
-            <a:r>
-              <a:rPr lang="en-US" sz="1600" dirty="0">
-                <a:latin typeface="Consolas" panose="020B0609020204030204" pitchFamily="49" charset="0"/>
-                <a:cs typeface="Consolas" panose="020B0609020204030204" pitchFamily="49" charset="0"/>
-              </a:rPr>
-              <a:t>List list = </a:t>
-            </a:r>
-            <a:r>
-              <a:rPr lang="en-US" sz="1600" dirty="0" err="1">
-                <a:latin typeface="Consolas" panose="020B0609020204030204" pitchFamily="49" charset="0"/>
-                <a:cs typeface="Consolas" panose="020B0609020204030204" pitchFamily="49" charset="0"/>
-              </a:rPr>
-              <a:t>Collections.synchronizedList</a:t>
-            </a:r>
-            <a:r>
-              <a:rPr lang="en-US" sz="1600" dirty="0">
-                <a:latin typeface="Consolas" panose="020B0609020204030204" pitchFamily="49" charset="0"/>
-                <a:cs typeface="Consolas" panose="020B0609020204030204" pitchFamily="49" charset="0"/>
-              </a:rPr>
-              <a:t>(new </a:t>
-            </a:r>
-            <a:r>
-              <a:rPr lang="en-US" sz="1600" dirty="0" err="1">
-                <a:latin typeface="Consolas" panose="020B0609020204030204" pitchFamily="49" charset="0"/>
-                <a:cs typeface="Consolas" panose="020B0609020204030204" pitchFamily="49" charset="0"/>
-              </a:rPr>
-              <a:t>ArrayList</a:t>
-            </a:r>
-            <a:r>
-              <a:rPr lang="en-US" sz="1600" dirty="0">
-                <a:latin typeface="Consolas" panose="020B0609020204030204" pitchFamily="49" charset="0"/>
-                <a:cs typeface="Consolas" panose="020B0609020204030204" pitchFamily="49" charset="0"/>
-              </a:rPr>
-              <a:t>());</a:t>
-            </a:r>
-          </a:p>
-          <a:p>
-            <a:pPr marL="0" indent="0">
-              <a:buNone/>
-            </a:pPr>
-            <a:r>
-              <a:rPr lang="en-US" sz="1600" dirty="0">
-                <a:latin typeface="Consolas" panose="020B0609020204030204" pitchFamily="49" charset="0"/>
-                <a:cs typeface="Consolas" panose="020B0609020204030204" pitchFamily="49" charset="0"/>
-              </a:rPr>
-              <a:t>      ...</a:t>
-            </a:r>
-          </a:p>
-          <a:p>
-            <a:pPr marL="0" indent="0">
-              <a:buNone/>
-            </a:pPr>
-            <a:r>
-              <a:rPr lang="en-US" sz="1600" dirty="0">
-                <a:latin typeface="Consolas" panose="020B0609020204030204" pitchFamily="49" charset="0"/>
-                <a:cs typeface="Consolas" panose="020B0609020204030204" pitchFamily="49" charset="0"/>
-              </a:rPr>
-              <a:t>synchronized (list) {</a:t>
-            </a:r>
-          </a:p>
-          <a:p>
-            <a:pPr marL="0" indent="0">
-              <a:buNone/>
-            </a:pPr>
-            <a:r>
-              <a:rPr lang="en-US" sz="1600" dirty="0">
-                <a:latin typeface="Consolas" panose="020B0609020204030204" pitchFamily="49" charset="0"/>
-                <a:cs typeface="Consolas" panose="020B0609020204030204" pitchFamily="49" charset="0"/>
-              </a:rPr>
-              <a:t>    Iterator </a:t>
-            </a:r>
-            <a:r>
-              <a:rPr lang="en-US" sz="1600" dirty="0" err="1">
-                <a:latin typeface="Consolas" panose="020B0609020204030204" pitchFamily="49" charset="0"/>
-                <a:cs typeface="Consolas" panose="020B0609020204030204" pitchFamily="49" charset="0"/>
-              </a:rPr>
-              <a:t>i</a:t>
-            </a:r>
-            <a:r>
-              <a:rPr lang="en-US" sz="1600" dirty="0">
-                <a:latin typeface="Consolas" panose="020B0609020204030204" pitchFamily="49" charset="0"/>
-                <a:cs typeface="Consolas" panose="020B0609020204030204" pitchFamily="49" charset="0"/>
-              </a:rPr>
-              <a:t> = </a:t>
-            </a:r>
-            <a:r>
-              <a:rPr lang="en-US" sz="1600" dirty="0" err="1">
-                <a:latin typeface="Consolas" panose="020B0609020204030204" pitchFamily="49" charset="0"/>
-                <a:cs typeface="Consolas" panose="020B0609020204030204" pitchFamily="49" charset="0"/>
-              </a:rPr>
-              <a:t>list.iterator</a:t>
-            </a:r>
-            <a:r>
-              <a:rPr lang="en-US" sz="1600" dirty="0">
-                <a:latin typeface="Consolas" panose="020B0609020204030204" pitchFamily="49" charset="0"/>
-                <a:cs typeface="Consolas" panose="020B0609020204030204" pitchFamily="49" charset="0"/>
-              </a:rPr>
-              <a:t>(); // Must be in synchronized block</a:t>
-            </a:r>
-          </a:p>
-          <a:p>
-            <a:pPr marL="0" indent="0">
-              <a:buNone/>
-            </a:pPr>
-            <a:r>
-              <a:rPr lang="en-US" sz="1600" dirty="0">
-                <a:latin typeface="Consolas" panose="020B0609020204030204" pitchFamily="49" charset="0"/>
-                <a:cs typeface="Consolas" panose="020B0609020204030204" pitchFamily="49" charset="0"/>
-              </a:rPr>
-              <a:t>    while (</a:t>
-            </a:r>
-            <a:r>
-              <a:rPr lang="en-US" sz="1600" dirty="0" err="1">
-                <a:latin typeface="Consolas" panose="020B0609020204030204" pitchFamily="49" charset="0"/>
-                <a:cs typeface="Consolas" panose="020B0609020204030204" pitchFamily="49" charset="0"/>
-              </a:rPr>
-              <a:t>i.hasNext</a:t>
-            </a:r>
-            <a:r>
-              <a:rPr lang="en-US" sz="1600" dirty="0">
-                <a:latin typeface="Consolas" panose="020B0609020204030204" pitchFamily="49" charset="0"/>
-                <a:cs typeface="Consolas" panose="020B0609020204030204" pitchFamily="49" charset="0"/>
-              </a:rPr>
-              <a:t>())</a:t>
-            </a:r>
-          </a:p>
-          <a:p>
-            <a:pPr marL="0" indent="0">
-              <a:buNone/>
-            </a:pPr>
-            <a:r>
-              <a:rPr lang="en-US" sz="1600" dirty="0">
-                <a:latin typeface="Consolas" panose="020B0609020204030204" pitchFamily="49" charset="0"/>
-                <a:cs typeface="Consolas" panose="020B0609020204030204" pitchFamily="49" charset="0"/>
-              </a:rPr>
-              <a:t>        foo(</a:t>
-            </a:r>
-            <a:r>
-              <a:rPr lang="en-US" sz="1600" dirty="0" err="1">
-                <a:latin typeface="Consolas" panose="020B0609020204030204" pitchFamily="49" charset="0"/>
-                <a:cs typeface="Consolas" panose="020B0609020204030204" pitchFamily="49" charset="0"/>
-              </a:rPr>
-              <a:t>i.next</a:t>
-            </a:r>
-            <a:r>
-              <a:rPr lang="en-US" sz="1600" dirty="0">
-                <a:latin typeface="Consolas" panose="020B0609020204030204" pitchFamily="49" charset="0"/>
-                <a:cs typeface="Consolas" panose="020B0609020204030204" pitchFamily="49" charset="0"/>
-              </a:rPr>
-              <a:t>());</a:t>
-            </a:r>
-          </a:p>
-          <a:p>
-            <a:pPr marL="0" indent="0">
-              <a:buNone/>
-            </a:pPr>
-            <a:r>
-              <a:rPr lang="en-US" sz="1600" dirty="0">
-                <a:latin typeface="Consolas" panose="020B0609020204030204" pitchFamily="49" charset="0"/>
-                <a:cs typeface="Consolas" panose="020B0609020204030204" pitchFamily="49" charset="0"/>
-              </a:rPr>
-              <a:t>}</a:t>
-            </a:r>
-          </a:p>
-          <a:p>
-            <a:pPr marL="0" indent="0">
-              <a:buNone/>
-            </a:pPr>
-            <a:endParaRPr lang="en-US" sz="1800" dirty="0">
-              <a:solidFill>
-                <a:srgbClr val="E46C0A"/>
-              </a:solidFill>
-            </a:endParaRPr>
-          </a:p>
-          <a:p>
-            <a:pPr marL="0" indent="0">
-              <a:buNone/>
-            </a:pPr>
-            <a:endParaRPr lang="en-US" sz="1800" dirty="0"/>
+              <a:t>Threads might be able to acquire exclusive access a shared resource but still be unable to progress. </a:t>
+            </a:r>
+            <a:r>
+              <a:rPr lang="en-US" sz="2800" dirty="0"/>
+              <a:t>For example, a producer with a full queue, or a consumer with an empty queue</a:t>
+            </a:r>
+          </a:p>
+          <a:p>
+            <a:r>
+              <a:rPr lang="en-US" sz="2800" dirty="0"/>
+              <a:t>To avoid waste of computational resources we can use wait() and notify()</a:t>
+            </a:r>
+          </a:p>
+          <a:p>
+            <a:endParaRPr lang="en-US" sz="2800" dirty="0"/>
           </a:p>
         </p:txBody>
       </p:sp>
     </p:spTree>
     <p:extLst>
       <p:ext uri="{BB962C8B-B14F-4D97-AF65-F5344CB8AC3E}">
-        <p14:creationId xmlns:p14="http://schemas.microsoft.com/office/powerpoint/2010/main" val="3458988110"/>
+        <p14:creationId xmlns:p14="http://schemas.microsoft.com/office/powerpoint/2010/main" val="1460336637"/>
       </p:ext>
     </p:extLst>
   </p:cSld>
@@ -14256,14 +14396,12 @@
         </p:nvSpPr>
         <p:spPr/>
         <p:txBody>
-          <a:bodyPr>
-            <a:normAutofit/>
-          </a:bodyPr>
-          <a:lstStyle/>
-          <a:p>
-            <a:r>
-              <a:rPr lang="en-US" dirty="0"/>
-              <a:t>Synchronization using Object</a:t>
+          <a:bodyPr/>
+          <a:lstStyle/>
+          <a:p>
+            <a:r>
+              <a:rPr lang="en-US" dirty="0"/>
+              <a:t>wait()</a:t>
             </a:r>
           </a:p>
         </p:txBody>
@@ -14281,54 +14419,57 @@
         <p:spPr/>
         <p:txBody>
           <a:bodyPr>
-            <a:normAutofit/>
+            <a:normAutofit lnSpcReduction="10000"/>
           </a:bodyPr>
           <a:lstStyle/>
           <a:p>
             <a:r>
-              <a:rPr lang="en-US" sz="2600" dirty="0">
+              <a:rPr lang="en-US" dirty="0"/>
+              <a:t>wait() is an instance method that’s used for thread synchronization. It can be called on any object, as it’s defined in </a:t>
+            </a:r>
+            <a:r>
+              <a:rPr lang="en-US" dirty="0" err="1"/>
+              <a:t>java.lang.Object</a:t>
+            </a:r>
+            <a:endParaRPr lang="en-US" dirty="0"/>
+          </a:p>
+          <a:p>
+            <a:r>
+              <a:rPr lang="en-US" dirty="0">
                 <a:solidFill>
-                  <a:schemeClr val="accent6">
-                    <a:lumMod val="75000"/>
-                  </a:schemeClr>
+                  <a:srgbClr val="E46C0A"/>
                 </a:solidFill>
               </a:rPr>
-              <a:t>Threads might be able to acquire exclusive access a shared resource but still be unable to progress. </a:t>
-            </a:r>
-            <a:r>
-              <a:rPr lang="en-US" sz="2600" dirty="0"/>
-              <a:t>For example, a producer with a full queue, a consumer with an empty queue</a:t>
-            </a:r>
-          </a:p>
-          <a:p>
-            <a:r>
-              <a:rPr lang="en-US" sz="2600" dirty="0"/>
-              <a:t>To avoid waste of computational resources we can use:</a:t>
-            </a:r>
-          </a:p>
-          <a:p>
-            <a:pPr lvl="1"/>
-            <a:r>
-              <a:rPr lang="en-US" sz="2600" dirty="0"/>
-              <a:t>yield()</a:t>
-            </a:r>
-          </a:p>
-          <a:p>
-            <a:pPr lvl="1"/>
-            <a:r>
-              <a:rPr lang="en-US" sz="2600" dirty="0"/>
-              <a:t>wait()/notify()</a:t>
-            </a:r>
-          </a:p>
-          <a:p>
-            <a:endParaRPr lang="en-US" sz="2600" dirty="0"/>
+              <a:t>wait() can only be called from a synchronized block. It releases the lock on the object so that another thread can jump in and acquire a lock.</a:t>
+            </a:r>
+          </a:p>
+          <a:p>
+            <a:r>
+              <a:rPr lang="en-US" dirty="0"/>
+              <a:t>Simply put, wait() method lets a thread say:</a:t>
+            </a:r>
+          </a:p>
+          <a:p>
+            <a:pPr marL="0" indent="0">
+              <a:buNone/>
+            </a:pPr>
+            <a:r>
+              <a:rPr lang="en-US" i="1" dirty="0"/>
+              <a:t>“There's nothing for me to do now, so put me in the waiting pool and notify me when something happens that I care about.”</a:t>
+            </a:r>
+          </a:p>
+          <a:p>
+            <a:endParaRPr lang="en-US" dirty="0"/>
+          </a:p>
+          <a:p>
+            <a:endParaRPr lang="en-US" dirty="0"/>
           </a:p>
         </p:txBody>
       </p:sp>
     </p:spTree>
     <p:extLst>
       <p:ext uri="{BB962C8B-B14F-4D97-AF65-F5344CB8AC3E}">
-        <p14:creationId xmlns:p14="http://schemas.microsoft.com/office/powerpoint/2010/main" val="1460336637"/>
+        <p14:creationId xmlns:p14="http://schemas.microsoft.com/office/powerpoint/2010/main" val="3701508365"/>
       </p:ext>
     </p:extLst>
   </p:cSld>
@@ -14367,12 +14508,14 @@
         </p:nvSpPr>
         <p:spPr/>
         <p:txBody>
-          <a:bodyPr/>
-          <a:lstStyle/>
-          <a:p>
-            <a:r>
-              <a:rPr lang="en-US" dirty="0"/>
-              <a:t>yield()</a:t>
+          <a:bodyPr>
+            <a:normAutofit/>
+          </a:bodyPr>
+          <a:lstStyle/>
+          <a:p>
+            <a:r>
+              <a:rPr lang="en-US" dirty="0"/>
+              <a:t>notify()</a:t>
             </a:r>
           </a:p>
         </p:txBody>
@@ -14384,73 +14527,112 @@
             <a:spLocks noGrp="1"/>
           </p:cNvSpPr>
           <p:nvPr>
-            <p:ph sz="half" idx="1"/>
+            <p:ph idx="1"/>
           </p:nvPr>
         </p:nvSpPr>
         <p:spPr/>
         <p:txBody>
           <a:bodyPr>
-            <a:normAutofit/>
+            <a:normAutofit fontScale="92500" lnSpcReduction="10000"/>
           </a:bodyPr>
           <a:lstStyle/>
           <a:p>
+            <a:r>
+              <a:rPr lang="en-US" dirty="0"/>
+              <a:t>The </a:t>
+            </a:r>
             <a:r>
               <a:rPr lang="en-US" dirty="0">
                 <a:solidFill>
-                  <a:srgbClr val="E46C0A"/>
+                  <a:schemeClr val="accent6">
+                    <a:lumMod val="75000"/>
+                  </a:schemeClr>
                 </a:solidFill>
               </a:rPr>
-              <a:t>The method yield() make the currently running thread back to Runnable state</a:t>
-            </a:r>
-          </a:p>
-          <a:p>
-            <a:pPr lvl="1"/>
-            <a:r>
-              <a:rPr lang="en-US" dirty="0"/>
-              <a:t>It allows other threads to get their turn</a:t>
-            </a:r>
-          </a:p>
-          <a:p>
-            <a:pPr lvl="1"/>
-            <a:r>
-              <a:rPr lang="en-US" dirty="0"/>
-              <a:t>However, it might have no effect at all. In fact, there's no guarantee the yielding thread won't be scheduled again for execution. </a:t>
+              <a:t>notify() </a:t>
+            </a:r>
+            <a:r>
+              <a:rPr lang="en-US" dirty="0"/>
+              <a:t>method send a signal to one of the threads that are waiting in the same object's waiting pool.</a:t>
+            </a:r>
+          </a:p>
+          <a:p>
+            <a:r>
+              <a:rPr lang="en-US" dirty="0"/>
+              <a:t>The </a:t>
+            </a:r>
+            <a:r>
+              <a:rPr lang="en-US" dirty="0">
+                <a:solidFill>
+                  <a:schemeClr val="accent6">
+                    <a:lumMod val="75000"/>
+                  </a:schemeClr>
+                </a:solidFill>
+              </a:rPr>
+              <a:t>notify() </a:t>
+            </a:r>
+            <a:r>
+              <a:rPr lang="en-US" dirty="0"/>
+              <a:t>method CANNOT specify which waiting thread to notify.</a:t>
+            </a:r>
+          </a:p>
+          <a:p>
+            <a:r>
+              <a:rPr lang="en-US" dirty="0"/>
+              <a:t>The method </a:t>
+            </a:r>
+            <a:r>
+              <a:rPr lang="en-US" dirty="0" err="1">
+                <a:solidFill>
+                  <a:schemeClr val="accent6">
+                    <a:lumMod val="75000"/>
+                  </a:schemeClr>
+                </a:solidFill>
+              </a:rPr>
+              <a:t>notifyAll</a:t>
+            </a:r>
+            <a:r>
+              <a:rPr lang="en-US" dirty="0">
+                <a:solidFill>
+                  <a:schemeClr val="accent6">
+                    <a:lumMod val="75000"/>
+                  </a:schemeClr>
+                </a:solidFill>
+              </a:rPr>
+              <a:t>() </a:t>
+            </a:r>
+            <a:r>
+              <a:rPr lang="en-US" dirty="0"/>
+              <a:t>is similar but sends a signal to all the threads waiting on the object.</a:t>
+            </a:r>
+          </a:p>
+          <a:p>
+            <a:r>
+              <a:rPr lang="en-US" dirty="0"/>
+              <a:t>Simply put, notify() method lets a thread say:</a:t>
+            </a:r>
+          </a:p>
+          <a:p>
+            <a:pPr marL="0" indent="0">
+              <a:buNone/>
+            </a:pPr>
+            <a:r>
+              <a:rPr lang="en-US" i="1" dirty="0"/>
+              <a:t>“Something has changed here. Feel free to continue what you were trying to do”</a:t>
             </a:r>
           </a:p>
           <a:p>
             <a:endParaRPr lang="en-US" dirty="0"/>
           </a:p>
-        </p:txBody>
-      </p:sp>
-      <p:pic>
-        <p:nvPicPr>
-          <p:cNvPr id="5" name="Content Placeholder 4" descr="thread-yield.jpg"/>
-          <p:cNvPicPr>
-            <a:picLocks noGrp="1" noChangeAspect="1"/>
-          </p:cNvPicPr>
-          <p:nvPr>
-            <p:ph sz="half" idx="2"/>
-          </p:nvPr>
-        </p:nvPicPr>
-        <p:blipFill>
-          <a:blip r:embed="rId2">
-            <a:extLst>
-              <a:ext uri="{28A0092B-C50C-407E-A947-70E740481C1C}">
-                <a14:useLocalDpi xmlns:a14="http://schemas.microsoft.com/office/drawing/2010/main" val="0"/>
-              </a:ext>
-            </a:extLst>
-          </a:blip>
-          <a:srcRect t="-2726" b="-2726"/>
-          <a:stretch>
-            <a:fillRect/>
-          </a:stretch>
-        </p:blipFill>
-        <p:spPr/>
-      </p:pic>
+          <a:p>
+            <a:endParaRPr lang="en-US" dirty="0"/>
+          </a:p>
+        </p:txBody>
+      </p:sp>
     </p:spTree>
     <p:extLst>
       <p:ext uri="{BB962C8B-B14F-4D97-AF65-F5344CB8AC3E}">
-        <p14:creationId xmlns:p14="http://schemas.microsoft.com/office/powerpoint/2010/main" val="1611145754"/>
+        <p14:creationId xmlns:p14="http://schemas.microsoft.com/office/powerpoint/2010/main" val="2182052484"/>
       </p:ext>
     </p:extLst>
   </p:cSld>
@@ -14494,7 +14676,7 @@
           <a:p>
             <a:r>
               <a:rPr lang="en-US" dirty="0"/>
-              <a:t>wait()</a:t>
+              <a:t>Thread issues</a:t>
             </a:r>
           </a:p>
         </p:txBody>
@@ -14511,64 +14693,45 @@
         </p:nvSpPr>
         <p:spPr/>
         <p:txBody>
-          <a:bodyPr>
-            <a:normAutofit fontScale="92500" lnSpcReduction="10000"/>
-          </a:bodyPr>
-          <a:lstStyle/>
-          <a:p>
-            <a:r>
-              <a:rPr lang="en-US" dirty="0"/>
-              <a:t>wait() is an instance method that’s used for thread synchronization.</a:t>
-            </a:r>
-          </a:p>
-          <a:p>
-            <a:r>
-              <a:rPr lang="en-US" dirty="0"/>
-              <a:t>wait() can be called on any object, as it’s defined right on </a:t>
-            </a:r>
+          <a:bodyPr/>
+          <a:lstStyle/>
+          <a:p>
+            <a:r>
+              <a:rPr lang="en-US" dirty="0"/>
+              <a:t>If code is correctly synchronized, it still might not work. The main issues are:</a:t>
+            </a:r>
+          </a:p>
+          <a:p>
+            <a:pPr lvl="1"/>
+            <a:r>
+              <a:rPr lang="en-US" dirty="0"/>
+              <a:t>Deadlock (indefinite wait)</a:t>
+            </a:r>
+          </a:p>
+          <a:p>
+            <a:pPr lvl="1"/>
             <a:r>
               <a:rPr lang="en-US" dirty="0" err="1"/>
-              <a:t>java.lang.Object</a:t>
-            </a:r>
-            <a:endParaRPr lang="en-US" dirty="0"/>
-          </a:p>
-          <a:p>
-            <a:r>
-              <a:rPr lang="en-US" dirty="0">
-                <a:solidFill>
-                  <a:srgbClr val="E46C0A"/>
-                </a:solidFill>
-              </a:rPr>
-              <a:t>wait() can only be called from a synchronized block. It releases the lock on the object so that another thread can jump in and acquire a lock.</a:t>
-            </a:r>
-          </a:p>
-          <a:p>
-            <a:r>
-              <a:rPr lang="en-US" dirty="0"/>
-              <a:t>Simply put, wait() method lets a thread say:</a:t>
-            </a:r>
-          </a:p>
-          <a:p>
-            <a:pPr marL="0" indent="0">
-              <a:buNone/>
-            </a:pPr>
-            <a:r>
-              <a:rPr lang="en-US" i="1" dirty="0"/>
-              <a:t>“There's nothing for me to do now, so put me in the waiting pool and notify me when something happens that I care about.”</a:t>
-            </a:r>
-          </a:p>
-          <a:p>
-            <a:endParaRPr lang="en-US" dirty="0"/>
-          </a:p>
-          <a:p>
-            <a:endParaRPr lang="en-US" dirty="0"/>
+              <a:t>Livelock</a:t>
+            </a:r>
+            <a:r>
+              <a:rPr lang="en-US" dirty="0"/>
+              <a:t> (threads running but no work gets done)</a:t>
+            </a:r>
+          </a:p>
+          <a:p>
+            <a:pPr lvl="1"/>
+            <a:r>
+              <a:rPr lang="en-US" dirty="0"/>
+              <a:t>Starvation (thread never executes)</a:t>
+            </a:r>
           </a:p>
         </p:txBody>
       </p:sp>
     </p:spTree>
     <p:extLst>
       <p:ext uri="{BB962C8B-B14F-4D97-AF65-F5344CB8AC3E}">
-        <p14:creationId xmlns:p14="http://schemas.microsoft.com/office/powerpoint/2010/main" val="3701508365"/>
+        <p14:creationId xmlns:p14="http://schemas.microsoft.com/office/powerpoint/2010/main" val="1241429327"/>
       </p:ext>
     </p:extLst>
   </p:cSld>
@@ -14607,268 +14770,6 @@
         </p:nvSpPr>
         <p:spPr/>
         <p:txBody>
-          <a:bodyPr>
-            <a:normAutofit/>
-          </a:bodyPr>
-          <a:lstStyle/>
-          <a:p>
-            <a:r>
-              <a:rPr lang="en-US" dirty="0"/>
-              <a:t>notify()</a:t>
-            </a:r>
-          </a:p>
-        </p:txBody>
-      </p:sp>
-      <p:sp>
-        <p:nvSpPr>
-          <p:cNvPr id="3" name="Content Placeholder 2"/>
-          <p:cNvSpPr>
-            <a:spLocks noGrp="1"/>
-          </p:cNvSpPr>
-          <p:nvPr>
-            <p:ph idx="1"/>
-          </p:nvPr>
-        </p:nvSpPr>
-        <p:spPr/>
-        <p:txBody>
-          <a:bodyPr>
-            <a:normAutofit fontScale="92500" lnSpcReduction="10000"/>
-          </a:bodyPr>
-          <a:lstStyle/>
-          <a:p>
-            <a:r>
-              <a:rPr lang="en-US" dirty="0"/>
-              <a:t>The </a:t>
-            </a:r>
-            <a:r>
-              <a:rPr lang="en-US" dirty="0">
-                <a:solidFill>
-                  <a:schemeClr val="accent6">
-                    <a:lumMod val="75000"/>
-                  </a:schemeClr>
-                </a:solidFill>
-              </a:rPr>
-              <a:t>notify() </a:t>
-            </a:r>
-            <a:r>
-              <a:rPr lang="en-US" dirty="0"/>
-              <a:t>method send a signal to one of the threads that are waiting in the same object's waiting pool.</a:t>
-            </a:r>
-          </a:p>
-          <a:p>
-            <a:r>
-              <a:rPr lang="en-US" dirty="0"/>
-              <a:t>The </a:t>
-            </a:r>
-            <a:r>
-              <a:rPr lang="en-US" dirty="0">
-                <a:solidFill>
-                  <a:schemeClr val="accent6">
-                    <a:lumMod val="75000"/>
-                  </a:schemeClr>
-                </a:solidFill>
-              </a:rPr>
-              <a:t>notify() </a:t>
-            </a:r>
-            <a:r>
-              <a:rPr lang="en-US" dirty="0"/>
-              <a:t>method CANNOT specify which waiting thread to notify.</a:t>
-            </a:r>
-          </a:p>
-          <a:p>
-            <a:r>
-              <a:rPr lang="en-US" dirty="0"/>
-              <a:t>The method </a:t>
-            </a:r>
-            <a:r>
-              <a:rPr lang="en-US" dirty="0" err="1">
-                <a:solidFill>
-                  <a:schemeClr val="accent6">
-                    <a:lumMod val="75000"/>
-                  </a:schemeClr>
-                </a:solidFill>
-              </a:rPr>
-              <a:t>notifyAll</a:t>
-            </a:r>
-            <a:r>
-              <a:rPr lang="en-US" dirty="0">
-                <a:solidFill>
-                  <a:schemeClr val="accent6">
-                    <a:lumMod val="75000"/>
-                  </a:schemeClr>
-                </a:solidFill>
-              </a:rPr>
-              <a:t>() </a:t>
-            </a:r>
-            <a:r>
-              <a:rPr lang="en-US" dirty="0"/>
-              <a:t>is similar but sends a signal to all the threads waiting on the object.</a:t>
-            </a:r>
-          </a:p>
-          <a:p>
-            <a:r>
-              <a:rPr lang="en-US" dirty="0"/>
-              <a:t>Simply put, notify() method lets a thread say:</a:t>
-            </a:r>
-          </a:p>
-          <a:p>
-            <a:pPr marL="0" indent="0">
-              <a:buNone/>
-            </a:pPr>
-            <a:r>
-              <a:rPr lang="en-US" i="1" dirty="0"/>
-              <a:t>“Something has changed here. Feel free to continue what you were trying to do”</a:t>
-            </a:r>
-          </a:p>
-          <a:p>
-            <a:endParaRPr lang="en-US" dirty="0"/>
-          </a:p>
-          <a:p>
-            <a:endParaRPr lang="en-US" dirty="0"/>
-          </a:p>
-        </p:txBody>
-      </p:sp>
-    </p:spTree>
-    <p:extLst>
-      <p:ext uri="{BB962C8B-B14F-4D97-AF65-F5344CB8AC3E}">
-        <p14:creationId xmlns:p14="http://schemas.microsoft.com/office/powerpoint/2010/main" val="2182052484"/>
-      </p:ext>
-    </p:extLst>
-  </p:cSld>
-  <p:clrMapOvr>
-    <a:masterClrMapping/>
-  </p:clrMapOvr>
-</p:sld>
-</file>
-
-<file path=ppt/slides/slide58.xml><?xml version="1.0" encoding="utf-8"?>
-<p:sld xmlns:a="http://schemas.openxmlformats.org/drawingml/2006/main" xmlns:r="http://schemas.openxmlformats.org/officeDocument/2006/relationships" xmlns:p="http://schemas.openxmlformats.org/presentationml/2006/main">
-  <p:cSld>
-    <p:spTree>
-      <p:nvGrpSpPr>
-        <p:cNvPr id="1" name=""/>
-        <p:cNvGrpSpPr/>
-        <p:nvPr/>
-      </p:nvGrpSpPr>
-      <p:grpSpPr>
-        <a:xfrm>
-          <a:off x="0" y="0"/>
-          <a:ext cx="0" cy="0"/>
-          <a:chOff x="0" y="0"/>
-          <a:chExt cx="0" cy="0"/>
-        </a:xfrm>
-      </p:grpSpPr>
-      <p:sp>
-        <p:nvSpPr>
-          <p:cNvPr id="2" name="Title 1"/>
-          <p:cNvSpPr>
-            <a:spLocks noGrp="1"/>
-          </p:cNvSpPr>
-          <p:nvPr>
-            <p:ph type="title"/>
-          </p:nvPr>
-        </p:nvSpPr>
-        <p:spPr/>
-        <p:txBody>
-          <a:bodyPr/>
-          <a:lstStyle/>
-          <a:p>
-            <a:r>
-              <a:rPr lang="en-US" dirty="0"/>
-              <a:t>Thread issues</a:t>
-            </a:r>
-          </a:p>
-        </p:txBody>
-      </p:sp>
-      <p:sp>
-        <p:nvSpPr>
-          <p:cNvPr id="3" name="Content Placeholder 2"/>
-          <p:cNvSpPr>
-            <a:spLocks noGrp="1"/>
-          </p:cNvSpPr>
-          <p:nvPr>
-            <p:ph idx="1"/>
-          </p:nvPr>
-        </p:nvSpPr>
-        <p:spPr/>
-        <p:txBody>
-          <a:bodyPr/>
-          <a:lstStyle/>
-          <a:p>
-            <a:r>
-              <a:rPr lang="en-US" dirty="0"/>
-              <a:t>If code is correctly synchronized, it still might not work. The main issues are:</a:t>
-            </a:r>
-          </a:p>
-          <a:p>
-            <a:pPr lvl="1"/>
-            <a:r>
-              <a:rPr lang="en-US" dirty="0"/>
-              <a:t>Deadlock (indefinite wait)</a:t>
-            </a:r>
-          </a:p>
-          <a:p>
-            <a:pPr lvl="1"/>
-            <a:r>
-              <a:rPr lang="en-US" dirty="0" err="1"/>
-              <a:t>Livelock</a:t>
-            </a:r>
-            <a:r>
-              <a:rPr lang="en-US" dirty="0"/>
-              <a:t> (threads running but no work gets done)</a:t>
-            </a:r>
-          </a:p>
-          <a:p>
-            <a:pPr lvl="1"/>
-            <a:r>
-              <a:rPr lang="en-US" dirty="0"/>
-              <a:t>Starvation (thread never executes)</a:t>
-            </a:r>
-          </a:p>
-        </p:txBody>
-      </p:sp>
-    </p:spTree>
-    <p:extLst>
-      <p:ext uri="{BB962C8B-B14F-4D97-AF65-F5344CB8AC3E}">
-        <p14:creationId xmlns:p14="http://schemas.microsoft.com/office/powerpoint/2010/main" val="1241429327"/>
-      </p:ext>
-    </p:extLst>
-  </p:cSld>
-  <p:clrMapOvr>
-    <a:masterClrMapping/>
-  </p:clrMapOvr>
-</p:sld>
-</file>
-
-<file path=ppt/slides/slide59.xml><?xml version="1.0" encoding="utf-8"?>
-<p:sld xmlns:a="http://schemas.openxmlformats.org/drawingml/2006/main" xmlns:r="http://schemas.openxmlformats.org/officeDocument/2006/relationships" xmlns:p="http://schemas.openxmlformats.org/presentationml/2006/main">
-  <p:cSld>
-    <p:spTree>
-      <p:nvGrpSpPr>
-        <p:cNvPr id="1" name=""/>
-        <p:cNvGrpSpPr/>
-        <p:nvPr/>
-      </p:nvGrpSpPr>
-      <p:grpSpPr>
-        <a:xfrm>
-          <a:off x="0" y="0"/>
-          <a:ext cx="0" cy="0"/>
-          <a:chOff x="0" y="0"/>
-          <a:chExt cx="0" cy="0"/>
-        </a:xfrm>
-      </p:grpSpPr>
-      <p:sp>
-        <p:nvSpPr>
-          <p:cNvPr id="2" name="Title 1"/>
-          <p:cNvSpPr>
-            <a:spLocks noGrp="1"/>
-          </p:cNvSpPr>
-          <p:nvPr>
-            <p:ph type="title"/>
-          </p:nvPr>
-        </p:nvSpPr>
-        <p:spPr/>
-        <p:txBody>
           <a:bodyPr/>
           <a:lstStyle/>
           <a:p>
@@ -14952,122 +14853,7 @@
 </p:sld>
 </file>
 
-<file path=ppt/slides/slide6.xml><?xml version="1.0" encoding="utf-8"?>
-<p:sld xmlns:a="http://schemas.openxmlformats.org/drawingml/2006/main" xmlns:r="http://schemas.openxmlformats.org/officeDocument/2006/relationships" xmlns:p="http://schemas.openxmlformats.org/presentationml/2006/main">
-  <p:cSld>
-    <p:spTree>
-      <p:nvGrpSpPr>
-        <p:cNvPr id="1" name=""/>
-        <p:cNvGrpSpPr/>
-        <p:nvPr/>
-      </p:nvGrpSpPr>
-      <p:grpSpPr>
-        <a:xfrm>
-          <a:off x="0" y="0"/>
-          <a:ext cx="0" cy="0"/>
-          <a:chOff x="0" y="0"/>
-          <a:chExt cx="0" cy="0"/>
-        </a:xfrm>
-      </p:grpSpPr>
-      <p:sp>
-        <p:nvSpPr>
-          <p:cNvPr id="2" name="Title 1"/>
-          <p:cNvSpPr>
-            <a:spLocks noGrp="1"/>
-          </p:cNvSpPr>
-          <p:nvPr>
-            <p:ph type="title"/>
-          </p:nvPr>
-        </p:nvSpPr>
-        <p:spPr/>
-        <p:txBody>
-          <a:bodyPr/>
-          <a:lstStyle/>
-          <a:p>
-            <a:r>
-              <a:rPr lang="en-US" dirty="0"/>
-              <a:t>Why threads ?</a:t>
-            </a:r>
-          </a:p>
-        </p:txBody>
-      </p:sp>
-      <p:sp>
-        <p:nvSpPr>
-          <p:cNvPr id="3" name="Content Placeholder 2"/>
-          <p:cNvSpPr>
-            <a:spLocks noGrp="1"/>
-          </p:cNvSpPr>
-          <p:nvPr>
-            <p:ph idx="1"/>
-          </p:nvPr>
-        </p:nvSpPr>
-        <p:spPr/>
-        <p:txBody>
-          <a:bodyPr>
-            <a:normAutofit/>
-          </a:bodyPr>
-          <a:lstStyle/>
-          <a:p>
-            <a:r>
-              <a:rPr lang="en-US" dirty="0"/>
-              <a:t>There are many reasons to use threads in your Java programs. If you use Android, Swing, JavaFX, Servlets, RMI, JavaBeans (EJB) you may already be using threads without realizing it. </a:t>
-            </a:r>
-          </a:p>
-          <a:p>
-            <a:r>
-              <a:rPr lang="en-US" dirty="0"/>
-              <a:t>Main reasons for using threads:</a:t>
-            </a:r>
-          </a:p>
-          <a:p>
-            <a:pPr lvl="1"/>
-            <a:r>
-              <a:rPr lang="en-US" dirty="0">
-                <a:solidFill>
-                  <a:srgbClr val="E46C0A"/>
-                </a:solidFill>
-              </a:rPr>
-              <a:t>make the UI responsive</a:t>
-            </a:r>
-          </a:p>
-          <a:p>
-            <a:pPr lvl="1"/>
-            <a:r>
-              <a:rPr lang="en-US" dirty="0">
-                <a:solidFill>
-                  <a:srgbClr val="E46C0A"/>
-                </a:solidFill>
-              </a:rPr>
-              <a:t>perform asynchronous operations or background processing</a:t>
-            </a:r>
-          </a:p>
-          <a:p>
-            <a:pPr lvl="1"/>
-            <a:r>
-              <a:rPr lang="en-US" dirty="0">
-                <a:solidFill>
-                  <a:srgbClr val="E46C0A"/>
-                </a:solidFill>
-              </a:rPr>
-              <a:t>take advantage of multiprocessor systems</a:t>
-            </a:r>
-          </a:p>
-        </p:txBody>
-      </p:sp>
-    </p:spTree>
-    <p:extLst>
-      <p:ext uri="{BB962C8B-B14F-4D97-AF65-F5344CB8AC3E}">
-        <p14:creationId xmlns:p14="http://schemas.microsoft.com/office/powerpoint/2010/main" val="3666476076"/>
-      </p:ext>
-    </p:extLst>
-  </p:cSld>
-  <p:clrMapOvr>
-    <a:masterClrMapping/>
-  </p:clrMapOvr>
-</p:sld>
-</file>
-
-<file path=ppt/slides/slide60.xml><?xml version="1.0" encoding="utf-8"?>
+<file path=ppt/slides/slide58.xml><?xml version="1.0" encoding="utf-8"?>
 <p:sld xmlns:a="http://schemas.openxmlformats.org/drawingml/2006/main" xmlns:r="http://schemas.openxmlformats.org/officeDocument/2006/relationships" xmlns:p="http://schemas.openxmlformats.org/presentationml/2006/main">
   <p:cSld>
     <p:spTree>
@@ -15149,7 +14935,7 @@
 </p:sld>
 </file>
 
-<file path=ppt/slides/slide61.xml><?xml version="1.0" encoding="utf-8"?>
+<file path=ppt/slides/slide59.xml><?xml version="1.0" encoding="utf-8"?>
 <p:sld xmlns:a="http://schemas.openxmlformats.org/drawingml/2006/main" xmlns:r="http://schemas.openxmlformats.org/officeDocument/2006/relationships" xmlns:p="http://schemas.openxmlformats.org/presentationml/2006/main">
   <p:cSld>
     <p:spTree>
@@ -15260,7 +15046,7 @@
 </p:sld>
 </file>
 
-<file path=ppt/slides/slide62.xml><?xml version="1.0" encoding="utf-8"?>
+<file path=ppt/slides/slide6.xml><?xml version="1.0" encoding="utf-8"?>
 <p:sld xmlns:a="http://schemas.openxmlformats.org/drawingml/2006/main" xmlns:r="http://schemas.openxmlformats.org/officeDocument/2006/relationships" xmlns:p="http://schemas.openxmlformats.org/presentationml/2006/main">
   <p:cSld>
     <p:spTree>
@@ -15289,6 +15075,121 @@
         </p:nvSpPr>
         <p:spPr/>
         <p:txBody>
+          <a:bodyPr/>
+          <a:lstStyle/>
+          <a:p>
+            <a:r>
+              <a:rPr lang="en-US" dirty="0"/>
+              <a:t>Why threads ?</a:t>
+            </a:r>
+          </a:p>
+        </p:txBody>
+      </p:sp>
+      <p:sp>
+        <p:nvSpPr>
+          <p:cNvPr id="3" name="Content Placeholder 2"/>
+          <p:cNvSpPr>
+            <a:spLocks noGrp="1"/>
+          </p:cNvSpPr>
+          <p:nvPr>
+            <p:ph idx="1"/>
+          </p:nvPr>
+        </p:nvSpPr>
+        <p:spPr/>
+        <p:txBody>
+          <a:bodyPr>
+            <a:normAutofit/>
+          </a:bodyPr>
+          <a:lstStyle/>
+          <a:p>
+            <a:r>
+              <a:rPr lang="en-US" dirty="0"/>
+              <a:t>There are many reasons to use threads in your Java programs. If you use Android, Swing, JavaFX, Servlets, RMI you may already be using threads without realizing it. </a:t>
+            </a:r>
+          </a:p>
+          <a:p>
+            <a:r>
+              <a:rPr lang="en-US" dirty="0"/>
+              <a:t>Main reasons for using threads:</a:t>
+            </a:r>
+          </a:p>
+          <a:p>
+            <a:pPr lvl="1"/>
+            <a:r>
+              <a:rPr lang="en-US" dirty="0">
+                <a:solidFill>
+                  <a:srgbClr val="E46C0A"/>
+                </a:solidFill>
+              </a:rPr>
+              <a:t>make the UI responsive</a:t>
+            </a:r>
+          </a:p>
+          <a:p>
+            <a:pPr lvl="1"/>
+            <a:r>
+              <a:rPr lang="en-US" dirty="0">
+                <a:solidFill>
+                  <a:srgbClr val="E46C0A"/>
+                </a:solidFill>
+              </a:rPr>
+              <a:t>perform asynchronous operations or background processing</a:t>
+            </a:r>
+          </a:p>
+          <a:p>
+            <a:pPr lvl="1"/>
+            <a:r>
+              <a:rPr lang="en-US" dirty="0">
+                <a:solidFill>
+                  <a:srgbClr val="E46C0A"/>
+                </a:solidFill>
+              </a:rPr>
+              <a:t>take advantage of multiprocessor systems</a:t>
+            </a:r>
+          </a:p>
+        </p:txBody>
+      </p:sp>
+    </p:spTree>
+    <p:extLst>
+      <p:ext uri="{BB962C8B-B14F-4D97-AF65-F5344CB8AC3E}">
+        <p14:creationId xmlns:p14="http://schemas.microsoft.com/office/powerpoint/2010/main" val="3666476076"/>
+      </p:ext>
+    </p:extLst>
+  </p:cSld>
+  <p:clrMapOvr>
+    <a:masterClrMapping/>
+  </p:clrMapOvr>
+</p:sld>
+</file>
+
+<file path=ppt/slides/slide60.xml><?xml version="1.0" encoding="utf-8"?>
+<p:sld xmlns:a="http://schemas.openxmlformats.org/drawingml/2006/main" xmlns:r="http://schemas.openxmlformats.org/officeDocument/2006/relationships" xmlns:p="http://schemas.openxmlformats.org/presentationml/2006/main">
+  <p:cSld>
+    <p:spTree>
+      <p:nvGrpSpPr>
+        <p:cNvPr id="1" name=""/>
+        <p:cNvGrpSpPr/>
+        <p:nvPr/>
+      </p:nvGrpSpPr>
+      <p:grpSpPr>
+        <a:xfrm>
+          <a:off x="0" y="0"/>
+          <a:ext cx="0" cy="0"/>
+          <a:chOff x="0" y="0"/>
+          <a:chExt cx="0" cy="0"/>
+        </a:xfrm>
+      </p:grpSpPr>
+      <p:sp>
+        <p:nvSpPr>
+          <p:cNvPr id="2" name="Title 1"/>
+          <p:cNvSpPr>
+            <a:spLocks noGrp="1"/>
+          </p:cNvSpPr>
+          <p:nvPr>
+            <p:ph type="title"/>
+          </p:nvPr>
+        </p:nvSpPr>
+        <p:spPr/>
+        <p:txBody>
           <a:bodyPr>
             <a:normAutofit/>
           </a:bodyPr>
@@ -15350,7 +15251,7 @@
 </p:sld>
 </file>
 
-<file path=ppt/slides/slide63.xml><?xml version="1.0" encoding="utf-8"?>
+<file path=ppt/slides/slide61.xml><?xml version="1.0" encoding="utf-8"?>
 <p:sld xmlns:a="http://schemas.openxmlformats.org/drawingml/2006/main" xmlns:r="http://schemas.openxmlformats.org/officeDocument/2006/relationships" xmlns:p="http://schemas.openxmlformats.org/presentationml/2006/main">
   <p:cSld>
     <p:spTree>
@@ -15432,7 +15333,7 @@
 </p:sld>
 </file>
 
-<file path=ppt/slides/slide64.xml><?xml version="1.0" encoding="utf-8"?>
+<file path=ppt/slides/slide62.xml><?xml version="1.0" encoding="utf-8"?>
 <p:sld xmlns:a="http://schemas.openxmlformats.org/drawingml/2006/main" xmlns:r="http://schemas.openxmlformats.org/officeDocument/2006/relationships" xmlns:p="http://schemas.openxmlformats.org/presentationml/2006/main">
   <p:cSld>
     <p:spTree>
@@ -15537,6 +15438,151 @@
     <p:extLst>
       <p:ext uri="{BB962C8B-B14F-4D97-AF65-F5344CB8AC3E}">
         <p14:creationId xmlns:p14="http://schemas.microsoft.com/office/powerpoint/2010/main" val="3331752194"/>
+      </p:ext>
+    </p:extLst>
+  </p:cSld>
+  <p:clrMapOvr>
+    <a:masterClrMapping/>
+  </p:clrMapOvr>
+</p:sld>
+</file>
+
+<file path=ppt/slides/slide63.xml><?xml version="1.0" encoding="utf-8"?>
+<p:sld xmlns:a="http://schemas.openxmlformats.org/drawingml/2006/main" xmlns:r="http://schemas.openxmlformats.org/officeDocument/2006/relationships" xmlns:p="http://schemas.openxmlformats.org/presentationml/2006/main">
+  <p:cSld>
+    <p:spTree>
+      <p:nvGrpSpPr>
+        <p:cNvPr id="1" name=""/>
+        <p:cNvGrpSpPr/>
+        <p:nvPr/>
+      </p:nvGrpSpPr>
+      <p:grpSpPr>
+        <a:xfrm>
+          <a:off x="0" y="0"/>
+          <a:ext cx="0" cy="0"/>
+          <a:chOff x="0" y="0"/>
+          <a:chExt cx="0" cy="0"/>
+        </a:xfrm>
+      </p:grpSpPr>
+      <p:sp>
+        <p:nvSpPr>
+          <p:cNvPr id="4" name="Slide Number Placeholder 3">
+            <a:extLst>
+              <a:ext uri="{FF2B5EF4-FFF2-40B4-BE49-F238E27FC236}">
+                <a16:creationId xmlns:a16="http://schemas.microsoft.com/office/drawing/2014/main" id="{89667253-5EDA-B5AD-1981-048ADF7C97CC}"/>
+              </a:ext>
+            </a:extLst>
+          </p:cNvPr>
+          <p:cNvSpPr>
+            <a:spLocks noGrp="1"/>
+          </p:cNvSpPr>
+          <p:nvPr>
+            <p:ph type="sldNum" sz="quarter" idx="12"/>
+          </p:nvPr>
+        </p:nvSpPr>
+        <p:spPr/>
+        <p:txBody>
+          <a:bodyPr/>
+          <a:lstStyle/>
+          <a:p>
+            <a:fld id="{D2040F39-7941-49A4-B48D-F201B18B6351}" type="slidenum">
+              <a:rPr lang="it-IT" smtClean="0"/>
+              <a:pPr/>
+              <a:t>63</a:t>
+            </a:fld>
+            <a:endParaRPr lang="it-IT" dirty="0"/>
+          </a:p>
+        </p:txBody>
+      </p:sp>
+      <p:sp>
+        <p:nvSpPr>
+          <p:cNvPr id="7" name="Rectangle 6">
+            <a:extLst>
+              <a:ext uri="{FF2B5EF4-FFF2-40B4-BE49-F238E27FC236}">
+                <a16:creationId xmlns:a16="http://schemas.microsoft.com/office/drawing/2014/main" id="{D213CC7E-834B-31D5-95E3-85DBD93D215D}"/>
+              </a:ext>
+            </a:extLst>
+          </p:cNvPr>
+          <p:cNvSpPr/>
+          <p:nvPr/>
+        </p:nvSpPr>
+        <p:spPr>
+          <a:xfrm>
+            <a:off x="0" y="5489848"/>
+            <a:ext cx="1872208" cy="1368152"/>
+          </a:xfrm>
+          <a:prstGeom prst="rect">
+            <a:avLst/>
+          </a:prstGeom>
+          <a:solidFill>
+            <a:schemeClr val="bg1"/>
+          </a:solidFill>
+          <a:ln>
+            <a:noFill/>
+          </a:ln>
+        </p:spPr>
+        <p:style>
+          <a:lnRef idx="2">
+            <a:schemeClr val="dk1"/>
+          </a:lnRef>
+          <a:fillRef idx="1">
+            <a:schemeClr val="lt1"/>
+          </a:fillRef>
+          <a:effectRef idx="0">
+            <a:schemeClr val="dk1"/>
+          </a:effectRef>
+          <a:fontRef idx="minor">
+            <a:schemeClr val="dk1"/>
+          </a:fontRef>
+        </p:style>
+        <p:txBody>
+          <a:bodyPr rtlCol="0" anchor="ctr"/>
+          <a:lstStyle/>
+          <a:p>
+            <a:pPr algn="ctr"/>
+            <a:endParaRPr lang="en-IT"/>
+          </a:p>
+        </p:txBody>
+      </p:sp>
+      <p:pic>
+        <p:nvPicPr>
+          <p:cNvPr id="6" name="Picture 5">
+            <a:extLst>
+              <a:ext uri="{FF2B5EF4-FFF2-40B4-BE49-F238E27FC236}">
+                <a16:creationId xmlns:a16="http://schemas.microsoft.com/office/drawing/2014/main" id="{A1656188-C936-4EE2-1EF3-67600268AD51}"/>
+              </a:ext>
+            </a:extLst>
+          </p:cNvPr>
+          <p:cNvPicPr>
+            <a:picLocks noChangeAspect="1"/>
+          </p:cNvPicPr>
+          <p:nvPr/>
+        </p:nvPicPr>
+        <p:blipFill rotWithShape="1">
+          <a:blip r:embed="rId2">
+            <a:extLst>
+              <a:ext uri="{28A0092B-C50C-407E-A947-70E740481C1C}">
+                <a14:useLocalDpi xmlns:a14="http://schemas.microsoft.com/office/drawing/2010/main" val="0"/>
+              </a:ext>
+            </a:extLst>
+          </a:blip>
+          <a:srcRect b="7902"/>
+          <a:stretch/>
+        </p:blipFill>
+        <p:spPr>
+          <a:xfrm>
+            <a:off x="811485" y="0"/>
+            <a:ext cx="10469091" cy="6813376"/>
+          </a:xfrm>
+          <a:prstGeom prst="rect">
+            <a:avLst/>
+          </a:prstGeom>
+        </p:spPr>
+      </p:pic>
+    </p:spTree>
+    <p:extLst>
+      <p:ext uri="{BB962C8B-B14F-4D97-AF65-F5344CB8AC3E}">
+        <p14:creationId xmlns:p14="http://schemas.microsoft.com/office/powerpoint/2010/main" val="1340232703"/>
       </p:ext>
     </p:extLst>
   </p:cSld>

--- a/java/slides/ppt/08 - Java Multi-Threading.pptx
+++ b/java/slides/ppt/08 - Java Multi-Threading.pptx
@@ -285,7 +285,7 @@
           <a:p>
             <a:fld id="{5591E39A-28E5-5D4D-B97C-ECEB96F19817}" type="datetimeFigureOut">
               <a:rPr lang="en-IT" smtClean="0"/>
-              <a:t>27/04/22</a:t>
+              <a:t>28/04/22</a:t>
             </a:fld>
             <a:endParaRPr lang="en-IT"/>
           </a:p>
@@ -464,7 +464,7 @@
             <a:fld id="{BAEB7694-8561-4BE2-948D-EDF7A201F8BB}" type="datetimeFigureOut">
               <a:rPr lang="it-IT" smtClean="0"/>
               <a:pPr/>
-              <a:t>27/04/22</a:t>
+              <a:t>28/04/22</a:t>
             </a:fld>
             <a:endParaRPr lang="it-IT"/>
           </a:p>
